--- a/figures/resources/spatial_calibration.pptx
+++ b/figures/resources/spatial_calibration.pptx
@@ -4,6 +4,9 @@
   <p:sldMasterIdLst>
     <p:sldMasterId id="2147483660" r:id="rId1"/>
   </p:sldMasterIdLst>
+  <p:notesMasterIdLst>
+    <p:notesMasterId r:id="rId3"/>
+  </p:notesMasterIdLst>
   <p:sldIdLst>
     <p:sldId id="256" r:id="rId2"/>
   </p:sldIdLst>
@@ -112,6 +115,458 @@
 </p:presentation>
 </file>
 
+<file path=ppt/notesMasters/notesMaster1.xml><?xml version="1.0" encoding="utf-8"?>
+<p:notesMaster xmlns:a="http://schemas.openxmlformats.org/drawingml/2006/main" xmlns:r="http://schemas.openxmlformats.org/officeDocument/2006/relationships" xmlns:p="http://schemas.openxmlformats.org/presentationml/2006/main">
+  <p:cSld>
+    <p:bg>
+      <p:bgRef idx="1001">
+        <a:schemeClr val="bg1"/>
+      </p:bgRef>
+    </p:bg>
+    <p:spTree>
+      <p:nvGrpSpPr>
+        <p:cNvPr id="1" name=""/>
+        <p:cNvGrpSpPr/>
+        <p:nvPr/>
+      </p:nvGrpSpPr>
+      <p:grpSpPr>
+        <a:xfrm>
+          <a:off x="0" y="0"/>
+          <a:ext cx="0" cy="0"/>
+          <a:chOff x="0" y="0"/>
+          <a:chExt cx="0" cy="0"/>
+        </a:xfrm>
+      </p:grpSpPr>
+      <p:sp>
+        <p:nvSpPr>
+          <p:cNvPr id="2" name="Header Placeholder 1"/>
+          <p:cNvSpPr>
+            <a:spLocks noGrp="1"/>
+          </p:cNvSpPr>
+          <p:nvPr>
+            <p:ph type="hdr" sz="quarter"/>
+          </p:nvPr>
+        </p:nvSpPr>
+        <p:spPr>
+          <a:xfrm>
+            <a:off x="0" y="0"/>
+            <a:ext cx="2971800" cy="458788"/>
+          </a:xfrm>
+          <a:prstGeom prst="rect">
+            <a:avLst/>
+          </a:prstGeom>
+        </p:spPr>
+        <p:txBody>
+          <a:bodyPr vert="horz" lIns="91440" tIns="45720" rIns="91440" bIns="45720" rtlCol="0"/>
+          <a:lstStyle>
+            <a:lvl1pPr algn="l">
+              <a:defRPr sz="1200"/>
+            </a:lvl1pPr>
+          </a:lstStyle>
+          <a:p>
+            <a:endParaRPr lang="de-DE"/>
+          </a:p>
+        </p:txBody>
+      </p:sp>
+      <p:sp>
+        <p:nvSpPr>
+          <p:cNvPr id="3" name="Date Placeholder 2"/>
+          <p:cNvSpPr>
+            <a:spLocks noGrp="1"/>
+          </p:cNvSpPr>
+          <p:nvPr>
+            <p:ph type="dt" idx="1"/>
+          </p:nvPr>
+        </p:nvSpPr>
+        <p:spPr>
+          <a:xfrm>
+            <a:off x="3884613" y="0"/>
+            <a:ext cx="2971800" cy="458788"/>
+          </a:xfrm>
+          <a:prstGeom prst="rect">
+            <a:avLst/>
+          </a:prstGeom>
+        </p:spPr>
+        <p:txBody>
+          <a:bodyPr vert="horz" lIns="91440" tIns="45720" rIns="91440" bIns="45720" rtlCol="0"/>
+          <a:lstStyle>
+            <a:lvl1pPr algn="r">
+              <a:defRPr sz="1200"/>
+            </a:lvl1pPr>
+          </a:lstStyle>
+          <a:p>
+            <a:fld id="{0DE32CF7-9C27-294A-90C4-3E35094C4601}" type="datetimeFigureOut">
+              <a:rPr lang="de-DE" smtClean="0"/>
+              <a:t>18.01.22</a:t>
+            </a:fld>
+            <a:endParaRPr lang="de-DE"/>
+          </a:p>
+        </p:txBody>
+      </p:sp>
+      <p:sp>
+        <p:nvSpPr>
+          <p:cNvPr id="4" name="Slide Image Placeholder 3"/>
+          <p:cNvSpPr>
+            <a:spLocks noGrp="1" noRot="1" noChangeAspect="1"/>
+          </p:cNvSpPr>
+          <p:nvPr>
+            <p:ph type="sldImg" idx="2"/>
+          </p:nvPr>
+        </p:nvSpPr>
+        <p:spPr>
+          <a:xfrm>
+            <a:off x="1371600" y="1143000"/>
+            <a:ext cx="4114800" cy="3086100"/>
+          </a:xfrm>
+          <a:prstGeom prst="rect">
+            <a:avLst/>
+          </a:prstGeom>
+          <a:noFill/>
+          <a:ln w="12700">
+            <a:solidFill>
+              <a:prstClr val="black"/>
+            </a:solidFill>
+          </a:ln>
+        </p:spPr>
+        <p:txBody>
+          <a:bodyPr vert="horz" lIns="91440" tIns="45720" rIns="91440" bIns="45720" rtlCol="0" anchor="ctr"/>
+          <a:lstStyle/>
+          <a:p>
+            <a:endParaRPr lang="de-DE"/>
+          </a:p>
+        </p:txBody>
+      </p:sp>
+      <p:sp>
+        <p:nvSpPr>
+          <p:cNvPr id="5" name="Notes Placeholder 4"/>
+          <p:cNvSpPr>
+            <a:spLocks noGrp="1"/>
+          </p:cNvSpPr>
+          <p:nvPr>
+            <p:ph type="body" sz="quarter" idx="3"/>
+          </p:nvPr>
+        </p:nvSpPr>
+        <p:spPr>
+          <a:xfrm>
+            <a:off x="685800" y="4400550"/>
+            <a:ext cx="5486400" cy="3600450"/>
+          </a:xfrm>
+          <a:prstGeom prst="rect">
+            <a:avLst/>
+          </a:prstGeom>
+        </p:spPr>
+        <p:txBody>
+          <a:bodyPr vert="horz" lIns="91440" tIns="45720" rIns="91440" bIns="45720" rtlCol="0"/>
+          <a:lstStyle/>
+          <a:p>
+            <a:pPr lvl="0"/>
+            <a:r>
+              <a:rPr lang="en-US"/>
+              <a:t>Edit Master text styles</a:t>
+            </a:r>
+          </a:p>
+          <a:p>
+            <a:pPr lvl="1"/>
+            <a:r>
+              <a:rPr lang="en-US"/>
+              <a:t>Second level</a:t>
+            </a:r>
+          </a:p>
+          <a:p>
+            <a:pPr lvl="2"/>
+            <a:r>
+              <a:rPr lang="en-US"/>
+              <a:t>Third level</a:t>
+            </a:r>
+          </a:p>
+          <a:p>
+            <a:pPr lvl="3"/>
+            <a:r>
+              <a:rPr lang="en-US"/>
+              <a:t>Fourth level</a:t>
+            </a:r>
+          </a:p>
+          <a:p>
+            <a:pPr lvl="4"/>
+            <a:r>
+              <a:rPr lang="en-US"/>
+              <a:t>Fifth level</a:t>
+            </a:r>
+            <a:endParaRPr lang="de-DE"/>
+          </a:p>
+        </p:txBody>
+      </p:sp>
+      <p:sp>
+        <p:nvSpPr>
+          <p:cNvPr id="6" name="Footer Placeholder 5"/>
+          <p:cNvSpPr>
+            <a:spLocks noGrp="1"/>
+          </p:cNvSpPr>
+          <p:nvPr>
+            <p:ph type="ftr" sz="quarter" idx="4"/>
+          </p:nvPr>
+        </p:nvSpPr>
+        <p:spPr>
+          <a:xfrm>
+            <a:off x="0" y="8685213"/>
+            <a:ext cx="2971800" cy="458787"/>
+          </a:xfrm>
+          <a:prstGeom prst="rect">
+            <a:avLst/>
+          </a:prstGeom>
+        </p:spPr>
+        <p:txBody>
+          <a:bodyPr vert="horz" lIns="91440" tIns="45720" rIns="91440" bIns="45720" rtlCol="0" anchor="b"/>
+          <a:lstStyle>
+            <a:lvl1pPr algn="l">
+              <a:defRPr sz="1200"/>
+            </a:lvl1pPr>
+          </a:lstStyle>
+          <a:p>
+            <a:endParaRPr lang="de-DE"/>
+          </a:p>
+        </p:txBody>
+      </p:sp>
+      <p:sp>
+        <p:nvSpPr>
+          <p:cNvPr id="7" name="Slide Number Placeholder 6"/>
+          <p:cNvSpPr>
+            <a:spLocks noGrp="1"/>
+          </p:cNvSpPr>
+          <p:nvPr>
+            <p:ph type="sldNum" sz="quarter" idx="5"/>
+          </p:nvPr>
+        </p:nvSpPr>
+        <p:spPr>
+          <a:xfrm>
+            <a:off x="3884613" y="8685213"/>
+            <a:ext cx="2971800" cy="458787"/>
+          </a:xfrm>
+          <a:prstGeom prst="rect">
+            <a:avLst/>
+          </a:prstGeom>
+        </p:spPr>
+        <p:txBody>
+          <a:bodyPr vert="horz" lIns="91440" tIns="45720" rIns="91440" bIns="45720" rtlCol="0" anchor="b"/>
+          <a:lstStyle>
+            <a:lvl1pPr algn="r">
+              <a:defRPr sz="1200"/>
+            </a:lvl1pPr>
+          </a:lstStyle>
+          <a:p>
+            <a:fld id="{926C4596-9333-5B48-AF09-D4A72557A3A4}" type="slidenum">
+              <a:rPr lang="de-DE" smtClean="0"/>
+              <a:t>‹#›</a:t>
+            </a:fld>
+            <a:endParaRPr lang="de-DE"/>
+          </a:p>
+        </p:txBody>
+      </p:sp>
+    </p:spTree>
+    <p:extLst>
+      <p:ext uri="{BB962C8B-B14F-4D97-AF65-F5344CB8AC3E}">
+        <p14:creationId xmlns:p14="http://schemas.microsoft.com/office/powerpoint/2010/main" val="2536004762"/>
+      </p:ext>
+    </p:extLst>
+  </p:cSld>
+  <p:clrMap bg1="lt1" tx1="dk1" bg2="lt2" tx2="dk2" accent1="accent1" accent2="accent2" accent3="accent3" accent4="accent4" accent5="accent5" accent6="accent6" hlink="hlink" folHlink="folHlink"/>
+  <p:notesStyle>
+    <a:lvl1pPr marL="0" algn="l" defTabSz="914400" rtl="0" eaLnBrk="1" latinLnBrk="0" hangingPunct="1">
+      <a:defRPr sz="1200" kern="1200">
+        <a:solidFill>
+          <a:schemeClr val="tx1"/>
+        </a:solidFill>
+        <a:latin typeface="+mn-lt"/>
+        <a:ea typeface="+mn-ea"/>
+        <a:cs typeface="+mn-cs"/>
+      </a:defRPr>
+    </a:lvl1pPr>
+    <a:lvl2pPr marL="457200" algn="l" defTabSz="914400" rtl="0" eaLnBrk="1" latinLnBrk="0" hangingPunct="1">
+      <a:defRPr sz="1200" kern="1200">
+        <a:solidFill>
+          <a:schemeClr val="tx1"/>
+        </a:solidFill>
+        <a:latin typeface="+mn-lt"/>
+        <a:ea typeface="+mn-ea"/>
+        <a:cs typeface="+mn-cs"/>
+      </a:defRPr>
+    </a:lvl2pPr>
+    <a:lvl3pPr marL="914400" algn="l" defTabSz="914400" rtl="0" eaLnBrk="1" latinLnBrk="0" hangingPunct="1">
+      <a:defRPr sz="1200" kern="1200">
+        <a:solidFill>
+          <a:schemeClr val="tx1"/>
+        </a:solidFill>
+        <a:latin typeface="+mn-lt"/>
+        <a:ea typeface="+mn-ea"/>
+        <a:cs typeface="+mn-cs"/>
+      </a:defRPr>
+    </a:lvl3pPr>
+    <a:lvl4pPr marL="1371600" algn="l" defTabSz="914400" rtl="0" eaLnBrk="1" latinLnBrk="0" hangingPunct="1">
+      <a:defRPr sz="1200" kern="1200">
+        <a:solidFill>
+          <a:schemeClr val="tx1"/>
+        </a:solidFill>
+        <a:latin typeface="+mn-lt"/>
+        <a:ea typeface="+mn-ea"/>
+        <a:cs typeface="+mn-cs"/>
+      </a:defRPr>
+    </a:lvl4pPr>
+    <a:lvl5pPr marL="1828800" algn="l" defTabSz="914400" rtl="0" eaLnBrk="1" latinLnBrk="0" hangingPunct="1">
+      <a:defRPr sz="1200" kern="1200">
+        <a:solidFill>
+          <a:schemeClr val="tx1"/>
+        </a:solidFill>
+        <a:latin typeface="+mn-lt"/>
+        <a:ea typeface="+mn-ea"/>
+        <a:cs typeface="+mn-cs"/>
+      </a:defRPr>
+    </a:lvl5pPr>
+    <a:lvl6pPr marL="2286000" algn="l" defTabSz="914400" rtl="0" eaLnBrk="1" latinLnBrk="0" hangingPunct="1">
+      <a:defRPr sz="1200" kern="1200">
+        <a:solidFill>
+          <a:schemeClr val="tx1"/>
+        </a:solidFill>
+        <a:latin typeface="+mn-lt"/>
+        <a:ea typeface="+mn-ea"/>
+        <a:cs typeface="+mn-cs"/>
+      </a:defRPr>
+    </a:lvl6pPr>
+    <a:lvl7pPr marL="2743200" algn="l" defTabSz="914400" rtl="0" eaLnBrk="1" latinLnBrk="0" hangingPunct="1">
+      <a:defRPr sz="1200" kern="1200">
+        <a:solidFill>
+          <a:schemeClr val="tx1"/>
+        </a:solidFill>
+        <a:latin typeface="+mn-lt"/>
+        <a:ea typeface="+mn-ea"/>
+        <a:cs typeface="+mn-cs"/>
+      </a:defRPr>
+    </a:lvl7pPr>
+    <a:lvl8pPr marL="3200400" algn="l" defTabSz="914400" rtl="0" eaLnBrk="1" latinLnBrk="0" hangingPunct="1">
+      <a:defRPr sz="1200" kern="1200">
+        <a:solidFill>
+          <a:schemeClr val="tx1"/>
+        </a:solidFill>
+        <a:latin typeface="+mn-lt"/>
+        <a:ea typeface="+mn-ea"/>
+        <a:cs typeface="+mn-cs"/>
+      </a:defRPr>
+    </a:lvl8pPr>
+    <a:lvl9pPr marL="3657600" algn="l" defTabSz="914400" rtl="0" eaLnBrk="1" latinLnBrk="0" hangingPunct="1">
+      <a:defRPr sz="1200" kern="1200">
+        <a:solidFill>
+          <a:schemeClr val="tx1"/>
+        </a:solidFill>
+        <a:latin typeface="+mn-lt"/>
+        <a:ea typeface="+mn-ea"/>
+        <a:cs typeface="+mn-cs"/>
+      </a:defRPr>
+    </a:lvl9pPr>
+  </p:notesStyle>
+</p:notesMaster>
+</file>
+
+<file path=ppt/notesSlides/notesSlide1.xml><?xml version="1.0" encoding="utf-8"?>
+<p:notes xmlns:a="http://schemas.openxmlformats.org/drawingml/2006/main" xmlns:r="http://schemas.openxmlformats.org/officeDocument/2006/relationships" xmlns:p="http://schemas.openxmlformats.org/presentationml/2006/main">
+  <p:cSld>
+    <p:spTree>
+      <p:nvGrpSpPr>
+        <p:cNvPr id="1" name=""/>
+        <p:cNvGrpSpPr/>
+        <p:nvPr/>
+      </p:nvGrpSpPr>
+      <p:grpSpPr>
+        <a:xfrm>
+          <a:off x="0" y="0"/>
+          <a:ext cx="0" cy="0"/>
+          <a:chOff x="0" y="0"/>
+          <a:chExt cx="0" cy="0"/>
+        </a:xfrm>
+      </p:grpSpPr>
+      <p:sp>
+        <p:nvSpPr>
+          <p:cNvPr id="2" name="Slide Image Placeholder 1"/>
+          <p:cNvSpPr>
+            <a:spLocks noGrp="1" noRot="1" noChangeAspect="1"/>
+          </p:cNvSpPr>
+          <p:nvPr>
+            <p:ph type="sldImg"/>
+          </p:nvPr>
+        </p:nvSpPr>
+        <p:spPr/>
+      </p:sp>
+      <p:sp>
+        <p:nvSpPr>
+          <p:cNvPr id="3" name="Notes Placeholder 2"/>
+          <p:cNvSpPr>
+            <a:spLocks noGrp="1"/>
+          </p:cNvSpPr>
+          <p:nvPr>
+            <p:ph type="body" idx="1"/>
+          </p:nvPr>
+        </p:nvSpPr>
+        <p:spPr/>
+        <p:txBody>
+          <a:bodyPr/>
+          <a:lstStyle/>
+          <a:p>
+            <a:r>
+              <a:rPr lang="de-DE" dirty="0" err="1"/>
+              <a:t>Example</a:t>
+            </a:r>
+            <a:r>
+              <a:rPr lang="de-DE" dirty="0"/>
+              <a:t> </a:t>
+            </a:r>
+            <a:r>
+              <a:rPr lang="de-DE" dirty="0" err="1"/>
+              <a:t>image</a:t>
+            </a:r>
+            <a:r>
+              <a:rPr lang="de-DE" dirty="0"/>
+              <a:t>: xy_8bit__nucleus_calibrated.tif</a:t>
+            </a:r>
+          </a:p>
+          <a:p>
+            <a:endParaRPr lang="de-DE" dirty="0"/>
+          </a:p>
+        </p:txBody>
+      </p:sp>
+      <p:sp>
+        <p:nvSpPr>
+          <p:cNvPr id="4" name="Slide Number Placeholder 3"/>
+          <p:cNvSpPr>
+            <a:spLocks noGrp="1"/>
+          </p:cNvSpPr>
+          <p:nvPr>
+            <p:ph type="sldNum" sz="quarter" idx="5"/>
+          </p:nvPr>
+        </p:nvSpPr>
+        <p:spPr/>
+        <p:txBody>
+          <a:bodyPr/>
+          <a:lstStyle/>
+          <a:p>
+            <a:fld id="{926C4596-9333-5B48-AF09-D4A72557A3A4}" type="slidenum">
+              <a:rPr lang="de-DE" smtClean="0"/>
+              <a:t>1</a:t>
+            </a:fld>
+            <a:endParaRPr lang="de-DE"/>
+          </a:p>
+        </p:txBody>
+      </p:sp>
+    </p:spTree>
+    <p:extLst>
+      <p:ext uri="{BB962C8B-B14F-4D97-AF65-F5344CB8AC3E}">
+        <p14:creationId xmlns:p14="http://schemas.microsoft.com/office/powerpoint/2010/main" val="1749344499"/>
+      </p:ext>
+    </p:extLst>
+  </p:cSld>
+  <p:clrMapOvr>
+    <a:masterClrMapping/>
+  </p:clrMapOvr>
+</p:notes>
+</file>
+
 <file path=ppt/slideLayouts/slideLayout1.xml><?xml version="1.0" encoding="utf-8"?>
 <p:sldLayout xmlns:a="http://schemas.openxmlformats.org/drawingml/2006/main" xmlns:r="http://schemas.openxmlformats.org/officeDocument/2006/relationships" xmlns:p="http://schemas.openxmlformats.org/presentationml/2006/main" type="title" preserve="1">
   <p:cSld name="Title Slide">
@@ -154,7 +609,7 @@
           </a:lstStyle>
           <a:p>
             <a:r>
-              <a:rPr lang="en-US" smtClean="0"/>
+              <a:rPr lang="en-US"/>
               <a:t>Click to edit Master title style</a:t>
             </a:r>
             <a:endParaRPr lang="en-US" dirty="0"/>
@@ -219,7 +674,7 @@
           </a:lstStyle>
           <a:p>
             <a:r>
-              <a:rPr lang="en-US" smtClean="0"/>
+              <a:rPr lang="en-US"/>
               <a:t>Click to edit Master subtitle style</a:t>
             </a:r>
             <a:endParaRPr lang="en-US" dirty="0"/>
@@ -243,7 +698,7 @@
           <a:p>
             <a:fld id="{F21C5B54-884B-447C-A969-012169FE4C38}" type="datetimeFigureOut">
               <a:rPr lang="en-US" smtClean="0"/>
-              <a:t>24-Jan-21</a:t>
+              <a:t>1/18/22</a:t>
             </a:fld>
             <a:endParaRPr lang="en-US"/>
           </a:p>
@@ -337,7 +792,7 @@
           <a:lstStyle/>
           <a:p>
             <a:r>
-              <a:rPr lang="en-US" smtClean="0"/>
+              <a:rPr lang="en-US"/>
               <a:t>Click to edit Master title style</a:t>
             </a:r>
             <a:endParaRPr lang="en-US" dirty="0"/>
@@ -361,35 +816,35 @@
           <a:p>
             <a:pPr lvl="0"/>
             <a:r>
-              <a:rPr lang="en-US" smtClean="0"/>
+              <a:rPr lang="en-US"/>
               <a:t>Edit Master text styles</a:t>
             </a:r>
           </a:p>
           <a:p>
             <a:pPr lvl="1"/>
             <a:r>
-              <a:rPr lang="en-US" smtClean="0"/>
+              <a:rPr lang="en-US"/>
               <a:t>Second level</a:t>
             </a:r>
           </a:p>
           <a:p>
             <a:pPr lvl="2"/>
             <a:r>
-              <a:rPr lang="en-US" smtClean="0"/>
+              <a:rPr lang="en-US"/>
               <a:t>Third level</a:t>
             </a:r>
           </a:p>
           <a:p>
             <a:pPr lvl="3"/>
             <a:r>
-              <a:rPr lang="en-US" smtClean="0"/>
+              <a:rPr lang="en-US"/>
               <a:t>Fourth level</a:t>
             </a:r>
           </a:p>
           <a:p>
             <a:pPr lvl="4"/>
             <a:r>
-              <a:rPr lang="en-US" smtClean="0"/>
+              <a:rPr lang="en-US"/>
               <a:t>Fifth level</a:t>
             </a:r>
             <a:endParaRPr lang="en-US" dirty="0"/>
@@ -413,7 +868,7 @@
           <a:p>
             <a:fld id="{F21C5B54-884B-447C-A969-012169FE4C38}" type="datetimeFigureOut">
               <a:rPr lang="en-US" smtClean="0"/>
-              <a:t>24-Jan-21</a:t>
+              <a:t>1/18/22</a:t>
             </a:fld>
             <a:endParaRPr lang="en-US"/>
           </a:p>
@@ -512,7 +967,7 @@
           <a:lstStyle/>
           <a:p>
             <a:r>
-              <a:rPr lang="en-US" smtClean="0"/>
+              <a:rPr lang="en-US"/>
               <a:t>Click to edit Master title style</a:t>
             </a:r>
             <a:endParaRPr lang="en-US" dirty="0"/>
@@ -541,35 +996,35 @@
           <a:p>
             <a:pPr lvl="0"/>
             <a:r>
-              <a:rPr lang="en-US" smtClean="0"/>
+              <a:rPr lang="en-US"/>
               <a:t>Edit Master text styles</a:t>
             </a:r>
           </a:p>
           <a:p>
             <a:pPr lvl="1"/>
             <a:r>
-              <a:rPr lang="en-US" smtClean="0"/>
+              <a:rPr lang="en-US"/>
               <a:t>Second level</a:t>
             </a:r>
           </a:p>
           <a:p>
             <a:pPr lvl="2"/>
             <a:r>
-              <a:rPr lang="en-US" smtClean="0"/>
+              <a:rPr lang="en-US"/>
               <a:t>Third level</a:t>
             </a:r>
           </a:p>
           <a:p>
             <a:pPr lvl="3"/>
             <a:r>
-              <a:rPr lang="en-US" smtClean="0"/>
+              <a:rPr lang="en-US"/>
               <a:t>Fourth level</a:t>
             </a:r>
           </a:p>
           <a:p>
             <a:pPr lvl="4"/>
             <a:r>
-              <a:rPr lang="en-US" smtClean="0"/>
+              <a:rPr lang="en-US"/>
               <a:t>Fifth level</a:t>
             </a:r>
             <a:endParaRPr lang="en-US" dirty="0"/>
@@ -593,7 +1048,7 @@
           <a:p>
             <a:fld id="{F21C5B54-884B-447C-A969-012169FE4C38}" type="datetimeFigureOut">
               <a:rPr lang="en-US" smtClean="0"/>
-              <a:t>24-Jan-21</a:t>
+              <a:t>1/18/22</a:t>
             </a:fld>
             <a:endParaRPr lang="en-US"/>
           </a:p>
@@ -687,7 +1142,7 @@
           <a:lstStyle/>
           <a:p>
             <a:r>
-              <a:rPr lang="en-US" smtClean="0"/>
+              <a:rPr lang="en-US"/>
               <a:t>Click to edit Master title style</a:t>
             </a:r>
             <a:endParaRPr lang="en-US" dirty="0"/>
@@ -711,35 +1166,35 @@
           <a:p>
             <a:pPr lvl="0"/>
             <a:r>
-              <a:rPr lang="en-US" smtClean="0"/>
+              <a:rPr lang="en-US"/>
               <a:t>Edit Master text styles</a:t>
             </a:r>
           </a:p>
           <a:p>
             <a:pPr lvl="1"/>
             <a:r>
-              <a:rPr lang="en-US" smtClean="0"/>
+              <a:rPr lang="en-US"/>
               <a:t>Second level</a:t>
             </a:r>
           </a:p>
           <a:p>
             <a:pPr lvl="2"/>
             <a:r>
-              <a:rPr lang="en-US" smtClean="0"/>
+              <a:rPr lang="en-US"/>
               <a:t>Third level</a:t>
             </a:r>
           </a:p>
           <a:p>
             <a:pPr lvl="3"/>
             <a:r>
-              <a:rPr lang="en-US" smtClean="0"/>
+              <a:rPr lang="en-US"/>
               <a:t>Fourth level</a:t>
             </a:r>
           </a:p>
           <a:p>
             <a:pPr lvl="4"/>
             <a:r>
-              <a:rPr lang="en-US" smtClean="0"/>
+              <a:rPr lang="en-US"/>
               <a:t>Fifth level</a:t>
             </a:r>
             <a:endParaRPr lang="en-US" dirty="0"/>
@@ -763,7 +1218,7 @@
           <a:p>
             <a:fld id="{F21C5B54-884B-447C-A969-012169FE4C38}" type="datetimeFigureOut">
               <a:rPr lang="en-US" smtClean="0"/>
-              <a:t>24-Jan-21</a:t>
+              <a:t>1/18/22</a:t>
             </a:fld>
             <a:endParaRPr lang="en-US"/>
           </a:p>
@@ -866,7 +1321,7 @@
           </a:lstStyle>
           <a:p>
             <a:r>
-              <a:rPr lang="en-US" smtClean="0"/>
+              <a:rPr lang="en-US"/>
               <a:t>Click to edit Master title style</a:t>
             </a:r>
             <a:endParaRPr lang="en-US" dirty="0"/>
@@ -984,7 +1439,7 @@
           <a:p>
             <a:pPr lvl="0"/>
             <a:r>
-              <a:rPr lang="en-US" smtClean="0"/>
+              <a:rPr lang="en-US"/>
               <a:t>Edit Master text styles</a:t>
             </a:r>
           </a:p>
@@ -1007,7 +1462,7 @@
           <a:p>
             <a:fld id="{F21C5B54-884B-447C-A969-012169FE4C38}" type="datetimeFigureOut">
               <a:rPr lang="en-US" smtClean="0"/>
-              <a:t>24-Jan-21</a:t>
+              <a:t>1/18/22</a:t>
             </a:fld>
             <a:endParaRPr lang="en-US"/>
           </a:p>
@@ -1101,7 +1556,7 @@
           <a:lstStyle/>
           <a:p>
             <a:r>
-              <a:rPr lang="en-US" smtClean="0"/>
+              <a:rPr lang="en-US"/>
               <a:t>Click to edit Master title style</a:t>
             </a:r>
             <a:endParaRPr lang="en-US" dirty="0"/>
@@ -1130,35 +1585,35 @@
           <a:p>
             <a:pPr lvl="0"/>
             <a:r>
-              <a:rPr lang="en-US" smtClean="0"/>
+              <a:rPr lang="en-US"/>
               <a:t>Edit Master text styles</a:t>
             </a:r>
           </a:p>
           <a:p>
             <a:pPr lvl="1"/>
             <a:r>
-              <a:rPr lang="en-US" smtClean="0"/>
+              <a:rPr lang="en-US"/>
               <a:t>Second level</a:t>
             </a:r>
           </a:p>
           <a:p>
             <a:pPr lvl="2"/>
             <a:r>
-              <a:rPr lang="en-US" smtClean="0"/>
+              <a:rPr lang="en-US"/>
               <a:t>Third level</a:t>
             </a:r>
           </a:p>
           <a:p>
             <a:pPr lvl="3"/>
             <a:r>
-              <a:rPr lang="en-US" smtClean="0"/>
+              <a:rPr lang="en-US"/>
               <a:t>Fourth level</a:t>
             </a:r>
           </a:p>
           <a:p>
             <a:pPr lvl="4"/>
             <a:r>
-              <a:rPr lang="en-US" smtClean="0"/>
+              <a:rPr lang="en-US"/>
               <a:t>Fifth level</a:t>
             </a:r>
             <a:endParaRPr lang="en-US" dirty="0"/>
@@ -1187,35 +1642,35 @@
           <a:p>
             <a:pPr lvl="0"/>
             <a:r>
-              <a:rPr lang="en-US" smtClean="0"/>
+              <a:rPr lang="en-US"/>
               <a:t>Edit Master text styles</a:t>
             </a:r>
           </a:p>
           <a:p>
             <a:pPr lvl="1"/>
             <a:r>
-              <a:rPr lang="en-US" smtClean="0"/>
+              <a:rPr lang="en-US"/>
               <a:t>Second level</a:t>
             </a:r>
           </a:p>
           <a:p>
             <a:pPr lvl="2"/>
             <a:r>
-              <a:rPr lang="en-US" smtClean="0"/>
+              <a:rPr lang="en-US"/>
               <a:t>Third level</a:t>
             </a:r>
           </a:p>
           <a:p>
             <a:pPr lvl="3"/>
             <a:r>
-              <a:rPr lang="en-US" smtClean="0"/>
+              <a:rPr lang="en-US"/>
               <a:t>Fourth level</a:t>
             </a:r>
           </a:p>
           <a:p>
             <a:pPr lvl="4"/>
             <a:r>
-              <a:rPr lang="en-US" smtClean="0"/>
+              <a:rPr lang="en-US"/>
               <a:t>Fifth level</a:t>
             </a:r>
             <a:endParaRPr lang="en-US" dirty="0"/>
@@ -1239,7 +1694,7 @@
           <a:p>
             <a:fld id="{F21C5B54-884B-447C-A969-012169FE4C38}" type="datetimeFigureOut">
               <a:rPr lang="en-US" smtClean="0"/>
-              <a:t>24-Jan-21</a:t>
+              <a:t>1/18/22</a:t>
             </a:fld>
             <a:endParaRPr lang="en-US"/>
           </a:p>
@@ -1338,7 +1793,7 @@
           <a:lstStyle/>
           <a:p>
             <a:r>
-              <a:rPr lang="en-US" smtClean="0"/>
+              <a:rPr lang="en-US"/>
               <a:t>Click to edit Master title style</a:t>
             </a:r>
             <a:endParaRPr lang="en-US" dirty="0"/>
@@ -1404,7 +1859,7 @@
           <a:p>
             <a:pPr lvl="0"/>
             <a:r>
-              <a:rPr lang="en-US" smtClean="0"/>
+              <a:rPr lang="en-US"/>
               <a:t>Edit Master text styles</a:t>
             </a:r>
           </a:p>
@@ -1432,35 +1887,35 @@
           <a:p>
             <a:pPr lvl="0"/>
             <a:r>
-              <a:rPr lang="en-US" smtClean="0"/>
+              <a:rPr lang="en-US"/>
               <a:t>Edit Master text styles</a:t>
             </a:r>
           </a:p>
           <a:p>
             <a:pPr lvl="1"/>
             <a:r>
-              <a:rPr lang="en-US" smtClean="0"/>
+              <a:rPr lang="en-US"/>
               <a:t>Second level</a:t>
             </a:r>
           </a:p>
           <a:p>
             <a:pPr lvl="2"/>
             <a:r>
-              <a:rPr lang="en-US" smtClean="0"/>
+              <a:rPr lang="en-US"/>
               <a:t>Third level</a:t>
             </a:r>
           </a:p>
           <a:p>
             <a:pPr lvl="3"/>
             <a:r>
-              <a:rPr lang="en-US" smtClean="0"/>
+              <a:rPr lang="en-US"/>
               <a:t>Fourth level</a:t>
             </a:r>
           </a:p>
           <a:p>
             <a:pPr lvl="4"/>
             <a:r>
-              <a:rPr lang="en-US" smtClean="0"/>
+              <a:rPr lang="en-US"/>
               <a:t>Fifth level</a:t>
             </a:r>
             <a:endParaRPr lang="en-US" dirty="0"/>
@@ -1526,7 +1981,7 @@
           <a:p>
             <a:pPr lvl="0"/>
             <a:r>
-              <a:rPr lang="en-US" smtClean="0"/>
+              <a:rPr lang="en-US"/>
               <a:t>Edit Master text styles</a:t>
             </a:r>
           </a:p>
@@ -1554,35 +2009,35 @@
           <a:p>
             <a:pPr lvl="0"/>
             <a:r>
-              <a:rPr lang="en-US" smtClean="0"/>
+              <a:rPr lang="en-US"/>
               <a:t>Edit Master text styles</a:t>
             </a:r>
           </a:p>
           <a:p>
             <a:pPr lvl="1"/>
             <a:r>
-              <a:rPr lang="en-US" smtClean="0"/>
+              <a:rPr lang="en-US"/>
               <a:t>Second level</a:t>
             </a:r>
           </a:p>
           <a:p>
             <a:pPr lvl="2"/>
             <a:r>
-              <a:rPr lang="en-US" smtClean="0"/>
+              <a:rPr lang="en-US"/>
               <a:t>Third level</a:t>
             </a:r>
           </a:p>
           <a:p>
             <a:pPr lvl="3"/>
             <a:r>
-              <a:rPr lang="en-US" smtClean="0"/>
+              <a:rPr lang="en-US"/>
               <a:t>Fourth level</a:t>
             </a:r>
           </a:p>
           <a:p>
             <a:pPr lvl="4"/>
             <a:r>
-              <a:rPr lang="en-US" smtClean="0"/>
+              <a:rPr lang="en-US"/>
               <a:t>Fifth level</a:t>
             </a:r>
             <a:endParaRPr lang="en-US" dirty="0"/>
@@ -1606,7 +2061,7 @@
           <a:p>
             <a:fld id="{F21C5B54-884B-447C-A969-012169FE4C38}" type="datetimeFigureOut">
               <a:rPr lang="en-US" smtClean="0"/>
-              <a:t>24-Jan-21</a:t>
+              <a:t>1/18/22</a:t>
             </a:fld>
             <a:endParaRPr lang="en-US"/>
           </a:p>
@@ -1700,7 +2155,7 @@
           <a:lstStyle/>
           <a:p>
             <a:r>
-              <a:rPr lang="en-US" smtClean="0"/>
+              <a:rPr lang="en-US"/>
               <a:t>Click to edit Master title style</a:t>
             </a:r>
             <a:endParaRPr lang="en-US" dirty="0"/>
@@ -1724,7 +2179,7 @@
           <a:p>
             <a:fld id="{F21C5B54-884B-447C-A969-012169FE4C38}" type="datetimeFigureOut">
               <a:rPr lang="en-US" smtClean="0"/>
-              <a:t>24-Jan-21</a:t>
+              <a:t>1/18/22</a:t>
             </a:fld>
             <a:endParaRPr lang="en-US"/>
           </a:p>
@@ -1819,7 +2274,7 @@
           <a:p>
             <a:fld id="{F21C5B54-884B-447C-A969-012169FE4C38}" type="datetimeFigureOut">
               <a:rPr lang="en-US" smtClean="0"/>
-              <a:t>24-Jan-21</a:t>
+              <a:t>1/18/22</a:t>
             </a:fld>
             <a:endParaRPr lang="en-US"/>
           </a:p>
@@ -1922,7 +2377,7 @@
           </a:lstStyle>
           <a:p>
             <a:r>
-              <a:rPr lang="en-US" smtClean="0"/>
+              <a:rPr lang="en-US"/>
               <a:t>Click to edit Master title style</a:t>
             </a:r>
             <a:endParaRPr lang="en-US" dirty="0"/>
@@ -1979,35 +2434,35 @@
           <a:p>
             <a:pPr lvl="0"/>
             <a:r>
-              <a:rPr lang="en-US" smtClean="0"/>
+              <a:rPr lang="en-US"/>
               <a:t>Edit Master text styles</a:t>
             </a:r>
           </a:p>
           <a:p>
             <a:pPr lvl="1"/>
             <a:r>
-              <a:rPr lang="en-US" smtClean="0"/>
+              <a:rPr lang="en-US"/>
               <a:t>Second level</a:t>
             </a:r>
           </a:p>
           <a:p>
             <a:pPr lvl="2"/>
             <a:r>
-              <a:rPr lang="en-US" smtClean="0"/>
+              <a:rPr lang="en-US"/>
               <a:t>Third level</a:t>
             </a:r>
           </a:p>
           <a:p>
             <a:pPr lvl="3"/>
             <a:r>
-              <a:rPr lang="en-US" smtClean="0"/>
+              <a:rPr lang="en-US"/>
               <a:t>Fourth level</a:t>
             </a:r>
           </a:p>
           <a:p>
             <a:pPr lvl="4"/>
             <a:r>
-              <a:rPr lang="en-US" smtClean="0"/>
+              <a:rPr lang="en-US"/>
               <a:t>Fifth level</a:t>
             </a:r>
             <a:endParaRPr lang="en-US" dirty="0"/>
@@ -2073,7 +2528,7 @@
           <a:p>
             <a:pPr lvl="0"/>
             <a:r>
-              <a:rPr lang="en-US" smtClean="0"/>
+              <a:rPr lang="en-US"/>
               <a:t>Edit Master text styles</a:t>
             </a:r>
           </a:p>
@@ -2096,7 +2551,7 @@
           <a:p>
             <a:fld id="{F21C5B54-884B-447C-A969-012169FE4C38}" type="datetimeFigureOut">
               <a:rPr lang="en-US" smtClean="0"/>
-              <a:t>24-Jan-21</a:t>
+              <a:t>1/18/22</a:t>
             </a:fld>
             <a:endParaRPr lang="en-US"/>
           </a:p>
@@ -2199,7 +2654,7 @@
           </a:lstStyle>
           <a:p>
             <a:r>
-              <a:rPr lang="en-US" smtClean="0"/>
+              <a:rPr lang="en-US"/>
               <a:t>Click to edit Master title style</a:t>
             </a:r>
             <a:endParaRPr lang="en-US" dirty="0"/>
@@ -2264,7 +2719,7 @@
           </a:lstStyle>
           <a:p>
             <a:r>
-              <a:rPr lang="en-US" smtClean="0"/>
+              <a:rPr lang="en-US"/>
               <a:t>Click icon to add picture</a:t>
             </a:r>
             <a:endParaRPr lang="en-US" dirty="0"/>
@@ -2330,7 +2785,7 @@
           <a:p>
             <a:pPr lvl="0"/>
             <a:r>
-              <a:rPr lang="en-US" smtClean="0"/>
+              <a:rPr lang="en-US"/>
               <a:t>Edit Master text styles</a:t>
             </a:r>
           </a:p>
@@ -2353,7 +2808,7 @@
           <a:p>
             <a:fld id="{F21C5B54-884B-447C-A969-012169FE4C38}" type="datetimeFigureOut">
               <a:rPr lang="en-US" smtClean="0"/>
-              <a:t>24-Jan-21</a:t>
+              <a:t>1/18/22</a:t>
             </a:fld>
             <a:endParaRPr lang="en-US"/>
           </a:p>
@@ -2462,7 +2917,7 @@
           <a:lstStyle/>
           <a:p>
             <a:r>
-              <a:rPr lang="en-US" smtClean="0"/>
+              <a:rPr lang="en-US"/>
               <a:t>Click to edit Master title style</a:t>
             </a:r>
             <a:endParaRPr lang="en-US" dirty="0"/>
@@ -2496,35 +2951,35 @@
           <a:p>
             <a:pPr lvl="0"/>
             <a:r>
-              <a:rPr lang="en-US" smtClean="0"/>
+              <a:rPr lang="en-US"/>
               <a:t>Edit Master text styles</a:t>
             </a:r>
           </a:p>
           <a:p>
             <a:pPr lvl="1"/>
             <a:r>
-              <a:rPr lang="en-US" smtClean="0"/>
+              <a:rPr lang="en-US"/>
               <a:t>Second level</a:t>
             </a:r>
           </a:p>
           <a:p>
             <a:pPr lvl="2"/>
             <a:r>
-              <a:rPr lang="en-US" smtClean="0"/>
+              <a:rPr lang="en-US"/>
               <a:t>Third level</a:t>
             </a:r>
           </a:p>
           <a:p>
             <a:pPr lvl="3"/>
             <a:r>
-              <a:rPr lang="en-US" smtClean="0"/>
+              <a:rPr lang="en-US"/>
               <a:t>Fourth level</a:t>
             </a:r>
           </a:p>
           <a:p>
             <a:pPr lvl="4"/>
             <a:r>
-              <a:rPr lang="en-US" smtClean="0"/>
+              <a:rPr lang="en-US"/>
               <a:t>Fifth level</a:t>
             </a:r>
             <a:endParaRPr lang="en-US" dirty="0"/>
@@ -2566,7 +3021,7 @@
           <a:p>
             <a:fld id="{F21C5B54-884B-447C-A969-012169FE4C38}" type="datetimeFigureOut">
               <a:rPr lang="en-US" smtClean="0"/>
-              <a:t>24-Jan-21</a:t>
+              <a:t>1/18/22</a:t>
             </a:fld>
             <a:endParaRPr lang="en-US"/>
           </a:p>
@@ -2979,7 +3434,7 @@
         </p:nvSpPr>
         <p:spPr>
           <a:xfrm>
-            <a:off x="5417465" y="3000729"/>
+            <a:off x="1707311" y="3360493"/>
             <a:ext cx="1879812" cy="1251339"/>
           </a:xfrm>
           <a:prstGeom prst="rect">
@@ -3027,7 +3482,7 @@
         </p:nvSpPr>
         <p:spPr>
           <a:xfrm>
-            <a:off x="5429231" y="3000729"/>
+            <a:off x="1719077" y="3360493"/>
             <a:ext cx="620889" cy="620889"/>
           </a:xfrm>
           <a:prstGeom prst="rect">
@@ -3069,7 +3524,7 @@
         </p:nvSpPr>
         <p:spPr>
           <a:xfrm>
-            <a:off x="6055499" y="3000729"/>
+            <a:off x="2345345" y="3360493"/>
             <a:ext cx="620889" cy="620889"/>
           </a:xfrm>
           <a:prstGeom prst="rect">
@@ -3111,7 +3566,7 @@
         </p:nvSpPr>
         <p:spPr>
           <a:xfrm>
-            <a:off x="6681767" y="3000729"/>
+            <a:off x="2971613" y="3360493"/>
             <a:ext cx="620889" cy="620889"/>
           </a:xfrm>
           <a:prstGeom prst="rect">
@@ -3153,7 +3608,7 @@
         </p:nvSpPr>
         <p:spPr>
           <a:xfrm>
-            <a:off x="5461737" y="1435702"/>
+            <a:off x="1781563" y="1915386"/>
             <a:ext cx="620889" cy="620889"/>
           </a:xfrm>
           <a:prstGeom prst="rect">
@@ -3195,7 +3650,7 @@
         </p:nvCxnSpPr>
         <p:spPr>
           <a:xfrm flipH="1" flipV="1">
-            <a:off x="5286759" y="1399012"/>
+            <a:off x="1606585" y="1878696"/>
             <a:ext cx="11289" cy="694267"/>
           </a:xfrm>
           <a:prstGeom prst="line">
@@ -3229,7 +3684,7 @@
         </p:nvSpPr>
         <p:spPr>
           <a:xfrm>
-            <a:off x="3710154" y="1533154"/>
+            <a:off x="29980" y="2012838"/>
             <a:ext cx="1603131" cy="369332"/>
           </a:xfrm>
           <a:prstGeom prst="rect">
@@ -3244,11 +3699,11 @@
           <a:lstStyle/>
           <a:p>
             <a:r>
-              <a:rPr lang="en-US" dirty="0" smtClean="0"/>
+              <a:rPr lang="en-US" dirty="0"/>
               <a:t>Pixel height, </a:t>
             </a:r>
             <a:r>
-              <a:rPr lang="en-US" dirty="0" err="1" smtClean="0"/>
+              <a:rPr lang="en-US" dirty="0" err="1"/>
               <a:t>dy</a:t>
             </a:r>
             <a:endParaRPr lang="en-US" dirty="0"/>
@@ -3263,7 +3718,7 @@
         </p:nvSpPr>
         <p:spPr>
           <a:xfrm>
-            <a:off x="4962826" y="697082"/>
+            <a:off x="1282652" y="1281696"/>
             <a:ext cx="1541128" cy="369332"/>
           </a:xfrm>
           <a:prstGeom prst="rect">
@@ -3278,41 +3733,12 @@
           <a:lstStyle/>
           <a:p>
             <a:r>
-              <a:rPr lang="en-US" dirty="0" smtClean="0"/>
-              <a:t>Pixel </a:t>
-            </a:r>
-            <a:r>
-              <a:rPr lang="en-US" dirty="0" smtClean="0"/>
-              <a:t>width, dx</a:t>
-            </a:r>
-            <a:endParaRPr lang="en-US" dirty="0"/>
-          </a:p>
-        </p:txBody>
-      </p:sp>
-      <p:pic>
-        <p:nvPicPr>
-          <p:cNvPr id="14" name="Picture 13"/>
-          <p:cNvPicPr>
-            <a:picLocks noChangeAspect="1"/>
-          </p:cNvPicPr>
-          <p:nvPr/>
-        </p:nvPicPr>
-        <p:blipFill>
-          <a:blip r:embed="rId2"/>
-          <a:stretch>
-            <a:fillRect/>
-          </a:stretch>
-        </p:blipFill>
-        <p:spPr>
-          <a:xfrm>
-            <a:off x="457948" y="1302718"/>
-            <a:ext cx="2954871" cy="2954871"/>
-          </a:xfrm>
-          <a:prstGeom prst="rect">
-            <a:avLst/>
-          </a:prstGeom>
-        </p:spPr>
-      </p:pic>
+              <a:rPr lang="en-US" dirty="0"/>
+              <a:t>Pixel width, dx</a:t>
+            </a:r>
+          </a:p>
+        </p:txBody>
+      </p:sp>
       <p:cxnSp>
         <p:nvCxnSpPr>
           <p:cNvPr id="18" name="Straight Connector 17"/>
@@ -3321,7 +3747,7 @@
         </p:nvCxnSpPr>
         <p:spPr>
           <a:xfrm>
-            <a:off x="5417465" y="2780154"/>
+            <a:off x="1707311" y="3139918"/>
             <a:ext cx="1885191" cy="0"/>
           </a:xfrm>
           <a:prstGeom prst="line">
@@ -3355,8 +3781,8 @@
         </p:nvSpPr>
         <p:spPr>
           <a:xfrm>
-            <a:off x="6012134" y="2434977"/>
-            <a:ext cx="638316" cy="369332"/>
+            <a:off x="2301980" y="2794741"/>
+            <a:ext cx="575799" cy="369332"/>
           </a:xfrm>
           <a:prstGeom prst="rect">
             <a:avLst/>
@@ -3370,10 +3796,9 @@
           <a:lstStyle/>
           <a:p>
             <a:r>
-              <a:rPr lang="en-US" dirty="0" smtClean="0"/>
-              <a:t>3*dx</a:t>
-            </a:r>
-            <a:endParaRPr lang="en-US" dirty="0"/>
+              <a:rPr lang="en-US" dirty="0"/>
+              <a:t>3 dx</a:t>
+            </a:r>
           </a:p>
         </p:txBody>
       </p:sp>
@@ -3385,7 +3810,7 @@
         </p:nvCxnSpPr>
         <p:spPr>
           <a:xfrm flipV="1">
-            <a:off x="5461737" y="1238291"/>
+            <a:off x="1781563" y="1717975"/>
             <a:ext cx="632177" cy="7924"/>
           </a:xfrm>
           <a:prstGeom prst="line">
@@ -3419,7 +3844,7 @@
         </p:nvSpPr>
         <p:spPr>
           <a:xfrm>
-            <a:off x="5434610" y="3631179"/>
+            <a:off x="1724456" y="3990943"/>
             <a:ext cx="620889" cy="620889"/>
           </a:xfrm>
           <a:prstGeom prst="rect">
@@ -3461,7 +3886,7 @@
         </p:nvSpPr>
         <p:spPr>
           <a:xfrm>
-            <a:off x="6060878" y="3631179"/>
+            <a:off x="2350724" y="3990943"/>
             <a:ext cx="620889" cy="620889"/>
           </a:xfrm>
           <a:prstGeom prst="rect">
@@ -3503,7 +3928,7 @@
         </p:nvSpPr>
         <p:spPr>
           <a:xfrm>
-            <a:off x="6687146" y="3631179"/>
+            <a:off x="2976992" y="3990943"/>
             <a:ext cx="620889" cy="620889"/>
           </a:xfrm>
           <a:prstGeom prst="rect">
@@ -3537,28 +3962,228 @@
           </a:p>
         </p:txBody>
       </p:sp>
-      <p:sp>
-        <p:nvSpPr>
-          <p:cNvPr id="31" name="Rectangle 30"/>
-          <p:cNvSpPr/>
+      <mc:AlternateContent xmlns:mc="http://schemas.openxmlformats.org/markup-compatibility/2006">
+        <mc:Choice xmlns:a14="http://schemas.microsoft.com/office/drawing/2010/main" Requires="a14">
+          <p:sp>
+            <p:nvSpPr>
+              <p:cNvPr id="32" name="TextBox 31"/>
+              <p:cNvSpPr txBox="1"/>
+              <p:nvPr/>
+            </p:nvSpPr>
+            <p:spPr>
+              <a:xfrm>
+                <a:off x="1540829" y="4992918"/>
+                <a:ext cx="2350900" cy="369332"/>
+              </a:xfrm>
+              <a:prstGeom prst="rect">
+                <a:avLst/>
+              </a:prstGeom>
+              <a:noFill/>
+            </p:spPr>
+            <p:txBody>
+              <a:bodyPr wrap="none" rtlCol="0">
+                <a:spAutoFit/>
+              </a:bodyPr>
+              <a:lstStyle/>
+              <a:p>
+                <a14:m>
+                  <m:oMathPara xmlns:m="http://schemas.openxmlformats.org/officeDocument/2006/math">
+                    <m:oMathParaPr>
+                      <m:jc m:val="centerGroup"/>
+                    </m:oMathParaPr>
+                    <m:oMath xmlns:m="http://schemas.openxmlformats.org/officeDocument/2006/math">
+                      <m:r>
+                        <a:rPr lang="en-US" i="1" dirty="0" smtClean="0">
+                          <a:latin typeface="Cambria Math" panose="02040503050406030204" pitchFamily="18" charset="0"/>
+                        </a:rPr>
+                        <m:t>𝐴</m:t>
+                      </m:r>
+                      <m:r>
+                        <a:rPr lang="en-US" b="0" i="1" dirty="0" smtClean="0">
+                          <a:latin typeface="Cambria Math" panose="02040503050406030204" pitchFamily="18" charset="0"/>
+                        </a:rPr>
+                        <m:t>𝑟𝑒𝑎</m:t>
+                      </m:r>
+                      <m:r>
+                        <a:rPr lang="en-US" i="1" dirty="0" smtClean="0">
+                          <a:latin typeface="Cambria Math" panose="02040503050406030204" pitchFamily="18" charset="0"/>
+                        </a:rPr>
+                        <m:t> = 3 </m:t>
+                      </m:r>
+                      <m:r>
+                        <a:rPr lang="en-US" i="1" dirty="0" smtClean="0">
+                          <a:latin typeface="Cambria Math" panose="02040503050406030204" pitchFamily="18" charset="0"/>
+                        </a:rPr>
+                        <m:t>𝑑𝑥</m:t>
+                      </m:r>
+                      <m:r>
+                        <a:rPr lang="en-US" i="1" dirty="0">
+                          <a:latin typeface="Cambria Math" panose="02040503050406030204" pitchFamily="18" charset="0"/>
+                        </a:rPr>
+                        <m:t> </m:t>
+                      </m:r>
+                      <m:r>
+                        <a:rPr lang="en-US" i="1" dirty="0" smtClean="0">
+                          <a:latin typeface="Cambria Math" panose="02040503050406030204" pitchFamily="18" charset="0"/>
+                        </a:rPr>
+                        <m:t>∗ </m:t>
+                      </m:r>
+                      <m:r>
+                        <a:rPr lang="en-US" i="1" dirty="0" smtClean="0">
+                          <a:latin typeface="Cambria Math" panose="02040503050406030204" pitchFamily="18" charset="0"/>
+                        </a:rPr>
+                        <m:t>2</m:t>
+                      </m:r>
+                      <m:r>
+                        <a:rPr lang="en-US" i="1" dirty="0" smtClean="0">
+                          <a:latin typeface="Cambria Math" panose="02040503050406030204" pitchFamily="18" charset="0"/>
+                        </a:rPr>
+                        <m:t> </m:t>
+                      </m:r>
+                      <m:r>
+                        <a:rPr lang="en-US" i="1" dirty="0" err="1" smtClean="0">
+                          <a:latin typeface="Cambria Math" panose="02040503050406030204" pitchFamily="18" charset="0"/>
+                        </a:rPr>
+                        <m:t>𝑑𝑦</m:t>
+                      </m:r>
+                    </m:oMath>
+                  </m:oMathPara>
+                </a14:m>
+                <a:endParaRPr lang="en-US" dirty="0"/>
+              </a:p>
+            </p:txBody>
+          </p:sp>
+        </mc:Choice>
+        <mc:Fallback>
+          <p:sp>
+            <p:nvSpPr>
+              <p:cNvPr id="32" name="TextBox 31"/>
+              <p:cNvSpPr txBox="1">
+                <a:spLocks noRot="1" noChangeAspect="1" noMove="1" noResize="1" noEditPoints="1" noAdjustHandles="1" noChangeArrowheads="1" noChangeShapeType="1" noTextEdit="1"/>
+              </p:cNvSpPr>
+              <p:nvPr/>
+            </p:nvSpPr>
+            <p:spPr>
+              <a:xfrm>
+                <a:off x="1540829" y="4992918"/>
+                <a:ext cx="2350900" cy="369332"/>
+              </a:xfrm>
+              <a:prstGeom prst="rect">
+                <a:avLst/>
+              </a:prstGeom>
+              <a:blipFill>
+                <a:blip r:embed="rId3"/>
+                <a:stretch>
+                  <a:fillRect b="-16667"/>
+                </a:stretch>
+              </a:blipFill>
+            </p:spPr>
+            <p:txBody>
+              <a:bodyPr/>
+              <a:lstStyle/>
+              <a:p>
+                <a:r>
+                  <a:rPr lang="de-DE">
+                    <a:noFill/>
+                  </a:rPr>
+                  <a:t> </a:t>
+                </a:r>
+              </a:p>
+            </p:txBody>
+          </p:sp>
+        </mc:Fallback>
+      </mc:AlternateContent>
+      <p:cxnSp>
+        <p:nvCxnSpPr>
+          <p:cNvPr id="33" name="Straight Connector 32"/>
+          <p:cNvCxnSpPr/>
           <p:nvPr/>
+        </p:nvCxnSpPr>
+        <p:spPr>
+          <a:xfrm flipH="1">
+            <a:off x="1540568" y="3292318"/>
+            <a:ext cx="3532" cy="1319514"/>
+          </a:xfrm>
+          <a:prstGeom prst="line">
+            <a:avLst/>
+          </a:prstGeom>
+          <a:ln w="28575">
+            <a:headEnd type="arrow" w="med" len="med"/>
+            <a:tailEnd type="arrow" w="med" len="med"/>
+          </a:ln>
+        </p:spPr>
+        <p:style>
+          <a:lnRef idx="1">
+            <a:schemeClr val="accent1"/>
+          </a:lnRef>
+          <a:fillRef idx="0">
+            <a:schemeClr val="accent1"/>
+          </a:fillRef>
+          <a:effectRef idx="0">
+            <a:schemeClr val="accent1"/>
+          </a:effectRef>
+          <a:fontRef idx="minor">
+            <a:schemeClr val="tx1"/>
+          </a:fontRef>
+        </p:style>
+      </p:cxnSp>
+      <p:sp>
+        <p:nvSpPr>
+          <p:cNvPr id="35" name="TextBox 34"/>
+          <p:cNvSpPr txBox="1"/>
+          <p:nvPr/>
         </p:nvSpPr>
         <p:spPr>
           <a:xfrm>
-            <a:off x="5417465" y="4633154"/>
-            <a:ext cx="450082" cy="434030"/>
+            <a:off x="843881" y="3670937"/>
+            <a:ext cx="580608" cy="369332"/>
           </a:xfrm>
           <a:prstGeom prst="rect">
             <a:avLst/>
           </a:prstGeom>
-          <a:pattFill prst="wdUpDiag">
-            <a:fgClr>
-              <a:schemeClr val="accent1"/>
-            </a:fgClr>
-            <a:bgClr>
-              <a:schemeClr val="bg1"/>
-            </a:bgClr>
-          </a:pattFill>
+          <a:noFill/>
+        </p:spPr>
+        <p:txBody>
+          <a:bodyPr wrap="none" rtlCol="0">
+            <a:spAutoFit/>
+          </a:bodyPr>
+          <a:lstStyle/>
+          <a:p>
+            <a:r>
+              <a:rPr lang="en-US" dirty="0"/>
+              <a:t>2 </a:t>
+            </a:r>
+            <a:r>
+              <a:rPr lang="en-US" dirty="0" err="1"/>
+              <a:t>dy</a:t>
+            </a:r>
+            <a:endParaRPr lang="en-US" dirty="0"/>
+          </a:p>
+        </p:txBody>
+      </p:sp>
+      <p:sp>
+        <p:nvSpPr>
+          <p:cNvPr id="36" name="Cube 35">
+            <a:extLst>
+              <a:ext uri="{FF2B5EF4-FFF2-40B4-BE49-F238E27FC236}">
+                <a16:creationId xmlns:a16="http://schemas.microsoft.com/office/drawing/2014/main" id="{BE233057-4145-BB4F-88B9-C8ECF261390C}"/>
+              </a:ext>
+            </a:extLst>
+          </p:cNvPr>
+          <p:cNvSpPr/>
+          <p:nvPr/>
+        </p:nvSpPr>
+        <p:spPr>
+          <a:xfrm>
+            <a:off x="3042513" y="1830307"/>
+            <a:ext cx="730495" cy="730495"/>
+          </a:xfrm>
+          <a:prstGeom prst="cube">
+            <a:avLst/>
+          </a:prstGeom>
+          <a:solidFill>
+            <a:schemeClr val="accent1"/>
+          </a:solidFill>
         </p:spPr>
         <p:style>
           <a:lnRef idx="2">
@@ -3581,54 +4206,22 @@
           <a:lstStyle/>
           <a:p>
             <a:pPr algn="ctr"/>
-            <a:endParaRPr lang="en-US"/>
-          </a:p>
-        </p:txBody>
-      </p:sp>
-      <p:sp>
-        <p:nvSpPr>
-          <p:cNvPr id="32" name="TextBox 31"/>
-          <p:cNvSpPr txBox="1"/>
-          <p:nvPr/>
-        </p:nvSpPr>
-        <p:spPr>
-          <a:xfrm>
-            <a:off x="5867547" y="4633154"/>
-            <a:ext cx="1869614" cy="369332"/>
-          </a:xfrm>
-          <a:prstGeom prst="rect">
-            <a:avLst/>
-          </a:prstGeom>
-          <a:noFill/>
-        </p:spPr>
-        <p:txBody>
-          <a:bodyPr wrap="none" rtlCol="0">
-            <a:spAutoFit/>
-          </a:bodyPr>
-          <a:lstStyle/>
-          <a:p>
-            <a:r>
-              <a:rPr lang="en-US" dirty="0" smtClean="0"/>
-              <a:t>Area = 3*dx*2*</a:t>
-            </a:r>
-            <a:r>
-              <a:rPr lang="en-US" dirty="0" err="1" smtClean="0"/>
-              <a:t>dy</a:t>
-            </a:r>
-            <a:endParaRPr lang="en-US" dirty="0"/>
+            <a:endParaRPr lang="de-DE"/>
           </a:p>
         </p:txBody>
       </p:sp>
       <p:cxnSp>
         <p:nvCxnSpPr>
-          <p:cNvPr id="33" name="Straight Connector 32"/>
-          <p:cNvCxnSpPr/>
+          <p:cNvPr id="38" name="Straight Connector 37"/>
+          <p:cNvCxnSpPr>
+            <a:cxnSpLocks/>
+          </p:cNvCxnSpPr>
           <p:nvPr/>
         </p:nvCxnSpPr>
         <p:spPr>
-          <a:xfrm flipH="1">
-            <a:off x="5250722" y="2932554"/>
-            <a:ext cx="3532" cy="1319514"/>
+          <a:xfrm flipV="1">
+            <a:off x="3878057" y="1830307"/>
+            <a:ext cx="0" cy="551864"/>
           </a:xfrm>
           <a:prstGeom prst="line">
             <a:avLst/>
@@ -3655,14 +4248,14 @@
       </p:cxnSp>
       <p:sp>
         <p:nvSpPr>
-          <p:cNvPr id="35" name="TextBox 34"/>
+          <p:cNvPr id="40" name="TextBox 39"/>
           <p:cNvSpPr txBox="1"/>
           <p:nvPr/>
         </p:nvSpPr>
         <p:spPr>
           <a:xfrm>
-            <a:off x="4554035" y="3311173"/>
-            <a:ext cx="643125" cy="369332"/>
+            <a:off x="2988458" y="1276290"/>
+            <a:ext cx="1618905" cy="369332"/>
           </a:xfrm>
           <a:prstGeom prst="rect">
             <a:avLst/>
@@ -3676,27 +4269,318 @@
           <a:lstStyle/>
           <a:p>
             <a:r>
-              <a:rPr lang="en-US" dirty="0" smtClean="0"/>
-              <a:t>2</a:t>
-            </a:r>
-            <a:r>
-              <a:rPr lang="en-US" dirty="0" smtClean="0"/>
-              <a:t>*</a:t>
-            </a:r>
-            <a:r>
-              <a:rPr lang="en-US" dirty="0" err="1" smtClean="0"/>
-              <a:t>dy</a:t>
+              <a:rPr lang="en-US" dirty="0"/>
+              <a:t>Voxel depth, </a:t>
+            </a:r>
+            <a:r>
+              <a:rPr lang="en-US" dirty="0" err="1"/>
+              <a:t>dz</a:t>
             </a:r>
             <a:endParaRPr lang="en-US" dirty="0"/>
           </a:p>
         </p:txBody>
       </p:sp>
-      <p:sp>
-        <p:nvSpPr>
-          <p:cNvPr id="36" name="Cube 35">
+      <p:pic>
+        <p:nvPicPr>
+          <p:cNvPr id="2" name="Picture 1">
             <a:extLst>
               <a:ext uri="{FF2B5EF4-FFF2-40B4-BE49-F238E27FC236}">
-                <a16:creationId xmlns:a16="http://schemas.microsoft.com/office/drawing/2014/main" id="{BE233057-4145-BB4F-88B9-C8ECF261390C}"/>
+                <a16:creationId xmlns:a16="http://schemas.microsoft.com/office/drawing/2014/main" id="{735AA54B-4CF3-3245-83F5-0A757CB942B4}"/>
+              </a:ext>
+            </a:extLst>
+          </p:cNvPr>
+          <p:cNvPicPr>
+            <a:picLocks noChangeAspect="1"/>
+          </p:cNvPicPr>
+          <p:nvPr/>
+        </p:nvPicPr>
+        <p:blipFill>
+          <a:blip r:embed="rId4"/>
+          <a:stretch>
+            <a:fillRect/>
+          </a:stretch>
+        </p:blipFill>
+        <p:spPr>
+          <a:xfrm>
+            <a:off x="4732681" y="2794741"/>
+            <a:ext cx="2466807" cy="2466807"/>
+          </a:xfrm>
+          <a:prstGeom prst="rect">
+            <a:avLst/>
+          </a:prstGeom>
+        </p:spPr>
+      </p:pic>
+      <p:pic>
+        <p:nvPicPr>
+          <p:cNvPr id="9" name="Picture 8">
+            <a:extLst>
+              <a:ext uri="{FF2B5EF4-FFF2-40B4-BE49-F238E27FC236}">
+                <a16:creationId xmlns:a16="http://schemas.microsoft.com/office/drawing/2014/main" id="{0FA03725-3C6B-E547-96B5-219B4EF4940E}"/>
+              </a:ext>
+            </a:extLst>
+          </p:cNvPr>
+          <p:cNvPicPr>
+            <a:picLocks noChangeAspect="1"/>
+          </p:cNvPicPr>
+          <p:nvPr/>
+        </p:nvPicPr>
+        <p:blipFill rotWithShape="1">
+          <a:blip r:embed="rId5"/>
+          <a:srcRect l="8811" t="11586" r="11204" b="12787"/>
+          <a:stretch/>
+        </p:blipFill>
+        <p:spPr>
+          <a:xfrm>
+            <a:off x="6653076" y="2664315"/>
+            <a:ext cx="1505044" cy="1403230"/>
+          </a:xfrm>
+          <a:prstGeom prst="rect">
+            <a:avLst/>
+          </a:prstGeom>
+        </p:spPr>
+      </p:pic>
+      <p:cxnSp>
+        <p:nvCxnSpPr>
+          <p:cNvPr id="17" name="Straight Arrow Connector 16">
+            <a:extLst>
+              <a:ext uri="{FF2B5EF4-FFF2-40B4-BE49-F238E27FC236}">
+                <a16:creationId xmlns:a16="http://schemas.microsoft.com/office/drawing/2014/main" id="{41669CEC-161B-CC4F-BF1C-7A07D489D1E7}"/>
+              </a:ext>
+            </a:extLst>
+          </p:cNvPr>
+          <p:cNvCxnSpPr>
+            <a:cxnSpLocks/>
+            <a:stCxn id="34" idx="2"/>
+          </p:cNvCxnSpPr>
+          <p:nvPr/>
+        </p:nvCxnSpPr>
+        <p:spPr>
+          <a:xfrm>
+            <a:off x="6761021" y="2346562"/>
+            <a:ext cx="502435" cy="943352"/>
+          </a:xfrm>
+          <a:prstGeom prst="straightConnector1">
+            <a:avLst/>
+          </a:prstGeom>
+          <a:ln w="25400">
+            <a:solidFill>
+              <a:schemeClr val="accent1"/>
+            </a:solidFill>
+            <a:tailEnd type="triangle"/>
+          </a:ln>
+        </p:spPr>
+        <p:style>
+          <a:lnRef idx="1">
+            <a:schemeClr val="accent1"/>
+          </a:lnRef>
+          <a:fillRef idx="0">
+            <a:schemeClr val="accent1"/>
+          </a:fillRef>
+          <a:effectRef idx="0">
+            <a:schemeClr val="accent1"/>
+          </a:effectRef>
+          <a:fontRef idx="minor">
+            <a:schemeClr val="tx1"/>
+          </a:fontRef>
+        </p:style>
+      </p:cxnSp>
+      <mc:AlternateContent xmlns:mc="http://schemas.openxmlformats.org/markup-compatibility/2006">
+        <mc:Choice xmlns:a14="http://schemas.microsoft.com/office/drawing/2010/main" Requires="a14">
+          <p:sp>
+            <p:nvSpPr>
+              <p:cNvPr id="34" name="TextBox 33">
+                <a:extLst>
+                  <a:ext uri="{FF2B5EF4-FFF2-40B4-BE49-F238E27FC236}">
+                    <a16:creationId xmlns:a16="http://schemas.microsoft.com/office/drawing/2014/main" id="{88460B12-1FCE-8843-9F16-F58CFB2F4128}"/>
+                  </a:ext>
+                </a:extLst>
+              </p:cNvPr>
+              <p:cNvSpPr txBox="1"/>
+              <p:nvPr/>
+            </p:nvSpPr>
+            <p:spPr>
+              <a:xfrm>
+                <a:off x="5026155" y="1700231"/>
+                <a:ext cx="3469731" cy="646331"/>
+              </a:xfrm>
+              <a:prstGeom prst="rect">
+                <a:avLst/>
+              </a:prstGeom>
+              <a:noFill/>
+            </p:spPr>
+            <p:txBody>
+              <a:bodyPr wrap="none" rtlCol="0">
+                <a:spAutoFit/>
+              </a:bodyPr>
+              <a:lstStyle/>
+              <a:p>
+                <a14:m>
+                  <m:oMathPara xmlns:m="http://schemas.openxmlformats.org/officeDocument/2006/math">
+                    <m:oMathParaPr>
+                      <m:jc m:val="centerGroup"/>
+                    </m:oMathParaPr>
+                    <m:oMath xmlns:m="http://schemas.openxmlformats.org/officeDocument/2006/math">
+                      <m:r>
+                        <a:rPr lang="en-US" b="0" i="1" smtClean="0">
+                          <a:latin typeface="Cambria Math" panose="02040503050406030204" pitchFamily="18" charset="0"/>
+                        </a:rPr>
+                        <m:t>𝑥</m:t>
+                      </m:r>
+                      <m:r>
+                        <a:rPr lang="en-US" i="1" smtClean="0">
+                          <a:latin typeface="Cambria Math" panose="02040503050406030204" pitchFamily="18" charset="0"/>
+                        </a:rPr>
+                        <m:t>=</m:t>
+                      </m:r>
+                      <m:r>
+                        <a:rPr lang="en-US" b="0" i="1" smtClean="0">
+                          <a:latin typeface="Cambria Math" panose="02040503050406030204" pitchFamily="18" charset="0"/>
+                        </a:rPr>
+                        <m:t>139 ∗ 0.13 µ</m:t>
+                      </m:r>
+                      <m:r>
+                        <a:rPr lang="en-US" b="0" i="1" smtClean="0">
+                          <a:latin typeface="Cambria Math" panose="02040503050406030204" pitchFamily="18" charset="0"/>
+                        </a:rPr>
+                        <m:t>𝑚</m:t>
+                      </m:r>
+                      <m:r>
+                        <a:rPr lang="en-US" b="0" i="1" smtClean="0">
+                          <a:latin typeface="Cambria Math" panose="02040503050406030204" pitchFamily="18" charset="0"/>
+                        </a:rPr>
+                        <m:t>=18.07 µ</m:t>
+                      </m:r>
+                      <m:r>
+                        <a:rPr lang="en-US" b="0" i="1" smtClean="0">
+                          <a:latin typeface="Cambria Math" panose="02040503050406030204" pitchFamily="18" charset="0"/>
+                        </a:rPr>
+                        <m:t>𝑚</m:t>
+                      </m:r>
+                      <m:r>
+                        <a:rPr lang="en-US" b="0" i="1" smtClean="0">
+                          <a:latin typeface="Cambria Math" panose="02040503050406030204" pitchFamily="18" charset="0"/>
+                        </a:rPr>
+                        <m:t> </m:t>
+                      </m:r>
+                    </m:oMath>
+                  </m:oMathPara>
+                </a14:m>
+                <a:endParaRPr lang="en-US" b="0" dirty="0"/>
+              </a:p>
+              <a:p>
+                <a14:m>
+                  <m:oMathPara xmlns:m="http://schemas.openxmlformats.org/officeDocument/2006/math">
+                    <m:oMathParaPr>
+                      <m:jc m:val="centerGroup"/>
+                    </m:oMathParaPr>
+                    <m:oMath xmlns:m="http://schemas.openxmlformats.org/officeDocument/2006/math">
+                      <m:r>
+                        <a:rPr lang="en-US" b="0" i="1" smtClean="0">
+                          <a:latin typeface="Cambria Math" panose="02040503050406030204" pitchFamily="18" charset="0"/>
+                        </a:rPr>
+                        <m:t>𝑦</m:t>
+                      </m:r>
+                      <m:r>
+                        <a:rPr lang="en-US" i="1">
+                          <a:latin typeface="Cambria Math" panose="02040503050406030204" pitchFamily="18" charset="0"/>
+                        </a:rPr>
+                        <m:t>=</m:t>
+                      </m:r>
+                      <m:r>
+                        <a:rPr lang="en-US" b="0" i="1" smtClean="0">
+                          <a:latin typeface="Cambria Math" panose="02040503050406030204" pitchFamily="18" charset="0"/>
+                        </a:rPr>
+                        <m:t>50</m:t>
+                      </m:r>
+                      <m:r>
+                        <a:rPr lang="en-US" i="1">
+                          <a:latin typeface="Cambria Math" panose="02040503050406030204" pitchFamily="18" charset="0"/>
+                        </a:rPr>
+                        <m:t> ∗ 0.13 µ</m:t>
+                      </m:r>
+                      <m:r>
+                        <a:rPr lang="en-US" i="1">
+                          <a:latin typeface="Cambria Math" panose="02040503050406030204" pitchFamily="18" charset="0"/>
+                        </a:rPr>
+                        <m:t>𝑚</m:t>
+                      </m:r>
+                      <m:r>
+                        <a:rPr lang="en-US" i="1">
+                          <a:latin typeface="Cambria Math" panose="02040503050406030204" pitchFamily="18" charset="0"/>
+                        </a:rPr>
+                        <m:t>=6.5 µ</m:t>
+                      </m:r>
+                      <m:r>
+                        <a:rPr lang="en-US" i="1">
+                          <a:latin typeface="Cambria Math" panose="02040503050406030204" pitchFamily="18" charset="0"/>
+                        </a:rPr>
+                        <m:t>𝑚</m:t>
+                      </m:r>
+                      <m:r>
+                        <a:rPr lang="en-US" i="1">
+                          <a:latin typeface="Cambria Math" panose="02040503050406030204" pitchFamily="18" charset="0"/>
+                        </a:rPr>
+                        <m:t> </m:t>
+                      </m:r>
+                    </m:oMath>
+                  </m:oMathPara>
+                </a14:m>
+                <a:endParaRPr lang="en-US" dirty="0"/>
+              </a:p>
+            </p:txBody>
+          </p:sp>
+        </mc:Choice>
+        <mc:Fallback>
+          <p:sp>
+            <p:nvSpPr>
+              <p:cNvPr id="34" name="TextBox 33">
+                <a:extLst>
+                  <a:ext uri="{FF2B5EF4-FFF2-40B4-BE49-F238E27FC236}">
+                    <a16:creationId xmlns:a16="http://schemas.microsoft.com/office/drawing/2014/main" id="{88460B12-1FCE-8843-9F16-F58CFB2F4128}"/>
+                  </a:ext>
+                </a:extLst>
+              </p:cNvPr>
+              <p:cNvSpPr txBox="1">
+                <a:spLocks noRot="1" noChangeAspect="1" noMove="1" noResize="1" noEditPoints="1" noAdjustHandles="1" noChangeArrowheads="1" noChangeShapeType="1" noTextEdit="1"/>
+              </p:cNvSpPr>
+              <p:nvPr/>
+            </p:nvSpPr>
+            <p:spPr>
+              <a:xfrm>
+                <a:off x="5026155" y="1700231"/>
+                <a:ext cx="3469731" cy="646331"/>
+              </a:xfrm>
+              <a:prstGeom prst="rect">
+                <a:avLst/>
+              </a:prstGeom>
+              <a:blipFill>
+                <a:blip r:embed="rId6"/>
+                <a:stretch>
+                  <a:fillRect b="-7692"/>
+                </a:stretch>
+              </a:blipFill>
+            </p:spPr>
+            <p:txBody>
+              <a:bodyPr/>
+              <a:lstStyle/>
+              <a:p>
+                <a:r>
+                  <a:rPr lang="de-DE">
+                    <a:noFill/>
+                  </a:rPr>
+                  <a:t> </a:t>
+                </a:r>
+              </a:p>
+            </p:txBody>
+          </p:sp>
+        </mc:Fallback>
+      </mc:AlternateContent>
+      <p:sp>
+        <p:nvSpPr>
+          <p:cNvPr id="21" name="Rectangle 20">
+            <a:extLst>
+              <a:ext uri="{FF2B5EF4-FFF2-40B4-BE49-F238E27FC236}">
+                <a16:creationId xmlns:a16="http://schemas.microsoft.com/office/drawing/2014/main" id="{AFDC82EB-CA73-C543-82FD-EED622F9E2F9}"/>
               </a:ext>
             </a:extLst>
           </p:cNvPr>
@@ -3705,15 +4589,19 @@
         </p:nvSpPr>
         <p:spPr>
           <a:xfrm>
-            <a:off x="6718246" y="1296717"/>
-            <a:ext cx="730495" cy="730495"/>
-          </a:xfrm>
-          <a:prstGeom prst="cube">
+            <a:off x="6124835" y="3217368"/>
+            <a:ext cx="290955" cy="290330"/>
+          </a:xfrm>
+          <a:prstGeom prst="rect">
             <a:avLst/>
           </a:prstGeom>
-          <a:solidFill>
-            <a:schemeClr val="accent1"/>
-          </a:solidFill>
+          <a:noFill/>
+          <a:ln w="25400">
+            <a:solidFill>
+              <a:schemeClr val="accent1"/>
+            </a:solidFill>
+            <a:prstDash val="sysDash"/>
+          </a:ln>
         </p:spPr>
         <p:style>
           <a:lnRef idx="2">
@@ -3736,54 +4624,26 @@
           <a:lstStyle/>
           <a:p>
             <a:pPr algn="ctr"/>
-            <a:endParaRPr lang="de-DE"/>
-          </a:p>
-        </p:txBody>
-      </p:sp>
-      <p:cxnSp>
-        <p:nvCxnSpPr>
-          <p:cNvPr id="38" name="Straight Connector 37"/>
-          <p:cNvCxnSpPr/>
-          <p:nvPr/>
-        </p:nvCxnSpPr>
-        <p:spPr>
-          <a:xfrm flipV="1">
-            <a:off x="7560770" y="1216836"/>
-            <a:ext cx="0" cy="635435"/>
-          </a:xfrm>
-          <a:prstGeom prst="line">
-            <a:avLst/>
-          </a:prstGeom>
-          <a:ln w="28575">
-            <a:headEnd type="arrow" w="med" len="med"/>
-            <a:tailEnd type="arrow" w="med" len="med"/>
-          </a:ln>
-        </p:spPr>
-        <p:style>
-          <a:lnRef idx="1">
-            <a:schemeClr val="accent1"/>
-          </a:lnRef>
-          <a:fillRef idx="0">
-            <a:schemeClr val="accent1"/>
-          </a:fillRef>
-          <a:effectRef idx="0">
-            <a:schemeClr val="accent1"/>
-          </a:effectRef>
-          <a:fontRef idx="minor">
-            <a:schemeClr val="tx1"/>
-          </a:fontRef>
-        </p:style>
-      </p:cxnSp>
-      <p:sp>
-        <p:nvSpPr>
-          <p:cNvPr id="40" name="TextBox 39"/>
+            <a:endParaRPr lang="de-DE" dirty="0"/>
+          </a:p>
+        </p:txBody>
+      </p:sp>
+      <p:sp>
+        <p:nvSpPr>
+          <p:cNvPr id="37" name="TextBox 36">
+            <a:extLst>
+              <a:ext uri="{FF2B5EF4-FFF2-40B4-BE49-F238E27FC236}">
+                <a16:creationId xmlns:a16="http://schemas.microsoft.com/office/drawing/2014/main" id="{57BC08D2-26A8-3E40-BB59-5C2B6734CB97}"/>
+              </a:ext>
+            </a:extLst>
+          </p:cNvPr>
           <p:cNvSpPr txBox="1"/>
           <p:nvPr/>
         </p:nvSpPr>
         <p:spPr>
           <a:xfrm>
-            <a:off x="7083493" y="823350"/>
-            <a:ext cx="1599220" cy="369332"/>
+            <a:off x="4987014" y="1276992"/>
+            <a:ext cx="3255186" cy="369332"/>
           </a:xfrm>
           <a:prstGeom prst="rect">
             <a:avLst/>
@@ -3797,18 +4657,9 @@
           <a:lstStyle/>
           <a:p>
             <a:r>
-              <a:rPr lang="en-US" dirty="0" smtClean="0"/>
-              <a:t>voxel</a:t>
-            </a:r>
-            <a:r>
-              <a:rPr lang="en-US" dirty="0" smtClean="0"/>
-              <a:t> depth, </a:t>
-            </a:r>
-            <a:r>
-              <a:rPr lang="en-US" dirty="0" err="1" smtClean="0"/>
-              <a:t>dz</a:t>
-            </a:r>
-            <a:endParaRPr lang="en-US" dirty="0"/>
+              <a:rPr lang="en-US" dirty="0"/>
+              <a:t>Location = pixel index * pixel size</a:t>
+            </a:r>
           </a:p>
         </p:txBody>
       </p:sp>
@@ -4084,4 +4935,299 @@
     </a:ext>
   </a:extLst>
 </a:theme>
+</file>
+
+<file path=ppt/theme/theme2.xml><?xml version="1.0" encoding="utf-8"?>
+<a:theme xmlns:a="http://schemas.openxmlformats.org/drawingml/2006/main" name="Office Theme">
+  <a:themeElements>
+    <a:clrScheme name="Office">
+      <a:dk1>
+        <a:sysClr val="windowText" lastClr="000000"/>
+      </a:dk1>
+      <a:lt1>
+        <a:sysClr val="window" lastClr="FFFFFF"/>
+      </a:lt1>
+      <a:dk2>
+        <a:srgbClr val="44546A"/>
+      </a:dk2>
+      <a:lt2>
+        <a:srgbClr val="E7E6E6"/>
+      </a:lt2>
+      <a:accent1>
+        <a:srgbClr val="4472C4"/>
+      </a:accent1>
+      <a:accent2>
+        <a:srgbClr val="ED7D31"/>
+      </a:accent2>
+      <a:accent3>
+        <a:srgbClr val="A5A5A5"/>
+      </a:accent3>
+      <a:accent4>
+        <a:srgbClr val="FFC000"/>
+      </a:accent4>
+      <a:accent5>
+        <a:srgbClr val="5B9BD5"/>
+      </a:accent5>
+      <a:accent6>
+        <a:srgbClr val="70AD47"/>
+      </a:accent6>
+      <a:hlink>
+        <a:srgbClr val="0563C1"/>
+      </a:hlink>
+      <a:folHlink>
+        <a:srgbClr val="954F72"/>
+      </a:folHlink>
+    </a:clrScheme>
+    <a:fontScheme name="Office">
+      <a:majorFont>
+        <a:latin typeface="Calibri Light" panose="020F0302020204030204"/>
+        <a:ea typeface=""/>
+        <a:cs typeface=""/>
+        <a:font script="Jpan" typeface="游ゴシック Light"/>
+        <a:font script="Hang" typeface="맑은 고딕"/>
+        <a:font script="Hans" typeface="等线 Light"/>
+        <a:font script="Hant" typeface="新細明體"/>
+        <a:font script="Arab" typeface="Times New Roman"/>
+        <a:font script="Hebr" typeface="Times New Roman"/>
+        <a:font script="Thai" typeface="Angsana New"/>
+        <a:font script="Ethi" typeface="Nyala"/>
+        <a:font script="Beng" typeface="Vrinda"/>
+        <a:font script="Gujr" typeface="Shruti"/>
+        <a:font script="Khmr" typeface="MoolBoran"/>
+        <a:font script="Knda" typeface="Tunga"/>
+        <a:font script="Guru" typeface="Raavi"/>
+        <a:font script="Cans" typeface="Euphemia"/>
+        <a:font script="Cher" typeface="Plantagenet Cherokee"/>
+        <a:font script="Yiii" typeface="Microsoft Yi Baiti"/>
+        <a:font script="Tibt" typeface="Microsoft Himalaya"/>
+        <a:font script="Thaa" typeface="MV Boli"/>
+        <a:font script="Deva" typeface="Mangal"/>
+        <a:font script="Telu" typeface="Gautami"/>
+        <a:font script="Taml" typeface="Latha"/>
+        <a:font script="Syrc" typeface="Estrangelo Edessa"/>
+        <a:font script="Orya" typeface="Kalinga"/>
+        <a:font script="Mlym" typeface="Kartika"/>
+        <a:font script="Laoo" typeface="DokChampa"/>
+        <a:font script="Sinh" typeface="Iskoola Pota"/>
+        <a:font script="Mong" typeface="Mongolian Baiti"/>
+        <a:font script="Viet" typeface="Times New Roman"/>
+        <a:font script="Uigh" typeface="Microsoft Uighur"/>
+        <a:font script="Geor" typeface="Sylfaen"/>
+        <a:font script="Armn" typeface="Arial"/>
+        <a:font script="Bugi" typeface="Leelawadee UI"/>
+        <a:font script="Bopo" typeface="Microsoft JhengHei"/>
+        <a:font script="Java" typeface="Javanese Text"/>
+        <a:font script="Lisu" typeface="Segoe UI"/>
+        <a:font script="Mymr" typeface="Myanmar Text"/>
+        <a:font script="Nkoo" typeface="Ebrima"/>
+        <a:font script="Olck" typeface="Nirmala UI"/>
+        <a:font script="Osma" typeface="Ebrima"/>
+        <a:font script="Phag" typeface="Phagspa"/>
+        <a:font script="Syrn" typeface="Estrangelo Edessa"/>
+        <a:font script="Syrj" typeface="Estrangelo Edessa"/>
+        <a:font script="Syre" typeface="Estrangelo Edessa"/>
+        <a:font script="Sora" typeface="Nirmala UI"/>
+        <a:font script="Tale" typeface="Microsoft Tai Le"/>
+        <a:font script="Talu" typeface="Microsoft New Tai Lue"/>
+        <a:font script="Tfng" typeface="Ebrima"/>
+      </a:majorFont>
+      <a:minorFont>
+        <a:latin typeface="Calibri" panose="020F0502020204030204"/>
+        <a:ea typeface=""/>
+        <a:cs typeface=""/>
+        <a:font script="Jpan" typeface="游ゴシック"/>
+        <a:font script="Hang" typeface="맑은 고딕"/>
+        <a:font script="Hans" typeface="等线"/>
+        <a:font script="Hant" typeface="新細明體"/>
+        <a:font script="Arab" typeface="Arial"/>
+        <a:font script="Hebr" typeface="Arial"/>
+        <a:font script="Thai" typeface="Cordia New"/>
+        <a:font script="Ethi" typeface="Nyala"/>
+        <a:font script="Beng" typeface="Vrinda"/>
+        <a:font script="Gujr" typeface="Shruti"/>
+        <a:font script="Khmr" typeface="DaunPenh"/>
+        <a:font script="Knda" typeface="Tunga"/>
+        <a:font script="Guru" typeface="Raavi"/>
+        <a:font script="Cans" typeface="Euphemia"/>
+        <a:font script="Cher" typeface="Plantagenet Cherokee"/>
+        <a:font script="Yiii" typeface="Microsoft Yi Baiti"/>
+        <a:font script="Tibt" typeface="Microsoft Himalaya"/>
+        <a:font script="Thaa" typeface="MV Boli"/>
+        <a:font script="Deva" typeface="Mangal"/>
+        <a:font script="Telu" typeface="Gautami"/>
+        <a:font script="Taml" typeface="Latha"/>
+        <a:font script="Syrc" typeface="Estrangelo Edessa"/>
+        <a:font script="Orya" typeface="Kalinga"/>
+        <a:font script="Mlym" typeface="Kartika"/>
+        <a:font script="Laoo" typeface="DokChampa"/>
+        <a:font script="Sinh" typeface="Iskoola Pota"/>
+        <a:font script="Mong" typeface="Mongolian Baiti"/>
+        <a:font script="Viet" typeface="Arial"/>
+        <a:font script="Uigh" typeface="Microsoft Uighur"/>
+        <a:font script="Geor" typeface="Sylfaen"/>
+        <a:font script="Armn" typeface="Arial"/>
+        <a:font script="Bugi" typeface="Leelawadee UI"/>
+        <a:font script="Bopo" typeface="Microsoft JhengHei"/>
+        <a:font script="Java" typeface="Javanese Text"/>
+        <a:font script="Lisu" typeface="Segoe UI"/>
+        <a:font script="Mymr" typeface="Myanmar Text"/>
+        <a:font script="Nkoo" typeface="Ebrima"/>
+        <a:font script="Olck" typeface="Nirmala UI"/>
+        <a:font script="Osma" typeface="Ebrima"/>
+        <a:font script="Phag" typeface="Phagspa"/>
+        <a:font script="Syrn" typeface="Estrangelo Edessa"/>
+        <a:font script="Syrj" typeface="Estrangelo Edessa"/>
+        <a:font script="Syre" typeface="Estrangelo Edessa"/>
+        <a:font script="Sora" typeface="Nirmala UI"/>
+        <a:font script="Tale" typeface="Microsoft Tai Le"/>
+        <a:font script="Talu" typeface="Microsoft New Tai Lue"/>
+        <a:font script="Tfng" typeface="Ebrima"/>
+      </a:minorFont>
+    </a:fontScheme>
+    <a:fmtScheme name="Office">
+      <a:fillStyleLst>
+        <a:solidFill>
+          <a:schemeClr val="phClr"/>
+        </a:solidFill>
+        <a:gradFill rotWithShape="1">
+          <a:gsLst>
+            <a:gs pos="0">
+              <a:schemeClr val="phClr">
+                <a:lumMod val="110000"/>
+                <a:satMod val="105000"/>
+                <a:tint val="67000"/>
+              </a:schemeClr>
+            </a:gs>
+            <a:gs pos="50000">
+              <a:schemeClr val="phClr">
+                <a:lumMod val="105000"/>
+                <a:satMod val="103000"/>
+                <a:tint val="73000"/>
+              </a:schemeClr>
+            </a:gs>
+            <a:gs pos="100000">
+              <a:schemeClr val="phClr">
+                <a:lumMod val="105000"/>
+                <a:satMod val="109000"/>
+                <a:tint val="81000"/>
+              </a:schemeClr>
+            </a:gs>
+          </a:gsLst>
+          <a:lin ang="5400000" scaled="0"/>
+        </a:gradFill>
+        <a:gradFill rotWithShape="1">
+          <a:gsLst>
+            <a:gs pos="0">
+              <a:schemeClr val="phClr">
+                <a:satMod val="103000"/>
+                <a:lumMod val="102000"/>
+                <a:tint val="94000"/>
+              </a:schemeClr>
+            </a:gs>
+            <a:gs pos="50000">
+              <a:schemeClr val="phClr">
+                <a:satMod val="110000"/>
+                <a:lumMod val="100000"/>
+                <a:shade val="100000"/>
+              </a:schemeClr>
+            </a:gs>
+            <a:gs pos="100000">
+              <a:schemeClr val="phClr">
+                <a:lumMod val="99000"/>
+                <a:satMod val="120000"/>
+                <a:shade val="78000"/>
+              </a:schemeClr>
+            </a:gs>
+          </a:gsLst>
+          <a:lin ang="5400000" scaled="0"/>
+        </a:gradFill>
+      </a:fillStyleLst>
+      <a:lnStyleLst>
+        <a:ln w="6350" cap="flat" cmpd="sng" algn="ctr">
+          <a:solidFill>
+            <a:schemeClr val="phClr"/>
+          </a:solidFill>
+          <a:prstDash val="solid"/>
+          <a:miter lim="800000"/>
+        </a:ln>
+        <a:ln w="12700" cap="flat" cmpd="sng" algn="ctr">
+          <a:solidFill>
+            <a:schemeClr val="phClr"/>
+          </a:solidFill>
+          <a:prstDash val="solid"/>
+          <a:miter lim="800000"/>
+        </a:ln>
+        <a:ln w="19050" cap="flat" cmpd="sng" algn="ctr">
+          <a:solidFill>
+            <a:schemeClr val="phClr"/>
+          </a:solidFill>
+          <a:prstDash val="solid"/>
+          <a:miter lim="800000"/>
+        </a:ln>
+      </a:lnStyleLst>
+      <a:effectStyleLst>
+        <a:effectStyle>
+          <a:effectLst/>
+        </a:effectStyle>
+        <a:effectStyle>
+          <a:effectLst/>
+        </a:effectStyle>
+        <a:effectStyle>
+          <a:effectLst>
+            <a:outerShdw blurRad="57150" dist="19050" dir="5400000" algn="ctr" rotWithShape="0">
+              <a:srgbClr val="000000">
+                <a:alpha val="63000"/>
+              </a:srgbClr>
+            </a:outerShdw>
+          </a:effectLst>
+        </a:effectStyle>
+      </a:effectStyleLst>
+      <a:bgFillStyleLst>
+        <a:solidFill>
+          <a:schemeClr val="phClr"/>
+        </a:solidFill>
+        <a:solidFill>
+          <a:schemeClr val="phClr">
+            <a:tint val="95000"/>
+            <a:satMod val="170000"/>
+          </a:schemeClr>
+        </a:solidFill>
+        <a:gradFill rotWithShape="1">
+          <a:gsLst>
+            <a:gs pos="0">
+              <a:schemeClr val="phClr">
+                <a:tint val="93000"/>
+                <a:satMod val="150000"/>
+                <a:shade val="98000"/>
+                <a:lumMod val="102000"/>
+              </a:schemeClr>
+            </a:gs>
+            <a:gs pos="50000">
+              <a:schemeClr val="phClr">
+                <a:tint val="98000"/>
+                <a:satMod val="130000"/>
+                <a:shade val="90000"/>
+                <a:lumMod val="103000"/>
+              </a:schemeClr>
+            </a:gs>
+            <a:gs pos="100000">
+              <a:schemeClr val="phClr">
+                <a:shade val="63000"/>
+                <a:satMod val="120000"/>
+              </a:schemeClr>
+            </a:gs>
+          </a:gsLst>
+          <a:lin ang="5400000" scaled="0"/>
+        </a:gradFill>
+      </a:bgFillStyleLst>
+    </a:fmtScheme>
+  </a:themeElements>
+  <a:objectDefaults/>
+  <a:extraClrSchemeLst/>
+  <a:extLst>
+    <a:ext uri="{05A4C25C-085E-4340-85A3-A5531E510DB2}">
+      <thm15:themeFamily xmlns:thm15="http://schemas.microsoft.com/office/thememl/2012/main" name="Office Theme" id="{62F939B6-93AF-4DB8-9C6B-D6C7DFDC589F}" vid="{4A3C46E8-61CC-4603-A589-7422A47A8E4A}"/>
+    </a:ext>
+  </a:extLst>
+</a:theme>
 </file>
--- a/figures/resources/spatial_calibration.pptx
+++ b/figures/resources/spatial_calibration.pptx
@@ -5,10 +5,11 @@
     <p:sldMasterId id="2147483660" r:id="rId1"/>
   </p:sldMasterIdLst>
   <p:notesMasterIdLst>
-    <p:notesMasterId r:id="rId3"/>
+    <p:notesMasterId r:id="rId4"/>
   </p:notesMasterIdLst>
   <p:sldIdLst>
     <p:sldId id="256" r:id="rId2"/>
+    <p:sldId id="257" r:id="rId3"/>
   </p:sldIdLst>
   <p:sldSz cx="9144000" cy="6858000" type="screen4x3"/>
   <p:notesSz cx="6858000" cy="9144000"/>
@@ -558,6 +559,108 @@
     <p:extLst>
       <p:ext uri="{BB962C8B-B14F-4D97-AF65-F5344CB8AC3E}">
         <p14:creationId xmlns:p14="http://schemas.microsoft.com/office/powerpoint/2010/main" val="1749344499"/>
+      </p:ext>
+    </p:extLst>
+  </p:cSld>
+  <p:clrMapOvr>
+    <a:masterClrMapping/>
+  </p:clrMapOvr>
+</p:notes>
+</file>
+
+<file path=ppt/notesSlides/notesSlide2.xml><?xml version="1.0" encoding="utf-8"?>
+<p:notes xmlns:a="http://schemas.openxmlformats.org/drawingml/2006/main" xmlns:r="http://schemas.openxmlformats.org/officeDocument/2006/relationships" xmlns:p="http://schemas.openxmlformats.org/presentationml/2006/main">
+  <p:cSld>
+    <p:spTree>
+      <p:nvGrpSpPr>
+        <p:cNvPr id="1" name=""/>
+        <p:cNvGrpSpPr/>
+        <p:nvPr/>
+      </p:nvGrpSpPr>
+      <p:grpSpPr>
+        <a:xfrm>
+          <a:off x="0" y="0"/>
+          <a:ext cx="0" cy="0"/>
+          <a:chOff x="0" y="0"/>
+          <a:chExt cx="0" cy="0"/>
+        </a:xfrm>
+      </p:grpSpPr>
+      <p:sp>
+        <p:nvSpPr>
+          <p:cNvPr id="2" name="Slide Image Placeholder 1"/>
+          <p:cNvSpPr>
+            <a:spLocks noGrp="1" noRot="1" noChangeAspect="1"/>
+          </p:cNvSpPr>
+          <p:nvPr>
+            <p:ph type="sldImg"/>
+          </p:nvPr>
+        </p:nvSpPr>
+        <p:spPr/>
+      </p:sp>
+      <p:sp>
+        <p:nvSpPr>
+          <p:cNvPr id="3" name="Notes Placeholder 2"/>
+          <p:cNvSpPr>
+            <a:spLocks noGrp="1"/>
+          </p:cNvSpPr>
+          <p:nvPr>
+            <p:ph type="body" idx="1"/>
+          </p:nvPr>
+        </p:nvSpPr>
+        <p:spPr/>
+        <p:txBody>
+          <a:bodyPr/>
+          <a:lstStyle/>
+          <a:p>
+            <a:r>
+              <a:rPr lang="de-DE" dirty="0" err="1"/>
+              <a:t>Example</a:t>
+            </a:r>
+            <a:r>
+              <a:rPr lang="de-DE" dirty="0"/>
+              <a:t> </a:t>
+            </a:r>
+            <a:r>
+              <a:rPr lang="de-DE" dirty="0" err="1"/>
+              <a:t>image</a:t>
+            </a:r>
+            <a:r>
+              <a:rPr lang="de-DE" dirty="0"/>
+              <a:t>: xy_8bit__nucleus_calibrated.tif</a:t>
+            </a:r>
+          </a:p>
+          <a:p>
+            <a:endParaRPr lang="de-DE" dirty="0"/>
+          </a:p>
+        </p:txBody>
+      </p:sp>
+      <p:sp>
+        <p:nvSpPr>
+          <p:cNvPr id="4" name="Slide Number Placeholder 3"/>
+          <p:cNvSpPr>
+            <a:spLocks noGrp="1"/>
+          </p:cNvSpPr>
+          <p:nvPr>
+            <p:ph type="sldNum" sz="quarter" idx="5"/>
+          </p:nvPr>
+        </p:nvSpPr>
+        <p:spPr/>
+        <p:txBody>
+          <a:bodyPr/>
+          <a:lstStyle/>
+          <a:p>
+            <a:fld id="{926C4596-9333-5B48-AF09-D4A72557A3A4}" type="slidenum">
+              <a:rPr lang="de-DE" smtClean="0"/>
+              <a:t>2</a:t>
+            </a:fld>
+            <a:endParaRPr lang="de-DE"/>
+          </a:p>
+        </p:txBody>
+      </p:sp>
+    </p:spTree>
+    <p:extLst>
+      <p:ext uri="{BB962C8B-B14F-4D97-AF65-F5344CB8AC3E}">
+        <p14:creationId xmlns:p14="http://schemas.microsoft.com/office/powerpoint/2010/main" val="186740975"/>
       </p:ext>
     </p:extLst>
   </p:cSld>
@@ -3434,7 +3537,7 @@
         </p:nvSpPr>
         <p:spPr>
           <a:xfrm>
-            <a:off x="1707311" y="3360493"/>
+            <a:off x="5851794" y="3978010"/>
             <a:ext cx="1879812" cy="1251339"/>
           </a:xfrm>
           <a:prstGeom prst="rect">
@@ -3482,7 +3585,7 @@
         </p:nvSpPr>
         <p:spPr>
           <a:xfrm>
-            <a:off x="1719077" y="3360493"/>
+            <a:off x="5863560" y="3978010"/>
             <a:ext cx="620889" cy="620889"/>
           </a:xfrm>
           <a:prstGeom prst="rect">
@@ -3524,7 +3627,7 @@
         </p:nvSpPr>
         <p:spPr>
           <a:xfrm>
-            <a:off x="2345345" y="3360493"/>
+            <a:off x="6489828" y="3978010"/>
             <a:ext cx="620889" cy="620889"/>
           </a:xfrm>
           <a:prstGeom prst="rect">
@@ -3566,7 +3669,7 @@
         </p:nvSpPr>
         <p:spPr>
           <a:xfrm>
-            <a:off x="2971613" y="3360493"/>
+            <a:off x="7116096" y="3978010"/>
             <a:ext cx="620889" cy="620889"/>
           </a:xfrm>
           <a:prstGeom prst="rect">
@@ -3608,7 +3711,7 @@
         </p:nvSpPr>
         <p:spPr>
           <a:xfrm>
-            <a:off x="1781563" y="1915386"/>
+            <a:off x="6211055" y="1962886"/>
             <a:ext cx="620889" cy="620889"/>
           </a:xfrm>
           <a:prstGeom prst="rect">
@@ -3650,7 +3753,7 @@
         </p:nvCxnSpPr>
         <p:spPr>
           <a:xfrm flipH="1" flipV="1">
-            <a:off x="1606585" y="1878696"/>
+            <a:off x="6070907" y="2243054"/>
             <a:ext cx="11289" cy="694267"/>
           </a:xfrm>
           <a:prstGeom prst="line">
@@ -3683,9 +3786,9 @@
           <p:nvPr/>
         </p:nvSpPr>
         <p:spPr>
-          <a:xfrm>
-            <a:off x="29980" y="2012838"/>
-            <a:ext cx="1603131" cy="369332"/>
+          <a:xfrm rot="16200000">
+            <a:off x="5158612" y="2384378"/>
+            <a:ext cx="1183337" cy="369332"/>
           </a:xfrm>
           <a:prstGeom prst="rect">
             <a:avLst/>
@@ -3700,7 +3803,7 @@
           <a:p>
             <a:r>
               <a:rPr lang="en-US" dirty="0"/>
-              <a:t>Pixel height, </a:t>
+              <a:t>Spacing </a:t>
             </a:r>
             <a:r>
               <a:rPr lang="en-US" dirty="0" err="1"/>
@@ -3718,8 +3821,8 @@
         </p:nvSpPr>
         <p:spPr>
           <a:xfrm>
-            <a:off x="1282652" y="1281696"/>
-            <a:ext cx="1541128" cy="369332"/>
+            <a:off x="6290693" y="1317648"/>
+            <a:ext cx="1178528" cy="369332"/>
           </a:xfrm>
           <a:prstGeom prst="rect">
             <a:avLst/>
@@ -3734,7 +3837,7 @@
           <a:p>
             <a:r>
               <a:rPr lang="en-US" dirty="0"/>
-              <a:t>Pixel width, dx</a:t>
+              <a:t>Spacing dx</a:t>
             </a:r>
           </a:p>
         </p:txBody>
@@ -3747,7 +3850,7 @@
         </p:nvCxnSpPr>
         <p:spPr>
           <a:xfrm>
-            <a:off x="1707311" y="3139918"/>
+            <a:off x="5851794" y="3757435"/>
             <a:ext cx="1885191" cy="0"/>
           </a:xfrm>
           <a:prstGeom prst="line">
@@ -3781,7 +3884,7 @@
         </p:nvSpPr>
         <p:spPr>
           <a:xfrm>
-            <a:off x="2301980" y="2794741"/>
+            <a:off x="6446463" y="3412258"/>
             <a:ext cx="575799" cy="369332"/>
           </a:xfrm>
           <a:prstGeom prst="rect">
@@ -3810,7 +3913,7 @@
         </p:nvCxnSpPr>
         <p:spPr>
           <a:xfrm flipV="1">
-            <a:off x="1781563" y="1717975"/>
+            <a:off x="6521499" y="1776435"/>
             <a:ext cx="632177" cy="7924"/>
           </a:xfrm>
           <a:prstGeom prst="line">
@@ -3844,7 +3947,7 @@
         </p:nvSpPr>
         <p:spPr>
           <a:xfrm>
-            <a:off x="1724456" y="3990943"/>
+            <a:off x="5868939" y="4608460"/>
             <a:ext cx="620889" cy="620889"/>
           </a:xfrm>
           <a:prstGeom prst="rect">
@@ -3886,7 +3989,7 @@
         </p:nvSpPr>
         <p:spPr>
           <a:xfrm>
-            <a:off x="2350724" y="3990943"/>
+            <a:off x="6495207" y="4608460"/>
             <a:ext cx="620889" cy="620889"/>
           </a:xfrm>
           <a:prstGeom prst="rect">
@@ -3928,7 +4031,7 @@
         </p:nvSpPr>
         <p:spPr>
           <a:xfrm>
-            <a:off x="2976992" y="3990943"/>
+            <a:off x="7121475" y="4608460"/>
             <a:ext cx="620889" cy="620889"/>
           </a:xfrm>
           <a:prstGeom prst="rect">
@@ -3972,7 +4075,7 @@
             </p:nvSpPr>
             <p:spPr>
               <a:xfrm>
-                <a:off x="1540829" y="4992918"/>
+                <a:off x="5685312" y="5408555"/>
                 <a:ext cx="2350900" cy="369332"/>
               </a:xfrm>
               <a:prstGeom prst="rect">
@@ -3986,6 +4089,7 @@
               </a:bodyPr>
               <a:lstStyle/>
               <a:p>
+                <a:pPr/>
                 <a14:m>
                   <m:oMathPara xmlns:m="http://schemas.openxmlformats.org/officeDocument/2006/math">
                     <m:oMathParaPr>
@@ -4026,19 +4130,7 @@
                         <a:rPr lang="en-US" i="1" dirty="0" smtClean="0">
                           <a:latin typeface="Cambria Math" panose="02040503050406030204" pitchFamily="18" charset="0"/>
                         </a:rPr>
-                        <m:t>∗ </m:t>
-                      </m:r>
-                      <m:r>
-                        <a:rPr lang="en-US" i="1" dirty="0" smtClean="0">
-                          <a:latin typeface="Cambria Math" panose="02040503050406030204" pitchFamily="18" charset="0"/>
-                        </a:rPr>
-                        <m:t>2</m:t>
-                      </m:r>
-                      <m:r>
-                        <a:rPr lang="en-US" i="1" dirty="0" smtClean="0">
-                          <a:latin typeface="Cambria Math" panose="02040503050406030204" pitchFamily="18" charset="0"/>
-                        </a:rPr>
-                        <m:t> </m:t>
+                        <m:t>∗ 2 </m:t>
                       </m:r>
                       <m:r>
                         <a:rPr lang="en-US" i="1" dirty="0" err="1" smtClean="0">
@@ -4065,7 +4157,7 @@
             </p:nvSpPr>
             <p:spPr>
               <a:xfrm>
-                <a:off x="1540829" y="4992918"/>
+                <a:off x="5685312" y="5408555"/>
                 <a:ext cx="2350900" cy="369332"/>
               </a:xfrm>
               <a:prstGeom prst="rect">
@@ -4074,7 +4166,7 @@
               <a:blipFill>
                 <a:blip r:embed="rId3"/>
                 <a:stretch>
-                  <a:fillRect b="-16667"/>
+                  <a:fillRect b="-13333"/>
                 </a:stretch>
               </a:blipFill>
             </p:spPr>
@@ -4101,7 +4193,7 @@
         </p:nvCxnSpPr>
         <p:spPr>
           <a:xfrm flipH="1">
-            <a:off x="1540568" y="3292318"/>
+            <a:off x="5685051" y="3909835"/>
             <a:ext cx="3532" cy="1319514"/>
           </a:xfrm>
           <a:prstGeom prst="line">
@@ -4135,7 +4227,7 @@
         </p:nvSpPr>
         <p:spPr>
           <a:xfrm>
-            <a:off x="843881" y="3670937"/>
+            <a:off x="4988364" y="4288454"/>
             <a:ext cx="580608" cy="369332"/>
           </a:xfrm>
           <a:prstGeom prst="rect">
@@ -4156,125 +4248,6 @@
             <a:r>
               <a:rPr lang="en-US" dirty="0" err="1"/>
               <a:t>dy</a:t>
-            </a:r>
-            <a:endParaRPr lang="en-US" dirty="0"/>
-          </a:p>
-        </p:txBody>
-      </p:sp>
-      <p:sp>
-        <p:nvSpPr>
-          <p:cNvPr id="36" name="Cube 35">
-            <a:extLst>
-              <a:ext uri="{FF2B5EF4-FFF2-40B4-BE49-F238E27FC236}">
-                <a16:creationId xmlns:a16="http://schemas.microsoft.com/office/drawing/2014/main" id="{BE233057-4145-BB4F-88B9-C8ECF261390C}"/>
-              </a:ext>
-            </a:extLst>
-          </p:cNvPr>
-          <p:cNvSpPr/>
-          <p:nvPr/>
-        </p:nvSpPr>
-        <p:spPr>
-          <a:xfrm>
-            <a:off x="3042513" y="1830307"/>
-            <a:ext cx="730495" cy="730495"/>
-          </a:xfrm>
-          <a:prstGeom prst="cube">
-            <a:avLst/>
-          </a:prstGeom>
-          <a:solidFill>
-            <a:schemeClr val="accent1"/>
-          </a:solidFill>
-        </p:spPr>
-        <p:style>
-          <a:lnRef idx="2">
-            <a:schemeClr val="accent1">
-              <a:shade val="50000"/>
-            </a:schemeClr>
-          </a:lnRef>
-          <a:fillRef idx="1">
-            <a:schemeClr val="accent1"/>
-          </a:fillRef>
-          <a:effectRef idx="0">
-            <a:schemeClr val="accent1"/>
-          </a:effectRef>
-          <a:fontRef idx="minor">
-            <a:schemeClr val="lt1"/>
-          </a:fontRef>
-        </p:style>
-        <p:txBody>
-          <a:bodyPr rtlCol="0" anchor="ctr"/>
-          <a:lstStyle/>
-          <a:p>
-            <a:pPr algn="ctr"/>
-            <a:endParaRPr lang="de-DE"/>
-          </a:p>
-        </p:txBody>
-      </p:sp>
-      <p:cxnSp>
-        <p:nvCxnSpPr>
-          <p:cNvPr id="38" name="Straight Connector 37"/>
-          <p:cNvCxnSpPr>
-            <a:cxnSpLocks/>
-          </p:cNvCxnSpPr>
-          <p:nvPr/>
-        </p:nvCxnSpPr>
-        <p:spPr>
-          <a:xfrm flipV="1">
-            <a:off x="3878057" y="1830307"/>
-            <a:ext cx="0" cy="551864"/>
-          </a:xfrm>
-          <a:prstGeom prst="line">
-            <a:avLst/>
-          </a:prstGeom>
-          <a:ln w="28575">
-            <a:headEnd type="arrow" w="med" len="med"/>
-            <a:tailEnd type="arrow" w="med" len="med"/>
-          </a:ln>
-        </p:spPr>
-        <p:style>
-          <a:lnRef idx="1">
-            <a:schemeClr val="accent1"/>
-          </a:lnRef>
-          <a:fillRef idx="0">
-            <a:schemeClr val="accent1"/>
-          </a:fillRef>
-          <a:effectRef idx="0">
-            <a:schemeClr val="accent1"/>
-          </a:effectRef>
-          <a:fontRef idx="minor">
-            <a:schemeClr val="tx1"/>
-          </a:fontRef>
-        </p:style>
-      </p:cxnSp>
-      <p:sp>
-        <p:nvSpPr>
-          <p:cNvPr id="40" name="TextBox 39"/>
-          <p:cNvSpPr txBox="1"/>
-          <p:nvPr/>
-        </p:nvSpPr>
-        <p:spPr>
-          <a:xfrm>
-            <a:off x="2988458" y="1276290"/>
-            <a:ext cx="1618905" cy="369332"/>
-          </a:xfrm>
-          <a:prstGeom prst="rect">
-            <a:avLst/>
-          </a:prstGeom>
-          <a:noFill/>
-        </p:spPr>
-        <p:txBody>
-          <a:bodyPr wrap="none" rtlCol="0">
-            <a:spAutoFit/>
-          </a:bodyPr>
-          <a:lstStyle/>
-          <a:p>
-            <a:r>
-              <a:rPr lang="en-US" dirty="0"/>
-              <a:t>Voxel depth, </a:t>
-            </a:r>
-            <a:r>
-              <a:rPr lang="en-US" dirty="0" err="1"/>
-              <a:t>dz</a:t>
             </a:r>
             <a:endParaRPr lang="en-US" dirty="0"/>
           </a:p>
@@ -4302,7 +4275,7 @@
         </p:blipFill>
         <p:spPr>
           <a:xfrm>
-            <a:off x="4732681" y="2794741"/>
+            <a:off x="1271769" y="2941748"/>
             <a:ext cx="2466807" cy="2466807"/>
           </a:xfrm>
           <a:prstGeom prst="rect">
@@ -4331,7 +4304,7 @@
         </p:blipFill>
         <p:spPr>
           <a:xfrm>
-            <a:off x="6653076" y="2664315"/>
+            <a:off x="3162603" y="2805885"/>
             <a:ext cx="1505044" cy="1403230"/>
           </a:xfrm>
           <a:prstGeom prst="rect">
@@ -4356,8 +4329,8 @@
         </p:nvCxnSpPr>
         <p:spPr>
           <a:xfrm>
-            <a:off x="6761021" y="2346562"/>
-            <a:ext cx="502435" cy="943352"/>
+            <a:off x="3086356" y="2457944"/>
+            <a:ext cx="704913" cy="981381"/>
           </a:xfrm>
           <a:prstGeom prst="straightConnector1">
             <a:avLst/>
@@ -4400,7 +4373,7 @@
             </p:nvSpPr>
             <p:spPr>
               <a:xfrm>
-                <a:off x="5026155" y="1700231"/>
+                <a:off x="1351490" y="1811613"/>
                 <a:ext cx="3469731" cy="646331"/>
               </a:xfrm>
               <a:prstGeom prst="rect">
@@ -4414,6 +4387,7 @@
               </a:bodyPr>
               <a:lstStyle/>
               <a:p>
+                <a:pPr/>
                 <a14:m>
                   <m:oMathPara xmlns:m="http://schemas.openxmlformats.org/officeDocument/2006/math">
                     <m:oMathParaPr>
@@ -4468,6 +4442,7 @@
                 <a:endParaRPr lang="en-US" b="0" dirty="0"/>
               </a:p>
               <a:p>
+                <a:pPr/>
                 <a14:m>
                   <m:oMathPara xmlns:m="http://schemas.openxmlformats.org/officeDocument/2006/math">
                     <m:oMathParaPr>
@@ -4547,6 +4522,1672 @@
             </p:nvSpPr>
             <p:spPr>
               <a:xfrm>
+                <a:off x="1351490" y="1811613"/>
+                <a:ext cx="3469731" cy="646331"/>
+              </a:xfrm>
+              <a:prstGeom prst="rect">
+                <a:avLst/>
+              </a:prstGeom>
+              <a:blipFill>
+                <a:blip r:embed="rId6"/>
+                <a:stretch>
+                  <a:fillRect b="-7692"/>
+                </a:stretch>
+              </a:blipFill>
+            </p:spPr>
+            <p:txBody>
+              <a:bodyPr/>
+              <a:lstStyle/>
+              <a:p>
+                <a:r>
+                  <a:rPr lang="de-DE">
+                    <a:noFill/>
+                  </a:rPr>
+                  <a:t> </a:t>
+                </a:r>
+              </a:p>
+            </p:txBody>
+          </p:sp>
+        </mc:Fallback>
+      </mc:AlternateContent>
+      <p:sp>
+        <p:nvSpPr>
+          <p:cNvPr id="21" name="Rectangle 20">
+            <a:extLst>
+              <a:ext uri="{FF2B5EF4-FFF2-40B4-BE49-F238E27FC236}">
+                <a16:creationId xmlns:a16="http://schemas.microsoft.com/office/drawing/2014/main" id="{AFDC82EB-CA73-C543-82FD-EED622F9E2F9}"/>
+              </a:ext>
+            </a:extLst>
+          </p:cNvPr>
+          <p:cNvSpPr/>
+          <p:nvPr/>
+        </p:nvSpPr>
+        <p:spPr>
+          <a:xfrm>
+            <a:off x="2663923" y="3364375"/>
+            <a:ext cx="290955" cy="290330"/>
+          </a:xfrm>
+          <a:prstGeom prst="rect">
+            <a:avLst/>
+          </a:prstGeom>
+          <a:noFill/>
+          <a:ln w="25400">
+            <a:solidFill>
+              <a:schemeClr val="accent1"/>
+            </a:solidFill>
+            <a:prstDash val="sysDash"/>
+          </a:ln>
+        </p:spPr>
+        <p:style>
+          <a:lnRef idx="2">
+            <a:schemeClr val="accent1">
+              <a:shade val="50000"/>
+            </a:schemeClr>
+          </a:lnRef>
+          <a:fillRef idx="1">
+            <a:schemeClr val="accent1"/>
+          </a:fillRef>
+          <a:effectRef idx="0">
+            <a:schemeClr val="accent1"/>
+          </a:effectRef>
+          <a:fontRef idx="minor">
+            <a:schemeClr val="lt1"/>
+          </a:fontRef>
+        </p:style>
+        <p:txBody>
+          <a:bodyPr rtlCol="0" anchor="ctr"/>
+          <a:lstStyle/>
+          <a:p>
+            <a:pPr algn="ctr"/>
+            <a:endParaRPr lang="de-DE" dirty="0"/>
+          </a:p>
+        </p:txBody>
+      </p:sp>
+      <p:sp>
+        <p:nvSpPr>
+          <p:cNvPr id="37" name="TextBox 36">
+            <a:extLst>
+              <a:ext uri="{FF2B5EF4-FFF2-40B4-BE49-F238E27FC236}">
+                <a16:creationId xmlns:a16="http://schemas.microsoft.com/office/drawing/2014/main" id="{57BC08D2-26A8-3E40-BB59-5C2B6734CB97}"/>
+              </a:ext>
+            </a:extLst>
+          </p:cNvPr>
+          <p:cNvSpPr txBox="1"/>
+          <p:nvPr/>
+        </p:nvSpPr>
+        <p:spPr>
+          <a:xfrm>
+            <a:off x="1335418" y="1444106"/>
+            <a:ext cx="2657009" cy="369332"/>
+          </a:xfrm>
+          <a:prstGeom prst="rect">
+            <a:avLst/>
+          </a:prstGeom>
+          <a:noFill/>
+        </p:spPr>
+        <p:txBody>
+          <a:bodyPr wrap="none" rtlCol="0">
+            <a:spAutoFit/>
+          </a:bodyPr>
+          <a:lstStyle/>
+          <a:p>
+            <a:r>
+              <a:rPr lang="en-US" dirty="0"/>
+              <a:t>Location = Index * Spacing</a:t>
+            </a:r>
+          </a:p>
+        </p:txBody>
+      </p:sp>
+      <p:sp>
+        <p:nvSpPr>
+          <p:cNvPr id="31" name="Oval 30">
+            <a:extLst>
+              <a:ext uri="{FF2B5EF4-FFF2-40B4-BE49-F238E27FC236}">
+                <a16:creationId xmlns:a16="http://schemas.microsoft.com/office/drawing/2014/main" id="{E3A2E411-C08A-4640-A448-A379E17AFA64}"/>
+              </a:ext>
+            </a:extLst>
+          </p:cNvPr>
+          <p:cNvSpPr/>
+          <p:nvPr/>
+        </p:nvSpPr>
+        <p:spPr>
+          <a:xfrm>
+            <a:off x="-2517887" y="2638463"/>
+            <a:ext cx="111873" cy="101703"/>
+          </a:xfrm>
+          <a:prstGeom prst="ellipse">
+            <a:avLst/>
+          </a:prstGeom>
+        </p:spPr>
+        <p:style>
+          <a:lnRef idx="2">
+            <a:schemeClr val="accent1">
+              <a:shade val="50000"/>
+            </a:schemeClr>
+          </a:lnRef>
+          <a:fillRef idx="1">
+            <a:schemeClr val="accent1"/>
+          </a:fillRef>
+          <a:effectRef idx="0">
+            <a:schemeClr val="accent1"/>
+          </a:effectRef>
+          <a:fontRef idx="minor">
+            <a:schemeClr val="lt1"/>
+          </a:fontRef>
+        </p:style>
+        <p:txBody>
+          <a:bodyPr rtlCol="0" anchor="ctr"/>
+          <a:lstStyle/>
+          <a:p>
+            <a:pPr algn="ctr"/>
+            <a:endParaRPr lang="de-DE"/>
+          </a:p>
+        </p:txBody>
+      </p:sp>
+      <p:sp>
+        <p:nvSpPr>
+          <p:cNvPr id="39" name="TextBox 38">
+            <a:extLst>
+              <a:ext uri="{FF2B5EF4-FFF2-40B4-BE49-F238E27FC236}">
+                <a16:creationId xmlns:a16="http://schemas.microsoft.com/office/drawing/2014/main" id="{D9D7C7E3-9AFF-044D-943D-8BBF70434797}"/>
+              </a:ext>
+            </a:extLst>
+          </p:cNvPr>
+          <p:cNvSpPr txBox="1"/>
+          <p:nvPr/>
+        </p:nvSpPr>
+        <p:spPr>
+          <a:xfrm>
+            <a:off x="-2949467" y="2280114"/>
+            <a:ext cx="1239442" cy="369332"/>
+          </a:xfrm>
+          <a:prstGeom prst="rect">
+            <a:avLst/>
+          </a:prstGeom>
+          <a:noFill/>
+        </p:spPr>
+        <p:txBody>
+          <a:bodyPr wrap="none" rtlCol="0">
+            <a:spAutoFit/>
+          </a:bodyPr>
+          <a:lstStyle/>
+          <a:p>
+            <a:r>
+              <a:rPr lang="en-US" dirty="0"/>
+              <a:t>Origin (0,0)</a:t>
+            </a:r>
+          </a:p>
+        </p:txBody>
+      </p:sp>
+      <p:sp>
+        <p:nvSpPr>
+          <p:cNvPr id="42" name="Rectangle 41">
+            <a:extLst>
+              <a:ext uri="{FF2B5EF4-FFF2-40B4-BE49-F238E27FC236}">
+                <a16:creationId xmlns:a16="http://schemas.microsoft.com/office/drawing/2014/main" id="{48CAE13C-FD22-8641-BB7E-A6BF7D608096}"/>
+              </a:ext>
+            </a:extLst>
+          </p:cNvPr>
+          <p:cNvSpPr/>
+          <p:nvPr/>
+        </p:nvSpPr>
+        <p:spPr>
+          <a:xfrm>
+            <a:off x="6826589" y="1960909"/>
+            <a:ext cx="620889" cy="622866"/>
+          </a:xfrm>
+          <a:prstGeom prst="rect">
+            <a:avLst/>
+          </a:prstGeom>
+          <a:noFill/>
+          <a:ln w="38100"/>
+        </p:spPr>
+        <p:style>
+          <a:lnRef idx="2">
+            <a:schemeClr val="accent1">
+              <a:shade val="50000"/>
+            </a:schemeClr>
+          </a:lnRef>
+          <a:fillRef idx="1">
+            <a:schemeClr val="accent1"/>
+          </a:fillRef>
+          <a:effectRef idx="0">
+            <a:schemeClr val="accent1"/>
+          </a:effectRef>
+          <a:fontRef idx="minor">
+            <a:schemeClr val="lt1"/>
+          </a:fontRef>
+        </p:style>
+        <p:txBody>
+          <a:bodyPr rtlCol="0" anchor="ctr"/>
+          <a:lstStyle/>
+          <a:p>
+            <a:pPr algn="ctr"/>
+            <a:endParaRPr lang="en-US"/>
+          </a:p>
+        </p:txBody>
+      </p:sp>
+      <p:sp>
+        <p:nvSpPr>
+          <p:cNvPr id="43" name="Oval 42">
+            <a:extLst>
+              <a:ext uri="{FF2B5EF4-FFF2-40B4-BE49-F238E27FC236}">
+                <a16:creationId xmlns:a16="http://schemas.microsoft.com/office/drawing/2014/main" id="{763DAF5C-7ECF-B34A-97E7-9E836119DF9B}"/>
+              </a:ext>
+            </a:extLst>
+          </p:cNvPr>
+          <p:cNvSpPr/>
+          <p:nvPr/>
+        </p:nvSpPr>
+        <p:spPr>
+          <a:xfrm>
+            <a:off x="7101933" y="2234770"/>
+            <a:ext cx="111873" cy="101703"/>
+          </a:xfrm>
+          <a:prstGeom prst="ellipse">
+            <a:avLst/>
+          </a:prstGeom>
+        </p:spPr>
+        <p:style>
+          <a:lnRef idx="2">
+            <a:schemeClr val="accent1">
+              <a:shade val="50000"/>
+            </a:schemeClr>
+          </a:lnRef>
+          <a:fillRef idx="1">
+            <a:schemeClr val="accent1"/>
+          </a:fillRef>
+          <a:effectRef idx="0">
+            <a:schemeClr val="accent1"/>
+          </a:effectRef>
+          <a:fontRef idx="minor">
+            <a:schemeClr val="lt1"/>
+          </a:fontRef>
+        </p:style>
+        <p:txBody>
+          <a:bodyPr rtlCol="0" anchor="ctr"/>
+          <a:lstStyle/>
+          <a:p>
+            <a:pPr algn="ctr"/>
+            <a:endParaRPr lang="de-DE"/>
+          </a:p>
+        </p:txBody>
+      </p:sp>
+      <p:sp>
+        <p:nvSpPr>
+          <p:cNvPr id="45" name="Oval 44">
+            <a:extLst>
+              <a:ext uri="{FF2B5EF4-FFF2-40B4-BE49-F238E27FC236}">
+                <a16:creationId xmlns:a16="http://schemas.microsoft.com/office/drawing/2014/main" id="{DB55D443-BA25-3B41-8ECF-9D3D2191A651}"/>
+              </a:ext>
+            </a:extLst>
+          </p:cNvPr>
+          <p:cNvSpPr/>
+          <p:nvPr/>
+        </p:nvSpPr>
+        <p:spPr>
+          <a:xfrm>
+            <a:off x="6482976" y="2234759"/>
+            <a:ext cx="111873" cy="101703"/>
+          </a:xfrm>
+          <a:prstGeom prst="ellipse">
+            <a:avLst/>
+          </a:prstGeom>
+        </p:spPr>
+        <p:style>
+          <a:lnRef idx="2">
+            <a:schemeClr val="accent1">
+              <a:shade val="50000"/>
+            </a:schemeClr>
+          </a:lnRef>
+          <a:fillRef idx="1">
+            <a:schemeClr val="accent1"/>
+          </a:fillRef>
+          <a:effectRef idx="0">
+            <a:schemeClr val="accent1"/>
+          </a:effectRef>
+          <a:fontRef idx="minor">
+            <a:schemeClr val="lt1"/>
+          </a:fontRef>
+        </p:style>
+        <p:txBody>
+          <a:bodyPr rtlCol="0" anchor="ctr"/>
+          <a:lstStyle/>
+          <a:p>
+            <a:pPr algn="ctr"/>
+            <a:endParaRPr lang="de-DE"/>
+          </a:p>
+        </p:txBody>
+      </p:sp>
+      <p:sp>
+        <p:nvSpPr>
+          <p:cNvPr id="46" name="Rectangle 45">
+            <a:extLst>
+              <a:ext uri="{FF2B5EF4-FFF2-40B4-BE49-F238E27FC236}">
+                <a16:creationId xmlns:a16="http://schemas.microsoft.com/office/drawing/2014/main" id="{09A6809A-D551-5345-9BBC-119DE5EAD72E}"/>
+              </a:ext>
+            </a:extLst>
+          </p:cNvPr>
+          <p:cNvSpPr/>
+          <p:nvPr/>
+        </p:nvSpPr>
+        <p:spPr>
+          <a:xfrm>
+            <a:off x="6208378" y="2588470"/>
+            <a:ext cx="620889" cy="620889"/>
+          </a:xfrm>
+          <a:prstGeom prst="rect">
+            <a:avLst/>
+          </a:prstGeom>
+          <a:noFill/>
+          <a:ln w="38100"/>
+        </p:spPr>
+        <p:style>
+          <a:lnRef idx="2">
+            <a:schemeClr val="accent1">
+              <a:shade val="50000"/>
+            </a:schemeClr>
+          </a:lnRef>
+          <a:fillRef idx="1">
+            <a:schemeClr val="accent1"/>
+          </a:fillRef>
+          <a:effectRef idx="0">
+            <a:schemeClr val="accent1"/>
+          </a:effectRef>
+          <a:fontRef idx="minor">
+            <a:schemeClr val="lt1"/>
+          </a:fontRef>
+        </p:style>
+        <p:txBody>
+          <a:bodyPr rtlCol="0" anchor="ctr"/>
+          <a:lstStyle/>
+          <a:p>
+            <a:pPr algn="ctr"/>
+            <a:endParaRPr lang="en-US"/>
+          </a:p>
+        </p:txBody>
+      </p:sp>
+      <p:sp>
+        <p:nvSpPr>
+          <p:cNvPr id="47" name="Rectangle 46">
+            <a:extLst>
+              <a:ext uri="{FF2B5EF4-FFF2-40B4-BE49-F238E27FC236}">
+                <a16:creationId xmlns:a16="http://schemas.microsoft.com/office/drawing/2014/main" id="{8251601A-B4CA-6042-9B18-2DFAF6CAC19C}"/>
+              </a:ext>
+            </a:extLst>
+          </p:cNvPr>
+          <p:cNvSpPr/>
+          <p:nvPr/>
+        </p:nvSpPr>
+        <p:spPr>
+          <a:xfrm>
+            <a:off x="6823181" y="2585752"/>
+            <a:ext cx="620889" cy="620889"/>
+          </a:xfrm>
+          <a:prstGeom prst="rect">
+            <a:avLst/>
+          </a:prstGeom>
+          <a:noFill/>
+          <a:ln w="38100"/>
+        </p:spPr>
+        <p:style>
+          <a:lnRef idx="2">
+            <a:schemeClr val="accent1">
+              <a:shade val="50000"/>
+            </a:schemeClr>
+          </a:lnRef>
+          <a:fillRef idx="1">
+            <a:schemeClr val="accent1"/>
+          </a:fillRef>
+          <a:effectRef idx="0">
+            <a:schemeClr val="accent1"/>
+          </a:effectRef>
+          <a:fontRef idx="minor">
+            <a:schemeClr val="lt1"/>
+          </a:fontRef>
+        </p:style>
+        <p:txBody>
+          <a:bodyPr rtlCol="0" anchor="ctr"/>
+          <a:lstStyle/>
+          <a:p>
+            <a:pPr algn="ctr"/>
+            <a:endParaRPr lang="en-US"/>
+          </a:p>
+        </p:txBody>
+      </p:sp>
+      <p:sp>
+        <p:nvSpPr>
+          <p:cNvPr id="50" name="Oval 49">
+            <a:extLst>
+              <a:ext uri="{FF2B5EF4-FFF2-40B4-BE49-F238E27FC236}">
+                <a16:creationId xmlns:a16="http://schemas.microsoft.com/office/drawing/2014/main" id="{9D45AA71-7147-1B43-B41A-C848DA37A75F}"/>
+              </a:ext>
+            </a:extLst>
+          </p:cNvPr>
+          <p:cNvSpPr/>
+          <p:nvPr/>
+        </p:nvSpPr>
+        <p:spPr>
+          <a:xfrm>
+            <a:off x="7100849" y="2839199"/>
+            <a:ext cx="111873" cy="101703"/>
+          </a:xfrm>
+          <a:prstGeom prst="ellipse">
+            <a:avLst/>
+          </a:prstGeom>
+        </p:spPr>
+        <p:style>
+          <a:lnRef idx="2">
+            <a:schemeClr val="accent1">
+              <a:shade val="50000"/>
+            </a:schemeClr>
+          </a:lnRef>
+          <a:fillRef idx="1">
+            <a:schemeClr val="accent1"/>
+          </a:fillRef>
+          <a:effectRef idx="0">
+            <a:schemeClr val="accent1"/>
+          </a:effectRef>
+          <a:fontRef idx="minor">
+            <a:schemeClr val="lt1"/>
+          </a:fontRef>
+        </p:style>
+        <p:txBody>
+          <a:bodyPr rtlCol="0" anchor="ctr"/>
+          <a:lstStyle/>
+          <a:p>
+            <a:pPr algn="ctr"/>
+            <a:endParaRPr lang="de-DE"/>
+          </a:p>
+        </p:txBody>
+      </p:sp>
+      <p:sp>
+        <p:nvSpPr>
+          <p:cNvPr id="51" name="Oval 50">
+            <a:extLst>
+              <a:ext uri="{FF2B5EF4-FFF2-40B4-BE49-F238E27FC236}">
+                <a16:creationId xmlns:a16="http://schemas.microsoft.com/office/drawing/2014/main" id="{4A519C81-4020-E544-9591-F0E7C7387DE0}"/>
+              </a:ext>
+            </a:extLst>
+          </p:cNvPr>
+          <p:cNvSpPr/>
+          <p:nvPr/>
+        </p:nvSpPr>
+        <p:spPr>
+          <a:xfrm>
+            <a:off x="6482975" y="2851729"/>
+            <a:ext cx="111873" cy="101703"/>
+          </a:xfrm>
+          <a:prstGeom prst="ellipse">
+            <a:avLst/>
+          </a:prstGeom>
+        </p:spPr>
+        <p:style>
+          <a:lnRef idx="2">
+            <a:schemeClr val="accent1">
+              <a:shade val="50000"/>
+            </a:schemeClr>
+          </a:lnRef>
+          <a:fillRef idx="1">
+            <a:schemeClr val="accent1"/>
+          </a:fillRef>
+          <a:effectRef idx="0">
+            <a:schemeClr val="accent1"/>
+          </a:effectRef>
+          <a:fontRef idx="minor">
+            <a:schemeClr val="lt1"/>
+          </a:fontRef>
+        </p:style>
+        <p:txBody>
+          <a:bodyPr rtlCol="0" anchor="ctr"/>
+          <a:lstStyle/>
+          <a:p>
+            <a:pPr algn="ctr"/>
+            <a:endParaRPr lang="de-DE"/>
+          </a:p>
+        </p:txBody>
+      </p:sp>
+      <p:sp>
+        <p:nvSpPr>
+          <p:cNvPr id="53" name="Oval 52">
+            <a:extLst>
+              <a:ext uri="{FF2B5EF4-FFF2-40B4-BE49-F238E27FC236}">
+                <a16:creationId xmlns:a16="http://schemas.microsoft.com/office/drawing/2014/main" id="{5751660E-140E-0145-851A-CAF8945C4609}"/>
+              </a:ext>
+            </a:extLst>
+          </p:cNvPr>
+          <p:cNvSpPr/>
+          <p:nvPr/>
+        </p:nvSpPr>
+        <p:spPr>
+          <a:xfrm>
+            <a:off x="1206053" y="2886469"/>
+            <a:ext cx="111873" cy="101703"/>
+          </a:xfrm>
+          <a:prstGeom prst="ellipse">
+            <a:avLst/>
+          </a:prstGeom>
+        </p:spPr>
+        <p:style>
+          <a:lnRef idx="2">
+            <a:schemeClr val="accent1">
+              <a:shade val="50000"/>
+            </a:schemeClr>
+          </a:lnRef>
+          <a:fillRef idx="1">
+            <a:schemeClr val="accent1"/>
+          </a:fillRef>
+          <a:effectRef idx="0">
+            <a:schemeClr val="accent1"/>
+          </a:effectRef>
+          <a:fontRef idx="minor">
+            <a:schemeClr val="lt1"/>
+          </a:fontRef>
+        </p:style>
+        <p:txBody>
+          <a:bodyPr rtlCol="0" anchor="ctr"/>
+          <a:lstStyle/>
+          <a:p>
+            <a:pPr algn="ctr"/>
+            <a:endParaRPr lang="de-DE"/>
+          </a:p>
+        </p:txBody>
+      </p:sp>
+      <p:sp>
+        <p:nvSpPr>
+          <p:cNvPr id="54" name="TextBox 53">
+            <a:extLst>
+              <a:ext uri="{FF2B5EF4-FFF2-40B4-BE49-F238E27FC236}">
+                <a16:creationId xmlns:a16="http://schemas.microsoft.com/office/drawing/2014/main" id="{FD20AB59-7596-1E4D-84E1-770249E3B1CE}"/>
+              </a:ext>
+            </a:extLst>
+          </p:cNvPr>
+          <p:cNvSpPr txBox="1"/>
+          <p:nvPr/>
+        </p:nvSpPr>
+        <p:spPr>
+          <a:xfrm>
+            <a:off x="830232" y="2550825"/>
+            <a:ext cx="617477" cy="369332"/>
+          </a:xfrm>
+          <a:prstGeom prst="rect">
+            <a:avLst/>
+          </a:prstGeom>
+          <a:noFill/>
+        </p:spPr>
+        <p:txBody>
+          <a:bodyPr wrap="none" rtlCol="0">
+            <a:spAutoFit/>
+          </a:bodyPr>
+          <a:lstStyle/>
+          <a:p>
+            <a:r>
+              <a:rPr lang="en-US" dirty="0"/>
+              <a:t>(0,0)</a:t>
+            </a:r>
+          </a:p>
+        </p:txBody>
+      </p:sp>
+    </p:spTree>
+    <p:extLst>
+      <p:ext uri="{BB962C8B-B14F-4D97-AF65-F5344CB8AC3E}">
+        <p14:creationId xmlns:p14="http://schemas.microsoft.com/office/powerpoint/2010/main" val="3647780881"/>
+      </p:ext>
+    </p:extLst>
+  </p:cSld>
+  <p:clrMapOvr>
+    <a:masterClrMapping/>
+  </p:clrMapOvr>
+</p:sld>
+</file>
+
+<file path=ppt/slides/slide2.xml><?xml version="1.0" encoding="utf-8"?>
+<p:sld xmlns:a="http://schemas.openxmlformats.org/drawingml/2006/main" xmlns:r="http://schemas.openxmlformats.org/officeDocument/2006/relationships" xmlns:p="http://schemas.openxmlformats.org/presentationml/2006/main">
+  <p:cSld>
+    <p:spTree>
+      <p:nvGrpSpPr>
+        <p:cNvPr id="1" name=""/>
+        <p:cNvGrpSpPr/>
+        <p:nvPr/>
+      </p:nvGrpSpPr>
+      <p:grpSpPr>
+        <a:xfrm>
+          <a:off x="0" y="0"/>
+          <a:ext cx="0" cy="0"/>
+          <a:chOff x="0" y="0"/>
+          <a:chExt cx="0" cy="0"/>
+        </a:xfrm>
+      </p:grpSpPr>
+      <p:sp>
+        <p:nvSpPr>
+          <p:cNvPr id="5" name="Rectangle 4"/>
+          <p:cNvSpPr/>
+          <p:nvPr/>
+        </p:nvSpPr>
+        <p:spPr>
+          <a:xfrm>
+            <a:off x="1719077" y="3360493"/>
+            <a:ext cx="620889" cy="620889"/>
+          </a:xfrm>
+          <a:prstGeom prst="rect">
+            <a:avLst/>
+          </a:prstGeom>
+          <a:noFill/>
+          <a:ln w="38100"/>
+        </p:spPr>
+        <p:style>
+          <a:lnRef idx="2">
+            <a:schemeClr val="accent1">
+              <a:shade val="50000"/>
+            </a:schemeClr>
+          </a:lnRef>
+          <a:fillRef idx="1">
+            <a:schemeClr val="accent1"/>
+          </a:fillRef>
+          <a:effectRef idx="0">
+            <a:schemeClr val="accent1"/>
+          </a:effectRef>
+          <a:fontRef idx="minor">
+            <a:schemeClr val="lt1"/>
+          </a:fontRef>
+        </p:style>
+        <p:txBody>
+          <a:bodyPr rtlCol="0" anchor="ctr"/>
+          <a:lstStyle/>
+          <a:p>
+            <a:pPr algn="ctr"/>
+            <a:endParaRPr lang="en-US"/>
+          </a:p>
+        </p:txBody>
+      </p:sp>
+      <p:sp>
+        <p:nvSpPr>
+          <p:cNvPr id="6" name="Rectangle 5"/>
+          <p:cNvSpPr/>
+          <p:nvPr/>
+        </p:nvSpPr>
+        <p:spPr>
+          <a:xfrm>
+            <a:off x="2345345" y="3360493"/>
+            <a:ext cx="620889" cy="620889"/>
+          </a:xfrm>
+          <a:prstGeom prst="rect">
+            <a:avLst/>
+          </a:prstGeom>
+          <a:noFill/>
+          <a:ln w="38100"/>
+        </p:spPr>
+        <p:style>
+          <a:lnRef idx="2">
+            <a:schemeClr val="accent1">
+              <a:shade val="50000"/>
+            </a:schemeClr>
+          </a:lnRef>
+          <a:fillRef idx="1">
+            <a:schemeClr val="accent1"/>
+          </a:fillRef>
+          <a:effectRef idx="0">
+            <a:schemeClr val="accent1"/>
+          </a:effectRef>
+          <a:fontRef idx="minor">
+            <a:schemeClr val="lt1"/>
+          </a:fontRef>
+        </p:style>
+        <p:txBody>
+          <a:bodyPr rtlCol="0" anchor="ctr"/>
+          <a:lstStyle/>
+          <a:p>
+            <a:pPr algn="ctr"/>
+            <a:endParaRPr lang="en-US"/>
+          </a:p>
+        </p:txBody>
+      </p:sp>
+      <p:sp>
+        <p:nvSpPr>
+          <p:cNvPr id="7" name="Rectangle 6"/>
+          <p:cNvSpPr/>
+          <p:nvPr/>
+        </p:nvSpPr>
+        <p:spPr>
+          <a:xfrm>
+            <a:off x="2971613" y="3360493"/>
+            <a:ext cx="620889" cy="620889"/>
+          </a:xfrm>
+          <a:prstGeom prst="rect">
+            <a:avLst/>
+          </a:prstGeom>
+          <a:noFill/>
+          <a:ln w="38100"/>
+        </p:spPr>
+        <p:style>
+          <a:lnRef idx="2">
+            <a:schemeClr val="accent1">
+              <a:shade val="50000"/>
+            </a:schemeClr>
+          </a:lnRef>
+          <a:fillRef idx="1">
+            <a:schemeClr val="accent1"/>
+          </a:fillRef>
+          <a:effectRef idx="0">
+            <a:schemeClr val="accent1"/>
+          </a:effectRef>
+          <a:fontRef idx="minor">
+            <a:schemeClr val="lt1"/>
+          </a:fontRef>
+        </p:style>
+        <p:txBody>
+          <a:bodyPr rtlCol="0" anchor="ctr"/>
+          <a:lstStyle/>
+          <a:p>
+            <a:pPr algn="ctr"/>
+            <a:endParaRPr lang="en-US"/>
+          </a:p>
+        </p:txBody>
+      </p:sp>
+      <p:sp>
+        <p:nvSpPr>
+          <p:cNvPr id="8" name="Rectangle 7"/>
+          <p:cNvSpPr/>
+          <p:nvPr/>
+        </p:nvSpPr>
+        <p:spPr>
+          <a:xfrm>
+            <a:off x="3133344" y="762985"/>
+            <a:ext cx="620889" cy="620889"/>
+          </a:xfrm>
+          <a:prstGeom prst="rect">
+            <a:avLst/>
+          </a:prstGeom>
+          <a:noFill/>
+          <a:ln w="38100"/>
+        </p:spPr>
+        <p:style>
+          <a:lnRef idx="2">
+            <a:schemeClr val="accent1">
+              <a:shade val="50000"/>
+            </a:schemeClr>
+          </a:lnRef>
+          <a:fillRef idx="1">
+            <a:schemeClr val="accent1"/>
+          </a:fillRef>
+          <a:effectRef idx="0">
+            <a:schemeClr val="accent1"/>
+          </a:effectRef>
+          <a:fontRef idx="minor">
+            <a:schemeClr val="lt1"/>
+          </a:fontRef>
+        </p:style>
+        <p:txBody>
+          <a:bodyPr rtlCol="0" anchor="ctr"/>
+          <a:lstStyle/>
+          <a:p>
+            <a:pPr algn="ctr"/>
+            <a:endParaRPr lang="en-US"/>
+          </a:p>
+        </p:txBody>
+      </p:sp>
+      <p:sp>
+        <p:nvSpPr>
+          <p:cNvPr id="12" name="TextBox 11"/>
+          <p:cNvSpPr txBox="1"/>
+          <p:nvPr/>
+        </p:nvSpPr>
+        <p:spPr>
+          <a:xfrm>
+            <a:off x="100172" y="2023396"/>
+            <a:ext cx="1243610" cy="369332"/>
+          </a:xfrm>
+          <a:prstGeom prst="rect">
+            <a:avLst/>
+          </a:prstGeom>
+          <a:noFill/>
+        </p:spPr>
+        <p:txBody>
+          <a:bodyPr wrap="none" rtlCol="0">
+            <a:spAutoFit/>
+          </a:bodyPr>
+          <a:lstStyle/>
+          <a:p>
+            <a:r>
+              <a:rPr lang="en-US" dirty="0"/>
+              <a:t>Spacing, </a:t>
+            </a:r>
+            <a:r>
+              <a:rPr lang="en-US" dirty="0" err="1"/>
+              <a:t>dy</a:t>
+            </a:r>
+            <a:endParaRPr lang="en-US" dirty="0"/>
+          </a:p>
+        </p:txBody>
+      </p:sp>
+      <p:sp>
+        <p:nvSpPr>
+          <p:cNvPr id="13" name="TextBox 12"/>
+          <p:cNvSpPr txBox="1"/>
+          <p:nvPr/>
+        </p:nvSpPr>
+        <p:spPr>
+          <a:xfrm>
+            <a:off x="1030383" y="791701"/>
+            <a:ext cx="1238801" cy="369332"/>
+          </a:xfrm>
+          <a:prstGeom prst="rect">
+            <a:avLst/>
+          </a:prstGeom>
+          <a:noFill/>
+        </p:spPr>
+        <p:txBody>
+          <a:bodyPr wrap="none" rtlCol="0">
+            <a:spAutoFit/>
+          </a:bodyPr>
+          <a:lstStyle/>
+          <a:p>
+            <a:r>
+              <a:rPr lang="en-US" dirty="0"/>
+              <a:t>Spacing, dx</a:t>
+            </a:r>
+          </a:p>
+        </p:txBody>
+      </p:sp>
+      <p:cxnSp>
+        <p:nvCxnSpPr>
+          <p:cNvPr id="18" name="Straight Connector 17"/>
+          <p:cNvCxnSpPr/>
+          <p:nvPr/>
+        </p:nvCxnSpPr>
+        <p:spPr>
+          <a:xfrm>
+            <a:off x="1707311" y="3139918"/>
+            <a:ext cx="1885191" cy="0"/>
+          </a:xfrm>
+          <a:prstGeom prst="line">
+            <a:avLst/>
+          </a:prstGeom>
+          <a:ln w="28575">
+            <a:headEnd type="arrow" w="med" len="med"/>
+            <a:tailEnd type="arrow" w="med" len="med"/>
+          </a:ln>
+        </p:spPr>
+        <p:style>
+          <a:lnRef idx="1">
+            <a:schemeClr val="accent1"/>
+          </a:lnRef>
+          <a:fillRef idx="0">
+            <a:schemeClr val="accent1"/>
+          </a:fillRef>
+          <a:effectRef idx="0">
+            <a:schemeClr val="accent1"/>
+          </a:effectRef>
+          <a:fontRef idx="minor">
+            <a:schemeClr val="tx1"/>
+          </a:fontRef>
+        </p:style>
+      </p:cxnSp>
+      <p:sp>
+        <p:nvSpPr>
+          <p:cNvPr id="19" name="TextBox 18"/>
+          <p:cNvSpPr txBox="1"/>
+          <p:nvPr/>
+        </p:nvSpPr>
+        <p:spPr>
+          <a:xfrm>
+            <a:off x="2301980" y="2794741"/>
+            <a:ext cx="575799" cy="369332"/>
+          </a:xfrm>
+          <a:prstGeom prst="rect">
+            <a:avLst/>
+          </a:prstGeom>
+          <a:noFill/>
+        </p:spPr>
+        <p:txBody>
+          <a:bodyPr wrap="none" rtlCol="0">
+            <a:spAutoFit/>
+          </a:bodyPr>
+          <a:lstStyle/>
+          <a:p>
+            <a:r>
+              <a:rPr lang="en-US" dirty="0"/>
+              <a:t>3 dx</a:t>
+            </a:r>
+          </a:p>
+        </p:txBody>
+      </p:sp>
+      <p:cxnSp>
+        <p:nvCxnSpPr>
+          <p:cNvPr id="15" name="Straight Connector 14"/>
+          <p:cNvCxnSpPr/>
+          <p:nvPr/>
+        </p:nvCxnSpPr>
+        <p:spPr>
+          <a:xfrm flipV="1">
+            <a:off x="1847695" y="445983"/>
+            <a:ext cx="632177" cy="7924"/>
+          </a:xfrm>
+          <a:prstGeom prst="line">
+            <a:avLst/>
+          </a:prstGeom>
+          <a:ln w="28575">
+            <a:headEnd type="arrow" w="med" len="med"/>
+            <a:tailEnd type="arrow" w="med" len="med"/>
+          </a:ln>
+        </p:spPr>
+        <p:style>
+          <a:lnRef idx="1">
+            <a:schemeClr val="accent1"/>
+          </a:lnRef>
+          <a:fillRef idx="0">
+            <a:schemeClr val="accent1"/>
+          </a:fillRef>
+          <a:effectRef idx="0">
+            <a:schemeClr val="accent1"/>
+          </a:effectRef>
+          <a:fontRef idx="minor">
+            <a:schemeClr val="tx1"/>
+          </a:fontRef>
+        </p:style>
+      </p:cxnSp>
+      <p:sp>
+        <p:nvSpPr>
+          <p:cNvPr id="28" name="Rectangle 27"/>
+          <p:cNvSpPr/>
+          <p:nvPr/>
+        </p:nvSpPr>
+        <p:spPr>
+          <a:xfrm>
+            <a:off x="1724456" y="3990943"/>
+            <a:ext cx="620889" cy="620889"/>
+          </a:xfrm>
+          <a:prstGeom prst="rect">
+            <a:avLst/>
+          </a:prstGeom>
+          <a:noFill/>
+          <a:ln w="38100"/>
+        </p:spPr>
+        <p:style>
+          <a:lnRef idx="2">
+            <a:schemeClr val="accent1">
+              <a:shade val="50000"/>
+            </a:schemeClr>
+          </a:lnRef>
+          <a:fillRef idx="1">
+            <a:schemeClr val="accent1"/>
+          </a:fillRef>
+          <a:effectRef idx="0">
+            <a:schemeClr val="accent1"/>
+          </a:effectRef>
+          <a:fontRef idx="minor">
+            <a:schemeClr val="lt1"/>
+          </a:fontRef>
+        </p:style>
+        <p:txBody>
+          <a:bodyPr rtlCol="0" anchor="ctr"/>
+          <a:lstStyle/>
+          <a:p>
+            <a:pPr algn="ctr"/>
+            <a:endParaRPr lang="en-US"/>
+          </a:p>
+        </p:txBody>
+      </p:sp>
+      <p:sp>
+        <p:nvSpPr>
+          <p:cNvPr id="29" name="Rectangle 28"/>
+          <p:cNvSpPr/>
+          <p:nvPr/>
+        </p:nvSpPr>
+        <p:spPr>
+          <a:xfrm>
+            <a:off x="2350724" y="3990943"/>
+            <a:ext cx="620889" cy="620889"/>
+          </a:xfrm>
+          <a:prstGeom prst="rect">
+            <a:avLst/>
+          </a:prstGeom>
+          <a:noFill/>
+          <a:ln w="38100"/>
+        </p:spPr>
+        <p:style>
+          <a:lnRef idx="2">
+            <a:schemeClr val="accent1">
+              <a:shade val="50000"/>
+            </a:schemeClr>
+          </a:lnRef>
+          <a:fillRef idx="1">
+            <a:schemeClr val="accent1"/>
+          </a:fillRef>
+          <a:effectRef idx="0">
+            <a:schemeClr val="accent1"/>
+          </a:effectRef>
+          <a:fontRef idx="minor">
+            <a:schemeClr val="lt1"/>
+          </a:fontRef>
+        </p:style>
+        <p:txBody>
+          <a:bodyPr rtlCol="0" anchor="ctr"/>
+          <a:lstStyle/>
+          <a:p>
+            <a:pPr algn="ctr"/>
+            <a:endParaRPr lang="en-US"/>
+          </a:p>
+        </p:txBody>
+      </p:sp>
+      <p:sp>
+        <p:nvSpPr>
+          <p:cNvPr id="30" name="Rectangle 29"/>
+          <p:cNvSpPr/>
+          <p:nvPr/>
+        </p:nvSpPr>
+        <p:spPr>
+          <a:xfrm>
+            <a:off x="2976992" y="3990943"/>
+            <a:ext cx="620889" cy="620889"/>
+          </a:xfrm>
+          <a:prstGeom prst="rect">
+            <a:avLst/>
+          </a:prstGeom>
+          <a:noFill/>
+          <a:ln w="38100"/>
+        </p:spPr>
+        <p:style>
+          <a:lnRef idx="2">
+            <a:schemeClr val="accent1">
+              <a:shade val="50000"/>
+            </a:schemeClr>
+          </a:lnRef>
+          <a:fillRef idx="1">
+            <a:schemeClr val="accent1"/>
+          </a:fillRef>
+          <a:effectRef idx="0">
+            <a:schemeClr val="accent1"/>
+          </a:effectRef>
+          <a:fontRef idx="minor">
+            <a:schemeClr val="lt1"/>
+          </a:fontRef>
+        </p:style>
+        <p:txBody>
+          <a:bodyPr rtlCol="0" anchor="ctr"/>
+          <a:lstStyle/>
+          <a:p>
+            <a:pPr algn="ctr"/>
+            <a:endParaRPr lang="en-US"/>
+          </a:p>
+        </p:txBody>
+      </p:sp>
+      <mc:AlternateContent xmlns:mc="http://schemas.openxmlformats.org/markup-compatibility/2006" xmlns:a14="http://schemas.microsoft.com/office/drawing/2010/main">
+        <mc:Choice Requires="a14">
+          <p:sp>
+            <p:nvSpPr>
+              <p:cNvPr id="32" name="TextBox 31"/>
+              <p:cNvSpPr txBox="1"/>
+              <p:nvPr/>
+            </p:nvSpPr>
+            <p:spPr>
+              <a:xfrm>
+                <a:off x="1540829" y="4992918"/>
+                <a:ext cx="2350900" cy="369332"/>
+              </a:xfrm>
+              <a:prstGeom prst="rect">
+                <a:avLst/>
+              </a:prstGeom>
+              <a:noFill/>
+            </p:spPr>
+            <p:txBody>
+              <a:bodyPr wrap="none" rtlCol="0">
+                <a:spAutoFit/>
+              </a:bodyPr>
+              <a:lstStyle/>
+              <a:p>
+                <a:pPr/>
+                <a14:m>
+                  <m:oMathPara xmlns:m="http://schemas.openxmlformats.org/officeDocument/2006/math">
+                    <m:oMathParaPr>
+                      <m:jc m:val="centerGroup"/>
+                    </m:oMathParaPr>
+                    <m:oMath xmlns:m="http://schemas.openxmlformats.org/officeDocument/2006/math">
+                      <m:r>
+                        <a:rPr lang="en-US" i="1" dirty="0" smtClean="0">
+                          <a:latin typeface="Cambria Math" panose="02040503050406030204" pitchFamily="18" charset="0"/>
+                        </a:rPr>
+                        <m:t>𝐴</m:t>
+                      </m:r>
+                      <m:r>
+                        <a:rPr lang="en-US" b="0" i="1" dirty="0" smtClean="0">
+                          <a:latin typeface="Cambria Math" panose="02040503050406030204" pitchFamily="18" charset="0"/>
+                        </a:rPr>
+                        <m:t>𝑟𝑒𝑎</m:t>
+                      </m:r>
+                      <m:r>
+                        <a:rPr lang="en-US" i="1" dirty="0" smtClean="0">
+                          <a:latin typeface="Cambria Math" panose="02040503050406030204" pitchFamily="18" charset="0"/>
+                        </a:rPr>
+                        <m:t> = 3 </m:t>
+                      </m:r>
+                      <m:r>
+                        <a:rPr lang="en-US" i="1" dirty="0" smtClean="0">
+                          <a:latin typeface="Cambria Math" panose="02040503050406030204" pitchFamily="18" charset="0"/>
+                        </a:rPr>
+                        <m:t>𝑑𝑥</m:t>
+                      </m:r>
+                      <m:r>
+                        <a:rPr lang="en-US" i="1" dirty="0">
+                          <a:latin typeface="Cambria Math" panose="02040503050406030204" pitchFamily="18" charset="0"/>
+                        </a:rPr>
+                        <m:t> </m:t>
+                      </m:r>
+                      <m:r>
+                        <a:rPr lang="en-US" i="1" dirty="0" smtClean="0">
+                          <a:latin typeface="Cambria Math" panose="02040503050406030204" pitchFamily="18" charset="0"/>
+                        </a:rPr>
+                        <m:t>∗ 2 </m:t>
+                      </m:r>
+                      <m:r>
+                        <a:rPr lang="en-US" i="1" dirty="0" err="1" smtClean="0">
+                          <a:latin typeface="Cambria Math" panose="02040503050406030204" pitchFamily="18" charset="0"/>
+                        </a:rPr>
+                        <m:t>𝑑𝑦</m:t>
+                      </m:r>
+                    </m:oMath>
+                  </m:oMathPara>
+                </a14:m>
+                <a:endParaRPr lang="en-US" dirty="0"/>
+              </a:p>
+            </p:txBody>
+          </p:sp>
+        </mc:Choice>
+        <mc:Fallback xmlns="">
+          <p:sp>
+            <p:nvSpPr>
+              <p:cNvPr id="32" name="TextBox 31"/>
+              <p:cNvSpPr txBox="1">
+                <a:spLocks noRot="1" noChangeAspect="1" noMove="1" noResize="1" noEditPoints="1" noAdjustHandles="1" noChangeArrowheads="1" noChangeShapeType="1" noTextEdit="1"/>
+              </p:cNvSpPr>
+              <p:nvPr/>
+            </p:nvSpPr>
+            <p:spPr>
+              <a:xfrm>
+                <a:off x="1540829" y="4992918"/>
+                <a:ext cx="2350900" cy="369332"/>
+              </a:xfrm>
+              <a:prstGeom prst="rect">
+                <a:avLst/>
+              </a:prstGeom>
+              <a:blipFill>
+                <a:blip r:embed="rId3"/>
+                <a:stretch>
+                  <a:fillRect b="-16667"/>
+                </a:stretch>
+              </a:blipFill>
+            </p:spPr>
+            <p:txBody>
+              <a:bodyPr/>
+              <a:lstStyle/>
+              <a:p>
+                <a:r>
+                  <a:rPr lang="de-DE">
+                    <a:noFill/>
+                  </a:rPr>
+                  <a:t> </a:t>
+                </a:r>
+              </a:p>
+            </p:txBody>
+          </p:sp>
+        </mc:Fallback>
+      </mc:AlternateContent>
+      <p:cxnSp>
+        <p:nvCxnSpPr>
+          <p:cNvPr id="33" name="Straight Connector 32"/>
+          <p:cNvCxnSpPr/>
+          <p:nvPr/>
+        </p:nvCxnSpPr>
+        <p:spPr>
+          <a:xfrm flipH="1">
+            <a:off x="1540568" y="3292318"/>
+            <a:ext cx="3532" cy="1319514"/>
+          </a:xfrm>
+          <a:prstGeom prst="line">
+            <a:avLst/>
+          </a:prstGeom>
+          <a:ln w="28575">
+            <a:headEnd type="arrow" w="med" len="med"/>
+            <a:tailEnd type="arrow" w="med" len="med"/>
+          </a:ln>
+        </p:spPr>
+        <p:style>
+          <a:lnRef idx="1">
+            <a:schemeClr val="accent1"/>
+          </a:lnRef>
+          <a:fillRef idx="0">
+            <a:schemeClr val="accent1"/>
+          </a:fillRef>
+          <a:effectRef idx="0">
+            <a:schemeClr val="accent1"/>
+          </a:effectRef>
+          <a:fontRef idx="minor">
+            <a:schemeClr val="tx1"/>
+          </a:fontRef>
+        </p:style>
+      </p:cxnSp>
+      <p:sp>
+        <p:nvSpPr>
+          <p:cNvPr id="35" name="TextBox 34"/>
+          <p:cNvSpPr txBox="1"/>
+          <p:nvPr/>
+        </p:nvSpPr>
+        <p:spPr>
+          <a:xfrm>
+            <a:off x="843881" y="3670937"/>
+            <a:ext cx="580608" cy="369332"/>
+          </a:xfrm>
+          <a:prstGeom prst="rect">
+            <a:avLst/>
+          </a:prstGeom>
+          <a:noFill/>
+        </p:spPr>
+        <p:txBody>
+          <a:bodyPr wrap="none" rtlCol="0">
+            <a:spAutoFit/>
+          </a:bodyPr>
+          <a:lstStyle/>
+          <a:p>
+            <a:r>
+              <a:rPr lang="en-US" dirty="0"/>
+              <a:t>2 </a:t>
+            </a:r>
+            <a:r>
+              <a:rPr lang="en-US" dirty="0" err="1"/>
+              <a:t>dy</a:t>
+            </a:r>
+            <a:endParaRPr lang="en-US" dirty="0"/>
+          </a:p>
+        </p:txBody>
+      </p:sp>
+      <p:sp>
+        <p:nvSpPr>
+          <p:cNvPr id="36" name="Cube 35">
+            <a:extLst>
+              <a:ext uri="{FF2B5EF4-FFF2-40B4-BE49-F238E27FC236}">
+                <a16:creationId xmlns:a16="http://schemas.microsoft.com/office/drawing/2014/main" id="{BE233057-4145-BB4F-88B9-C8ECF261390C}"/>
+              </a:ext>
+            </a:extLst>
+          </p:cNvPr>
+          <p:cNvSpPr/>
+          <p:nvPr/>
+        </p:nvSpPr>
+        <p:spPr>
+          <a:xfrm>
+            <a:off x="154227" y="6008538"/>
+            <a:ext cx="730495" cy="730495"/>
+          </a:xfrm>
+          <a:prstGeom prst="cube">
+            <a:avLst/>
+          </a:prstGeom>
+          <a:solidFill>
+            <a:schemeClr val="accent1"/>
+          </a:solidFill>
+        </p:spPr>
+        <p:style>
+          <a:lnRef idx="2">
+            <a:schemeClr val="accent1">
+              <a:shade val="50000"/>
+            </a:schemeClr>
+          </a:lnRef>
+          <a:fillRef idx="1">
+            <a:schemeClr val="accent1"/>
+          </a:fillRef>
+          <a:effectRef idx="0">
+            <a:schemeClr val="accent1"/>
+          </a:effectRef>
+          <a:fontRef idx="minor">
+            <a:schemeClr val="lt1"/>
+          </a:fontRef>
+        </p:style>
+        <p:txBody>
+          <a:bodyPr rtlCol="0" anchor="ctr"/>
+          <a:lstStyle/>
+          <a:p>
+            <a:pPr algn="ctr"/>
+            <a:endParaRPr lang="de-DE"/>
+          </a:p>
+        </p:txBody>
+      </p:sp>
+      <p:cxnSp>
+        <p:nvCxnSpPr>
+          <p:cNvPr id="38" name="Straight Connector 37"/>
+          <p:cNvCxnSpPr>
+            <a:cxnSpLocks/>
+          </p:cNvCxnSpPr>
+          <p:nvPr/>
+        </p:nvCxnSpPr>
+        <p:spPr>
+          <a:xfrm flipV="1">
+            <a:off x="989771" y="6008538"/>
+            <a:ext cx="0" cy="551864"/>
+          </a:xfrm>
+          <a:prstGeom prst="line">
+            <a:avLst/>
+          </a:prstGeom>
+          <a:ln w="28575">
+            <a:headEnd type="arrow" w="med" len="med"/>
+            <a:tailEnd type="arrow" w="med" len="med"/>
+          </a:ln>
+        </p:spPr>
+        <p:style>
+          <a:lnRef idx="1">
+            <a:schemeClr val="accent1"/>
+          </a:lnRef>
+          <a:fillRef idx="0">
+            <a:schemeClr val="accent1"/>
+          </a:fillRef>
+          <a:effectRef idx="0">
+            <a:schemeClr val="accent1"/>
+          </a:effectRef>
+          <a:fontRef idx="minor">
+            <a:schemeClr val="tx1"/>
+          </a:fontRef>
+        </p:style>
+      </p:cxnSp>
+      <p:sp>
+        <p:nvSpPr>
+          <p:cNvPr id="40" name="TextBox 39"/>
+          <p:cNvSpPr txBox="1"/>
+          <p:nvPr/>
+        </p:nvSpPr>
+        <p:spPr>
+          <a:xfrm>
+            <a:off x="100172" y="5454521"/>
+            <a:ext cx="1618905" cy="369332"/>
+          </a:xfrm>
+          <a:prstGeom prst="rect">
+            <a:avLst/>
+          </a:prstGeom>
+          <a:noFill/>
+        </p:spPr>
+        <p:txBody>
+          <a:bodyPr wrap="none" rtlCol="0">
+            <a:spAutoFit/>
+          </a:bodyPr>
+          <a:lstStyle/>
+          <a:p>
+            <a:r>
+              <a:rPr lang="en-US" dirty="0"/>
+              <a:t>Voxel depth, </a:t>
+            </a:r>
+            <a:r>
+              <a:rPr lang="en-US" dirty="0" err="1"/>
+              <a:t>dz</a:t>
+            </a:r>
+            <a:endParaRPr lang="en-US" dirty="0"/>
+          </a:p>
+        </p:txBody>
+      </p:sp>
+      <p:pic>
+        <p:nvPicPr>
+          <p:cNvPr id="2" name="Picture 1">
+            <a:extLst>
+              <a:ext uri="{FF2B5EF4-FFF2-40B4-BE49-F238E27FC236}">
+                <a16:creationId xmlns:a16="http://schemas.microsoft.com/office/drawing/2014/main" id="{735AA54B-4CF3-3245-83F5-0A757CB942B4}"/>
+              </a:ext>
+            </a:extLst>
+          </p:cNvPr>
+          <p:cNvPicPr>
+            <a:picLocks noChangeAspect="1"/>
+          </p:cNvPicPr>
+          <p:nvPr/>
+        </p:nvPicPr>
+        <p:blipFill>
+          <a:blip r:embed="rId4"/>
+          <a:stretch>
+            <a:fillRect/>
+          </a:stretch>
+        </p:blipFill>
+        <p:spPr>
+          <a:xfrm>
+            <a:off x="4732681" y="2794741"/>
+            <a:ext cx="2466807" cy="2466807"/>
+          </a:xfrm>
+          <a:prstGeom prst="rect">
+            <a:avLst/>
+          </a:prstGeom>
+        </p:spPr>
+      </p:pic>
+      <p:pic>
+        <p:nvPicPr>
+          <p:cNvPr id="9" name="Picture 8">
+            <a:extLst>
+              <a:ext uri="{FF2B5EF4-FFF2-40B4-BE49-F238E27FC236}">
+                <a16:creationId xmlns:a16="http://schemas.microsoft.com/office/drawing/2014/main" id="{0FA03725-3C6B-E547-96B5-219B4EF4940E}"/>
+              </a:ext>
+            </a:extLst>
+          </p:cNvPr>
+          <p:cNvPicPr>
+            <a:picLocks noChangeAspect="1"/>
+          </p:cNvPicPr>
+          <p:nvPr/>
+        </p:nvPicPr>
+        <p:blipFill rotWithShape="1">
+          <a:blip r:embed="rId5"/>
+          <a:srcRect l="8811" t="11586" r="11204" b="12787"/>
+          <a:stretch/>
+        </p:blipFill>
+        <p:spPr>
+          <a:xfrm>
+            <a:off x="6653076" y="2664315"/>
+            <a:ext cx="1505044" cy="1403230"/>
+          </a:xfrm>
+          <a:prstGeom prst="rect">
+            <a:avLst/>
+          </a:prstGeom>
+        </p:spPr>
+      </p:pic>
+      <p:cxnSp>
+        <p:nvCxnSpPr>
+          <p:cNvPr id="17" name="Straight Arrow Connector 16">
+            <a:extLst>
+              <a:ext uri="{FF2B5EF4-FFF2-40B4-BE49-F238E27FC236}">
+                <a16:creationId xmlns:a16="http://schemas.microsoft.com/office/drawing/2014/main" id="{41669CEC-161B-CC4F-BF1C-7A07D489D1E7}"/>
+              </a:ext>
+            </a:extLst>
+          </p:cNvPr>
+          <p:cNvCxnSpPr>
+            <a:cxnSpLocks/>
+            <a:stCxn id="34" idx="2"/>
+          </p:cNvCxnSpPr>
+          <p:nvPr/>
+        </p:nvCxnSpPr>
+        <p:spPr>
+          <a:xfrm>
+            <a:off x="6761021" y="2346562"/>
+            <a:ext cx="502435" cy="943352"/>
+          </a:xfrm>
+          <a:prstGeom prst="straightConnector1">
+            <a:avLst/>
+          </a:prstGeom>
+          <a:ln w="25400">
+            <a:solidFill>
+              <a:schemeClr val="accent1"/>
+            </a:solidFill>
+            <a:tailEnd type="triangle"/>
+          </a:ln>
+        </p:spPr>
+        <p:style>
+          <a:lnRef idx="1">
+            <a:schemeClr val="accent1"/>
+          </a:lnRef>
+          <a:fillRef idx="0">
+            <a:schemeClr val="accent1"/>
+          </a:fillRef>
+          <a:effectRef idx="0">
+            <a:schemeClr val="accent1"/>
+          </a:effectRef>
+          <a:fontRef idx="minor">
+            <a:schemeClr val="tx1"/>
+          </a:fontRef>
+        </p:style>
+      </p:cxnSp>
+      <mc:AlternateContent xmlns:mc="http://schemas.openxmlformats.org/markup-compatibility/2006" xmlns:a14="http://schemas.microsoft.com/office/drawing/2010/main">
+        <mc:Choice Requires="a14">
+          <p:sp>
+            <p:nvSpPr>
+              <p:cNvPr id="34" name="TextBox 33">
+                <a:extLst>
+                  <a:ext uri="{FF2B5EF4-FFF2-40B4-BE49-F238E27FC236}">
+                    <a16:creationId xmlns:a16="http://schemas.microsoft.com/office/drawing/2014/main" id="{88460B12-1FCE-8843-9F16-F58CFB2F4128}"/>
+                  </a:ext>
+                </a:extLst>
+              </p:cNvPr>
+              <p:cNvSpPr txBox="1"/>
+              <p:nvPr/>
+            </p:nvSpPr>
+            <p:spPr>
+              <a:xfrm>
+                <a:off x="5026155" y="1700231"/>
+                <a:ext cx="3469731" cy="646331"/>
+              </a:xfrm>
+              <a:prstGeom prst="rect">
+                <a:avLst/>
+              </a:prstGeom>
+              <a:noFill/>
+            </p:spPr>
+            <p:txBody>
+              <a:bodyPr wrap="none" rtlCol="0">
+                <a:spAutoFit/>
+              </a:bodyPr>
+              <a:lstStyle/>
+              <a:p>
+                <a:pPr/>
+                <a14:m>
+                  <m:oMathPara xmlns:m="http://schemas.openxmlformats.org/officeDocument/2006/math">
+                    <m:oMathParaPr>
+                      <m:jc m:val="centerGroup"/>
+                    </m:oMathParaPr>
+                    <m:oMath xmlns:m="http://schemas.openxmlformats.org/officeDocument/2006/math">
+                      <m:r>
+                        <a:rPr lang="en-US" b="0" i="1" smtClean="0">
+                          <a:latin typeface="Cambria Math" panose="02040503050406030204" pitchFamily="18" charset="0"/>
+                        </a:rPr>
+                        <m:t>𝑥</m:t>
+                      </m:r>
+                      <m:r>
+                        <a:rPr lang="en-US" i="1" smtClean="0">
+                          <a:latin typeface="Cambria Math" panose="02040503050406030204" pitchFamily="18" charset="0"/>
+                        </a:rPr>
+                        <m:t>=</m:t>
+                      </m:r>
+                      <m:r>
+                        <a:rPr lang="en-US" b="0" i="1" smtClean="0">
+                          <a:latin typeface="Cambria Math" panose="02040503050406030204" pitchFamily="18" charset="0"/>
+                        </a:rPr>
+                        <m:t>139 ∗ 0.13 µ</m:t>
+                      </m:r>
+                      <m:r>
+                        <a:rPr lang="en-US" b="0" i="1" smtClean="0">
+                          <a:latin typeface="Cambria Math" panose="02040503050406030204" pitchFamily="18" charset="0"/>
+                        </a:rPr>
+                        <m:t>𝑚</m:t>
+                      </m:r>
+                      <m:r>
+                        <a:rPr lang="en-US" b="0" i="1" smtClean="0">
+                          <a:latin typeface="Cambria Math" panose="02040503050406030204" pitchFamily="18" charset="0"/>
+                        </a:rPr>
+                        <m:t>=18.07 µ</m:t>
+                      </m:r>
+                      <m:r>
+                        <a:rPr lang="en-US" b="0" i="1" smtClean="0">
+                          <a:latin typeface="Cambria Math" panose="02040503050406030204" pitchFamily="18" charset="0"/>
+                        </a:rPr>
+                        <m:t>𝑚</m:t>
+                      </m:r>
+                      <m:r>
+                        <a:rPr lang="en-US" b="0" i="1" smtClean="0">
+                          <a:latin typeface="Cambria Math" panose="02040503050406030204" pitchFamily="18" charset="0"/>
+                        </a:rPr>
+                        <m:t> </m:t>
+                      </m:r>
+                    </m:oMath>
+                  </m:oMathPara>
+                </a14:m>
+                <a:endParaRPr lang="en-US" b="0" dirty="0"/>
+              </a:p>
+              <a:p>
+                <a:pPr/>
+                <a14:m>
+                  <m:oMathPara xmlns:m="http://schemas.openxmlformats.org/officeDocument/2006/math">
+                    <m:oMathParaPr>
+                      <m:jc m:val="centerGroup"/>
+                    </m:oMathParaPr>
+                    <m:oMath xmlns:m="http://schemas.openxmlformats.org/officeDocument/2006/math">
+                      <m:r>
+                        <a:rPr lang="en-US" b="0" i="1" smtClean="0">
+                          <a:latin typeface="Cambria Math" panose="02040503050406030204" pitchFamily="18" charset="0"/>
+                        </a:rPr>
+                        <m:t>𝑦</m:t>
+                      </m:r>
+                      <m:r>
+                        <a:rPr lang="en-US" i="1">
+                          <a:latin typeface="Cambria Math" panose="02040503050406030204" pitchFamily="18" charset="0"/>
+                        </a:rPr>
+                        <m:t>=</m:t>
+                      </m:r>
+                      <m:r>
+                        <a:rPr lang="en-US" b="0" i="1" smtClean="0">
+                          <a:latin typeface="Cambria Math" panose="02040503050406030204" pitchFamily="18" charset="0"/>
+                        </a:rPr>
+                        <m:t>50</m:t>
+                      </m:r>
+                      <m:r>
+                        <a:rPr lang="en-US" i="1">
+                          <a:latin typeface="Cambria Math" panose="02040503050406030204" pitchFamily="18" charset="0"/>
+                        </a:rPr>
+                        <m:t> ∗ 0.13 µ</m:t>
+                      </m:r>
+                      <m:r>
+                        <a:rPr lang="en-US" i="1">
+                          <a:latin typeface="Cambria Math" panose="02040503050406030204" pitchFamily="18" charset="0"/>
+                        </a:rPr>
+                        <m:t>𝑚</m:t>
+                      </m:r>
+                      <m:r>
+                        <a:rPr lang="en-US" i="1">
+                          <a:latin typeface="Cambria Math" panose="02040503050406030204" pitchFamily="18" charset="0"/>
+                        </a:rPr>
+                        <m:t>=6.5 µ</m:t>
+                      </m:r>
+                      <m:r>
+                        <a:rPr lang="en-US" i="1">
+                          <a:latin typeface="Cambria Math" panose="02040503050406030204" pitchFamily="18" charset="0"/>
+                        </a:rPr>
+                        <m:t>𝑚</m:t>
+                      </m:r>
+                      <m:r>
+                        <a:rPr lang="en-US" i="1">
+                          <a:latin typeface="Cambria Math" panose="02040503050406030204" pitchFamily="18" charset="0"/>
+                        </a:rPr>
+                        <m:t> </m:t>
+                      </m:r>
+                    </m:oMath>
+                  </m:oMathPara>
+                </a14:m>
+                <a:endParaRPr lang="en-US" dirty="0"/>
+              </a:p>
+            </p:txBody>
+          </p:sp>
+        </mc:Choice>
+        <mc:Fallback xmlns="">
+          <p:sp>
+            <p:nvSpPr>
+              <p:cNvPr id="34" name="TextBox 33">
+                <a:extLst>
+                  <a:ext uri="{FF2B5EF4-FFF2-40B4-BE49-F238E27FC236}">
+                    <a16:creationId xmlns:a16="http://schemas.microsoft.com/office/drawing/2014/main" id="{88460B12-1FCE-8843-9F16-F58CFB2F4128}"/>
+                  </a:ext>
+                </a:extLst>
+              </p:cNvPr>
+              <p:cNvSpPr txBox="1">
+                <a:spLocks noRot="1" noChangeAspect="1" noMove="1" noResize="1" noEditPoints="1" noAdjustHandles="1" noChangeArrowheads="1" noChangeShapeType="1" noTextEdit="1"/>
+              </p:cNvSpPr>
+              <p:nvPr/>
+            </p:nvSpPr>
+            <p:spPr>
+              <a:xfrm>
                 <a:off x="5026155" y="1700231"/>
                 <a:ext cx="3469731" cy="646331"/>
               </a:xfrm>
@@ -4643,7 +6284,7 @@
         <p:spPr>
           <a:xfrm>
             <a:off x="4987014" y="1276992"/>
-            <a:ext cx="3255186" cy="369332"/>
+            <a:ext cx="2636171" cy="369332"/>
           </a:xfrm>
           <a:prstGeom prst="rect">
             <a:avLst/>
@@ -4658,15 +6299,235 @@
           <a:p>
             <a:r>
               <a:rPr lang="en-US" dirty="0"/>
-              <a:t>Location = pixel index * pixel size</a:t>
-            </a:r>
-          </a:p>
-        </p:txBody>
-      </p:sp>
+              <a:t>Location = Index * Spacing</a:t>
+            </a:r>
+          </a:p>
+        </p:txBody>
+      </p:sp>
+      <p:sp>
+        <p:nvSpPr>
+          <p:cNvPr id="4" name="Oval 3">
+            <a:extLst>
+              <a:ext uri="{FF2B5EF4-FFF2-40B4-BE49-F238E27FC236}">
+                <a16:creationId xmlns:a16="http://schemas.microsoft.com/office/drawing/2014/main" id="{AF37A3E8-8BF4-2148-8E7C-990B11478EB6}"/>
+              </a:ext>
+            </a:extLst>
+          </p:cNvPr>
+          <p:cNvSpPr/>
+          <p:nvPr/>
+        </p:nvSpPr>
+        <p:spPr>
+          <a:xfrm>
+            <a:off x="1771424" y="1572132"/>
+            <a:ext cx="127469" cy="127469"/>
+          </a:xfrm>
+          <a:prstGeom prst="ellipse">
+            <a:avLst/>
+          </a:prstGeom>
+        </p:spPr>
+        <p:style>
+          <a:lnRef idx="2">
+            <a:schemeClr val="accent1">
+              <a:shade val="50000"/>
+            </a:schemeClr>
+          </a:lnRef>
+          <a:fillRef idx="1">
+            <a:schemeClr val="accent1"/>
+          </a:fillRef>
+          <a:effectRef idx="0">
+            <a:schemeClr val="accent1"/>
+          </a:effectRef>
+          <a:fontRef idx="minor">
+            <a:schemeClr val="lt1"/>
+          </a:fontRef>
+        </p:style>
+        <p:txBody>
+          <a:bodyPr rtlCol="0" anchor="ctr"/>
+          <a:lstStyle/>
+          <a:p>
+            <a:pPr algn="ctr"/>
+            <a:endParaRPr lang="de-DE"/>
+          </a:p>
+        </p:txBody>
+      </p:sp>
+      <p:cxnSp>
+        <p:nvCxnSpPr>
+          <p:cNvPr id="31" name="Straight Connector 30">
+            <a:extLst>
+              <a:ext uri="{FF2B5EF4-FFF2-40B4-BE49-F238E27FC236}">
+                <a16:creationId xmlns:a16="http://schemas.microsoft.com/office/drawing/2014/main" id="{E6FC736E-789C-7040-94B5-BDBD88B037F3}"/>
+              </a:ext>
+            </a:extLst>
+          </p:cNvPr>
+          <p:cNvCxnSpPr/>
+          <p:nvPr/>
+        </p:nvCxnSpPr>
+        <p:spPr>
+          <a:xfrm flipV="1">
+            <a:off x="1847716" y="1472296"/>
+            <a:ext cx="632177" cy="7924"/>
+          </a:xfrm>
+          <a:prstGeom prst="line">
+            <a:avLst/>
+          </a:prstGeom>
+          <a:ln w="28575">
+            <a:headEnd type="arrow" w="med" len="med"/>
+            <a:tailEnd type="arrow" w="med" len="med"/>
+          </a:ln>
+        </p:spPr>
+        <p:style>
+          <a:lnRef idx="1">
+            <a:schemeClr val="accent1"/>
+          </a:lnRef>
+          <a:fillRef idx="0">
+            <a:schemeClr val="accent1"/>
+          </a:fillRef>
+          <a:effectRef idx="0">
+            <a:schemeClr val="accent1"/>
+          </a:effectRef>
+          <a:fontRef idx="minor">
+            <a:schemeClr val="tx1"/>
+          </a:fontRef>
+        </p:style>
+      </p:cxnSp>
+      <p:sp>
+        <p:nvSpPr>
+          <p:cNvPr id="39" name="Oval 38">
+            <a:extLst>
+              <a:ext uri="{FF2B5EF4-FFF2-40B4-BE49-F238E27FC236}">
+                <a16:creationId xmlns:a16="http://schemas.microsoft.com/office/drawing/2014/main" id="{192EADBE-933E-7C4D-B989-9B6CC6B9E79C}"/>
+              </a:ext>
+            </a:extLst>
+          </p:cNvPr>
+          <p:cNvSpPr/>
+          <p:nvPr/>
+        </p:nvSpPr>
+        <p:spPr>
+          <a:xfrm>
+            <a:off x="2398839" y="1582030"/>
+            <a:ext cx="127469" cy="127469"/>
+          </a:xfrm>
+          <a:prstGeom prst="ellipse">
+            <a:avLst/>
+          </a:prstGeom>
+        </p:spPr>
+        <p:style>
+          <a:lnRef idx="2">
+            <a:schemeClr val="accent1">
+              <a:shade val="50000"/>
+            </a:schemeClr>
+          </a:lnRef>
+          <a:fillRef idx="1">
+            <a:schemeClr val="accent1"/>
+          </a:fillRef>
+          <a:effectRef idx="0">
+            <a:schemeClr val="accent1"/>
+          </a:effectRef>
+          <a:fontRef idx="minor">
+            <a:schemeClr val="lt1"/>
+          </a:fontRef>
+        </p:style>
+        <p:txBody>
+          <a:bodyPr rtlCol="0" anchor="ctr"/>
+          <a:lstStyle/>
+          <a:p>
+            <a:pPr algn="ctr"/>
+            <a:endParaRPr lang="de-DE"/>
+          </a:p>
+        </p:txBody>
+      </p:sp>
+      <p:sp>
+        <p:nvSpPr>
+          <p:cNvPr id="41" name="Oval 40">
+            <a:extLst>
+              <a:ext uri="{FF2B5EF4-FFF2-40B4-BE49-F238E27FC236}">
+                <a16:creationId xmlns:a16="http://schemas.microsoft.com/office/drawing/2014/main" id="{384B8D59-0A16-1243-9CF4-00C92ACCA438}"/>
+              </a:ext>
+            </a:extLst>
+          </p:cNvPr>
+          <p:cNvSpPr/>
+          <p:nvPr/>
+        </p:nvSpPr>
+        <p:spPr>
+          <a:xfrm>
+            <a:off x="1781321" y="2128291"/>
+            <a:ext cx="127469" cy="127469"/>
+          </a:xfrm>
+          <a:prstGeom prst="ellipse">
+            <a:avLst/>
+          </a:prstGeom>
+        </p:spPr>
+        <p:style>
+          <a:lnRef idx="2">
+            <a:schemeClr val="accent1">
+              <a:shade val="50000"/>
+            </a:schemeClr>
+          </a:lnRef>
+          <a:fillRef idx="1">
+            <a:schemeClr val="accent1"/>
+          </a:fillRef>
+          <a:effectRef idx="0">
+            <a:schemeClr val="accent1"/>
+          </a:effectRef>
+          <a:fontRef idx="minor">
+            <a:schemeClr val="lt1"/>
+          </a:fontRef>
+        </p:style>
+        <p:txBody>
+          <a:bodyPr rtlCol="0" anchor="ctr"/>
+          <a:lstStyle/>
+          <a:p>
+            <a:pPr algn="ctr"/>
+            <a:endParaRPr lang="de-DE"/>
+          </a:p>
+        </p:txBody>
+      </p:sp>
+      <p:cxnSp>
+        <p:nvCxnSpPr>
+          <p:cNvPr id="42" name="Straight Connector 41">
+            <a:extLst>
+              <a:ext uri="{FF2B5EF4-FFF2-40B4-BE49-F238E27FC236}">
+                <a16:creationId xmlns:a16="http://schemas.microsoft.com/office/drawing/2014/main" id="{2D1E2D63-2EBB-1E49-B881-4080389BB517}"/>
+              </a:ext>
+            </a:extLst>
+          </p:cNvPr>
+          <p:cNvCxnSpPr>
+            <a:cxnSpLocks/>
+          </p:cNvCxnSpPr>
+          <p:nvPr/>
+        </p:nvCxnSpPr>
+        <p:spPr>
+          <a:xfrm>
+            <a:off x="1703234" y="1596995"/>
+            <a:ext cx="0" cy="611067"/>
+          </a:xfrm>
+          <a:prstGeom prst="line">
+            <a:avLst/>
+          </a:prstGeom>
+          <a:ln w="28575">
+            <a:headEnd type="arrow" w="med" len="med"/>
+            <a:tailEnd type="arrow" w="med" len="med"/>
+          </a:ln>
+        </p:spPr>
+        <p:style>
+          <a:lnRef idx="1">
+            <a:schemeClr val="accent1"/>
+          </a:lnRef>
+          <a:fillRef idx="0">
+            <a:schemeClr val="accent1"/>
+          </a:fillRef>
+          <a:effectRef idx="0">
+            <a:schemeClr val="accent1"/>
+          </a:effectRef>
+          <a:fontRef idx="minor">
+            <a:schemeClr val="tx1"/>
+          </a:fontRef>
+        </p:style>
+      </p:cxnSp>
     </p:spTree>
     <p:extLst>
       <p:ext uri="{BB962C8B-B14F-4D97-AF65-F5344CB8AC3E}">
-        <p14:creationId xmlns:p14="http://schemas.microsoft.com/office/powerpoint/2010/main" val="3647780881"/>
+        <p14:creationId xmlns:p14="http://schemas.microsoft.com/office/powerpoint/2010/main" val="1961903381"/>
       </p:ext>
     </p:extLst>
   </p:cSld>

--- a/figures/resources/spatial_calibration.pptx
+++ b/figures/resources/spatial_calibration.pptx
@@ -3531,26 +3531,24 @@
       </p:grpSpPr>
       <p:sp>
         <p:nvSpPr>
-          <p:cNvPr id="16" name="Rectangle 15"/>
+          <p:cNvPr id="8" name="Rectangle 7"/>
           <p:cNvSpPr/>
           <p:nvPr/>
         </p:nvSpPr>
         <p:spPr>
           <a:xfrm>
-            <a:off x="5851794" y="3978010"/>
-            <a:ext cx="1879812" cy="1251339"/>
+            <a:off x="6211055" y="1962886"/>
+            <a:ext cx="620889" cy="620889"/>
           </a:xfrm>
           <a:prstGeom prst="rect">
             <a:avLst/>
           </a:prstGeom>
-          <a:pattFill prst="wdUpDiag">
-            <a:fgClr>
+          <a:noFill/>
+          <a:ln w="3175">
+            <a:solidFill>
               <a:schemeClr val="accent1"/>
-            </a:fgClr>
-            <a:bgClr>
-              <a:schemeClr val="bg1"/>
-            </a:bgClr>
-          </a:pattFill>
+            </a:solidFill>
+          </a:ln>
         </p:spPr>
         <p:style>
           <a:lnRef idx="2">
@@ -3577,174 +3575,6 @@
           </a:p>
         </p:txBody>
       </p:sp>
-      <p:sp>
-        <p:nvSpPr>
-          <p:cNvPr id="5" name="Rectangle 4"/>
-          <p:cNvSpPr/>
-          <p:nvPr/>
-        </p:nvSpPr>
-        <p:spPr>
-          <a:xfrm>
-            <a:off x="5863560" y="3978010"/>
-            <a:ext cx="620889" cy="620889"/>
-          </a:xfrm>
-          <a:prstGeom prst="rect">
-            <a:avLst/>
-          </a:prstGeom>
-          <a:noFill/>
-          <a:ln w="38100"/>
-        </p:spPr>
-        <p:style>
-          <a:lnRef idx="2">
-            <a:schemeClr val="accent1">
-              <a:shade val="50000"/>
-            </a:schemeClr>
-          </a:lnRef>
-          <a:fillRef idx="1">
-            <a:schemeClr val="accent1"/>
-          </a:fillRef>
-          <a:effectRef idx="0">
-            <a:schemeClr val="accent1"/>
-          </a:effectRef>
-          <a:fontRef idx="minor">
-            <a:schemeClr val="lt1"/>
-          </a:fontRef>
-        </p:style>
-        <p:txBody>
-          <a:bodyPr rtlCol="0" anchor="ctr"/>
-          <a:lstStyle/>
-          <a:p>
-            <a:pPr algn="ctr"/>
-            <a:endParaRPr lang="en-US"/>
-          </a:p>
-        </p:txBody>
-      </p:sp>
-      <p:sp>
-        <p:nvSpPr>
-          <p:cNvPr id="6" name="Rectangle 5"/>
-          <p:cNvSpPr/>
-          <p:nvPr/>
-        </p:nvSpPr>
-        <p:spPr>
-          <a:xfrm>
-            <a:off x="6489828" y="3978010"/>
-            <a:ext cx="620889" cy="620889"/>
-          </a:xfrm>
-          <a:prstGeom prst="rect">
-            <a:avLst/>
-          </a:prstGeom>
-          <a:noFill/>
-          <a:ln w="38100"/>
-        </p:spPr>
-        <p:style>
-          <a:lnRef idx="2">
-            <a:schemeClr val="accent1">
-              <a:shade val="50000"/>
-            </a:schemeClr>
-          </a:lnRef>
-          <a:fillRef idx="1">
-            <a:schemeClr val="accent1"/>
-          </a:fillRef>
-          <a:effectRef idx="0">
-            <a:schemeClr val="accent1"/>
-          </a:effectRef>
-          <a:fontRef idx="minor">
-            <a:schemeClr val="lt1"/>
-          </a:fontRef>
-        </p:style>
-        <p:txBody>
-          <a:bodyPr rtlCol="0" anchor="ctr"/>
-          <a:lstStyle/>
-          <a:p>
-            <a:pPr algn="ctr"/>
-            <a:endParaRPr lang="en-US"/>
-          </a:p>
-        </p:txBody>
-      </p:sp>
-      <p:sp>
-        <p:nvSpPr>
-          <p:cNvPr id="7" name="Rectangle 6"/>
-          <p:cNvSpPr/>
-          <p:nvPr/>
-        </p:nvSpPr>
-        <p:spPr>
-          <a:xfrm>
-            <a:off x="7116096" y="3978010"/>
-            <a:ext cx="620889" cy="620889"/>
-          </a:xfrm>
-          <a:prstGeom prst="rect">
-            <a:avLst/>
-          </a:prstGeom>
-          <a:noFill/>
-          <a:ln w="38100"/>
-        </p:spPr>
-        <p:style>
-          <a:lnRef idx="2">
-            <a:schemeClr val="accent1">
-              <a:shade val="50000"/>
-            </a:schemeClr>
-          </a:lnRef>
-          <a:fillRef idx="1">
-            <a:schemeClr val="accent1"/>
-          </a:fillRef>
-          <a:effectRef idx="0">
-            <a:schemeClr val="accent1"/>
-          </a:effectRef>
-          <a:fontRef idx="minor">
-            <a:schemeClr val="lt1"/>
-          </a:fontRef>
-        </p:style>
-        <p:txBody>
-          <a:bodyPr rtlCol="0" anchor="ctr"/>
-          <a:lstStyle/>
-          <a:p>
-            <a:pPr algn="ctr"/>
-            <a:endParaRPr lang="en-US"/>
-          </a:p>
-        </p:txBody>
-      </p:sp>
-      <p:sp>
-        <p:nvSpPr>
-          <p:cNvPr id="8" name="Rectangle 7"/>
-          <p:cNvSpPr/>
-          <p:nvPr/>
-        </p:nvSpPr>
-        <p:spPr>
-          <a:xfrm>
-            <a:off x="6211055" y="1962886"/>
-            <a:ext cx="620889" cy="620889"/>
-          </a:xfrm>
-          <a:prstGeom prst="rect">
-            <a:avLst/>
-          </a:prstGeom>
-          <a:noFill/>
-          <a:ln w="38100"/>
-        </p:spPr>
-        <p:style>
-          <a:lnRef idx="2">
-            <a:schemeClr val="accent1">
-              <a:shade val="50000"/>
-            </a:schemeClr>
-          </a:lnRef>
-          <a:fillRef idx="1">
-            <a:schemeClr val="accent1"/>
-          </a:fillRef>
-          <a:effectRef idx="0">
-            <a:schemeClr val="accent1"/>
-          </a:effectRef>
-          <a:fontRef idx="minor">
-            <a:schemeClr val="lt1"/>
-          </a:fontRef>
-        </p:style>
-        <p:txBody>
-          <a:bodyPr rtlCol="0" anchor="ctr"/>
-          <a:lstStyle/>
-          <a:p>
-            <a:pPr algn="ctr"/>
-            <a:endParaRPr lang="en-US"/>
-          </a:p>
-        </p:txBody>
-      </p:sp>
       <p:cxnSp>
         <p:nvCxnSpPr>
           <p:cNvPr id="10" name="Straight Connector 9"/>
@@ -3939,132 +3769,6 @@
           </a:fontRef>
         </p:style>
       </p:cxnSp>
-      <p:sp>
-        <p:nvSpPr>
-          <p:cNvPr id="28" name="Rectangle 27"/>
-          <p:cNvSpPr/>
-          <p:nvPr/>
-        </p:nvSpPr>
-        <p:spPr>
-          <a:xfrm>
-            <a:off x="5868939" y="4608460"/>
-            <a:ext cx="620889" cy="620889"/>
-          </a:xfrm>
-          <a:prstGeom prst="rect">
-            <a:avLst/>
-          </a:prstGeom>
-          <a:noFill/>
-          <a:ln w="38100"/>
-        </p:spPr>
-        <p:style>
-          <a:lnRef idx="2">
-            <a:schemeClr val="accent1">
-              <a:shade val="50000"/>
-            </a:schemeClr>
-          </a:lnRef>
-          <a:fillRef idx="1">
-            <a:schemeClr val="accent1"/>
-          </a:fillRef>
-          <a:effectRef idx="0">
-            <a:schemeClr val="accent1"/>
-          </a:effectRef>
-          <a:fontRef idx="minor">
-            <a:schemeClr val="lt1"/>
-          </a:fontRef>
-        </p:style>
-        <p:txBody>
-          <a:bodyPr rtlCol="0" anchor="ctr"/>
-          <a:lstStyle/>
-          <a:p>
-            <a:pPr algn="ctr"/>
-            <a:endParaRPr lang="en-US"/>
-          </a:p>
-        </p:txBody>
-      </p:sp>
-      <p:sp>
-        <p:nvSpPr>
-          <p:cNvPr id="29" name="Rectangle 28"/>
-          <p:cNvSpPr/>
-          <p:nvPr/>
-        </p:nvSpPr>
-        <p:spPr>
-          <a:xfrm>
-            <a:off x="6495207" y="4608460"/>
-            <a:ext cx="620889" cy="620889"/>
-          </a:xfrm>
-          <a:prstGeom prst="rect">
-            <a:avLst/>
-          </a:prstGeom>
-          <a:noFill/>
-          <a:ln w="38100"/>
-        </p:spPr>
-        <p:style>
-          <a:lnRef idx="2">
-            <a:schemeClr val="accent1">
-              <a:shade val="50000"/>
-            </a:schemeClr>
-          </a:lnRef>
-          <a:fillRef idx="1">
-            <a:schemeClr val="accent1"/>
-          </a:fillRef>
-          <a:effectRef idx="0">
-            <a:schemeClr val="accent1"/>
-          </a:effectRef>
-          <a:fontRef idx="minor">
-            <a:schemeClr val="lt1"/>
-          </a:fontRef>
-        </p:style>
-        <p:txBody>
-          <a:bodyPr rtlCol="0" anchor="ctr"/>
-          <a:lstStyle/>
-          <a:p>
-            <a:pPr algn="ctr"/>
-            <a:endParaRPr lang="en-US"/>
-          </a:p>
-        </p:txBody>
-      </p:sp>
-      <p:sp>
-        <p:nvSpPr>
-          <p:cNvPr id="30" name="Rectangle 29"/>
-          <p:cNvSpPr/>
-          <p:nvPr/>
-        </p:nvSpPr>
-        <p:spPr>
-          <a:xfrm>
-            <a:off x="7121475" y="4608460"/>
-            <a:ext cx="620889" cy="620889"/>
-          </a:xfrm>
-          <a:prstGeom prst="rect">
-            <a:avLst/>
-          </a:prstGeom>
-          <a:noFill/>
-          <a:ln w="38100"/>
-        </p:spPr>
-        <p:style>
-          <a:lnRef idx="2">
-            <a:schemeClr val="accent1">
-              <a:shade val="50000"/>
-            </a:schemeClr>
-          </a:lnRef>
-          <a:fillRef idx="1">
-            <a:schemeClr val="accent1"/>
-          </a:fillRef>
-          <a:effectRef idx="0">
-            <a:schemeClr val="accent1"/>
-          </a:effectRef>
-          <a:fontRef idx="minor">
-            <a:schemeClr val="lt1"/>
-          </a:fontRef>
-        </p:style>
-        <p:txBody>
-          <a:bodyPr rtlCol="0" anchor="ctr"/>
-          <a:lstStyle/>
-          <a:p>
-            <a:pPr algn="ctr"/>
-            <a:endParaRPr lang="en-US"/>
-          </a:p>
-        </p:txBody>
-      </p:sp>
       <mc:AlternateContent xmlns:mc="http://schemas.openxmlformats.org/markup-compatibility/2006">
         <mc:Choice xmlns:a14="http://schemas.microsoft.com/office/drawing/2010/main" Requires="a14">
           <p:sp>
@@ -4075,7 +3779,7 @@
             </p:nvSpPr>
             <p:spPr>
               <a:xfrm>
-                <a:off x="5685312" y="5408555"/>
+                <a:off x="5647731" y="5397351"/>
                 <a:ext cx="2350900" cy="369332"/>
               </a:xfrm>
               <a:prstGeom prst="rect">
@@ -4157,7 +3861,7 @@
             </p:nvSpPr>
             <p:spPr>
               <a:xfrm>
-                <a:off x="5685312" y="5408555"/>
+                <a:off x="5647731" y="5397351"/>
                 <a:ext cx="2350900" cy="369332"/>
               </a:xfrm>
               <a:prstGeom prst="rect">
@@ -4740,7 +4444,11 @@
             <a:avLst/>
           </a:prstGeom>
           <a:noFill/>
-          <a:ln w="38100"/>
+          <a:ln w="3175">
+            <a:solidFill>
+              <a:schemeClr val="accent1"/>
+            </a:solidFill>
+          </a:ln>
         </p:spPr>
         <p:style>
           <a:lnRef idx="2">
@@ -4787,6 +4495,11 @@
           <a:prstGeom prst="ellipse">
             <a:avLst/>
           </a:prstGeom>
+          <a:ln w="3175">
+            <a:solidFill>
+              <a:schemeClr val="accent1"/>
+            </a:solidFill>
+          </a:ln>
         </p:spPr>
         <p:style>
           <a:lnRef idx="2">
@@ -4833,6 +4546,11 @@
           <a:prstGeom prst="ellipse">
             <a:avLst/>
           </a:prstGeom>
+          <a:ln w="3175">
+            <a:solidFill>
+              <a:schemeClr val="accent1"/>
+            </a:solidFill>
+          </a:ln>
         </p:spPr>
         <p:style>
           <a:lnRef idx="2">
@@ -4880,7 +4598,11 @@
             <a:avLst/>
           </a:prstGeom>
           <a:noFill/>
-          <a:ln w="38100"/>
+          <a:ln w="3175">
+            <a:solidFill>
+              <a:schemeClr val="accent1"/>
+            </a:solidFill>
+          </a:ln>
         </p:spPr>
         <p:style>
           <a:lnRef idx="2">
@@ -4928,7 +4650,11 @@
             <a:avLst/>
           </a:prstGeom>
           <a:noFill/>
-          <a:ln w="38100"/>
+          <a:ln w="3175">
+            <a:solidFill>
+              <a:schemeClr val="accent1"/>
+            </a:solidFill>
+          </a:ln>
         </p:spPr>
         <p:style>
           <a:lnRef idx="2">
@@ -4975,6 +4701,11 @@
           <a:prstGeom prst="ellipse">
             <a:avLst/>
           </a:prstGeom>
+          <a:ln w="3175">
+            <a:solidFill>
+              <a:schemeClr val="accent1"/>
+            </a:solidFill>
+          </a:ln>
         </p:spPr>
         <p:style>
           <a:lnRef idx="2">
@@ -5021,6 +4752,11 @@
           <a:prstGeom prst="ellipse">
             <a:avLst/>
           </a:prstGeom>
+          <a:ln w="3175">
+            <a:solidFill>
+              <a:schemeClr val="accent1"/>
+            </a:solidFill>
+          </a:ln>
         </p:spPr>
         <p:style>
           <a:lnRef idx="2">
@@ -5125,6 +4861,675 @@
               <a:rPr lang="en-US" dirty="0"/>
               <a:t>(0,0)</a:t>
             </a:r>
+          </a:p>
+        </p:txBody>
+      </p:sp>
+      <p:sp>
+        <p:nvSpPr>
+          <p:cNvPr id="55" name="Rectangle 54">
+            <a:extLst>
+              <a:ext uri="{FF2B5EF4-FFF2-40B4-BE49-F238E27FC236}">
+                <a16:creationId xmlns:a16="http://schemas.microsoft.com/office/drawing/2014/main" id="{3ECDB614-08E4-B84B-B059-A3A25D9BABF9}"/>
+              </a:ext>
+            </a:extLst>
+          </p:cNvPr>
+          <p:cNvSpPr/>
+          <p:nvPr/>
+        </p:nvSpPr>
+        <p:spPr>
+          <a:xfrm>
+            <a:off x="5867441" y="3925438"/>
+            <a:ext cx="620889" cy="620889"/>
+          </a:xfrm>
+          <a:prstGeom prst="rect">
+            <a:avLst/>
+          </a:prstGeom>
+          <a:noFill/>
+          <a:ln w="3175">
+            <a:solidFill>
+              <a:schemeClr val="accent1"/>
+            </a:solidFill>
+          </a:ln>
+        </p:spPr>
+        <p:style>
+          <a:lnRef idx="2">
+            <a:schemeClr val="accent1">
+              <a:shade val="50000"/>
+            </a:schemeClr>
+          </a:lnRef>
+          <a:fillRef idx="1">
+            <a:schemeClr val="accent1"/>
+          </a:fillRef>
+          <a:effectRef idx="0">
+            <a:schemeClr val="accent1"/>
+          </a:effectRef>
+          <a:fontRef idx="minor">
+            <a:schemeClr val="lt1"/>
+          </a:fontRef>
+        </p:style>
+        <p:txBody>
+          <a:bodyPr rtlCol="0" anchor="ctr"/>
+          <a:lstStyle/>
+          <a:p>
+            <a:pPr algn="ctr"/>
+            <a:endParaRPr lang="en-US"/>
+          </a:p>
+        </p:txBody>
+      </p:sp>
+      <p:sp>
+        <p:nvSpPr>
+          <p:cNvPr id="56" name="Rectangle 55">
+            <a:extLst>
+              <a:ext uri="{FF2B5EF4-FFF2-40B4-BE49-F238E27FC236}">
+                <a16:creationId xmlns:a16="http://schemas.microsoft.com/office/drawing/2014/main" id="{4D25AA18-E956-3249-A1EB-255C7A94047E}"/>
+              </a:ext>
+            </a:extLst>
+          </p:cNvPr>
+          <p:cNvSpPr/>
+          <p:nvPr/>
+        </p:nvSpPr>
+        <p:spPr>
+          <a:xfrm>
+            <a:off x="6488916" y="3925438"/>
+            <a:ext cx="620889" cy="622866"/>
+          </a:xfrm>
+          <a:prstGeom prst="rect">
+            <a:avLst/>
+          </a:prstGeom>
+          <a:noFill/>
+          <a:ln w="3175">
+            <a:solidFill>
+              <a:schemeClr val="accent1"/>
+            </a:solidFill>
+          </a:ln>
+        </p:spPr>
+        <p:style>
+          <a:lnRef idx="2">
+            <a:schemeClr val="accent1">
+              <a:shade val="50000"/>
+            </a:schemeClr>
+          </a:lnRef>
+          <a:fillRef idx="1">
+            <a:schemeClr val="accent1"/>
+          </a:fillRef>
+          <a:effectRef idx="0">
+            <a:schemeClr val="accent1"/>
+          </a:effectRef>
+          <a:fontRef idx="minor">
+            <a:schemeClr val="lt1"/>
+          </a:fontRef>
+        </p:style>
+        <p:txBody>
+          <a:bodyPr rtlCol="0" anchor="ctr"/>
+          <a:lstStyle/>
+          <a:p>
+            <a:pPr algn="ctr"/>
+            <a:endParaRPr lang="en-US"/>
+          </a:p>
+        </p:txBody>
+      </p:sp>
+      <p:sp>
+        <p:nvSpPr>
+          <p:cNvPr id="57" name="Oval 56">
+            <a:extLst>
+              <a:ext uri="{FF2B5EF4-FFF2-40B4-BE49-F238E27FC236}">
+                <a16:creationId xmlns:a16="http://schemas.microsoft.com/office/drawing/2014/main" id="{344849D5-8831-8A42-B522-DBC05A1B7719}"/>
+              </a:ext>
+            </a:extLst>
+          </p:cNvPr>
+          <p:cNvSpPr/>
+          <p:nvPr/>
+        </p:nvSpPr>
+        <p:spPr>
+          <a:xfrm>
+            <a:off x="6758319" y="4209197"/>
+            <a:ext cx="111873" cy="101703"/>
+          </a:xfrm>
+          <a:prstGeom prst="ellipse">
+            <a:avLst/>
+          </a:prstGeom>
+          <a:ln w="3175">
+            <a:solidFill>
+              <a:schemeClr val="accent1"/>
+            </a:solidFill>
+          </a:ln>
+        </p:spPr>
+        <p:style>
+          <a:lnRef idx="2">
+            <a:schemeClr val="accent1">
+              <a:shade val="50000"/>
+            </a:schemeClr>
+          </a:lnRef>
+          <a:fillRef idx="1">
+            <a:schemeClr val="accent1"/>
+          </a:fillRef>
+          <a:effectRef idx="0">
+            <a:schemeClr val="accent1"/>
+          </a:effectRef>
+          <a:fontRef idx="minor">
+            <a:schemeClr val="lt1"/>
+          </a:fontRef>
+        </p:style>
+        <p:txBody>
+          <a:bodyPr rtlCol="0" anchor="ctr"/>
+          <a:lstStyle/>
+          <a:p>
+            <a:pPr algn="ctr"/>
+            <a:endParaRPr lang="de-DE"/>
+          </a:p>
+        </p:txBody>
+      </p:sp>
+      <p:sp>
+        <p:nvSpPr>
+          <p:cNvPr id="58" name="Oval 57">
+            <a:extLst>
+              <a:ext uri="{FF2B5EF4-FFF2-40B4-BE49-F238E27FC236}">
+                <a16:creationId xmlns:a16="http://schemas.microsoft.com/office/drawing/2014/main" id="{129ADD01-0F5D-BC47-80E5-90FC9622DCE1}"/>
+              </a:ext>
+            </a:extLst>
+          </p:cNvPr>
+          <p:cNvSpPr/>
+          <p:nvPr/>
+        </p:nvSpPr>
+        <p:spPr>
+          <a:xfrm>
+            <a:off x="6139362" y="4197311"/>
+            <a:ext cx="111873" cy="101703"/>
+          </a:xfrm>
+          <a:prstGeom prst="ellipse">
+            <a:avLst/>
+          </a:prstGeom>
+          <a:ln w="3175">
+            <a:solidFill>
+              <a:schemeClr val="accent1"/>
+            </a:solidFill>
+          </a:ln>
+        </p:spPr>
+        <p:style>
+          <a:lnRef idx="2">
+            <a:schemeClr val="accent1">
+              <a:shade val="50000"/>
+            </a:schemeClr>
+          </a:lnRef>
+          <a:fillRef idx="1">
+            <a:schemeClr val="accent1"/>
+          </a:fillRef>
+          <a:effectRef idx="0">
+            <a:schemeClr val="accent1"/>
+          </a:effectRef>
+          <a:fontRef idx="minor">
+            <a:schemeClr val="lt1"/>
+          </a:fontRef>
+        </p:style>
+        <p:txBody>
+          <a:bodyPr rtlCol="0" anchor="ctr"/>
+          <a:lstStyle/>
+          <a:p>
+            <a:pPr algn="ctr"/>
+            <a:endParaRPr lang="de-DE"/>
+          </a:p>
+        </p:txBody>
+      </p:sp>
+      <p:sp>
+        <p:nvSpPr>
+          <p:cNvPr id="63" name="Rectangle 62">
+            <a:extLst>
+              <a:ext uri="{FF2B5EF4-FFF2-40B4-BE49-F238E27FC236}">
+                <a16:creationId xmlns:a16="http://schemas.microsoft.com/office/drawing/2014/main" id="{0606488C-8987-DA49-8D5F-008726E7F71D}"/>
+              </a:ext>
+            </a:extLst>
+          </p:cNvPr>
+          <p:cNvSpPr/>
+          <p:nvPr/>
+        </p:nvSpPr>
+        <p:spPr>
+          <a:xfrm>
+            <a:off x="7110390" y="3925438"/>
+            <a:ext cx="620889" cy="622866"/>
+          </a:xfrm>
+          <a:prstGeom prst="rect">
+            <a:avLst/>
+          </a:prstGeom>
+          <a:noFill/>
+          <a:ln w="3175">
+            <a:solidFill>
+              <a:schemeClr val="accent1"/>
+            </a:solidFill>
+          </a:ln>
+        </p:spPr>
+        <p:style>
+          <a:lnRef idx="2">
+            <a:schemeClr val="accent1">
+              <a:shade val="50000"/>
+            </a:schemeClr>
+          </a:lnRef>
+          <a:fillRef idx="1">
+            <a:schemeClr val="accent1"/>
+          </a:fillRef>
+          <a:effectRef idx="0">
+            <a:schemeClr val="accent1"/>
+          </a:effectRef>
+          <a:fontRef idx="minor">
+            <a:schemeClr val="lt1"/>
+          </a:fontRef>
+        </p:style>
+        <p:txBody>
+          <a:bodyPr rtlCol="0" anchor="ctr"/>
+          <a:lstStyle/>
+          <a:p>
+            <a:pPr algn="ctr"/>
+            <a:endParaRPr lang="en-US"/>
+          </a:p>
+        </p:txBody>
+      </p:sp>
+      <p:sp>
+        <p:nvSpPr>
+          <p:cNvPr id="64" name="Oval 63">
+            <a:extLst>
+              <a:ext uri="{FF2B5EF4-FFF2-40B4-BE49-F238E27FC236}">
+                <a16:creationId xmlns:a16="http://schemas.microsoft.com/office/drawing/2014/main" id="{8E0C95EB-3D0A-C44A-A7B3-FC2063229746}"/>
+              </a:ext>
+            </a:extLst>
+          </p:cNvPr>
+          <p:cNvSpPr/>
+          <p:nvPr/>
+        </p:nvSpPr>
+        <p:spPr>
+          <a:xfrm>
+            <a:off x="7397609" y="4207220"/>
+            <a:ext cx="111873" cy="101703"/>
+          </a:xfrm>
+          <a:prstGeom prst="ellipse">
+            <a:avLst/>
+          </a:prstGeom>
+          <a:ln w="3175">
+            <a:solidFill>
+              <a:schemeClr val="accent1"/>
+            </a:solidFill>
+          </a:ln>
+        </p:spPr>
+        <p:style>
+          <a:lnRef idx="2">
+            <a:schemeClr val="accent1">
+              <a:shade val="50000"/>
+            </a:schemeClr>
+          </a:lnRef>
+          <a:fillRef idx="1">
+            <a:schemeClr val="accent1"/>
+          </a:fillRef>
+          <a:effectRef idx="0">
+            <a:schemeClr val="accent1"/>
+          </a:effectRef>
+          <a:fontRef idx="minor">
+            <a:schemeClr val="lt1"/>
+          </a:fontRef>
+        </p:style>
+        <p:txBody>
+          <a:bodyPr rtlCol="0" anchor="ctr"/>
+          <a:lstStyle/>
+          <a:p>
+            <a:pPr algn="ctr"/>
+            <a:endParaRPr lang="de-DE"/>
+          </a:p>
+        </p:txBody>
+      </p:sp>
+      <p:sp>
+        <p:nvSpPr>
+          <p:cNvPr id="67" name="Rectangle 66">
+            <a:extLst>
+              <a:ext uri="{FF2B5EF4-FFF2-40B4-BE49-F238E27FC236}">
+                <a16:creationId xmlns:a16="http://schemas.microsoft.com/office/drawing/2014/main" id="{EA38448F-0BB0-2B44-81BF-205887D988D5}"/>
+              </a:ext>
+            </a:extLst>
+          </p:cNvPr>
+          <p:cNvSpPr/>
+          <p:nvPr/>
+        </p:nvSpPr>
+        <p:spPr>
+          <a:xfrm>
+            <a:off x="5865466" y="4564728"/>
+            <a:ext cx="620889" cy="620889"/>
+          </a:xfrm>
+          <a:prstGeom prst="rect">
+            <a:avLst/>
+          </a:prstGeom>
+          <a:noFill/>
+          <a:ln w="3175">
+            <a:solidFill>
+              <a:schemeClr val="accent1"/>
+            </a:solidFill>
+          </a:ln>
+        </p:spPr>
+        <p:style>
+          <a:lnRef idx="2">
+            <a:schemeClr val="accent1">
+              <a:shade val="50000"/>
+            </a:schemeClr>
+          </a:lnRef>
+          <a:fillRef idx="1">
+            <a:schemeClr val="accent1"/>
+          </a:fillRef>
+          <a:effectRef idx="0">
+            <a:schemeClr val="accent1"/>
+          </a:effectRef>
+          <a:fontRef idx="minor">
+            <a:schemeClr val="lt1"/>
+          </a:fontRef>
+        </p:style>
+        <p:txBody>
+          <a:bodyPr rtlCol="0" anchor="ctr"/>
+          <a:lstStyle/>
+          <a:p>
+            <a:pPr algn="ctr"/>
+            <a:endParaRPr lang="en-US"/>
+          </a:p>
+        </p:txBody>
+      </p:sp>
+      <p:sp>
+        <p:nvSpPr>
+          <p:cNvPr id="68" name="Rectangle 67">
+            <a:extLst>
+              <a:ext uri="{FF2B5EF4-FFF2-40B4-BE49-F238E27FC236}">
+                <a16:creationId xmlns:a16="http://schemas.microsoft.com/office/drawing/2014/main" id="{1954E40F-5F0E-A641-A378-925AAB1C9E51}"/>
+              </a:ext>
+            </a:extLst>
+          </p:cNvPr>
+          <p:cNvSpPr/>
+          <p:nvPr/>
+        </p:nvSpPr>
+        <p:spPr>
+          <a:xfrm>
+            <a:off x="6486941" y="4564728"/>
+            <a:ext cx="620889" cy="622866"/>
+          </a:xfrm>
+          <a:prstGeom prst="rect">
+            <a:avLst/>
+          </a:prstGeom>
+          <a:noFill/>
+          <a:ln w="3175">
+            <a:solidFill>
+              <a:schemeClr val="accent1"/>
+            </a:solidFill>
+          </a:ln>
+        </p:spPr>
+        <p:style>
+          <a:lnRef idx="2">
+            <a:schemeClr val="accent1">
+              <a:shade val="50000"/>
+            </a:schemeClr>
+          </a:lnRef>
+          <a:fillRef idx="1">
+            <a:schemeClr val="accent1"/>
+          </a:fillRef>
+          <a:effectRef idx="0">
+            <a:schemeClr val="accent1"/>
+          </a:effectRef>
+          <a:fontRef idx="minor">
+            <a:schemeClr val="lt1"/>
+          </a:fontRef>
+        </p:style>
+        <p:txBody>
+          <a:bodyPr rtlCol="0" anchor="ctr"/>
+          <a:lstStyle/>
+          <a:p>
+            <a:pPr algn="ctr"/>
+            <a:endParaRPr lang="en-US"/>
+          </a:p>
+        </p:txBody>
+      </p:sp>
+      <p:sp>
+        <p:nvSpPr>
+          <p:cNvPr id="69" name="Oval 68">
+            <a:extLst>
+              <a:ext uri="{FF2B5EF4-FFF2-40B4-BE49-F238E27FC236}">
+                <a16:creationId xmlns:a16="http://schemas.microsoft.com/office/drawing/2014/main" id="{244255EB-2C4B-1542-B222-2DFF04D842CE}"/>
+              </a:ext>
+            </a:extLst>
+          </p:cNvPr>
+          <p:cNvSpPr/>
+          <p:nvPr/>
+        </p:nvSpPr>
+        <p:spPr>
+          <a:xfrm>
+            <a:off x="6756344" y="4848487"/>
+            <a:ext cx="111873" cy="101703"/>
+          </a:xfrm>
+          <a:prstGeom prst="ellipse">
+            <a:avLst/>
+          </a:prstGeom>
+          <a:ln w="3175">
+            <a:solidFill>
+              <a:schemeClr val="accent1"/>
+            </a:solidFill>
+          </a:ln>
+        </p:spPr>
+        <p:style>
+          <a:lnRef idx="2">
+            <a:schemeClr val="accent1">
+              <a:shade val="50000"/>
+            </a:schemeClr>
+          </a:lnRef>
+          <a:fillRef idx="1">
+            <a:schemeClr val="accent1"/>
+          </a:fillRef>
+          <a:effectRef idx="0">
+            <a:schemeClr val="accent1"/>
+          </a:effectRef>
+          <a:fontRef idx="minor">
+            <a:schemeClr val="lt1"/>
+          </a:fontRef>
+        </p:style>
+        <p:txBody>
+          <a:bodyPr rtlCol="0" anchor="ctr"/>
+          <a:lstStyle/>
+          <a:p>
+            <a:pPr algn="ctr"/>
+            <a:endParaRPr lang="de-DE"/>
+          </a:p>
+        </p:txBody>
+      </p:sp>
+      <p:sp>
+        <p:nvSpPr>
+          <p:cNvPr id="70" name="Oval 69">
+            <a:extLst>
+              <a:ext uri="{FF2B5EF4-FFF2-40B4-BE49-F238E27FC236}">
+                <a16:creationId xmlns:a16="http://schemas.microsoft.com/office/drawing/2014/main" id="{AB561325-B46C-8E47-A8C9-668BFE6A6976}"/>
+              </a:ext>
+            </a:extLst>
+          </p:cNvPr>
+          <p:cNvSpPr/>
+          <p:nvPr/>
+        </p:nvSpPr>
+        <p:spPr>
+          <a:xfrm>
+            <a:off x="6137387" y="4836601"/>
+            <a:ext cx="111873" cy="101703"/>
+          </a:xfrm>
+          <a:prstGeom prst="ellipse">
+            <a:avLst/>
+          </a:prstGeom>
+          <a:ln w="3175">
+            <a:solidFill>
+              <a:schemeClr val="accent1"/>
+            </a:solidFill>
+          </a:ln>
+        </p:spPr>
+        <p:style>
+          <a:lnRef idx="2">
+            <a:schemeClr val="accent1">
+              <a:shade val="50000"/>
+            </a:schemeClr>
+          </a:lnRef>
+          <a:fillRef idx="1">
+            <a:schemeClr val="accent1"/>
+          </a:fillRef>
+          <a:effectRef idx="0">
+            <a:schemeClr val="accent1"/>
+          </a:effectRef>
+          <a:fontRef idx="minor">
+            <a:schemeClr val="lt1"/>
+          </a:fontRef>
+        </p:style>
+        <p:txBody>
+          <a:bodyPr rtlCol="0" anchor="ctr"/>
+          <a:lstStyle/>
+          <a:p>
+            <a:pPr algn="ctr"/>
+            <a:endParaRPr lang="de-DE"/>
+          </a:p>
+        </p:txBody>
+      </p:sp>
+      <p:sp>
+        <p:nvSpPr>
+          <p:cNvPr id="71" name="Rectangle 70">
+            <a:extLst>
+              <a:ext uri="{FF2B5EF4-FFF2-40B4-BE49-F238E27FC236}">
+                <a16:creationId xmlns:a16="http://schemas.microsoft.com/office/drawing/2014/main" id="{29A5EAAB-8EE9-AE4B-AADF-6E3893BDBD00}"/>
+              </a:ext>
+            </a:extLst>
+          </p:cNvPr>
+          <p:cNvSpPr/>
+          <p:nvPr/>
+        </p:nvSpPr>
+        <p:spPr>
+          <a:xfrm>
+            <a:off x="7108415" y="4564728"/>
+            <a:ext cx="620889" cy="622866"/>
+          </a:xfrm>
+          <a:prstGeom prst="rect">
+            <a:avLst/>
+          </a:prstGeom>
+          <a:noFill/>
+          <a:ln w="3175">
+            <a:solidFill>
+              <a:schemeClr val="accent1"/>
+            </a:solidFill>
+          </a:ln>
+        </p:spPr>
+        <p:style>
+          <a:lnRef idx="2">
+            <a:schemeClr val="accent1">
+              <a:shade val="50000"/>
+            </a:schemeClr>
+          </a:lnRef>
+          <a:fillRef idx="1">
+            <a:schemeClr val="accent1"/>
+          </a:fillRef>
+          <a:effectRef idx="0">
+            <a:schemeClr val="accent1"/>
+          </a:effectRef>
+          <a:fontRef idx="minor">
+            <a:schemeClr val="lt1"/>
+          </a:fontRef>
+        </p:style>
+        <p:txBody>
+          <a:bodyPr rtlCol="0" anchor="ctr"/>
+          <a:lstStyle/>
+          <a:p>
+            <a:pPr algn="ctr"/>
+            <a:endParaRPr lang="en-US"/>
+          </a:p>
+        </p:txBody>
+      </p:sp>
+      <p:sp>
+        <p:nvSpPr>
+          <p:cNvPr id="72" name="Oval 71">
+            <a:extLst>
+              <a:ext uri="{FF2B5EF4-FFF2-40B4-BE49-F238E27FC236}">
+                <a16:creationId xmlns:a16="http://schemas.microsoft.com/office/drawing/2014/main" id="{E30368C8-6B5A-6C49-99E4-80CA4C716B2D}"/>
+              </a:ext>
+            </a:extLst>
+          </p:cNvPr>
+          <p:cNvSpPr/>
+          <p:nvPr/>
+        </p:nvSpPr>
+        <p:spPr>
+          <a:xfrm>
+            <a:off x="7395634" y="4846510"/>
+            <a:ext cx="111873" cy="101703"/>
+          </a:xfrm>
+          <a:prstGeom prst="ellipse">
+            <a:avLst/>
+          </a:prstGeom>
+          <a:ln w="3175">
+            <a:solidFill>
+              <a:schemeClr val="accent1"/>
+            </a:solidFill>
+          </a:ln>
+        </p:spPr>
+        <p:style>
+          <a:lnRef idx="2">
+            <a:schemeClr val="accent1">
+              <a:shade val="50000"/>
+            </a:schemeClr>
+          </a:lnRef>
+          <a:fillRef idx="1">
+            <a:schemeClr val="accent1"/>
+          </a:fillRef>
+          <a:effectRef idx="0">
+            <a:schemeClr val="accent1"/>
+          </a:effectRef>
+          <a:fontRef idx="minor">
+            <a:schemeClr val="lt1"/>
+          </a:fontRef>
+        </p:style>
+        <p:txBody>
+          <a:bodyPr rtlCol="0" anchor="ctr"/>
+          <a:lstStyle/>
+          <a:p>
+            <a:pPr algn="ctr"/>
+            <a:endParaRPr lang="de-DE"/>
+          </a:p>
+        </p:txBody>
+      </p:sp>
+      <p:sp>
+        <p:nvSpPr>
+          <p:cNvPr id="4" name="Rectangle 3">
+            <a:extLst>
+              <a:ext uri="{FF2B5EF4-FFF2-40B4-BE49-F238E27FC236}">
+                <a16:creationId xmlns:a16="http://schemas.microsoft.com/office/drawing/2014/main" id="{BC891B27-A604-284A-B6C8-ABBE46C05EA8}"/>
+              </a:ext>
+            </a:extLst>
+          </p:cNvPr>
+          <p:cNvSpPr/>
+          <p:nvPr/>
+        </p:nvSpPr>
+        <p:spPr>
+          <a:xfrm>
+            <a:off x="5865465" y="3935565"/>
+            <a:ext cx="1871519" cy="1250269"/>
+          </a:xfrm>
+          <a:prstGeom prst="rect">
+            <a:avLst/>
+          </a:prstGeom>
+          <a:solidFill>
+            <a:schemeClr val="accent1">
+              <a:alpha val="46000"/>
+            </a:schemeClr>
+          </a:solidFill>
+        </p:spPr>
+        <p:style>
+          <a:lnRef idx="2">
+            <a:schemeClr val="accent1">
+              <a:shade val="50000"/>
+            </a:schemeClr>
+          </a:lnRef>
+          <a:fillRef idx="1">
+            <a:schemeClr val="accent1"/>
+          </a:fillRef>
+          <a:effectRef idx="0">
+            <a:schemeClr val="accent1"/>
+          </a:effectRef>
+          <a:fontRef idx="minor">
+            <a:schemeClr val="lt1"/>
+          </a:fontRef>
+        </p:style>
+        <p:txBody>
+          <a:bodyPr rtlCol="0" anchor="ctr"/>
+          <a:lstStyle/>
+          <a:p>
+            <a:pPr algn="ctr"/>
+            <a:endParaRPr lang="de-DE" dirty="0"/>
           </a:p>
         </p:txBody>
       </p:sp>

--- a/figures/resources/spatial_calibration.pptx
+++ b/figures/resources/spatial_calibration.pptx
@@ -4,8 +4,12 @@
   <p:sldMasterIdLst>
     <p:sldMasterId id="2147483660" r:id="rId1"/>
   </p:sldMasterIdLst>
+  <p:notesMasterIdLst>
+    <p:notesMasterId r:id="rId4"/>
+  </p:notesMasterIdLst>
   <p:sldIdLst>
     <p:sldId id="256" r:id="rId2"/>
+    <p:sldId id="257" r:id="rId3"/>
   </p:sldIdLst>
   <p:sldSz cx="9144000" cy="6858000" type="screen4x3"/>
   <p:notesSz cx="6858000" cy="9144000"/>
@@ -112,6 +116,560 @@
 </p:presentation>
 </file>
 
+<file path=ppt/notesMasters/notesMaster1.xml><?xml version="1.0" encoding="utf-8"?>
+<p:notesMaster xmlns:a="http://schemas.openxmlformats.org/drawingml/2006/main" xmlns:r="http://schemas.openxmlformats.org/officeDocument/2006/relationships" xmlns:p="http://schemas.openxmlformats.org/presentationml/2006/main">
+  <p:cSld>
+    <p:bg>
+      <p:bgRef idx="1001">
+        <a:schemeClr val="bg1"/>
+      </p:bgRef>
+    </p:bg>
+    <p:spTree>
+      <p:nvGrpSpPr>
+        <p:cNvPr id="1" name=""/>
+        <p:cNvGrpSpPr/>
+        <p:nvPr/>
+      </p:nvGrpSpPr>
+      <p:grpSpPr>
+        <a:xfrm>
+          <a:off x="0" y="0"/>
+          <a:ext cx="0" cy="0"/>
+          <a:chOff x="0" y="0"/>
+          <a:chExt cx="0" cy="0"/>
+        </a:xfrm>
+      </p:grpSpPr>
+      <p:sp>
+        <p:nvSpPr>
+          <p:cNvPr id="2" name="Header Placeholder 1"/>
+          <p:cNvSpPr>
+            <a:spLocks noGrp="1"/>
+          </p:cNvSpPr>
+          <p:nvPr>
+            <p:ph type="hdr" sz="quarter"/>
+          </p:nvPr>
+        </p:nvSpPr>
+        <p:spPr>
+          <a:xfrm>
+            <a:off x="0" y="0"/>
+            <a:ext cx="2971800" cy="458788"/>
+          </a:xfrm>
+          <a:prstGeom prst="rect">
+            <a:avLst/>
+          </a:prstGeom>
+        </p:spPr>
+        <p:txBody>
+          <a:bodyPr vert="horz" lIns="91440" tIns="45720" rIns="91440" bIns="45720" rtlCol="0"/>
+          <a:lstStyle>
+            <a:lvl1pPr algn="l">
+              <a:defRPr sz="1200"/>
+            </a:lvl1pPr>
+          </a:lstStyle>
+          <a:p>
+            <a:endParaRPr lang="de-DE"/>
+          </a:p>
+        </p:txBody>
+      </p:sp>
+      <p:sp>
+        <p:nvSpPr>
+          <p:cNvPr id="3" name="Date Placeholder 2"/>
+          <p:cNvSpPr>
+            <a:spLocks noGrp="1"/>
+          </p:cNvSpPr>
+          <p:nvPr>
+            <p:ph type="dt" idx="1"/>
+          </p:nvPr>
+        </p:nvSpPr>
+        <p:spPr>
+          <a:xfrm>
+            <a:off x="3884613" y="0"/>
+            <a:ext cx="2971800" cy="458788"/>
+          </a:xfrm>
+          <a:prstGeom prst="rect">
+            <a:avLst/>
+          </a:prstGeom>
+        </p:spPr>
+        <p:txBody>
+          <a:bodyPr vert="horz" lIns="91440" tIns="45720" rIns="91440" bIns="45720" rtlCol="0"/>
+          <a:lstStyle>
+            <a:lvl1pPr algn="r">
+              <a:defRPr sz="1200"/>
+            </a:lvl1pPr>
+          </a:lstStyle>
+          <a:p>
+            <a:fld id="{0DE32CF7-9C27-294A-90C4-3E35094C4601}" type="datetimeFigureOut">
+              <a:rPr lang="de-DE" smtClean="0"/>
+              <a:t>18.01.22</a:t>
+            </a:fld>
+            <a:endParaRPr lang="de-DE"/>
+          </a:p>
+        </p:txBody>
+      </p:sp>
+      <p:sp>
+        <p:nvSpPr>
+          <p:cNvPr id="4" name="Slide Image Placeholder 3"/>
+          <p:cNvSpPr>
+            <a:spLocks noGrp="1" noRot="1" noChangeAspect="1"/>
+          </p:cNvSpPr>
+          <p:nvPr>
+            <p:ph type="sldImg" idx="2"/>
+          </p:nvPr>
+        </p:nvSpPr>
+        <p:spPr>
+          <a:xfrm>
+            <a:off x="1371600" y="1143000"/>
+            <a:ext cx="4114800" cy="3086100"/>
+          </a:xfrm>
+          <a:prstGeom prst="rect">
+            <a:avLst/>
+          </a:prstGeom>
+          <a:noFill/>
+          <a:ln w="12700">
+            <a:solidFill>
+              <a:prstClr val="black"/>
+            </a:solidFill>
+          </a:ln>
+        </p:spPr>
+        <p:txBody>
+          <a:bodyPr vert="horz" lIns="91440" tIns="45720" rIns="91440" bIns="45720" rtlCol="0" anchor="ctr"/>
+          <a:lstStyle/>
+          <a:p>
+            <a:endParaRPr lang="de-DE"/>
+          </a:p>
+        </p:txBody>
+      </p:sp>
+      <p:sp>
+        <p:nvSpPr>
+          <p:cNvPr id="5" name="Notes Placeholder 4"/>
+          <p:cNvSpPr>
+            <a:spLocks noGrp="1"/>
+          </p:cNvSpPr>
+          <p:nvPr>
+            <p:ph type="body" sz="quarter" idx="3"/>
+          </p:nvPr>
+        </p:nvSpPr>
+        <p:spPr>
+          <a:xfrm>
+            <a:off x="685800" y="4400550"/>
+            <a:ext cx="5486400" cy="3600450"/>
+          </a:xfrm>
+          <a:prstGeom prst="rect">
+            <a:avLst/>
+          </a:prstGeom>
+        </p:spPr>
+        <p:txBody>
+          <a:bodyPr vert="horz" lIns="91440" tIns="45720" rIns="91440" bIns="45720" rtlCol="0"/>
+          <a:lstStyle/>
+          <a:p>
+            <a:pPr lvl="0"/>
+            <a:r>
+              <a:rPr lang="en-US"/>
+              <a:t>Edit Master text styles</a:t>
+            </a:r>
+          </a:p>
+          <a:p>
+            <a:pPr lvl="1"/>
+            <a:r>
+              <a:rPr lang="en-US"/>
+              <a:t>Second level</a:t>
+            </a:r>
+          </a:p>
+          <a:p>
+            <a:pPr lvl="2"/>
+            <a:r>
+              <a:rPr lang="en-US"/>
+              <a:t>Third level</a:t>
+            </a:r>
+          </a:p>
+          <a:p>
+            <a:pPr lvl="3"/>
+            <a:r>
+              <a:rPr lang="en-US"/>
+              <a:t>Fourth level</a:t>
+            </a:r>
+          </a:p>
+          <a:p>
+            <a:pPr lvl="4"/>
+            <a:r>
+              <a:rPr lang="en-US"/>
+              <a:t>Fifth level</a:t>
+            </a:r>
+            <a:endParaRPr lang="de-DE"/>
+          </a:p>
+        </p:txBody>
+      </p:sp>
+      <p:sp>
+        <p:nvSpPr>
+          <p:cNvPr id="6" name="Footer Placeholder 5"/>
+          <p:cNvSpPr>
+            <a:spLocks noGrp="1"/>
+          </p:cNvSpPr>
+          <p:nvPr>
+            <p:ph type="ftr" sz="quarter" idx="4"/>
+          </p:nvPr>
+        </p:nvSpPr>
+        <p:spPr>
+          <a:xfrm>
+            <a:off x="0" y="8685213"/>
+            <a:ext cx="2971800" cy="458787"/>
+          </a:xfrm>
+          <a:prstGeom prst="rect">
+            <a:avLst/>
+          </a:prstGeom>
+        </p:spPr>
+        <p:txBody>
+          <a:bodyPr vert="horz" lIns="91440" tIns="45720" rIns="91440" bIns="45720" rtlCol="0" anchor="b"/>
+          <a:lstStyle>
+            <a:lvl1pPr algn="l">
+              <a:defRPr sz="1200"/>
+            </a:lvl1pPr>
+          </a:lstStyle>
+          <a:p>
+            <a:endParaRPr lang="de-DE"/>
+          </a:p>
+        </p:txBody>
+      </p:sp>
+      <p:sp>
+        <p:nvSpPr>
+          <p:cNvPr id="7" name="Slide Number Placeholder 6"/>
+          <p:cNvSpPr>
+            <a:spLocks noGrp="1"/>
+          </p:cNvSpPr>
+          <p:nvPr>
+            <p:ph type="sldNum" sz="quarter" idx="5"/>
+          </p:nvPr>
+        </p:nvSpPr>
+        <p:spPr>
+          <a:xfrm>
+            <a:off x="3884613" y="8685213"/>
+            <a:ext cx="2971800" cy="458787"/>
+          </a:xfrm>
+          <a:prstGeom prst="rect">
+            <a:avLst/>
+          </a:prstGeom>
+        </p:spPr>
+        <p:txBody>
+          <a:bodyPr vert="horz" lIns="91440" tIns="45720" rIns="91440" bIns="45720" rtlCol="0" anchor="b"/>
+          <a:lstStyle>
+            <a:lvl1pPr algn="r">
+              <a:defRPr sz="1200"/>
+            </a:lvl1pPr>
+          </a:lstStyle>
+          <a:p>
+            <a:fld id="{926C4596-9333-5B48-AF09-D4A72557A3A4}" type="slidenum">
+              <a:rPr lang="de-DE" smtClean="0"/>
+              <a:t>‹#›</a:t>
+            </a:fld>
+            <a:endParaRPr lang="de-DE"/>
+          </a:p>
+        </p:txBody>
+      </p:sp>
+    </p:spTree>
+    <p:extLst>
+      <p:ext uri="{BB962C8B-B14F-4D97-AF65-F5344CB8AC3E}">
+        <p14:creationId xmlns:p14="http://schemas.microsoft.com/office/powerpoint/2010/main" val="2536004762"/>
+      </p:ext>
+    </p:extLst>
+  </p:cSld>
+  <p:clrMap bg1="lt1" tx1="dk1" bg2="lt2" tx2="dk2" accent1="accent1" accent2="accent2" accent3="accent3" accent4="accent4" accent5="accent5" accent6="accent6" hlink="hlink" folHlink="folHlink"/>
+  <p:notesStyle>
+    <a:lvl1pPr marL="0" algn="l" defTabSz="914400" rtl="0" eaLnBrk="1" latinLnBrk="0" hangingPunct="1">
+      <a:defRPr sz="1200" kern="1200">
+        <a:solidFill>
+          <a:schemeClr val="tx1"/>
+        </a:solidFill>
+        <a:latin typeface="+mn-lt"/>
+        <a:ea typeface="+mn-ea"/>
+        <a:cs typeface="+mn-cs"/>
+      </a:defRPr>
+    </a:lvl1pPr>
+    <a:lvl2pPr marL="457200" algn="l" defTabSz="914400" rtl="0" eaLnBrk="1" latinLnBrk="0" hangingPunct="1">
+      <a:defRPr sz="1200" kern="1200">
+        <a:solidFill>
+          <a:schemeClr val="tx1"/>
+        </a:solidFill>
+        <a:latin typeface="+mn-lt"/>
+        <a:ea typeface="+mn-ea"/>
+        <a:cs typeface="+mn-cs"/>
+      </a:defRPr>
+    </a:lvl2pPr>
+    <a:lvl3pPr marL="914400" algn="l" defTabSz="914400" rtl="0" eaLnBrk="1" latinLnBrk="0" hangingPunct="1">
+      <a:defRPr sz="1200" kern="1200">
+        <a:solidFill>
+          <a:schemeClr val="tx1"/>
+        </a:solidFill>
+        <a:latin typeface="+mn-lt"/>
+        <a:ea typeface="+mn-ea"/>
+        <a:cs typeface="+mn-cs"/>
+      </a:defRPr>
+    </a:lvl3pPr>
+    <a:lvl4pPr marL="1371600" algn="l" defTabSz="914400" rtl="0" eaLnBrk="1" latinLnBrk="0" hangingPunct="1">
+      <a:defRPr sz="1200" kern="1200">
+        <a:solidFill>
+          <a:schemeClr val="tx1"/>
+        </a:solidFill>
+        <a:latin typeface="+mn-lt"/>
+        <a:ea typeface="+mn-ea"/>
+        <a:cs typeface="+mn-cs"/>
+      </a:defRPr>
+    </a:lvl4pPr>
+    <a:lvl5pPr marL="1828800" algn="l" defTabSz="914400" rtl="0" eaLnBrk="1" latinLnBrk="0" hangingPunct="1">
+      <a:defRPr sz="1200" kern="1200">
+        <a:solidFill>
+          <a:schemeClr val="tx1"/>
+        </a:solidFill>
+        <a:latin typeface="+mn-lt"/>
+        <a:ea typeface="+mn-ea"/>
+        <a:cs typeface="+mn-cs"/>
+      </a:defRPr>
+    </a:lvl5pPr>
+    <a:lvl6pPr marL="2286000" algn="l" defTabSz="914400" rtl="0" eaLnBrk="1" latinLnBrk="0" hangingPunct="1">
+      <a:defRPr sz="1200" kern="1200">
+        <a:solidFill>
+          <a:schemeClr val="tx1"/>
+        </a:solidFill>
+        <a:latin typeface="+mn-lt"/>
+        <a:ea typeface="+mn-ea"/>
+        <a:cs typeface="+mn-cs"/>
+      </a:defRPr>
+    </a:lvl6pPr>
+    <a:lvl7pPr marL="2743200" algn="l" defTabSz="914400" rtl="0" eaLnBrk="1" latinLnBrk="0" hangingPunct="1">
+      <a:defRPr sz="1200" kern="1200">
+        <a:solidFill>
+          <a:schemeClr val="tx1"/>
+        </a:solidFill>
+        <a:latin typeface="+mn-lt"/>
+        <a:ea typeface="+mn-ea"/>
+        <a:cs typeface="+mn-cs"/>
+      </a:defRPr>
+    </a:lvl7pPr>
+    <a:lvl8pPr marL="3200400" algn="l" defTabSz="914400" rtl="0" eaLnBrk="1" latinLnBrk="0" hangingPunct="1">
+      <a:defRPr sz="1200" kern="1200">
+        <a:solidFill>
+          <a:schemeClr val="tx1"/>
+        </a:solidFill>
+        <a:latin typeface="+mn-lt"/>
+        <a:ea typeface="+mn-ea"/>
+        <a:cs typeface="+mn-cs"/>
+      </a:defRPr>
+    </a:lvl8pPr>
+    <a:lvl9pPr marL="3657600" algn="l" defTabSz="914400" rtl="0" eaLnBrk="1" latinLnBrk="0" hangingPunct="1">
+      <a:defRPr sz="1200" kern="1200">
+        <a:solidFill>
+          <a:schemeClr val="tx1"/>
+        </a:solidFill>
+        <a:latin typeface="+mn-lt"/>
+        <a:ea typeface="+mn-ea"/>
+        <a:cs typeface="+mn-cs"/>
+      </a:defRPr>
+    </a:lvl9pPr>
+  </p:notesStyle>
+</p:notesMaster>
+</file>
+
+<file path=ppt/notesSlides/notesSlide1.xml><?xml version="1.0" encoding="utf-8"?>
+<p:notes xmlns:a="http://schemas.openxmlformats.org/drawingml/2006/main" xmlns:r="http://schemas.openxmlformats.org/officeDocument/2006/relationships" xmlns:p="http://schemas.openxmlformats.org/presentationml/2006/main">
+  <p:cSld>
+    <p:spTree>
+      <p:nvGrpSpPr>
+        <p:cNvPr id="1" name=""/>
+        <p:cNvGrpSpPr/>
+        <p:nvPr/>
+      </p:nvGrpSpPr>
+      <p:grpSpPr>
+        <a:xfrm>
+          <a:off x="0" y="0"/>
+          <a:ext cx="0" cy="0"/>
+          <a:chOff x="0" y="0"/>
+          <a:chExt cx="0" cy="0"/>
+        </a:xfrm>
+      </p:grpSpPr>
+      <p:sp>
+        <p:nvSpPr>
+          <p:cNvPr id="2" name="Slide Image Placeholder 1"/>
+          <p:cNvSpPr>
+            <a:spLocks noGrp="1" noRot="1" noChangeAspect="1"/>
+          </p:cNvSpPr>
+          <p:nvPr>
+            <p:ph type="sldImg"/>
+          </p:nvPr>
+        </p:nvSpPr>
+        <p:spPr/>
+      </p:sp>
+      <p:sp>
+        <p:nvSpPr>
+          <p:cNvPr id="3" name="Notes Placeholder 2"/>
+          <p:cNvSpPr>
+            <a:spLocks noGrp="1"/>
+          </p:cNvSpPr>
+          <p:nvPr>
+            <p:ph type="body" idx="1"/>
+          </p:nvPr>
+        </p:nvSpPr>
+        <p:spPr/>
+        <p:txBody>
+          <a:bodyPr/>
+          <a:lstStyle/>
+          <a:p>
+            <a:r>
+              <a:rPr lang="de-DE" dirty="0" err="1"/>
+              <a:t>Example</a:t>
+            </a:r>
+            <a:r>
+              <a:rPr lang="de-DE" dirty="0"/>
+              <a:t> </a:t>
+            </a:r>
+            <a:r>
+              <a:rPr lang="de-DE" dirty="0" err="1"/>
+              <a:t>image</a:t>
+            </a:r>
+            <a:r>
+              <a:rPr lang="de-DE" dirty="0"/>
+              <a:t>: xy_8bit__nucleus_calibrated.tif</a:t>
+            </a:r>
+          </a:p>
+          <a:p>
+            <a:endParaRPr lang="de-DE" dirty="0"/>
+          </a:p>
+        </p:txBody>
+      </p:sp>
+      <p:sp>
+        <p:nvSpPr>
+          <p:cNvPr id="4" name="Slide Number Placeholder 3"/>
+          <p:cNvSpPr>
+            <a:spLocks noGrp="1"/>
+          </p:cNvSpPr>
+          <p:nvPr>
+            <p:ph type="sldNum" sz="quarter" idx="5"/>
+          </p:nvPr>
+        </p:nvSpPr>
+        <p:spPr/>
+        <p:txBody>
+          <a:bodyPr/>
+          <a:lstStyle/>
+          <a:p>
+            <a:fld id="{926C4596-9333-5B48-AF09-D4A72557A3A4}" type="slidenum">
+              <a:rPr lang="de-DE" smtClean="0"/>
+              <a:t>1</a:t>
+            </a:fld>
+            <a:endParaRPr lang="de-DE"/>
+          </a:p>
+        </p:txBody>
+      </p:sp>
+    </p:spTree>
+    <p:extLst>
+      <p:ext uri="{BB962C8B-B14F-4D97-AF65-F5344CB8AC3E}">
+        <p14:creationId xmlns:p14="http://schemas.microsoft.com/office/powerpoint/2010/main" val="1749344499"/>
+      </p:ext>
+    </p:extLst>
+  </p:cSld>
+  <p:clrMapOvr>
+    <a:masterClrMapping/>
+  </p:clrMapOvr>
+</p:notes>
+</file>
+
+<file path=ppt/notesSlides/notesSlide2.xml><?xml version="1.0" encoding="utf-8"?>
+<p:notes xmlns:a="http://schemas.openxmlformats.org/drawingml/2006/main" xmlns:r="http://schemas.openxmlformats.org/officeDocument/2006/relationships" xmlns:p="http://schemas.openxmlformats.org/presentationml/2006/main">
+  <p:cSld>
+    <p:spTree>
+      <p:nvGrpSpPr>
+        <p:cNvPr id="1" name=""/>
+        <p:cNvGrpSpPr/>
+        <p:nvPr/>
+      </p:nvGrpSpPr>
+      <p:grpSpPr>
+        <a:xfrm>
+          <a:off x="0" y="0"/>
+          <a:ext cx="0" cy="0"/>
+          <a:chOff x="0" y="0"/>
+          <a:chExt cx="0" cy="0"/>
+        </a:xfrm>
+      </p:grpSpPr>
+      <p:sp>
+        <p:nvSpPr>
+          <p:cNvPr id="2" name="Slide Image Placeholder 1"/>
+          <p:cNvSpPr>
+            <a:spLocks noGrp="1" noRot="1" noChangeAspect="1"/>
+          </p:cNvSpPr>
+          <p:nvPr>
+            <p:ph type="sldImg"/>
+          </p:nvPr>
+        </p:nvSpPr>
+        <p:spPr/>
+      </p:sp>
+      <p:sp>
+        <p:nvSpPr>
+          <p:cNvPr id="3" name="Notes Placeholder 2"/>
+          <p:cNvSpPr>
+            <a:spLocks noGrp="1"/>
+          </p:cNvSpPr>
+          <p:nvPr>
+            <p:ph type="body" idx="1"/>
+          </p:nvPr>
+        </p:nvSpPr>
+        <p:spPr/>
+        <p:txBody>
+          <a:bodyPr/>
+          <a:lstStyle/>
+          <a:p>
+            <a:r>
+              <a:rPr lang="de-DE" dirty="0" err="1"/>
+              <a:t>Example</a:t>
+            </a:r>
+            <a:r>
+              <a:rPr lang="de-DE" dirty="0"/>
+              <a:t> </a:t>
+            </a:r>
+            <a:r>
+              <a:rPr lang="de-DE" dirty="0" err="1"/>
+              <a:t>image</a:t>
+            </a:r>
+            <a:r>
+              <a:rPr lang="de-DE" dirty="0"/>
+              <a:t>: xy_8bit__nucleus_calibrated.tif</a:t>
+            </a:r>
+          </a:p>
+          <a:p>
+            <a:endParaRPr lang="de-DE" dirty="0"/>
+          </a:p>
+        </p:txBody>
+      </p:sp>
+      <p:sp>
+        <p:nvSpPr>
+          <p:cNvPr id="4" name="Slide Number Placeholder 3"/>
+          <p:cNvSpPr>
+            <a:spLocks noGrp="1"/>
+          </p:cNvSpPr>
+          <p:nvPr>
+            <p:ph type="sldNum" sz="quarter" idx="5"/>
+          </p:nvPr>
+        </p:nvSpPr>
+        <p:spPr/>
+        <p:txBody>
+          <a:bodyPr/>
+          <a:lstStyle/>
+          <a:p>
+            <a:fld id="{926C4596-9333-5B48-AF09-D4A72557A3A4}" type="slidenum">
+              <a:rPr lang="de-DE" smtClean="0"/>
+              <a:t>2</a:t>
+            </a:fld>
+            <a:endParaRPr lang="de-DE"/>
+          </a:p>
+        </p:txBody>
+      </p:sp>
+    </p:spTree>
+    <p:extLst>
+      <p:ext uri="{BB962C8B-B14F-4D97-AF65-F5344CB8AC3E}">
+        <p14:creationId xmlns:p14="http://schemas.microsoft.com/office/powerpoint/2010/main" val="186740975"/>
+      </p:ext>
+    </p:extLst>
+  </p:cSld>
+  <p:clrMapOvr>
+    <a:masterClrMapping/>
+  </p:clrMapOvr>
+</p:notes>
+</file>
+
 <file path=ppt/slideLayouts/slideLayout1.xml><?xml version="1.0" encoding="utf-8"?>
 <p:sldLayout xmlns:a="http://schemas.openxmlformats.org/drawingml/2006/main" xmlns:r="http://schemas.openxmlformats.org/officeDocument/2006/relationships" xmlns:p="http://schemas.openxmlformats.org/presentationml/2006/main" type="title" preserve="1">
   <p:cSld name="Title Slide">
@@ -154,7 +712,7 @@
           </a:lstStyle>
           <a:p>
             <a:r>
-              <a:rPr lang="en-US" smtClean="0"/>
+              <a:rPr lang="en-US"/>
               <a:t>Click to edit Master title style</a:t>
             </a:r>
             <a:endParaRPr lang="en-US" dirty="0"/>
@@ -219,7 +777,7 @@
           </a:lstStyle>
           <a:p>
             <a:r>
-              <a:rPr lang="en-US" smtClean="0"/>
+              <a:rPr lang="en-US"/>
               <a:t>Click to edit Master subtitle style</a:t>
             </a:r>
             <a:endParaRPr lang="en-US" dirty="0"/>
@@ -243,7 +801,7 @@
           <a:p>
             <a:fld id="{F21C5B54-884B-447C-A969-012169FE4C38}" type="datetimeFigureOut">
               <a:rPr lang="en-US" smtClean="0"/>
-              <a:t>24-Jan-21</a:t>
+              <a:t>1/18/22</a:t>
             </a:fld>
             <a:endParaRPr lang="en-US"/>
           </a:p>
@@ -337,7 +895,7 @@
           <a:lstStyle/>
           <a:p>
             <a:r>
-              <a:rPr lang="en-US" smtClean="0"/>
+              <a:rPr lang="en-US"/>
               <a:t>Click to edit Master title style</a:t>
             </a:r>
             <a:endParaRPr lang="en-US" dirty="0"/>
@@ -361,35 +919,35 @@
           <a:p>
             <a:pPr lvl="0"/>
             <a:r>
-              <a:rPr lang="en-US" smtClean="0"/>
+              <a:rPr lang="en-US"/>
               <a:t>Edit Master text styles</a:t>
             </a:r>
           </a:p>
           <a:p>
             <a:pPr lvl="1"/>
             <a:r>
-              <a:rPr lang="en-US" smtClean="0"/>
+              <a:rPr lang="en-US"/>
               <a:t>Second level</a:t>
             </a:r>
           </a:p>
           <a:p>
             <a:pPr lvl="2"/>
             <a:r>
-              <a:rPr lang="en-US" smtClean="0"/>
+              <a:rPr lang="en-US"/>
               <a:t>Third level</a:t>
             </a:r>
           </a:p>
           <a:p>
             <a:pPr lvl="3"/>
             <a:r>
-              <a:rPr lang="en-US" smtClean="0"/>
+              <a:rPr lang="en-US"/>
               <a:t>Fourth level</a:t>
             </a:r>
           </a:p>
           <a:p>
             <a:pPr lvl="4"/>
             <a:r>
-              <a:rPr lang="en-US" smtClean="0"/>
+              <a:rPr lang="en-US"/>
               <a:t>Fifth level</a:t>
             </a:r>
             <a:endParaRPr lang="en-US" dirty="0"/>
@@ -413,7 +971,7 @@
           <a:p>
             <a:fld id="{F21C5B54-884B-447C-A969-012169FE4C38}" type="datetimeFigureOut">
               <a:rPr lang="en-US" smtClean="0"/>
-              <a:t>24-Jan-21</a:t>
+              <a:t>1/18/22</a:t>
             </a:fld>
             <a:endParaRPr lang="en-US"/>
           </a:p>
@@ -512,7 +1070,7 @@
           <a:lstStyle/>
           <a:p>
             <a:r>
-              <a:rPr lang="en-US" smtClean="0"/>
+              <a:rPr lang="en-US"/>
               <a:t>Click to edit Master title style</a:t>
             </a:r>
             <a:endParaRPr lang="en-US" dirty="0"/>
@@ -541,35 +1099,35 @@
           <a:p>
             <a:pPr lvl="0"/>
             <a:r>
-              <a:rPr lang="en-US" smtClean="0"/>
+              <a:rPr lang="en-US"/>
               <a:t>Edit Master text styles</a:t>
             </a:r>
           </a:p>
           <a:p>
             <a:pPr lvl="1"/>
             <a:r>
-              <a:rPr lang="en-US" smtClean="0"/>
+              <a:rPr lang="en-US"/>
               <a:t>Second level</a:t>
             </a:r>
           </a:p>
           <a:p>
             <a:pPr lvl="2"/>
             <a:r>
-              <a:rPr lang="en-US" smtClean="0"/>
+              <a:rPr lang="en-US"/>
               <a:t>Third level</a:t>
             </a:r>
           </a:p>
           <a:p>
             <a:pPr lvl="3"/>
             <a:r>
-              <a:rPr lang="en-US" smtClean="0"/>
+              <a:rPr lang="en-US"/>
               <a:t>Fourth level</a:t>
             </a:r>
           </a:p>
           <a:p>
             <a:pPr lvl="4"/>
             <a:r>
-              <a:rPr lang="en-US" smtClean="0"/>
+              <a:rPr lang="en-US"/>
               <a:t>Fifth level</a:t>
             </a:r>
             <a:endParaRPr lang="en-US" dirty="0"/>
@@ -593,7 +1151,7 @@
           <a:p>
             <a:fld id="{F21C5B54-884B-447C-A969-012169FE4C38}" type="datetimeFigureOut">
               <a:rPr lang="en-US" smtClean="0"/>
-              <a:t>24-Jan-21</a:t>
+              <a:t>1/18/22</a:t>
             </a:fld>
             <a:endParaRPr lang="en-US"/>
           </a:p>
@@ -687,7 +1245,7 @@
           <a:lstStyle/>
           <a:p>
             <a:r>
-              <a:rPr lang="en-US" smtClean="0"/>
+              <a:rPr lang="en-US"/>
               <a:t>Click to edit Master title style</a:t>
             </a:r>
             <a:endParaRPr lang="en-US" dirty="0"/>
@@ -711,35 +1269,35 @@
           <a:p>
             <a:pPr lvl="0"/>
             <a:r>
-              <a:rPr lang="en-US" smtClean="0"/>
+              <a:rPr lang="en-US"/>
               <a:t>Edit Master text styles</a:t>
             </a:r>
           </a:p>
           <a:p>
             <a:pPr lvl="1"/>
             <a:r>
-              <a:rPr lang="en-US" smtClean="0"/>
+              <a:rPr lang="en-US"/>
               <a:t>Second level</a:t>
             </a:r>
           </a:p>
           <a:p>
             <a:pPr lvl="2"/>
             <a:r>
-              <a:rPr lang="en-US" smtClean="0"/>
+              <a:rPr lang="en-US"/>
               <a:t>Third level</a:t>
             </a:r>
           </a:p>
           <a:p>
             <a:pPr lvl="3"/>
             <a:r>
-              <a:rPr lang="en-US" smtClean="0"/>
+              <a:rPr lang="en-US"/>
               <a:t>Fourth level</a:t>
             </a:r>
           </a:p>
           <a:p>
             <a:pPr lvl="4"/>
             <a:r>
-              <a:rPr lang="en-US" smtClean="0"/>
+              <a:rPr lang="en-US"/>
               <a:t>Fifth level</a:t>
             </a:r>
             <a:endParaRPr lang="en-US" dirty="0"/>
@@ -763,7 +1321,7 @@
           <a:p>
             <a:fld id="{F21C5B54-884B-447C-A969-012169FE4C38}" type="datetimeFigureOut">
               <a:rPr lang="en-US" smtClean="0"/>
-              <a:t>24-Jan-21</a:t>
+              <a:t>1/18/22</a:t>
             </a:fld>
             <a:endParaRPr lang="en-US"/>
           </a:p>
@@ -866,7 +1424,7 @@
           </a:lstStyle>
           <a:p>
             <a:r>
-              <a:rPr lang="en-US" smtClean="0"/>
+              <a:rPr lang="en-US"/>
               <a:t>Click to edit Master title style</a:t>
             </a:r>
             <a:endParaRPr lang="en-US" dirty="0"/>
@@ -984,7 +1542,7 @@
           <a:p>
             <a:pPr lvl="0"/>
             <a:r>
-              <a:rPr lang="en-US" smtClean="0"/>
+              <a:rPr lang="en-US"/>
               <a:t>Edit Master text styles</a:t>
             </a:r>
           </a:p>
@@ -1007,7 +1565,7 @@
           <a:p>
             <a:fld id="{F21C5B54-884B-447C-A969-012169FE4C38}" type="datetimeFigureOut">
               <a:rPr lang="en-US" smtClean="0"/>
-              <a:t>24-Jan-21</a:t>
+              <a:t>1/18/22</a:t>
             </a:fld>
             <a:endParaRPr lang="en-US"/>
           </a:p>
@@ -1101,7 +1659,7 @@
           <a:lstStyle/>
           <a:p>
             <a:r>
-              <a:rPr lang="en-US" smtClean="0"/>
+              <a:rPr lang="en-US"/>
               <a:t>Click to edit Master title style</a:t>
             </a:r>
             <a:endParaRPr lang="en-US" dirty="0"/>
@@ -1130,35 +1688,35 @@
           <a:p>
             <a:pPr lvl="0"/>
             <a:r>
-              <a:rPr lang="en-US" smtClean="0"/>
+              <a:rPr lang="en-US"/>
               <a:t>Edit Master text styles</a:t>
             </a:r>
           </a:p>
           <a:p>
             <a:pPr lvl="1"/>
             <a:r>
-              <a:rPr lang="en-US" smtClean="0"/>
+              <a:rPr lang="en-US"/>
               <a:t>Second level</a:t>
             </a:r>
           </a:p>
           <a:p>
             <a:pPr lvl="2"/>
             <a:r>
-              <a:rPr lang="en-US" smtClean="0"/>
+              <a:rPr lang="en-US"/>
               <a:t>Third level</a:t>
             </a:r>
           </a:p>
           <a:p>
             <a:pPr lvl="3"/>
             <a:r>
-              <a:rPr lang="en-US" smtClean="0"/>
+              <a:rPr lang="en-US"/>
               <a:t>Fourth level</a:t>
             </a:r>
           </a:p>
           <a:p>
             <a:pPr lvl="4"/>
             <a:r>
-              <a:rPr lang="en-US" smtClean="0"/>
+              <a:rPr lang="en-US"/>
               <a:t>Fifth level</a:t>
             </a:r>
             <a:endParaRPr lang="en-US" dirty="0"/>
@@ -1187,35 +1745,35 @@
           <a:p>
             <a:pPr lvl="0"/>
             <a:r>
-              <a:rPr lang="en-US" smtClean="0"/>
+              <a:rPr lang="en-US"/>
               <a:t>Edit Master text styles</a:t>
             </a:r>
           </a:p>
           <a:p>
             <a:pPr lvl="1"/>
             <a:r>
-              <a:rPr lang="en-US" smtClean="0"/>
+              <a:rPr lang="en-US"/>
               <a:t>Second level</a:t>
             </a:r>
           </a:p>
           <a:p>
             <a:pPr lvl="2"/>
             <a:r>
-              <a:rPr lang="en-US" smtClean="0"/>
+              <a:rPr lang="en-US"/>
               <a:t>Third level</a:t>
             </a:r>
           </a:p>
           <a:p>
             <a:pPr lvl="3"/>
             <a:r>
-              <a:rPr lang="en-US" smtClean="0"/>
+              <a:rPr lang="en-US"/>
               <a:t>Fourth level</a:t>
             </a:r>
           </a:p>
           <a:p>
             <a:pPr lvl="4"/>
             <a:r>
-              <a:rPr lang="en-US" smtClean="0"/>
+              <a:rPr lang="en-US"/>
               <a:t>Fifth level</a:t>
             </a:r>
             <a:endParaRPr lang="en-US" dirty="0"/>
@@ -1239,7 +1797,7 @@
           <a:p>
             <a:fld id="{F21C5B54-884B-447C-A969-012169FE4C38}" type="datetimeFigureOut">
               <a:rPr lang="en-US" smtClean="0"/>
-              <a:t>24-Jan-21</a:t>
+              <a:t>1/18/22</a:t>
             </a:fld>
             <a:endParaRPr lang="en-US"/>
           </a:p>
@@ -1338,7 +1896,7 @@
           <a:lstStyle/>
           <a:p>
             <a:r>
-              <a:rPr lang="en-US" smtClean="0"/>
+              <a:rPr lang="en-US"/>
               <a:t>Click to edit Master title style</a:t>
             </a:r>
             <a:endParaRPr lang="en-US" dirty="0"/>
@@ -1404,7 +1962,7 @@
           <a:p>
             <a:pPr lvl="0"/>
             <a:r>
-              <a:rPr lang="en-US" smtClean="0"/>
+              <a:rPr lang="en-US"/>
               <a:t>Edit Master text styles</a:t>
             </a:r>
           </a:p>
@@ -1432,35 +1990,35 @@
           <a:p>
             <a:pPr lvl="0"/>
             <a:r>
-              <a:rPr lang="en-US" smtClean="0"/>
+              <a:rPr lang="en-US"/>
               <a:t>Edit Master text styles</a:t>
             </a:r>
           </a:p>
           <a:p>
             <a:pPr lvl="1"/>
             <a:r>
-              <a:rPr lang="en-US" smtClean="0"/>
+              <a:rPr lang="en-US"/>
               <a:t>Second level</a:t>
             </a:r>
           </a:p>
           <a:p>
             <a:pPr lvl="2"/>
             <a:r>
-              <a:rPr lang="en-US" smtClean="0"/>
+              <a:rPr lang="en-US"/>
               <a:t>Third level</a:t>
             </a:r>
           </a:p>
           <a:p>
             <a:pPr lvl="3"/>
             <a:r>
-              <a:rPr lang="en-US" smtClean="0"/>
+              <a:rPr lang="en-US"/>
               <a:t>Fourth level</a:t>
             </a:r>
           </a:p>
           <a:p>
             <a:pPr lvl="4"/>
             <a:r>
-              <a:rPr lang="en-US" smtClean="0"/>
+              <a:rPr lang="en-US"/>
               <a:t>Fifth level</a:t>
             </a:r>
             <a:endParaRPr lang="en-US" dirty="0"/>
@@ -1526,7 +2084,7 @@
           <a:p>
             <a:pPr lvl="0"/>
             <a:r>
-              <a:rPr lang="en-US" smtClean="0"/>
+              <a:rPr lang="en-US"/>
               <a:t>Edit Master text styles</a:t>
             </a:r>
           </a:p>
@@ -1554,35 +2112,35 @@
           <a:p>
             <a:pPr lvl="0"/>
             <a:r>
-              <a:rPr lang="en-US" smtClean="0"/>
+              <a:rPr lang="en-US"/>
               <a:t>Edit Master text styles</a:t>
             </a:r>
           </a:p>
           <a:p>
             <a:pPr lvl="1"/>
             <a:r>
-              <a:rPr lang="en-US" smtClean="0"/>
+              <a:rPr lang="en-US"/>
               <a:t>Second level</a:t>
             </a:r>
           </a:p>
           <a:p>
             <a:pPr lvl="2"/>
             <a:r>
-              <a:rPr lang="en-US" smtClean="0"/>
+              <a:rPr lang="en-US"/>
               <a:t>Third level</a:t>
             </a:r>
           </a:p>
           <a:p>
             <a:pPr lvl="3"/>
             <a:r>
-              <a:rPr lang="en-US" smtClean="0"/>
+              <a:rPr lang="en-US"/>
               <a:t>Fourth level</a:t>
             </a:r>
           </a:p>
           <a:p>
             <a:pPr lvl="4"/>
             <a:r>
-              <a:rPr lang="en-US" smtClean="0"/>
+              <a:rPr lang="en-US"/>
               <a:t>Fifth level</a:t>
             </a:r>
             <a:endParaRPr lang="en-US" dirty="0"/>
@@ -1606,7 +2164,7 @@
           <a:p>
             <a:fld id="{F21C5B54-884B-447C-A969-012169FE4C38}" type="datetimeFigureOut">
               <a:rPr lang="en-US" smtClean="0"/>
-              <a:t>24-Jan-21</a:t>
+              <a:t>1/18/22</a:t>
             </a:fld>
             <a:endParaRPr lang="en-US"/>
           </a:p>
@@ -1700,7 +2258,7 @@
           <a:lstStyle/>
           <a:p>
             <a:r>
-              <a:rPr lang="en-US" smtClean="0"/>
+              <a:rPr lang="en-US"/>
               <a:t>Click to edit Master title style</a:t>
             </a:r>
             <a:endParaRPr lang="en-US" dirty="0"/>
@@ -1724,7 +2282,7 @@
           <a:p>
             <a:fld id="{F21C5B54-884B-447C-A969-012169FE4C38}" type="datetimeFigureOut">
               <a:rPr lang="en-US" smtClean="0"/>
-              <a:t>24-Jan-21</a:t>
+              <a:t>1/18/22</a:t>
             </a:fld>
             <a:endParaRPr lang="en-US"/>
           </a:p>
@@ -1819,7 +2377,7 @@
           <a:p>
             <a:fld id="{F21C5B54-884B-447C-A969-012169FE4C38}" type="datetimeFigureOut">
               <a:rPr lang="en-US" smtClean="0"/>
-              <a:t>24-Jan-21</a:t>
+              <a:t>1/18/22</a:t>
             </a:fld>
             <a:endParaRPr lang="en-US"/>
           </a:p>
@@ -1922,7 +2480,7 @@
           </a:lstStyle>
           <a:p>
             <a:r>
-              <a:rPr lang="en-US" smtClean="0"/>
+              <a:rPr lang="en-US"/>
               <a:t>Click to edit Master title style</a:t>
             </a:r>
             <a:endParaRPr lang="en-US" dirty="0"/>
@@ -1979,35 +2537,35 @@
           <a:p>
             <a:pPr lvl="0"/>
             <a:r>
-              <a:rPr lang="en-US" smtClean="0"/>
+              <a:rPr lang="en-US"/>
               <a:t>Edit Master text styles</a:t>
             </a:r>
           </a:p>
           <a:p>
             <a:pPr lvl="1"/>
             <a:r>
-              <a:rPr lang="en-US" smtClean="0"/>
+              <a:rPr lang="en-US"/>
               <a:t>Second level</a:t>
             </a:r>
           </a:p>
           <a:p>
             <a:pPr lvl="2"/>
             <a:r>
-              <a:rPr lang="en-US" smtClean="0"/>
+              <a:rPr lang="en-US"/>
               <a:t>Third level</a:t>
             </a:r>
           </a:p>
           <a:p>
             <a:pPr lvl="3"/>
             <a:r>
-              <a:rPr lang="en-US" smtClean="0"/>
+              <a:rPr lang="en-US"/>
               <a:t>Fourth level</a:t>
             </a:r>
           </a:p>
           <a:p>
             <a:pPr lvl="4"/>
             <a:r>
-              <a:rPr lang="en-US" smtClean="0"/>
+              <a:rPr lang="en-US"/>
               <a:t>Fifth level</a:t>
             </a:r>
             <a:endParaRPr lang="en-US" dirty="0"/>
@@ -2073,7 +2631,7 @@
           <a:p>
             <a:pPr lvl="0"/>
             <a:r>
-              <a:rPr lang="en-US" smtClean="0"/>
+              <a:rPr lang="en-US"/>
               <a:t>Edit Master text styles</a:t>
             </a:r>
           </a:p>
@@ -2096,7 +2654,7 @@
           <a:p>
             <a:fld id="{F21C5B54-884B-447C-A969-012169FE4C38}" type="datetimeFigureOut">
               <a:rPr lang="en-US" smtClean="0"/>
-              <a:t>24-Jan-21</a:t>
+              <a:t>1/18/22</a:t>
             </a:fld>
             <a:endParaRPr lang="en-US"/>
           </a:p>
@@ -2199,7 +2757,7 @@
           </a:lstStyle>
           <a:p>
             <a:r>
-              <a:rPr lang="en-US" smtClean="0"/>
+              <a:rPr lang="en-US"/>
               <a:t>Click to edit Master title style</a:t>
             </a:r>
             <a:endParaRPr lang="en-US" dirty="0"/>
@@ -2264,7 +2822,7 @@
           </a:lstStyle>
           <a:p>
             <a:r>
-              <a:rPr lang="en-US" smtClean="0"/>
+              <a:rPr lang="en-US"/>
               <a:t>Click icon to add picture</a:t>
             </a:r>
             <a:endParaRPr lang="en-US" dirty="0"/>
@@ -2330,7 +2888,7 @@
           <a:p>
             <a:pPr lvl="0"/>
             <a:r>
-              <a:rPr lang="en-US" smtClean="0"/>
+              <a:rPr lang="en-US"/>
               <a:t>Edit Master text styles</a:t>
             </a:r>
           </a:p>
@@ -2353,7 +2911,7 @@
           <a:p>
             <a:fld id="{F21C5B54-884B-447C-A969-012169FE4C38}" type="datetimeFigureOut">
               <a:rPr lang="en-US" smtClean="0"/>
-              <a:t>24-Jan-21</a:t>
+              <a:t>1/18/22</a:t>
             </a:fld>
             <a:endParaRPr lang="en-US"/>
           </a:p>
@@ -2462,7 +3020,7 @@
           <a:lstStyle/>
           <a:p>
             <a:r>
-              <a:rPr lang="en-US" smtClean="0"/>
+              <a:rPr lang="en-US"/>
               <a:t>Click to edit Master title style</a:t>
             </a:r>
             <a:endParaRPr lang="en-US" dirty="0"/>
@@ -2496,35 +3054,35 @@
           <a:p>
             <a:pPr lvl="0"/>
             <a:r>
-              <a:rPr lang="en-US" smtClean="0"/>
+              <a:rPr lang="en-US"/>
               <a:t>Edit Master text styles</a:t>
             </a:r>
           </a:p>
           <a:p>
             <a:pPr lvl="1"/>
             <a:r>
-              <a:rPr lang="en-US" smtClean="0"/>
+              <a:rPr lang="en-US"/>
               <a:t>Second level</a:t>
             </a:r>
           </a:p>
           <a:p>
             <a:pPr lvl="2"/>
             <a:r>
-              <a:rPr lang="en-US" smtClean="0"/>
+              <a:rPr lang="en-US"/>
               <a:t>Third level</a:t>
             </a:r>
           </a:p>
           <a:p>
             <a:pPr lvl="3"/>
             <a:r>
-              <a:rPr lang="en-US" smtClean="0"/>
+              <a:rPr lang="en-US"/>
               <a:t>Fourth level</a:t>
             </a:r>
           </a:p>
           <a:p>
             <a:pPr lvl="4"/>
             <a:r>
-              <a:rPr lang="en-US" smtClean="0"/>
+              <a:rPr lang="en-US"/>
               <a:t>Fifth level</a:t>
             </a:r>
             <a:endParaRPr lang="en-US" dirty="0"/>
@@ -2566,7 +3124,7 @@
           <a:p>
             <a:fld id="{F21C5B54-884B-447C-A969-012169FE4C38}" type="datetimeFigureOut">
               <a:rPr lang="en-US" smtClean="0"/>
-              <a:t>24-Jan-21</a:t>
+              <a:t>1/18/22</a:t>
             </a:fld>
             <a:endParaRPr lang="en-US"/>
           </a:p>
@@ -2973,26 +3531,24 @@
       </p:grpSpPr>
       <p:sp>
         <p:nvSpPr>
-          <p:cNvPr id="16" name="Rectangle 15"/>
+          <p:cNvPr id="8" name="Rectangle 7"/>
           <p:cNvSpPr/>
           <p:nvPr/>
         </p:nvSpPr>
         <p:spPr>
           <a:xfrm>
-            <a:off x="5417465" y="3000729"/>
-            <a:ext cx="1879812" cy="1251339"/>
+            <a:off x="6211055" y="1962886"/>
+            <a:ext cx="620889" cy="620889"/>
           </a:xfrm>
           <a:prstGeom prst="rect">
             <a:avLst/>
           </a:prstGeom>
-          <a:pattFill prst="wdUpDiag">
-            <a:fgClr>
+          <a:noFill/>
+          <a:ln w="3175">
+            <a:solidFill>
               <a:schemeClr val="accent1"/>
-            </a:fgClr>
-            <a:bgClr>
-              <a:schemeClr val="bg1"/>
-            </a:bgClr>
-          </a:pattFill>
+            </a:solidFill>
+          </a:ln>
         </p:spPr>
         <p:style>
           <a:lnRef idx="2">
@@ -3019,22 +3575,712 @@
           </a:p>
         </p:txBody>
       </p:sp>
-      <p:sp>
-        <p:nvSpPr>
-          <p:cNvPr id="5" name="Rectangle 4"/>
+      <p:cxnSp>
+        <p:nvCxnSpPr>
+          <p:cNvPr id="10" name="Straight Connector 9"/>
+          <p:cNvCxnSpPr/>
+          <p:nvPr/>
+        </p:nvCxnSpPr>
+        <p:spPr>
+          <a:xfrm flipH="1" flipV="1">
+            <a:off x="6070907" y="2243054"/>
+            <a:ext cx="11289" cy="694267"/>
+          </a:xfrm>
+          <a:prstGeom prst="line">
+            <a:avLst/>
+          </a:prstGeom>
+          <a:ln w="28575">
+            <a:headEnd type="arrow" w="med" len="med"/>
+            <a:tailEnd type="arrow" w="med" len="med"/>
+          </a:ln>
+        </p:spPr>
+        <p:style>
+          <a:lnRef idx="1">
+            <a:schemeClr val="accent1"/>
+          </a:lnRef>
+          <a:fillRef idx="0">
+            <a:schemeClr val="accent1"/>
+          </a:fillRef>
+          <a:effectRef idx="0">
+            <a:schemeClr val="accent1"/>
+          </a:effectRef>
+          <a:fontRef idx="minor">
+            <a:schemeClr val="tx1"/>
+          </a:fontRef>
+        </p:style>
+      </p:cxnSp>
+      <p:sp>
+        <p:nvSpPr>
+          <p:cNvPr id="12" name="TextBox 11"/>
+          <p:cNvSpPr txBox="1"/>
+          <p:nvPr/>
+        </p:nvSpPr>
+        <p:spPr>
+          <a:xfrm rot="16200000">
+            <a:off x="5158612" y="2384378"/>
+            <a:ext cx="1183337" cy="369332"/>
+          </a:xfrm>
+          <a:prstGeom prst="rect">
+            <a:avLst/>
+          </a:prstGeom>
+          <a:noFill/>
+        </p:spPr>
+        <p:txBody>
+          <a:bodyPr wrap="none" rtlCol="0">
+            <a:spAutoFit/>
+          </a:bodyPr>
+          <a:lstStyle/>
+          <a:p>
+            <a:r>
+              <a:rPr lang="en-US" dirty="0"/>
+              <a:t>Spacing </a:t>
+            </a:r>
+            <a:r>
+              <a:rPr lang="en-US" dirty="0" err="1"/>
+              <a:t>dy</a:t>
+            </a:r>
+            <a:endParaRPr lang="en-US" dirty="0"/>
+          </a:p>
+        </p:txBody>
+      </p:sp>
+      <p:sp>
+        <p:nvSpPr>
+          <p:cNvPr id="13" name="TextBox 12"/>
+          <p:cNvSpPr txBox="1"/>
+          <p:nvPr/>
+        </p:nvSpPr>
+        <p:spPr>
+          <a:xfrm>
+            <a:off x="6290693" y="1317648"/>
+            <a:ext cx="1178528" cy="369332"/>
+          </a:xfrm>
+          <a:prstGeom prst="rect">
+            <a:avLst/>
+          </a:prstGeom>
+          <a:noFill/>
+        </p:spPr>
+        <p:txBody>
+          <a:bodyPr wrap="none" rtlCol="0">
+            <a:spAutoFit/>
+          </a:bodyPr>
+          <a:lstStyle/>
+          <a:p>
+            <a:r>
+              <a:rPr lang="en-US" dirty="0"/>
+              <a:t>Spacing dx</a:t>
+            </a:r>
+          </a:p>
+        </p:txBody>
+      </p:sp>
+      <p:cxnSp>
+        <p:nvCxnSpPr>
+          <p:cNvPr id="18" name="Straight Connector 17"/>
+          <p:cNvCxnSpPr/>
+          <p:nvPr/>
+        </p:nvCxnSpPr>
+        <p:spPr>
+          <a:xfrm>
+            <a:off x="5851794" y="3757435"/>
+            <a:ext cx="1885191" cy="0"/>
+          </a:xfrm>
+          <a:prstGeom prst="line">
+            <a:avLst/>
+          </a:prstGeom>
+          <a:ln w="28575">
+            <a:headEnd type="arrow" w="med" len="med"/>
+            <a:tailEnd type="arrow" w="med" len="med"/>
+          </a:ln>
+        </p:spPr>
+        <p:style>
+          <a:lnRef idx="1">
+            <a:schemeClr val="accent1"/>
+          </a:lnRef>
+          <a:fillRef idx="0">
+            <a:schemeClr val="accent1"/>
+          </a:fillRef>
+          <a:effectRef idx="0">
+            <a:schemeClr val="accent1"/>
+          </a:effectRef>
+          <a:fontRef idx="minor">
+            <a:schemeClr val="tx1"/>
+          </a:fontRef>
+        </p:style>
+      </p:cxnSp>
+      <p:sp>
+        <p:nvSpPr>
+          <p:cNvPr id="19" name="TextBox 18"/>
+          <p:cNvSpPr txBox="1"/>
+          <p:nvPr/>
+        </p:nvSpPr>
+        <p:spPr>
+          <a:xfrm>
+            <a:off x="6446463" y="3412258"/>
+            <a:ext cx="575799" cy="369332"/>
+          </a:xfrm>
+          <a:prstGeom prst="rect">
+            <a:avLst/>
+          </a:prstGeom>
+          <a:noFill/>
+        </p:spPr>
+        <p:txBody>
+          <a:bodyPr wrap="none" rtlCol="0">
+            <a:spAutoFit/>
+          </a:bodyPr>
+          <a:lstStyle/>
+          <a:p>
+            <a:r>
+              <a:rPr lang="en-US" dirty="0"/>
+              <a:t>3 dx</a:t>
+            </a:r>
+          </a:p>
+        </p:txBody>
+      </p:sp>
+      <p:cxnSp>
+        <p:nvCxnSpPr>
+          <p:cNvPr id="15" name="Straight Connector 14"/>
+          <p:cNvCxnSpPr/>
+          <p:nvPr/>
+        </p:nvCxnSpPr>
+        <p:spPr>
+          <a:xfrm flipV="1">
+            <a:off x="6521499" y="1776435"/>
+            <a:ext cx="632177" cy="7924"/>
+          </a:xfrm>
+          <a:prstGeom prst="line">
+            <a:avLst/>
+          </a:prstGeom>
+          <a:ln w="28575">
+            <a:headEnd type="arrow" w="med" len="med"/>
+            <a:tailEnd type="arrow" w="med" len="med"/>
+          </a:ln>
+        </p:spPr>
+        <p:style>
+          <a:lnRef idx="1">
+            <a:schemeClr val="accent1"/>
+          </a:lnRef>
+          <a:fillRef idx="0">
+            <a:schemeClr val="accent1"/>
+          </a:fillRef>
+          <a:effectRef idx="0">
+            <a:schemeClr val="accent1"/>
+          </a:effectRef>
+          <a:fontRef idx="minor">
+            <a:schemeClr val="tx1"/>
+          </a:fontRef>
+        </p:style>
+      </p:cxnSp>
+      <mc:AlternateContent xmlns:mc="http://schemas.openxmlformats.org/markup-compatibility/2006">
+        <mc:Choice xmlns:a14="http://schemas.microsoft.com/office/drawing/2010/main" Requires="a14">
+          <p:sp>
+            <p:nvSpPr>
+              <p:cNvPr id="32" name="TextBox 31"/>
+              <p:cNvSpPr txBox="1"/>
+              <p:nvPr/>
+            </p:nvSpPr>
+            <p:spPr>
+              <a:xfrm>
+                <a:off x="5647731" y="5397351"/>
+                <a:ext cx="2350900" cy="369332"/>
+              </a:xfrm>
+              <a:prstGeom prst="rect">
+                <a:avLst/>
+              </a:prstGeom>
+              <a:noFill/>
+            </p:spPr>
+            <p:txBody>
+              <a:bodyPr wrap="none" rtlCol="0">
+                <a:spAutoFit/>
+              </a:bodyPr>
+              <a:lstStyle/>
+              <a:p>
+                <a:pPr/>
+                <a14:m>
+                  <m:oMathPara xmlns:m="http://schemas.openxmlformats.org/officeDocument/2006/math">
+                    <m:oMathParaPr>
+                      <m:jc m:val="centerGroup"/>
+                    </m:oMathParaPr>
+                    <m:oMath xmlns:m="http://schemas.openxmlformats.org/officeDocument/2006/math">
+                      <m:r>
+                        <a:rPr lang="en-US" i="1" dirty="0" smtClean="0">
+                          <a:latin typeface="Cambria Math" panose="02040503050406030204" pitchFamily="18" charset="0"/>
+                        </a:rPr>
+                        <m:t>𝐴</m:t>
+                      </m:r>
+                      <m:r>
+                        <a:rPr lang="en-US" b="0" i="1" dirty="0" smtClean="0">
+                          <a:latin typeface="Cambria Math" panose="02040503050406030204" pitchFamily="18" charset="0"/>
+                        </a:rPr>
+                        <m:t>𝑟𝑒𝑎</m:t>
+                      </m:r>
+                      <m:r>
+                        <a:rPr lang="en-US" i="1" dirty="0" smtClean="0">
+                          <a:latin typeface="Cambria Math" panose="02040503050406030204" pitchFamily="18" charset="0"/>
+                        </a:rPr>
+                        <m:t> = 3 </m:t>
+                      </m:r>
+                      <m:r>
+                        <a:rPr lang="en-US" i="1" dirty="0" smtClean="0">
+                          <a:latin typeface="Cambria Math" panose="02040503050406030204" pitchFamily="18" charset="0"/>
+                        </a:rPr>
+                        <m:t>𝑑𝑥</m:t>
+                      </m:r>
+                      <m:r>
+                        <a:rPr lang="en-US" i="1" dirty="0">
+                          <a:latin typeface="Cambria Math" panose="02040503050406030204" pitchFamily="18" charset="0"/>
+                        </a:rPr>
+                        <m:t> </m:t>
+                      </m:r>
+                      <m:r>
+                        <a:rPr lang="en-US" i="1" dirty="0" smtClean="0">
+                          <a:latin typeface="Cambria Math" panose="02040503050406030204" pitchFamily="18" charset="0"/>
+                        </a:rPr>
+                        <m:t>∗ 2 </m:t>
+                      </m:r>
+                      <m:r>
+                        <a:rPr lang="en-US" i="1" dirty="0" err="1" smtClean="0">
+                          <a:latin typeface="Cambria Math" panose="02040503050406030204" pitchFamily="18" charset="0"/>
+                        </a:rPr>
+                        <m:t>𝑑𝑦</m:t>
+                      </m:r>
+                    </m:oMath>
+                  </m:oMathPara>
+                </a14:m>
+                <a:endParaRPr lang="en-US" dirty="0"/>
+              </a:p>
+            </p:txBody>
+          </p:sp>
+        </mc:Choice>
+        <mc:Fallback>
+          <p:sp>
+            <p:nvSpPr>
+              <p:cNvPr id="32" name="TextBox 31"/>
+              <p:cNvSpPr txBox="1">
+                <a:spLocks noRot="1" noChangeAspect="1" noMove="1" noResize="1" noEditPoints="1" noAdjustHandles="1" noChangeArrowheads="1" noChangeShapeType="1" noTextEdit="1"/>
+              </p:cNvSpPr>
+              <p:nvPr/>
+            </p:nvSpPr>
+            <p:spPr>
+              <a:xfrm>
+                <a:off x="5647731" y="5397351"/>
+                <a:ext cx="2350900" cy="369332"/>
+              </a:xfrm>
+              <a:prstGeom prst="rect">
+                <a:avLst/>
+              </a:prstGeom>
+              <a:blipFill>
+                <a:blip r:embed="rId3"/>
+                <a:stretch>
+                  <a:fillRect b="-13333"/>
+                </a:stretch>
+              </a:blipFill>
+            </p:spPr>
+            <p:txBody>
+              <a:bodyPr/>
+              <a:lstStyle/>
+              <a:p>
+                <a:r>
+                  <a:rPr lang="de-DE">
+                    <a:noFill/>
+                  </a:rPr>
+                  <a:t> </a:t>
+                </a:r>
+              </a:p>
+            </p:txBody>
+          </p:sp>
+        </mc:Fallback>
+      </mc:AlternateContent>
+      <p:cxnSp>
+        <p:nvCxnSpPr>
+          <p:cNvPr id="33" name="Straight Connector 32"/>
+          <p:cNvCxnSpPr/>
+          <p:nvPr/>
+        </p:nvCxnSpPr>
+        <p:spPr>
+          <a:xfrm flipH="1">
+            <a:off x="5685051" y="3909835"/>
+            <a:ext cx="3532" cy="1319514"/>
+          </a:xfrm>
+          <a:prstGeom prst="line">
+            <a:avLst/>
+          </a:prstGeom>
+          <a:ln w="28575">
+            <a:headEnd type="arrow" w="med" len="med"/>
+            <a:tailEnd type="arrow" w="med" len="med"/>
+          </a:ln>
+        </p:spPr>
+        <p:style>
+          <a:lnRef idx="1">
+            <a:schemeClr val="accent1"/>
+          </a:lnRef>
+          <a:fillRef idx="0">
+            <a:schemeClr val="accent1"/>
+          </a:fillRef>
+          <a:effectRef idx="0">
+            <a:schemeClr val="accent1"/>
+          </a:effectRef>
+          <a:fontRef idx="minor">
+            <a:schemeClr val="tx1"/>
+          </a:fontRef>
+        </p:style>
+      </p:cxnSp>
+      <p:sp>
+        <p:nvSpPr>
+          <p:cNvPr id="35" name="TextBox 34"/>
+          <p:cNvSpPr txBox="1"/>
+          <p:nvPr/>
+        </p:nvSpPr>
+        <p:spPr>
+          <a:xfrm>
+            <a:off x="4988364" y="4288454"/>
+            <a:ext cx="580608" cy="369332"/>
+          </a:xfrm>
+          <a:prstGeom prst="rect">
+            <a:avLst/>
+          </a:prstGeom>
+          <a:noFill/>
+        </p:spPr>
+        <p:txBody>
+          <a:bodyPr wrap="none" rtlCol="0">
+            <a:spAutoFit/>
+          </a:bodyPr>
+          <a:lstStyle/>
+          <a:p>
+            <a:r>
+              <a:rPr lang="en-US" dirty="0"/>
+              <a:t>2 </a:t>
+            </a:r>
+            <a:r>
+              <a:rPr lang="en-US" dirty="0" err="1"/>
+              <a:t>dy</a:t>
+            </a:r>
+            <a:endParaRPr lang="en-US" dirty="0"/>
+          </a:p>
+        </p:txBody>
+      </p:sp>
+      <p:pic>
+        <p:nvPicPr>
+          <p:cNvPr id="2" name="Picture 1">
+            <a:extLst>
+              <a:ext uri="{FF2B5EF4-FFF2-40B4-BE49-F238E27FC236}">
+                <a16:creationId xmlns:a16="http://schemas.microsoft.com/office/drawing/2014/main" id="{735AA54B-4CF3-3245-83F5-0A757CB942B4}"/>
+              </a:ext>
+            </a:extLst>
+          </p:cNvPr>
+          <p:cNvPicPr>
+            <a:picLocks noChangeAspect="1"/>
+          </p:cNvPicPr>
+          <p:nvPr/>
+        </p:nvPicPr>
+        <p:blipFill>
+          <a:blip r:embed="rId4"/>
+          <a:stretch>
+            <a:fillRect/>
+          </a:stretch>
+        </p:blipFill>
+        <p:spPr>
+          <a:xfrm>
+            <a:off x="1271769" y="2941748"/>
+            <a:ext cx="2466807" cy="2466807"/>
+          </a:xfrm>
+          <a:prstGeom prst="rect">
+            <a:avLst/>
+          </a:prstGeom>
+        </p:spPr>
+      </p:pic>
+      <p:pic>
+        <p:nvPicPr>
+          <p:cNvPr id="9" name="Picture 8">
+            <a:extLst>
+              <a:ext uri="{FF2B5EF4-FFF2-40B4-BE49-F238E27FC236}">
+                <a16:creationId xmlns:a16="http://schemas.microsoft.com/office/drawing/2014/main" id="{0FA03725-3C6B-E547-96B5-219B4EF4940E}"/>
+              </a:ext>
+            </a:extLst>
+          </p:cNvPr>
+          <p:cNvPicPr>
+            <a:picLocks noChangeAspect="1"/>
+          </p:cNvPicPr>
+          <p:nvPr/>
+        </p:nvPicPr>
+        <p:blipFill rotWithShape="1">
+          <a:blip r:embed="rId5"/>
+          <a:srcRect l="8811" t="11586" r="11204" b="12787"/>
+          <a:stretch/>
+        </p:blipFill>
+        <p:spPr>
+          <a:xfrm>
+            <a:off x="3162603" y="2805885"/>
+            <a:ext cx="1505044" cy="1403230"/>
+          </a:xfrm>
+          <a:prstGeom prst="rect">
+            <a:avLst/>
+          </a:prstGeom>
+        </p:spPr>
+      </p:pic>
+      <p:cxnSp>
+        <p:nvCxnSpPr>
+          <p:cNvPr id="17" name="Straight Arrow Connector 16">
+            <a:extLst>
+              <a:ext uri="{FF2B5EF4-FFF2-40B4-BE49-F238E27FC236}">
+                <a16:creationId xmlns:a16="http://schemas.microsoft.com/office/drawing/2014/main" id="{41669CEC-161B-CC4F-BF1C-7A07D489D1E7}"/>
+              </a:ext>
+            </a:extLst>
+          </p:cNvPr>
+          <p:cNvCxnSpPr>
+            <a:cxnSpLocks/>
+            <a:stCxn id="34" idx="2"/>
+          </p:cNvCxnSpPr>
+          <p:nvPr/>
+        </p:nvCxnSpPr>
+        <p:spPr>
+          <a:xfrm>
+            <a:off x="3086356" y="2457944"/>
+            <a:ext cx="704913" cy="981381"/>
+          </a:xfrm>
+          <a:prstGeom prst="straightConnector1">
+            <a:avLst/>
+          </a:prstGeom>
+          <a:ln w="25400">
+            <a:solidFill>
+              <a:schemeClr val="accent1"/>
+            </a:solidFill>
+            <a:tailEnd type="triangle"/>
+          </a:ln>
+        </p:spPr>
+        <p:style>
+          <a:lnRef idx="1">
+            <a:schemeClr val="accent1"/>
+          </a:lnRef>
+          <a:fillRef idx="0">
+            <a:schemeClr val="accent1"/>
+          </a:fillRef>
+          <a:effectRef idx="0">
+            <a:schemeClr val="accent1"/>
+          </a:effectRef>
+          <a:fontRef idx="minor">
+            <a:schemeClr val="tx1"/>
+          </a:fontRef>
+        </p:style>
+      </p:cxnSp>
+      <mc:AlternateContent xmlns:mc="http://schemas.openxmlformats.org/markup-compatibility/2006">
+        <mc:Choice xmlns:a14="http://schemas.microsoft.com/office/drawing/2010/main" Requires="a14">
+          <p:sp>
+            <p:nvSpPr>
+              <p:cNvPr id="34" name="TextBox 33">
+                <a:extLst>
+                  <a:ext uri="{FF2B5EF4-FFF2-40B4-BE49-F238E27FC236}">
+                    <a16:creationId xmlns:a16="http://schemas.microsoft.com/office/drawing/2014/main" id="{88460B12-1FCE-8843-9F16-F58CFB2F4128}"/>
+                  </a:ext>
+                </a:extLst>
+              </p:cNvPr>
+              <p:cNvSpPr txBox="1"/>
+              <p:nvPr/>
+            </p:nvSpPr>
+            <p:spPr>
+              <a:xfrm>
+                <a:off x="1351490" y="1811613"/>
+                <a:ext cx="3469731" cy="646331"/>
+              </a:xfrm>
+              <a:prstGeom prst="rect">
+                <a:avLst/>
+              </a:prstGeom>
+              <a:noFill/>
+            </p:spPr>
+            <p:txBody>
+              <a:bodyPr wrap="none" rtlCol="0">
+                <a:spAutoFit/>
+              </a:bodyPr>
+              <a:lstStyle/>
+              <a:p>
+                <a:pPr/>
+                <a14:m>
+                  <m:oMathPara xmlns:m="http://schemas.openxmlformats.org/officeDocument/2006/math">
+                    <m:oMathParaPr>
+                      <m:jc m:val="centerGroup"/>
+                    </m:oMathParaPr>
+                    <m:oMath xmlns:m="http://schemas.openxmlformats.org/officeDocument/2006/math">
+                      <m:r>
+                        <a:rPr lang="en-US" b="0" i="1" smtClean="0">
+                          <a:latin typeface="Cambria Math" panose="02040503050406030204" pitchFamily="18" charset="0"/>
+                        </a:rPr>
+                        <m:t>𝑥</m:t>
+                      </m:r>
+                      <m:r>
+                        <a:rPr lang="en-US" i="1" smtClean="0">
+                          <a:latin typeface="Cambria Math" panose="02040503050406030204" pitchFamily="18" charset="0"/>
+                        </a:rPr>
+                        <m:t>=</m:t>
+                      </m:r>
+                      <m:r>
+                        <a:rPr lang="en-US" b="0" i="1" smtClean="0">
+                          <a:latin typeface="Cambria Math" panose="02040503050406030204" pitchFamily="18" charset="0"/>
+                        </a:rPr>
+                        <m:t>139 ∗ 0.13 µ</m:t>
+                      </m:r>
+                      <m:r>
+                        <a:rPr lang="en-US" b="0" i="1" smtClean="0">
+                          <a:latin typeface="Cambria Math" panose="02040503050406030204" pitchFamily="18" charset="0"/>
+                        </a:rPr>
+                        <m:t>𝑚</m:t>
+                      </m:r>
+                      <m:r>
+                        <a:rPr lang="en-US" b="0" i="1" smtClean="0">
+                          <a:latin typeface="Cambria Math" panose="02040503050406030204" pitchFamily="18" charset="0"/>
+                        </a:rPr>
+                        <m:t>=18.07 µ</m:t>
+                      </m:r>
+                      <m:r>
+                        <a:rPr lang="en-US" b="0" i="1" smtClean="0">
+                          <a:latin typeface="Cambria Math" panose="02040503050406030204" pitchFamily="18" charset="0"/>
+                        </a:rPr>
+                        <m:t>𝑚</m:t>
+                      </m:r>
+                      <m:r>
+                        <a:rPr lang="en-US" b="0" i="1" smtClean="0">
+                          <a:latin typeface="Cambria Math" panose="02040503050406030204" pitchFamily="18" charset="0"/>
+                        </a:rPr>
+                        <m:t> </m:t>
+                      </m:r>
+                    </m:oMath>
+                  </m:oMathPara>
+                </a14:m>
+                <a:endParaRPr lang="en-US" b="0" dirty="0"/>
+              </a:p>
+              <a:p>
+                <a:pPr/>
+                <a14:m>
+                  <m:oMathPara xmlns:m="http://schemas.openxmlformats.org/officeDocument/2006/math">
+                    <m:oMathParaPr>
+                      <m:jc m:val="centerGroup"/>
+                    </m:oMathParaPr>
+                    <m:oMath xmlns:m="http://schemas.openxmlformats.org/officeDocument/2006/math">
+                      <m:r>
+                        <a:rPr lang="en-US" b="0" i="1" smtClean="0">
+                          <a:latin typeface="Cambria Math" panose="02040503050406030204" pitchFamily="18" charset="0"/>
+                        </a:rPr>
+                        <m:t>𝑦</m:t>
+                      </m:r>
+                      <m:r>
+                        <a:rPr lang="en-US" i="1">
+                          <a:latin typeface="Cambria Math" panose="02040503050406030204" pitchFamily="18" charset="0"/>
+                        </a:rPr>
+                        <m:t>=</m:t>
+                      </m:r>
+                      <m:r>
+                        <a:rPr lang="en-US" b="0" i="1" smtClean="0">
+                          <a:latin typeface="Cambria Math" panose="02040503050406030204" pitchFamily="18" charset="0"/>
+                        </a:rPr>
+                        <m:t>50</m:t>
+                      </m:r>
+                      <m:r>
+                        <a:rPr lang="en-US" i="1">
+                          <a:latin typeface="Cambria Math" panose="02040503050406030204" pitchFamily="18" charset="0"/>
+                        </a:rPr>
+                        <m:t> ∗ 0.13 µ</m:t>
+                      </m:r>
+                      <m:r>
+                        <a:rPr lang="en-US" i="1">
+                          <a:latin typeface="Cambria Math" panose="02040503050406030204" pitchFamily="18" charset="0"/>
+                        </a:rPr>
+                        <m:t>𝑚</m:t>
+                      </m:r>
+                      <m:r>
+                        <a:rPr lang="en-US" i="1">
+                          <a:latin typeface="Cambria Math" panose="02040503050406030204" pitchFamily="18" charset="0"/>
+                        </a:rPr>
+                        <m:t>=6.5 µ</m:t>
+                      </m:r>
+                      <m:r>
+                        <a:rPr lang="en-US" i="1">
+                          <a:latin typeface="Cambria Math" panose="02040503050406030204" pitchFamily="18" charset="0"/>
+                        </a:rPr>
+                        <m:t>𝑚</m:t>
+                      </m:r>
+                      <m:r>
+                        <a:rPr lang="en-US" i="1">
+                          <a:latin typeface="Cambria Math" panose="02040503050406030204" pitchFamily="18" charset="0"/>
+                        </a:rPr>
+                        <m:t> </m:t>
+                      </m:r>
+                    </m:oMath>
+                  </m:oMathPara>
+                </a14:m>
+                <a:endParaRPr lang="en-US" dirty="0"/>
+              </a:p>
+            </p:txBody>
+          </p:sp>
+        </mc:Choice>
+        <mc:Fallback>
+          <p:sp>
+            <p:nvSpPr>
+              <p:cNvPr id="34" name="TextBox 33">
+                <a:extLst>
+                  <a:ext uri="{FF2B5EF4-FFF2-40B4-BE49-F238E27FC236}">
+                    <a16:creationId xmlns:a16="http://schemas.microsoft.com/office/drawing/2014/main" id="{88460B12-1FCE-8843-9F16-F58CFB2F4128}"/>
+                  </a:ext>
+                </a:extLst>
+              </p:cNvPr>
+              <p:cNvSpPr txBox="1">
+                <a:spLocks noRot="1" noChangeAspect="1" noMove="1" noResize="1" noEditPoints="1" noAdjustHandles="1" noChangeArrowheads="1" noChangeShapeType="1" noTextEdit="1"/>
+              </p:cNvSpPr>
+              <p:nvPr/>
+            </p:nvSpPr>
+            <p:spPr>
+              <a:xfrm>
+                <a:off x="1351490" y="1811613"/>
+                <a:ext cx="3469731" cy="646331"/>
+              </a:xfrm>
+              <a:prstGeom prst="rect">
+                <a:avLst/>
+              </a:prstGeom>
+              <a:blipFill>
+                <a:blip r:embed="rId6"/>
+                <a:stretch>
+                  <a:fillRect b="-7692"/>
+                </a:stretch>
+              </a:blipFill>
+            </p:spPr>
+            <p:txBody>
+              <a:bodyPr/>
+              <a:lstStyle/>
+              <a:p>
+                <a:r>
+                  <a:rPr lang="de-DE">
+                    <a:noFill/>
+                  </a:rPr>
+                  <a:t> </a:t>
+                </a:r>
+              </a:p>
+            </p:txBody>
+          </p:sp>
+        </mc:Fallback>
+      </mc:AlternateContent>
+      <p:sp>
+        <p:nvSpPr>
+          <p:cNvPr id="21" name="Rectangle 20">
+            <a:extLst>
+              <a:ext uri="{FF2B5EF4-FFF2-40B4-BE49-F238E27FC236}">
+                <a16:creationId xmlns:a16="http://schemas.microsoft.com/office/drawing/2014/main" id="{AFDC82EB-CA73-C543-82FD-EED622F9E2F9}"/>
+              </a:ext>
+            </a:extLst>
+          </p:cNvPr>
           <p:cNvSpPr/>
           <p:nvPr/>
         </p:nvSpPr>
         <p:spPr>
           <a:xfrm>
-            <a:off x="5429231" y="3000729"/>
-            <a:ext cx="620889" cy="620889"/>
+            <a:off x="2663923" y="3364375"/>
+            <a:ext cx="290955" cy="290330"/>
           </a:xfrm>
           <a:prstGeom prst="rect">
             <a:avLst/>
           </a:prstGeom>
           <a:noFill/>
-          <a:ln w="38100"/>
+          <a:ln w="25400">
+            <a:solidFill>
+              <a:schemeClr val="accent1"/>
+            </a:solidFill>
+            <a:prstDash val="sysDash"/>
+          </a:ln>
         </p:spPr>
         <p:style>
           <a:lnRef idx="2">
@@ -3057,26 +4303,65 @@
           <a:lstStyle/>
           <a:p>
             <a:pPr algn="ctr"/>
-            <a:endParaRPr lang="en-US"/>
-          </a:p>
-        </p:txBody>
-      </p:sp>
-      <p:sp>
-        <p:nvSpPr>
-          <p:cNvPr id="6" name="Rectangle 5"/>
+            <a:endParaRPr lang="de-DE" dirty="0"/>
+          </a:p>
+        </p:txBody>
+      </p:sp>
+      <p:sp>
+        <p:nvSpPr>
+          <p:cNvPr id="37" name="TextBox 36">
+            <a:extLst>
+              <a:ext uri="{FF2B5EF4-FFF2-40B4-BE49-F238E27FC236}">
+                <a16:creationId xmlns:a16="http://schemas.microsoft.com/office/drawing/2014/main" id="{57BC08D2-26A8-3E40-BB59-5C2B6734CB97}"/>
+              </a:ext>
+            </a:extLst>
+          </p:cNvPr>
+          <p:cNvSpPr txBox="1"/>
+          <p:nvPr/>
+        </p:nvSpPr>
+        <p:spPr>
+          <a:xfrm>
+            <a:off x="1335418" y="1444106"/>
+            <a:ext cx="2657009" cy="369332"/>
+          </a:xfrm>
+          <a:prstGeom prst="rect">
+            <a:avLst/>
+          </a:prstGeom>
+          <a:noFill/>
+        </p:spPr>
+        <p:txBody>
+          <a:bodyPr wrap="none" rtlCol="0">
+            <a:spAutoFit/>
+          </a:bodyPr>
+          <a:lstStyle/>
+          <a:p>
+            <a:r>
+              <a:rPr lang="en-US" dirty="0"/>
+              <a:t>Location = Index * Spacing</a:t>
+            </a:r>
+          </a:p>
+        </p:txBody>
+      </p:sp>
+      <p:sp>
+        <p:nvSpPr>
+          <p:cNvPr id="31" name="Oval 30">
+            <a:extLst>
+              <a:ext uri="{FF2B5EF4-FFF2-40B4-BE49-F238E27FC236}">
+                <a16:creationId xmlns:a16="http://schemas.microsoft.com/office/drawing/2014/main" id="{E3A2E411-C08A-4640-A448-A379E17AFA64}"/>
+              </a:ext>
+            </a:extLst>
+          </p:cNvPr>
           <p:cNvSpPr/>
           <p:nvPr/>
         </p:nvSpPr>
         <p:spPr>
           <a:xfrm>
-            <a:off x="6055499" y="3000729"/>
-            <a:ext cx="620889" cy="620889"/>
-          </a:xfrm>
-          <a:prstGeom prst="rect">
-            <a:avLst/>
-          </a:prstGeom>
-          <a:noFill/>
-          <a:ln w="38100"/>
+            <a:off x="-2517887" y="2638463"/>
+            <a:ext cx="111873" cy="101703"/>
+          </a:xfrm>
+          <a:prstGeom prst="ellipse">
+            <a:avLst/>
+          </a:prstGeom>
         </p:spPr>
         <p:style>
           <a:lnRef idx="2">
@@ -3099,26 +4384,71 @@
           <a:lstStyle/>
           <a:p>
             <a:pPr algn="ctr"/>
-            <a:endParaRPr lang="en-US"/>
-          </a:p>
-        </p:txBody>
-      </p:sp>
-      <p:sp>
-        <p:nvSpPr>
-          <p:cNvPr id="7" name="Rectangle 6"/>
+            <a:endParaRPr lang="de-DE"/>
+          </a:p>
+        </p:txBody>
+      </p:sp>
+      <p:sp>
+        <p:nvSpPr>
+          <p:cNvPr id="39" name="TextBox 38">
+            <a:extLst>
+              <a:ext uri="{FF2B5EF4-FFF2-40B4-BE49-F238E27FC236}">
+                <a16:creationId xmlns:a16="http://schemas.microsoft.com/office/drawing/2014/main" id="{D9D7C7E3-9AFF-044D-943D-8BBF70434797}"/>
+              </a:ext>
+            </a:extLst>
+          </p:cNvPr>
+          <p:cNvSpPr txBox="1"/>
+          <p:nvPr/>
+        </p:nvSpPr>
+        <p:spPr>
+          <a:xfrm>
+            <a:off x="-2949467" y="2280114"/>
+            <a:ext cx="1239442" cy="369332"/>
+          </a:xfrm>
+          <a:prstGeom prst="rect">
+            <a:avLst/>
+          </a:prstGeom>
+          <a:noFill/>
+        </p:spPr>
+        <p:txBody>
+          <a:bodyPr wrap="none" rtlCol="0">
+            <a:spAutoFit/>
+          </a:bodyPr>
+          <a:lstStyle/>
+          <a:p>
+            <a:r>
+              <a:rPr lang="en-US" dirty="0"/>
+              <a:t>Origin (0,0)</a:t>
+            </a:r>
+          </a:p>
+        </p:txBody>
+      </p:sp>
+      <p:sp>
+        <p:nvSpPr>
+          <p:cNvPr id="42" name="Rectangle 41">
+            <a:extLst>
+              <a:ext uri="{FF2B5EF4-FFF2-40B4-BE49-F238E27FC236}">
+                <a16:creationId xmlns:a16="http://schemas.microsoft.com/office/drawing/2014/main" id="{48CAE13C-FD22-8641-BB7E-A6BF7D608096}"/>
+              </a:ext>
+            </a:extLst>
+          </p:cNvPr>
           <p:cNvSpPr/>
           <p:nvPr/>
         </p:nvSpPr>
         <p:spPr>
           <a:xfrm>
-            <a:off x="6681767" y="3000729"/>
-            <a:ext cx="620889" cy="620889"/>
+            <a:off x="6826589" y="1960909"/>
+            <a:ext cx="620889" cy="622866"/>
           </a:xfrm>
           <a:prstGeom prst="rect">
             <a:avLst/>
           </a:prstGeom>
           <a:noFill/>
-          <a:ln w="38100"/>
+          <a:ln w="3175">
+            <a:solidFill>
+              <a:schemeClr val="accent1"/>
+            </a:solidFill>
+          </a:ln>
         </p:spPr>
         <p:style>
           <a:lnRef idx="2">
@@ -3147,20 +4477,29 @@
       </p:sp>
       <p:sp>
         <p:nvSpPr>
-          <p:cNvPr id="8" name="Rectangle 7"/>
+          <p:cNvPr id="43" name="Oval 42">
+            <a:extLst>
+              <a:ext uri="{FF2B5EF4-FFF2-40B4-BE49-F238E27FC236}">
+                <a16:creationId xmlns:a16="http://schemas.microsoft.com/office/drawing/2014/main" id="{763DAF5C-7ECF-B34A-97E7-9E836119DF9B}"/>
+              </a:ext>
+            </a:extLst>
+          </p:cNvPr>
           <p:cNvSpPr/>
           <p:nvPr/>
         </p:nvSpPr>
         <p:spPr>
           <a:xfrm>
-            <a:off x="5461737" y="1435702"/>
-            <a:ext cx="620889" cy="620889"/>
-          </a:xfrm>
-          <a:prstGeom prst="rect">
-            <a:avLst/>
-          </a:prstGeom>
-          <a:noFill/>
-          <a:ln w="38100"/>
+            <a:off x="7101933" y="2234770"/>
+            <a:ext cx="111873" cy="101703"/>
+          </a:xfrm>
+          <a:prstGeom prst="ellipse">
+            <a:avLst/>
+          </a:prstGeom>
+          <a:ln w="3175">
+            <a:solidFill>
+              <a:schemeClr val="accent1"/>
+            </a:solidFill>
+          </a:ln>
         </p:spPr>
         <p:style>
           <a:lnRef idx="2">
@@ -3183,250 +4522,35 @@
           <a:lstStyle/>
           <a:p>
             <a:pPr algn="ctr"/>
-            <a:endParaRPr lang="en-US"/>
-          </a:p>
-        </p:txBody>
-      </p:sp>
-      <p:cxnSp>
-        <p:nvCxnSpPr>
-          <p:cNvPr id="10" name="Straight Connector 9"/>
-          <p:cNvCxnSpPr/>
-          <p:nvPr/>
-        </p:nvCxnSpPr>
-        <p:spPr>
-          <a:xfrm flipH="1" flipV="1">
-            <a:off x="5286759" y="1399012"/>
-            <a:ext cx="11289" cy="694267"/>
-          </a:xfrm>
-          <a:prstGeom prst="line">
-            <a:avLst/>
-          </a:prstGeom>
-          <a:ln w="28575">
-            <a:headEnd type="arrow" w="med" len="med"/>
-            <a:tailEnd type="arrow" w="med" len="med"/>
-          </a:ln>
-        </p:spPr>
-        <p:style>
-          <a:lnRef idx="1">
-            <a:schemeClr val="accent1"/>
-          </a:lnRef>
-          <a:fillRef idx="0">
-            <a:schemeClr val="accent1"/>
-          </a:fillRef>
-          <a:effectRef idx="0">
-            <a:schemeClr val="accent1"/>
-          </a:effectRef>
-          <a:fontRef idx="minor">
-            <a:schemeClr val="tx1"/>
-          </a:fontRef>
-        </p:style>
-      </p:cxnSp>
-      <p:sp>
-        <p:nvSpPr>
-          <p:cNvPr id="12" name="TextBox 11"/>
-          <p:cNvSpPr txBox="1"/>
-          <p:nvPr/>
-        </p:nvSpPr>
-        <p:spPr>
-          <a:xfrm>
-            <a:off x="3710154" y="1533154"/>
-            <a:ext cx="1603131" cy="369332"/>
-          </a:xfrm>
-          <a:prstGeom prst="rect">
-            <a:avLst/>
-          </a:prstGeom>
-          <a:noFill/>
-        </p:spPr>
-        <p:txBody>
-          <a:bodyPr wrap="none" rtlCol="0">
-            <a:spAutoFit/>
-          </a:bodyPr>
-          <a:lstStyle/>
-          <a:p>
-            <a:r>
-              <a:rPr lang="en-US" dirty="0" smtClean="0"/>
-              <a:t>Pixel height, </a:t>
-            </a:r>
-            <a:r>
-              <a:rPr lang="en-US" dirty="0" err="1" smtClean="0"/>
-              <a:t>dy</a:t>
-            </a:r>
-            <a:endParaRPr lang="en-US" dirty="0"/>
-          </a:p>
-        </p:txBody>
-      </p:sp>
-      <p:sp>
-        <p:nvSpPr>
-          <p:cNvPr id="13" name="TextBox 12"/>
-          <p:cNvSpPr txBox="1"/>
-          <p:nvPr/>
-        </p:nvSpPr>
-        <p:spPr>
-          <a:xfrm>
-            <a:off x="4962826" y="697082"/>
-            <a:ext cx="1541128" cy="369332"/>
-          </a:xfrm>
-          <a:prstGeom prst="rect">
-            <a:avLst/>
-          </a:prstGeom>
-          <a:noFill/>
-        </p:spPr>
-        <p:txBody>
-          <a:bodyPr wrap="none" rtlCol="0">
-            <a:spAutoFit/>
-          </a:bodyPr>
-          <a:lstStyle/>
-          <a:p>
-            <a:r>
-              <a:rPr lang="en-US" dirty="0" smtClean="0"/>
-              <a:t>Pixel </a:t>
-            </a:r>
-            <a:r>
-              <a:rPr lang="en-US" dirty="0" smtClean="0"/>
-              <a:t>width, dx</a:t>
-            </a:r>
-            <a:endParaRPr lang="en-US" dirty="0"/>
-          </a:p>
-        </p:txBody>
-      </p:sp>
-      <p:pic>
-        <p:nvPicPr>
-          <p:cNvPr id="14" name="Picture 13"/>
-          <p:cNvPicPr>
-            <a:picLocks noChangeAspect="1"/>
-          </p:cNvPicPr>
-          <p:nvPr/>
-        </p:nvPicPr>
-        <p:blipFill>
-          <a:blip r:embed="rId2"/>
-          <a:stretch>
-            <a:fillRect/>
-          </a:stretch>
-        </p:blipFill>
-        <p:spPr>
-          <a:xfrm>
-            <a:off x="457948" y="1302718"/>
-            <a:ext cx="2954871" cy="2954871"/>
-          </a:xfrm>
-          <a:prstGeom prst="rect">
-            <a:avLst/>
-          </a:prstGeom>
-        </p:spPr>
-      </p:pic>
-      <p:cxnSp>
-        <p:nvCxnSpPr>
-          <p:cNvPr id="18" name="Straight Connector 17"/>
-          <p:cNvCxnSpPr/>
-          <p:nvPr/>
-        </p:nvCxnSpPr>
-        <p:spPr>
-          <a:xfrm>
-            <a:off x="5417465" y="2780154"/>
-            <a:ext cx="1885191" cy="0"/>
-          </a:xfrm>
-          <a:prstGeom prst="line">
-            <a:avLst/>
-          </a:prstGeom>
-          <a:ln w="28575">
-            <a:headEnd type="arrow" w="med" len="med"/>
-            <a:tailEnd type="arrow" w="med" len="med"/>
-          </a:ln>
-        </p:spPr>
-        <p:style>
-          <a:lnRef idx="1">
-            <a:schemeClr val="accent1"/>
-          </a:lnRef>
-          <a:fillRef idx="0">
-            <a:schemeClr val="accent1"/>
-          </a:fillRef>
-          <a:effectRef idx="0">
-            <a:schemeClr val="accent1"/>
-          </a:effectRef>
-          <a:fontRef idx="minor">
-            <a:schemeClr val="tx1"/>
-          </a:fontRef>
-        </p:style>
-      </p:cxnSp>
-      <p:sp>
-        <p:nvSpPr>
-          <p:cNvPr id="19" name="TextBox 18"/>
-          <p:cNvSpPr txBox="1"/>
-          <p:nvPr/>
-        </p:nvSpPr>
-        <p:spPr>
-          <a:xfrm>
-            <a:off x="6012134" y="2434977"/>
-            <a:ext cx="638316" cy="369332"/>
-          </a:xfrm>
-          <a:prstGeom prst="rect">
-            <a:avLst/>
-          </a:prstGeom>
-          <a:noFill/>
-        </p:spPr>
-        <p:txBody>
-          <a:bodyPr wrap="none" rtlCol="0">
-            <a:spAutoFit/>
-          </a:bodyPr>
-          <a:lstStyle/>
-          <a:p>
-            <a:r>
-              <a:rPr lang="en-US" dirty="0" smtClean="0"/>
-              <a:t>3*dx</a:t>
-            </a:r>
-            <a:endParaRPr lang="en-US" dirty="0"/>
-          </a:p>
-        </p:txBody>
-      </p:sp>
-      <p:cxnSp>
-        <p:nvCxnSpPr>
-          <p:cNvPr id="15" name="Straight Connector 14"/>
-          <p:cNvCxnSpPr/>
-          <p:nvPr/>
-        </p:nvCxnSpPr>
-        <p:spPr>
-          <a:xfrm flipV="1">
-            <a:off x="5461737" y="1238291"/>
-            <a:ext cx="632177" cy="7924"/>
-          </a:xfrm>
-          <a:prstGeom prst="line">
-            <a:avLst/>
-          </a:prstGeom>
-          <a:ln w="28575">
-            <a:headEnd type="arrow" w="med" len="med"/>
-            <a:tailEnd type="arrow" w="med" len="med"/>
-          </a:ln>
-        </p:spPr>
-        <p:style>
-          <a:lnRef idx="1">
-            <a:schemeClr val="accent1"/>
-          </a:lnRef>
-          <a:fillRef idx="0">
-            <a:schemeClr val="accent1"/>
-          </a:fillRef>
-          <a:effectRef idx="0">
-            <a:schemeClr val="accent1"/>
-          </a:effectRef>
-          <a:fontRef idx="minor">
-            <a:schemeClr val="tx1"/>
-          </a:fontRef>
-        </p:style>
-      </p:cxnSp>
-      <p:sp>
-        <p:nvSpPr>
-          <p:cNvPr id="28" name="Rectangle 27"/>
+            <a:endParaRPr lang="de-DE"/>
+          </a:p>
+        </p:txBody>
+      </p:sp>
+      <p:sp>
+        <p:nvSpPr>
+          <p:cNvPr id="45" name="Oval 44">
+            <a:extLst>
+              <a:ext uri="{FF2B5EF4-FFF2-40B4-BE49-F238E27FC236}">
+                <a16:creationId xmlns:a16="http://schemas.microsoft.com/office/drawing/2014/main" id="{DB55D443-BA25-3B41-8ECF-9D3D2191A651}"/>
+              </a:ext>
+            </a:extLst>
+          </p:cNvPr>
           <p:cNvSpPr/>
           <p:nvPr/>
         </p:nvSpPr>
         <p:spPr>
           <a:xfrm>
-            <a:off x="5434610" y="3631179"/>
-            <a:ext cx="620889" cy="620889"/>
-          </a:xfrm>
-          <a:prstGeom prst="rect">
-            <a:avLst/>
-          </a:prstGeom>
-          <a:noFill/>
-          <a:ln w="38100"/>
+            <a:off x="6482976" y="2234759"/>
+            <a:ext cx="111873" cy="101703"/>
+          </a:xfrm>
+          <a:prstGeom prst="ellipse">
+            <a:avLst/>
+          </a:prstGeom>
+          <a:ln w="3175">
+            <a:solidFill>
+              <a:schemeClr val="accent1"/>
+            </a:solidFill>
+          </a:ln>
         </p:spPr>
         <p:style>
           <a:lnRef idx="2">
@@ -3449,26 +4573,36 @@
           <a:lstStyle/>
           <a:p>
             <a:pPr algn="ctr"/>
-            <a:endParaRPr lang="en-US"/>
-          </a:p>
-        </p:txBody>
-      </p:sp>
-      <p:sp>
-        <p:nvSpPr>
-          <p:cNvPr id="29" name="Rectangle 28"/>
+            <a:endParaRPr lang="de-DE"/>
+          </a:p>
+        </p:txBody>
+      </p:sp>
+      <p:sp>
+        <p:nvSpPr>
+          <p:cNvPr id="46" name="Rectangle 45">
+            <a:extLst>
+              <a:ext uri="{FF2B5EF4-FFF2-40B4-BE49-F238E27FC236}">
+                <a16:creationId xmlns:a16="http://schemas.microsoft.com/office/drawing/2014/main" id="{09A6809A-D551-5345-9BBC-119DE5EAD72E}"/>
+              </a:ext>
+            </a:extLst>
+          </p:cNvPr>
           <p:cNvSpPr/>
           <p:nvPr/>
         </p:nvSpPr>
         <p:spPr>
           <a:xfrm>
-            <a:off x="6060878" y="3631179"/>
+            <a:off x="6208378" y="2588470"/>
             <a:ext cx="620889" cy="620889"/>
           </a:xfrm>
           <a:prstGeom prst="rect">
             <a:avLst/>
           </a:prstGeom>
           <a:noFill/>
-          <a:ln w="38100"/>
+          <a:ln w="3175">
+            <a:solidFill>
+              <a:schemeClr val="accent1"/>
+            </a:solidFill>
+          </a:ln>
         </p:spPr>
         <p:style>
           <a:lnRef idx="2">
@@ -3497,20 +4631,30 @@
       </p:sp>
       <p:sp>
         <p:nvSpPr>
-          <p:cNvPr id="30" name="Rectangle 29"/>
+          <p:cNvPr id="47" name="Rectangle 46">
+            <a:extLst>
+              <a:ext uri="{FF2B5EF4-FFF2-40B4-BE49-F238E27FC236}">
+                <a16:creationId xmlns:a16="http://schemas.microsoft.com/office/drawing/2014/main" id="{8251601A-B4CA-6042-9B18-2DFAF6CAC19C}"/>
+              </a:ext>
+            </a:extLst>
+          </p:cNvPr>
           <p:cNvSpPr/>
           <p:nvPr/>
         </p:nvSpPr>
         <p:spPr>
           <a:xfrm>
-            <a:off x="6687146" y="3631179"/>
+            <a:off x="6823181" y="2585752"/>
             <a:ext cx="620889" cy="620889"/>
           </a:xfrm>
           <a:prstGeom prst="rect">
             <a:avLst/>
           </a:prstGeom>
           <a:noFill/>
-          <a:ln w="38100"/>
+          <a:ln w="3175">
+            <a:solidFill>
+              <a:schemeClr val="accent1"/>
+            </a:solidFill>
+          </a:ln>
         </p:spPr>
         <p:style>
           <a:lnRef idx="2">
@@ -3539,26 +4683,29 @@
       </p:sp>
       <p:sp>
         <p:nvSpPr>
-          <p:cNvPr id="31" name="Rectangle 30"/>
+          <p:cNvPr id="50" name="Oval 49">
+            <a:extLst>
+              <a:ext uri="{FF2B5EF4-FFF2-40B4-BE49-F238E27FC236}">
+                <a16:creationId xmlns:a16="http://schemas.microsoft.com/office/drawing/2014/main" id="{9D45AA71-7147-1B43-B41A-C848DA37A75F}"/>
+              </a:ext>
+            </a:extLst>
+          </p:cNvPr>
           <p:cNvSpPr/>
           <p:nvPr/>
         </p:nvSpPr>
         <p:spPr>
           <a:xfrm>
-            <a:off x="5417465" y="4633154"/>
-            <a:ext cx="450082" cy="434030"/>
-          </a:xfrm>
-          <a:prstGeom prst="rect">
-            <a:avLst/>
-          </a:prstGeom>
-          <a:pattFill prst="wdUpDiag">
-            <a:fgClr>
+            <a:off x="7100849" y="2839199"/>
+            <a:ext cx="111873" cy="101703"/>
+          </a:xfrm>
+          <a:prstGeom prst="ellipse">
+            <a:avLst/>
+          </a:prstGeom>
+          <a:ln w="3175">
+            <a:solidFill>
               <a:schemeClr val="accent1"/>
-            </a:fgClr>
-            <a:bgClr>
-              <a:schemeClr val="bg1"/>
-            </a:bgClr>
-          </a:pattFill>
+            </a:solidFill>
+          </a:ln>
         </p:spPr>
         <p:style>
           <a:lnRef idx="2">
@@ -3581,20 +4728,123 @@
           <a:lstStyle/>
           <a:p>
             <a:pPr algn="ctr"/>
-            <a:endParaRPr lang="en-US"/>
-          </a:p>
-        </p:txBody>
-      </p:sp>
-      <p:sp>
-        <p:nvSpPr>
-          <p:cNvPr id="32" name="TextBox 31"/>
+            <a:endParaRPr lang="de-DE"/>
+          </a:p>
+        </p:txBody>
+      </p:sp>
+      <p:sp>
+        <p:nvSpPr>
+          <p:cNvPr id="51" name="Oval 50">
+            <a:extLst>
+              <a:ext uri="{FF2B5EF4-FFF2-40B4-BE49-F238E27FC236}">
+                <a16:creationId xmlns:a16="http://schemas.microsoft.com/office/drawing/2014/main" id="{4A519C81-4020-E544-9591-F0E7C7387DE0}"/>
+              </a:ext>
+            </a:extLst>
+          </p:cNvPr>
+          <p:cNvSpPr/>
+          <p:nvPr/>
+        </p:nvSpPr>
+        <p:spPr>
+          <a:xfrm>
+            <a:off x="6482975" y="2851729"/>
+            <a:ext cx="111873" cy="101703"/>
+          </a:xfrm>
+          <a:prstGeom prst="ellipse">
+            <a:avLst/>
+          </a:prstGeom>
+          <a:ln w="3175">
+            <a:solidFill>
+              <a:schemeClr val="accent1"/>
+            </a:solidFill>
+          </a:ln>
+        </p:spPr>
+        <p:style>
+          <a:lnRef idx="2">
+            <a:schemeClr val="accent1">
+              <a:shade val="50000"/>
+            </a:schemeClr>
+          </a:lnRef>
+          <a:fillRef idx="1">
+            <a:schemeClr val="accent1"/>
+          </a:fillRef>
+          <a:effectRef idx="0">
+            <a:schemeClr val="accent1"/>
+          </a:effectRef>
+          <a:fontRef idx="minor">
+            <a:schemeClr val="lt1"/>
+          </a:fontRef>
+        </p:style>
+        <p:txBody>
+          <a:bodyPr rtlCol="0" anchor="ctr"/>
+          <a:lstStyle/>
+          <a:p>
+            <a:pPr algn="ctr"/>
+            <a:endParaRPr lang="de-DE"/>
+          </a:p>
+        </p:txBody>
+      </p:sp>
+      <p:sp>
+        <p:nvSpPr>
+          <p:cNvPr id="53" name="Oval 52">
+            <a:extLst>
+              <a:ext uri="{FF2B5EF4-FFF2-40B4-BE49-F238E27FC236}">
+                <a16:creationId xmlns:a16="http://schemas.microsoft.com/office/drawing/2014/main" id="{5751660E-140E-0145-851A-CAF8945C4609}"/>
+              </a:ext>
+            </a:extLst>
+          </p:cNvPr>
+          <p:cNvSpPr/>
+          <p:nvPr/>
+        </p:nvSpPr>
+        <p:spPr>
+          <a:xfrm>
+            <a:off x="1206053" y="2886469"/>
+            <a:ext cx="111873" cy="101703"/>
+          </a:xfrm>
+          <a:prstGeom prst="ellipse">
+            <a:avLst/>
+          </a:prstGeom>
+        </p:spPr>
+        <p:style>
+          <a:lnRef idx="2">
+            <a:schemeClr val="accent1">
+              <a:shade val="50000"/>
+            </a:schemeClr>
+          </a:lnRef>
+          <a:fillRef idx="1">
+            <a:schemeClr val="accent1"/>
+          </a:fillRef>
+          <a:effectRef idx="0">
+            <a:schemeClr val="accent1"/>
+          </a:effectRef>
+          <a:fontRef idx="minor">
+            <a:schemeClr val="lt1"/>
+          </a:fontRef>
+        </p:style>
+        <p:txBody>
+          <a:bodyPr rtlCol="0" anchor="ctr"/>
+          <a:lstStyle/>
+          <a:p>
+            <a:pPr algn="ctr"/>
+            <a:endParaRPr lang="de-DE"/>
+          </a:p>
+        </p:txBody>
+      </p:sp>
+      <p:sp>
+        <p:nvSpPr>
+          <p:cNvPr id="54" name="TextBox 53">
+            <a:extLst>
+              <a:ext uri="{FF2B5EF4-FFF2-40B4-BE49-F238E27FC236}">
+                <a16:creationId xmlns:a16="http://schemas.microsoft.com/office/drawing/2014/main" id="{FD20AB59-7596-1E4D-84E1-770249E3B1CE}"/>
+              </a:ext>
+            </a:extLst>
+          </p:cNvPr>
           <p:cNvSpPr txBox="1"/>
           <p:nvPr/>
         </p:nvSpPr>
         <p:spPr>
           <a:xfrm>
-            <a:off x="5867547" y="4633154"/>
-            <a:ext cx="1869614" cy="369332"/>
+            <a:off x="830232" y="2550825"/>
+            <a:ext cx="617477" cy="369332"/>
           </a:xfrm>
           <a:prstGeom prst="rect">
             <a:avLst/>
@@ -3608,17 +4858,1285 @@
           <a:lstStyle/>
           <a:p>
             <a:r>
-              <a:rPr lang="en-US" dirty="0" smtClean="0"/>
-              <a:t>Area = 3*dx*2*</a:t>
-            </a:r>
-            <a:r>
-              <a:rPr lang="en-US" dirty="0" err="1" smtClean="0"/>
+              <a:rPr lang="en-US" dirty="0"/>
+              <a:t>(0,0)</a:t>
+            </a:r>
+          </a:p>
+        </p:txBody>
+      </p:sp>
+      <p:sp>
+        <p:nvSpPr>
+          <p:cNvPr id="55" name="Rectangle 54">
+            <a:extLst>
+              <a:ext uri="{FF2B5EF4-FFF2-40B4-BE49-F238E27FC236}">
+                <a16:creationId xmlns:a16="http://schemas.microsoft.com/office/drawing/2014/main" id="{3ECDB614-08E4-B84B-B059-A3A25D9BABF9}"/>
+              </a:ext>
+            </a:extLst>
+          </p:cNvPr>
+          <p:cNvSpPr/>
+          <p:nvPr/>
+        </p:nvSpPr>
+        <p:spPr>
+          <a:xfrm>
+            <a:off x="5867441" y="3925438"/>
+            <a:ext cx="620889" cy="620889"/>
+          </a:xfrm>
+          <a:prstGeom prst="rect">
+            <a:avLst/>
+          </a:prstGeom>
+          <a:noFill/>
+          <a:ln w="3175">
+            <a:solidFill>
+              <a:schemeClr val="accent1"/>
+            </a:solidFill>
+          </a:ln>
+        </p:spPr>
+        <p:style>
+          <a:lnRef idx="2">
+            <a:schemeClr val="accent1">
+              <a:shade val="50000"/>
+            </a:schemeClr>
+          </a:lnRef>
+          <a:fillRef idx="1">
+            <a:schemeClr val="accent1"/>
+          </a:fillRef>
+          <a:effectRef idx="0">
+            <a:schemeClr val="accent1"/>
+          </a:effectRef>
+          <a:fontRef idx="minor">
+            <a:schemeClr val="lt1"/>
+          </a:fontRef>
+        </p:style>
+        <p:txBody>
+          <a:bodyPr rtlCol="0" anchor="ctr"/>
+          <a:lstStyle/>
+          <a:p>
+            <a:pPr algn="ctr"/>
+            <a:endParaRPr lang="en-US"/>
+          </a:p>
+        </p:txBody>
+      </p:sp>
+      <p:sp>
+        <p:nvSpPr>
+          <p:cNvPr id="56" name="Rectangle 55">
+            <a:extLst>
+              <a:ext uri="{FF2B5EF4-FFF2-40B4-BE49-F238E27FC236}">
+                <a16:creationId xmlns:a16="http://schemas.microsoft.com/office/drawing/2014/main" id="{4D25AA18-E956-3249-A1EB-255C7A94047E}"/>
+              </a:ext>
+            </a:extLst>
+          </p:cNvPr>
+          <p:cNvSpPr/>
+          <p:nvPr/>
+        </p:nvSpPr>
+        <p:spPr>
+          <a:xfrm>
+            <a:off x="6488916" y="3925438"/>
+            <a:ext cx="620889" cy="622866"/>
+          </a:xfrm>
+          <a:prstGeom prst="rect">
+            <a:avLst/>
+          </a:prstGeom>
+          <a:noFill/>
+          <a:ln w="3175">
+            <a:solidFill>
+              <a:schemeClr val="accent1"/>
+            </a:solidFill>
+          </a:ln>
+        </p:spPr>
+        <p:style>
+          <a:lnRef idx="2">
+            <a:schemeClr val="accent1">
+              <a:shade val="50000"/>
+            </a:schemeClr>
+          </a:lnRef>
+          <a:fillRef idx="1">
+            <a:schemeClr val="accent1"/>
+          </a:fillRef>
+          <a:effectRef idx="0">
+            <a:schemeClr val="accent1"/>
+          </a:effectRef>
+          <a:fontRef idx="minor">
+            <a:schemeClr val="lt1"/>
+          </a:fontRef>
+        </p:style>
+        <p:txBody>
+          <a:bodyPr rtlCol="0" anchor="ctr"/>
+          <a:lstStyle/>
+          <a:p>
+            <a:pPr algn="ctr"/>
+            <a:endParaRPr lang="en-US"/>
+          </a:p>
+        </p:txBody>
+      </p:sp>
+      <p:sp>
+        <p:nvSpPr>
+          <p:cNvPr id="57" name="Oval 56">
+            <a:extLst>
+              <a:ext uri="{FF2B5EF4-FFF2-40B4-BE49-F238E27FC236}">
+                <a16:creationId xmlns:a16="http://schemas.microsoft.com/office/drawing/2014/main" id="{344849D5-8831-8A42-B522-DBC05A1B7719}"/>
+              </a:ext>
+            </a:extLst>
+          </p:cNvPr>
+          <p:cNvSpPr/>
+          <p:nvPr/>
+        </p:nvSpPr>
+        <p:spPr>
+          <a:xfrm>
+            <a:off x="6758319" y="4209197"/>
+            <a:ext cx="111873" cy="101703"/>
+          </a:xfrm>
+          <a:prstGeom prst="ellipse">
+            <a:avLst/>
+          </a:prstGeom>
+          <a:ln w="3175">
+            <a:solidFill>
+              <a:schemeClr val="accent1"/>
+            </a:solidFill>
+          </a:ln>
+        </p:spPr>
+        <p:style>
+          <a:lnRef idx="2">
+            <a:schemeClr val="accent1">
+              <a:shade val="50000"/>
+            </a:schemeClr>
+          </a:lnRef>
+          <a:fillRef idx="1">
+            <a:schemeClr val="accent1"/>
+          </a:fillRef>
+          <a:effectRef idx="0">
+            <a:schemeClr val="accent1"/>
+          </a:effectRef>
+          <a:fontRef idx="minor">
+            <a:schemeClr val="lt1"/>
+          </a:fontRef>
+        </p:style>
+        <p:txBody>
+          <a:bodyPr rtlCol="0" anchor="ctr"/>
+          <a:lstStyle/>
+          <a:p>
+            <a:pPr algn="ctr"/>
+            <a:endParaRPr lang="de-DE"/>
+          </a:p>
+        </p:txBody>
+      </p:sp>
+      <p:sp>
+        <p:nvSpPr>
+          <p:cNvPr id="58" name="Oval 57">
+            <a:extLst>
+              <a:ext uri="{FF2B5EF4-FFF2-40B4-BE49-F238E27FC236}">
+                <a16:creationId xmlns:a16="http://schemas.microsoft.com/office/drawing/2014/main" id="{129ADD01-0F5D-BC47-80E5-90FC9622DCE1}"/>
+              </a:ext>
+            </a:extLst>
+          </p:cNvPr>
+          <p:cNvSpPr/>
+          <p:nvPr/>
+        </p:nvSpPr>
+        <p:spPr>
+          <a:xfrm>
+            <a:off x="6139362" y="4197311"/>
+            <a:ext cx="111873" cy="101703"/>
+          </a:xfrm>
+          <a:prstGeom prst="ellipse">
+            <a:avLst/>
+          </a:prstGeom>
+          <a:ln w="3175">
+            <a:solidFill>
+              <a:schemeClr val="accent1"/>
+            </a:solidFill>
+          </a:ln>
+        </p:spPr>
+        <p:style>
+          <a:lnRef idx="2">
+            <a:schemeClr val="accent1">
+              <a:shade val="50000"/>
+            </a:schemeClr>
+          </a:lnRef>
+          <a:fillRef idx="1">
+            <a:schemeClr val="accent1"/>
+          </a:fillRef>
+          <a:effectRef idx="0">
+            <a:schemeClr val="accent1"/>
+          </a:effectRef>
+          <a:fontRef idx="minor">
+            <a:schemeClr val="lt1"/>
+          </a:fontRef>
+        </p:style>
+        <p:txBody>
+          <a:bodyPr rtlCol="0" anchor="ctr"/>
+          <a:lstStyle/>
+          <a:p>
+            <a:pPr algn="ctr"/>
+            <a:endParaRPr lang="de-DE"/>
+          </a:p>
+        </p:txBody>
+      </p:sp>
+      <p:sp>
+        <p:nvSpPr>
+          <p:cNvPr id="63" name="Rectangle 62">
+            <a:extLst>
+              <a:ext uri="{FF2B5EF4-FFF2-40B4-BE49-F238E27FC236}">
+                <a16:creationId xmlns:a16="http://schemas.microsoft.com/office/drawing/2014/main" id="{0606488C-8987-DA49-8D5F-008726E7F71D}"/>
+              </a:ext>
+            </a:extLst>
+          </p:cNvPr>
+          <p:cNvSpPr/>
+          <p:nvPr/>
+        </p:nvSpPr>
+        <p:spPr>
+          <a:xfrm>
+            <a:off x="7110390" y="3925438"/>
+            <a:ext cx="620889" cy="622866"/>
+          </a:xfrm>
+          <a:prstGeom prst="rect">
+            <a:avLst/>
+          </a:prstGeom>
+          <a:noFill/>
+          <a:ln w="3175">
+            <a:solidFill>
+              <a:schemeClr val="accent1"/>
+            </a:solidFill>
+          </a:ln>
+        </p:spPr>
+        <p:style>
+          <a:lnRef idx="2">
+            <a:schemeClr val="accent1">
+              <a:shade val="50000"/>
+            </a:schemeClr>
+          </a:lnRef>
+          <a:fillRef idx="1">
+            <a:schemeClr val="accent1"/>
+          </a:fillRef>
+          <a:effectRef idx="0">
+            <a:schemeClr val="accent1"/>
+          </a:effectRef>
+          <a:fontRef idx="minor">
+            <a:schemeClr val="lt1"/>
+          </a:fontRef>
+        </p:style>
+        <p:txBody>
+          <a:bodyPr rtlCol="0" anchor="ctr"/>
+          <a:lstStyle/>
+          <a:p>
+            <a:pPr algn="ctr"/>
+            <a:endParaRPr lang="en-US"/>
+          </a:p>
+        </p:txBody>
+      </p:sp>
+      <p:sp>
+        <p:nvSpPr>
+          <p:cNvPr id="64" name="Oval 63">
+            <a:extLst>
+              <a:ext uri="{FF2B5EF4-FFF2-40B4-BE49-F238E27FC236}">
+                <a16:creationId xmlns:a16="http://schemas.microsoft.com/office/drawing/2014/main" id="{8E0C95EB-3D0A-C44A-A7B3-FC2063229746}"/>
+              </a:ext>
+            </a:extLst>
+          </p:cNvPr>
+          <p:cNvSpPr/>
+          <p:nvPr/>
+        </p:nvSpPr>
+        <p:spPr>
+          <a:xfrm>
+            <a:off x="7397609" y="4207220"/>
+            <a:ext cx="111873" cy="101703"/>
+          </a:xfrm>
+          <a:prstGeom prst="ellipse">
+            <a:avLst/>
+          </a:prstGeom>
+          <a:ln w="3175">
+            <a:solidFill>
+              <a:schemeClr val="accent1"/>
+            </a:solidFill>
+          </a:ln>
+        </p:spPr>
+        <p:style>
+          <a:lnRef idx="2">
+            <a:schemeClr val="accent1">
+              <a:shade val="50000"/>
+            </a:schemeClr>
+          </a:lnRef>
+          <a:fillRef idx="1">
+            <a:schemeClr val="accent1"/>
+          </a:fillRef>
+          <a:effectRef idx="0">
+            <a:schemeClr val="accent1"/>
+          </a:effectRef>
+          <a:fontRef idx="minor">
+            <a:schemeClr val="lt1"/>
+          </a:fontRef>
+        </p:style>
+        <p:txBody>
+          <a:bodyPr rtlCol="0" anchor="ctr"/>
+          <a:lstStyle/>
+          <a:p>
+            <a:pPr algn="ctr"/>
+            <a:endParaRPr lang="de-DE"/>
+          </a:p>
+        </p:txBody>
+      </p:sp>
+      <p:sp>
+        <p:nvSpPr>
+          <p:cNvPr id="67" name="Rectangle 66">
+            <a:extLst>
+              <a:ext uri="{FF2B5EF4-FFF2-40B4-BE49-F238E27FC236}">
+                <a16:creationId xmlns:a16="http://schemas.microsoft.com/office/drawing/2014/main" id="{EA38448F-0BB0-2B44-81BF-205887D988D5}"/>
+              </a:ext>
+            </a:extLst>
+          </p:cNvPr>
+          <p:cNvSpPr/>
+          <p:nvPr/>
+        </p:nvSpPr>
+        <p:spPr>
+          <a:xfrm>
+            <a:off x="5865466" y="4564728"/>
+            <a:ext cx="620889" cy="620889"/>
+          </a:xfrm>
+          <a:prstGeom prst="rect">
+            <a:avLst/>
+          </a:prstGeom>
+          <a:noFill/>
+          <a:ln w="3175">
+            <a:solidFill>
+              <a:schemeClr val="accent1"/>
+            </a:solidFill>
+          </a:ln>
+        </p:spPr>
+        <p:style>
+          <a:lnRef idx="2">
+            <a:schemeClr val="accent1">
+              <a:shade val="50000"/>
+            </a:schemeClr>
+          </a:lnRef>
+          <a:fillRef idx="1">
+            <a:schemeClr val="accent1"/>
+          </a:fillRef>
+          <a:effectRef idx="0">
+            <a:schemeClr val="accent1"/>
+          </a:effectRef>
+          <a:fontRef idx="minor">
+            <a:schemeClr val="lt1"/>
+          </a:fontRef>
+        </p:style>
+        <p:txBody>
+          <a:bodyPr rtlCol="0" anchor="ctr"/>
+          <a:lstStyle/>
+          <a:p>
+            <a:pPr algn="ctr"/>
+            <a:endParaRPr lang="en-US"/>
+          </a:p>
+        </p:txBody>
+      </p:sp>
+      <p:sp>
+        <p:nvSpPr>
+          <p:cNvPr id="68" name="Rectangle 67">
+            <a:extLst>
+              <a:ext uri="{FF2B5EF4-FFF2-40B4-BE49-F238E27FC236}">
+                <a16:creationId xmlns:a16="http://schemas.microsoft.com/office/drawing/2014/main" id="{1954E40F-5F0E-A641-A378-925AAB1C9E51}"/>
+              </a:ext>
+            </a:extLst>
+          </p:cNvPr>
+          <p:cNvSpPr/>
+          <p:nvPr/>
+        </p:nvSpPr>
+        <p:spPr>
+          <a:xfrm>
+            <a:off x="6486941" y="4564728"/>
+            <a:ext cx="620889" cy="622866"/>
+          </a:xfrm>
+          <a:prstGeom prst="rect">
+            <a:avLst/>
+          </a:prstGeom>
+          <a:noFill/>
+          <a:ln w="3175">
+            <a:solidFill>
+              <a:schemeClr val="accent1"/>
+            </a:solidFill>
+          </a:ln>
+        </p:spPr>
+        <p:style>
+          <a:lnRef idx="2">
+            <a:schemeClr val="accent1">
+              <a:shade val="50000"/>
+            </a:schemeClr>
+          </a:lnRef>
+          <a:fillRef idx="1">
+            <a:schemeClr val="accent1"/>
+          </a:fillRef>
+          <a:effectRef idx="0">
+            <a:schemeClr val="accent1"/>
+          </a:effectRef>
+          <a:fontRef idx="minor">
+            <a:schemeClr val="lt1"/>
+          </a:fontRef>
+        </p:style>
+        <p:txBody>
+          <a:bodyPr rtlCol="0" anchor="ctr"/>
+          <a:lstStyle/>
+          <a:p>
+            <a:pPr algn="ctr"/>
+            <a:endParaRPr lang="en-US"/>
+          </a:p>
+        </p:txBody>
+      </p:sp>
+      <p:sp>
+        <p:nvSpPr>
+          <p:cNvPr id="69" name="Oval 68">
+            <a:extLst>
+              <a:ext uri="{FF2B5EF4-FFF2-40B4-BE49-F238E27FC236}">
+                <a16:creationId xmlns:a16="http://schemas.microsoft.com/office/drawing/2014/main" id="{244255EB-2C4B-1542-B222-2DFF04D842CE}"/>
+              </a:ext>
+            </a:extLst>
+          </p:cNvPr>
+          <p:cNvSpPr/>
+          <p:nvPr/>
+        </p:nvSpPr>
+        <p:spPr>
+          <a:xfrm>
+            <a:off x="6756344" y="4848487"/>
+            <a:ext cx="111873" cy="101703"/>
+          </a:xfrm>
+          <a:prstGeom prst="ellipse">
+            <a:avLst/>
+          </a:prstGeom>
+          <a:ln w="3175">
+            <a:solidFill>
+              <a:schemeClr val="accent1"/>
+            </a:solidFill>
+          </a:ln>
+        </p:spPr>
+        <p:style>
+          <a:lnRef idx="2">
+            <a:schemeClr val="accent1">
+              <a:shade val="50000"/>
+            </a:schemeClr>
+          </a:lnRef>
+          <a:fillRef idx="1">
+            <a:schemeClr val="accent1"/>
+          </a:fillRef>
+          <a:effectRef idx="0">
+            <a:schemeClr val="accent1"/>
+          </a:effectRef>
+          <a:fontRef idx="minor">
+            <a:schemeClr val="lt1"/>
+          </a:fontRef>
+        </p:style>
+        <p:txBody>
+          <a:bodyPr rtlCol="0" anchor="ctr"/>
+          <a:lstStyle/>
+          <a:p>
+            <a:pPr algn="ctr"/>
+            <a:endParaRPr lang="de-DE"/>
+          </a:p>
+        </p:txBody>
+      </p:sp>
+      <p:sp>
+        <p:nvSpPr>
+          <p:cNvPr id="70" name="Oval 69">
+            <a:extLst>
+              <a:ext uri="{FF2B5EF4-FFF2-40B4-BE49-F238E27FC236}">
+                <a16:creationId xmlns:a16="http://schemas.microsoft.com/office/drawing/2014/main" id="{AB561325-B46C-8E47-A8C9-668BFE6A6976}"/>
+              </a:ext>
+            </a:extLst>
+          </p:cNvPr>
+          <p:cNvSpPr/>
+          <p:nvPr/>
+        </p:nvSpPr>
+        <p:spPr>
+          <a:xfrm>
+            <a:off x="6137387" y="4836601"/>
+            <a:ext cx="111873" cy="101703"/>
+          </a:xfrm>
+          <a:prstGeom prst="ellipse">
+            <a:avLst/>
+          </a:prstGeom>
+          <a:ln w="3175">
+            <a:solidFill>
+              <a:schemeClr val="accent1"/>
+            </a:solidFill>
+          </a:ln>
+        </p:spPr>
+        <p:style>
+          <a:lnRef idx="2">
+            <a:schemeClr val="accent1">
+              <a:shade val="50000"/>
+            </a:schemeClr>
+          </a:lnRef>
+          <a:fillRef idx="1">
+            <a:schemeClr val="accent1"/>
+          </a:fillRef>
+          <a:effectRef idx="0">
+            <a:schemeClr val="accent1"/>
+          </a:effectRef>
+          <a:fontRef idx="minor">
+            <a:schemeClr val="lt1"/>
+          </a:fontRef>
+        </p:style>
+        <p:txBody>
+          <a:bodyPr rtlCol="0" anchor="ctr"/>
+          <a:lstStyle/>
+          <a:p>
+            <a:pPr algn="ctr"/>
+            <a:endParaRPr lang="de-DE"/>
+          </a:p>
+        </p:txBody>
+      </p:sp>
+      <p:sp>
+        <p:nvSpPr>
+          <p:cNvPr id="71" name="Rectangle 70">
+            <a:extLst>
+              <a:ext uri="{FF2B5EF4-FFF2-40B4-BE49-F238E27FC236}">
+                <a16:creationId xmlns:a16="http://schemas.microsoft.com/office/drawing/2014/main" id="{29A5EAAB-8EE9-AE4B-AADF-6E3893BDBD00}"/>
+              </a:ext>
+            </a:extLst>
+          </p:cNvPr>
+          <p:cNvSpPr/>
+          <p:nvPr/>
+        </p:nvSpPr>
+        <p:spPr>
+          <a:xfrm>
+            <a:off x="7108415" y="4564728"/>
+            <a:ext cx="620889" cy="622866"/>
+          </a:xfrm>
+          <a:prstGeom prst="rect">
+            <a:avLst/>
+          </a:prstGeom>
+          <a:noFill/>
+          <a:ln w="3175">
+            <a:solidFill>
+              <a:schemeClr val="accent1"/>
+            </a:solidFill>
+          </a:ln>
+        </p:spPr>
+        <p:style>
+          <a:lnRef idx="2">
+            <a:schemeClr val="accent1">
+              <a:shade val="50000"/>
+            </a:schemeClr>
+          </a:lnRef>
+          <a:fillRef idx="1">
+            <a:schemeClr val="accent1"/>
+          </a:fillRef>
+          <a:effectRef idx="0">
+            <a:schemeClr val="accent1"/>
+          </a:effectRef>
+          <a:fontRef idx="minor">
+            <a:schemeClr val="lt1"/>
+          </a:fontRef>
+        </p:style>
+        <p:txBody>
+          <a:bodyPr rtlCol="0" anchor="ctr"/>
+          <a:lstStyle/>
+          <a:p>
+            <a:pPr algn="ctr"/>
+            <a:endParaRPr lang="en-US"/>
+          </a:p>
+        </p:txBody>
+      </p:sp>
+      <p:sp>
+        <p:nvSpPr>
+          <p:cNvPr id="72" name="Oval 71">
+            <a:extLst>
+              <a:ext uri="{FF2B5EF4-FFF2-40B4-BE49-F238E27FC236}">
+                <a16:creationId xmlns:a16="http://schemas.microsoft.com/office/drawing/2014/main" id="{E30368C8-6B5A-6C49-99E4-80CA4C716B2D}"/>
+              </a:ext>
+            </a:extLst>
+          </p:cNvPr>
+          <p:cNvSpPr/>
+          <p:nvPr/>
+        </p:nvSpPr>
+        <p:spPr>
+          <a:xfrm>
+            <a:off x="7395634" y="4846510"/>
+            <a:ext cx="111873" cy="101703"/>
+          </a:xfrm>
+          <a:prstGeom prst="ellipse">
+            <a:avLst/>
+          </a:prstGeom>
+          <a:ln w="3175">
+            <a:solidFill>
+              <a:schemeClr val="accent1"/>
+            </a:solidFill>
+          </a:ln>
+        </p:spPr>
+        <p:style>
+          <a:lnRef idx="2">
+            <a:schemeClr val="accent1">
+              <a:shade val="50000"/>
+            </a:schemeClr>
+          </a:lnRef>
+          <a:fillRef idx="1">
+            <a:schemeClr val="accent1"/>
+          </a:fillRef>
+          <a:effectRef idx="0">
+            <a:schemeClr val="accent1"/>
+          </a:effectRef>
+          <a:fontRef idx="minor">
+            <a:schemeClr val="lt1"/>
+          </a:fontRef>
+        </p:style>
+        <p:txBody>
+          <a:bodyPr rtlCol="0" anchor="ctr"/>
+          <a:lstStyle/>
+          <a:p>
+            <a:pPr algn="ctr"/>
+            <a:endParaRPr lang="de-DE"/>
+          </a:p>
+        </p:txBody>
+      </p:sp>
+      <p:sp>
+        <p:nvSpPr>
+          <p:cNvPr id="4" name="Rectangle 3">
+            <a:extLst>
+              <a:ext uri="{FF2B5EF4-FFF2-40B4-BE49-F238E27FC236}">
+                <a16:creationId xmlns:a16="http://schemas.microsoft.com/office/drawing/2014/main" id="{BC891B27-A604-284A-B6C8-ABBE46C05EA8}"/>
+              </a:ext>
+            </a:extLst>
+          </p:cNvPr>
+          <p:cNvSpPr/>
+          <p:nvPr/>
+        </p:nvSpPr>
+        <p:spPr>
+          <a:xfrm>
+            <a:off x="5865465" y="3935565"/>
+            <a:ext cx="1871519" cy="1250269"/>
+          </a:xfrm>
+          <a:prstGeom prst="rect">
+            <a:avLst/>
+          </a:prstGeom>
+          <a:solidFill>
+            <a:schemeClr val="accent1">
+              <a:alpha val="46000"/>
+            </a:schemeClr>
+          </a:solidFill>
+        </p:spPr>
+        <p:style>
+          <a:lnRef idx="2">
+            <a:schemeClr val="accent1">
+              <a:shade val="50000"/>
+            </a:schemeClr>
+          </a:lnRef>
+          <a:fillRef idx="1">
+            <a:schemeClr val="accent1"/>
+          </a:fillRef>
+          <a:effectRef idx="0">
+            <a:schemeClr val="accent1"/>
+          </a:effectRef>
+          <a:fontRef idx="minor">
+            <a:schemeClr val="lt1"/>
+          </a:fontRef>
+        </p:style>
+        <p:txBody>
+          <a:bodyPr rtlCol="0" anchor="ctr"/>
+          <a:lstStyle/>
+          <a:p>
+            <a:pPr algn="ctr"/>
+            <a:endParaRPr lang="de-DE" dirty="0"/>
+          </a:p>
+        </p:txBody>
+      </p:sp>
+    </p:spTree>
+    <p:extLst>
+      <p:ext uri="{BB962C8B-B14F-4D97-AF65-F5344CB8AC3E}">
+        <p14:creationId xmlns:p14="http://schemas.microsoft.com/office/powerpoint/2010/main" val="3647780881"/>
+      </p:ext>
+    </p:extLst>
+  </p:cSld>
+  <p:clrMapOvr>
+    <a:masterClrMapping/>
+  </p:clrMapOvr>
+</p:sld>
+</file>
+
+<file path=ppt/slides/slide2.xml><?xml version="1.0" encoding="utf-8"?>
+<p:sld xmlns:a="http://schemas.openxmlformats.org/drawingml/2006/main" xmlns:r="http://schemas.openxmlformats.org/officeDocument/2006/relationships" xmlns:p="http://schemas.openxmlformats.org/presentationml/2006/main">
+  <p:cSld>
+    <p:spTree>
+      <p:nvGrpSpPr>
+        <p:cNvPr id="1" name=""/>
+        <p:cNvGrpSpPr/>
+        <p:nvPr/>
+      </p:nvGrpSpPr>
+      <p:grpSpPr>
+        <a:xfrm>
+          <a:off x="0" y="0"/>
+          <a:ext cx="0" cy="0"/>
+          <a:chOff x="0" y="0"/>
+          <a:chExt cx="0" cy="0"/>
+        </a:xfrm>
+      </p:grpSpPr>
+      <p:sp>
+        <p:nvSpPr>
+          <p:cNvPr id="5" name="Rectangle 4"/>
+          <p:cNvSpPr/>
+          <p:nvPr/>
+        </p:nvSpPr>
+        <p:spPr>
+          <a:xfrm>
+            <a:off x="1719077" y="3360493"/>
+            <a:ext cx="620889" cy="620889"/>
+          </a:xfrm>
+          <a:prstGeom prst="rect">
+            <a:avLst/>
+          </a:prstGeom>
+          <a:noFill/>
+          <a:ln w="38100"/>
+        </p:spPr>
+        <p:style>
+          <a:lnRef idx="2">
+            <a:schemeClr val="accent1">
+              <a:shade val="50000"/>
+            </a:schemeClr>
+          </a:lnRef>
+          <a:fillRef idx="1">
+            <a:schemeClr val="accent1"/>
+          </a:fillRef>
+          <a:effectRef idx="0">
+            <a:schemeClr val="accent1"/>
+          </a:effectRef>
+          <a:fontRef idx="minor">
+            <a:schemeClr val="lt1"/>
+          </a:fontRef>
+        </p:style>
+        <p:txBody>
+          <a:bodyPr rtlCol="0" anchor="ctr"/>
+          <a:lstStyle/>
+          <a:p>
+            <a:pPr algn="ctr"/>
+            <a:endParaRPr lang="en-US"/>
+          </a:p>
+        </p:txBody>
+      </p:sp>
+      <p:sp>
+        <p:nvSpPr>
+          <p:cNvPr id="6" name="Rectangle 5"/>
+          <p:cNvSpPr/>
+          <p:nvPr/>
+        </p:nvSpPr>
+        <p:spPr>
+          <a:xfrm>
+            <a:off x="2345345" y="3360493"/>
+            <a:ext cx="620889" cy="620889"/>
+          </a:xfrm>
+          <a:prstGeom prst="rect">
+            <a:avLst/>
+          </a:prstGeom>
+          <a:noFill/>
+          <a:ln w="38100"/>
+        </p:spPr>
+        <p:style>
+          <a:lnRef idx="2">
+            <a:schemeClr val="accent1">
+              <a:shade val="50000"/>
+            </a:schemeClr>
+          </a:lnRef>
+          <a:fillRef idx="1">
+            <a:schemeClr val="accent1"/>
+          </a:fillRef>
+          <a:effectRef idx="0">
+            <a:schemeClr val="accent1"/>
+          </a:effectRef>
+          <a:fontRef idx="minor">
+            <a:schemeClr val="lt1"/>
+          </a:fontRef>
+        </p:style>
+        <p:txBody>
+          <a:bodyPr rtlCol="0" anchor="ctr"/>
+          <a:lstStyle/>
+          <a:p>
+            <a:pPr algn="ctr"/>
+            <a:endParaRPr lang="en-US"/>
+          </a:p>
+        </p:txBody>
+      </p:sp>
+      <p:sp>
+        <p:nvSpPr>
+          <p:cNvPr id="7" name="Rectangle 6"/>
+          <p:cNvSpPr/>
+          <p:nvPr/>
+        </p:nvSpPr>
+        <p:spPr>
+          <a:xfrm>
+            <a:off x="2971613" y="3360493"/>
+            <a:ext cx="620889" cy="620889"/>
+          </a:xfrm>
+          <a:prstGeom prst="rect">
+            <a:avLst/>
+          </a:prstGeom>
+          <a:noFill/>
+          <a:ln w="38100"/>
+        </p:spPr>
+        <p:style>
+          <a:lnRef idx="2">
+            <a:schemeClr val="accent1">
+              <a:shade val="50000"/>
+            </a:schemeClr>
+          </a:lnRef>
+          <a:fillRef idx="1">
+            <a:schemeClr val="accent1"/>
+          </a:fillRef>
+          <a:effectRef idx="0">
+            <a:schemeClr val="accent1"/>
+          </a:effectRef>
+          <a:fontRef idx="minor">
+            <a:schemeClr val="lt1"/>
+          </a:fontRef>
+        </p:style>
+        <p:txBody>
+          <a:bodyPr rtlCol="0" anchor="ctr"/>
+          <a:lstStyle/>
+          <a:p>
+            <a:pPr algn="ctr"/>
+            <a:endParaRPr lang="en-US"/>
+          </a:p>
+        </p:txBody>
+      </p:sp>
+      <p:sp>
+        <p:nvSpPr>
+          <p:cNvPr id="8" name="Rectangle 7"/>
+          <p:cNvSpPr/>
+          <p:nvPr/>
+        </p:nvSpPr>
+        <p:spPr>
+          <a:xfrm>
+            <a:off x="3133344" y="762985"/>
+            <a:ext cx="620889" cy="620889"/>
+          </a:xfrm>
+          <a:prstGeom prst="rect">
+            <a:avLst/>
+          </a:prstGeom>
+          <a:noFill/>
+          <a:ln w="38100"/>
+        </p:spPr>
+        <p:style>
+          <a:lnRef idx="2">
+            <a:schemeClr val="accent1">
+              <a:shade val="50000"/>
+            </a:schemeClr>
+          </a:lnRef>
+          <a:fillRef idx="1">
+            <a:schemeClr val="accent1"/>
+          </a:fillRef>
+          <a:effectRef idx="0">
+            <a:schemeClr val="accent1"/>
+          </a:effectRef>
+          <a:fontRef idx="minor">
+            <a:schemeClr val="lt1"/>
+          </a:fontRef>
+        </p:style>
+        <p:txBody>
+          <a:bodyPr rtlCol="0" anchor="ctr"/>
+          <a:lstStyle/>
+          <a:p>
+            <a:pPr algn="ctr"/>
+            <a:endParaRPr lang="en-US"/>
+          </a:p>
+        </p:txBody>
+      </p:sp>
+      <p:sp>
+        <p:nvSpPr>
+          <p:cNvPr id="12" name="TextBox 11"/>
+          <p:cNvSpPr txBox="1"/>
+          <p:nvPr/>
+        </p:nvSpPr>
+        <p:spPr>
+          <a:xfrm>
+            <a:off x="100172" y="2023396"/>
+            <a:ext cx="1243610" cy="369332"/>
+          </a:xfrm>
+          <a:prstGeom prst="rect">
+            <a:avLst/>
+          </a:prstGeom>
+          <a:noFill/>
+        </p:spPr>
+        <p:txBody>
+          <a:bodyPr wrap="none" rtlCol="0">
+            <a:spAutoFit/>
+          </a:bodyPr>
+          <a:lstStyle/>
+          <a:p>
+            <a:r>
+              <a:rPr lang="en-US" dirty="0"/>
+              <a:t>Spacing, </a:t>
+            </a:r>
+            <a:r>
+              <a:rPr lang="en-US" dirty="0" err="1"/>
               <a:t>dy</a:t>
             </a:r>
             <a:endParaRPr lang="en-US" dirty="0"/>
           </a:p>
         </p:txBody>
       </p:sp>
+      <p:sp>
+        <p:nvSpPr>
+          <p:cNvPr id="13" name="TextBox 12"/>
+          <p:cNvSpPr txBox="1"/>
+          <p:nvPr/>
+        </p:nvSpPr>
+        <p:spPr>
+          <a:xfrm>
+            <a:off x="1030383" y="791701"/>
+            <a:ext cx="1238801" cy="369332"/>
+          </a:xfrm>
+          <a:prstGeom prst="rect">
+            <a:avLst/>
+          </a:prstGeom>
+          <a:noFill/>
+        </p:spPr>
+        <p:txBody>
+          <a:bodyPr wrap="none" rtlCol="0">
+            <a:spAutoFit/>
+          </a:bodyPr>
+          <a:lstStyle/>
+          <a:p>
+            <a:r>
+              <a:rPr lang="en-US" dirty="0"/>
+              <a:t>Spacing, dx</a:t>
+            </a:r>
+          </a:p>
+        </p:txBody>
+      </p:sp>
+      <p:cxnSp>
+        <p:nvCxnSpPr>
+          <p:cNvPr id="18" name="Straight Connector 17"/>
+          <p:cNvCxnSpPr/>
+          <p:nvPr/>
+        </p:nvCxnSpPr>
+        <p:spPr>
+          <a:xfrm>
+            <a:off x="1707311" y="3139918"/>
+            <a:ext cx="1885191" cy="0"/>
+          </a:xfrm>
+          <a:prstGeom prst="line">
+            <a:avLst/>
+          </a:prstGeom>
+          <a:ln w="28575">
+            <a:headEnd type="arrow" w="med" len="med"/>
+            <a:tailEnd type="arrow" w="med" len="med"/>
+          </a:ln>
+        </p:spPr>
+        <p:style>
+          <a:lnRef idx="1">
+            <a:schemeClr val="accent1"/>
+          </a:lnRef>
+          <a:fillRef idx="0">
+            <a:schemeClr val="accent1"/>
+          </a:fillRef>
+          <a:effectRef idx="0">
+            <a:schemeClr val="accent1"/>
+          </a:effectRef>
+          <a:fontRef idx="minor">
+            <a:schemeClr val="tx1"/>
+          </a:fontRef>
+        </p:style>
+      </p:cxnSp>
+      <p:sp>
+        <p:nvSpPr>
+          <p:cNvPr id="19" name="TextBox 18"/>
+          <p:cNvSpPr txBox="1"/>
+          <p:nvPr/>
+        </p:nvSpPr>
+        <p:spPr>
+          <a:xfrm>
+            <a:off x="2301980" y="2794741"/>
+            <a:ext cx="575799" cy="369332"/>
+          </a:xfrm>
+          <a:prstGeom prst="rect">
+            <a:avLst/>
+          </a:prstGeom>
+          <a:noFill/>
+        </p:spPr>
+        <p:txBody>
+          <a:bodyPr wrap="none" rtlCol="0">
+            <a:spAutoFit/>
+          </a:bodyPr>
+          <a:lstStyle/>
+          <a:p>
+            <a:r>
+              <a:rPr lang="en-US" dirty="0"/>
+              <a:t>3 dx</a:t>
+            </a:r>
+          </a:p>
+        </p:txBody>
+      </p:sp>
+      <p:cxnSp>
+        <p:nvCxnSpPr>
+          <p:cNvPr id="15" name="Straight Connector 14"/>
+          <p:cNvCxnSpPr/>
+          <p:nvPr/>
+        </p:nvCxnSpPr>
+        <p:spPr>
+          <a:xfrm flipV="1">
+            <a:off x="1847695" y="445983"/>
+            <a:ext cx="632177" cy="7924"/>
+          </a:xfrm>
+          <a:prstGeom prst="line">
+            <a:avLst/>
+          </a:prstGeom>
+          <a:ln w="28575">
+            <a:headEnd type="arrow" w="med" len="med"/>
+            <a:tailEnd type="arrow" w="med" len="med"/>
+          </a:ln>
+        </p:spPr>
+        <p:style>
+          <a:lnRef idx="1">
+            <a:schemeClr val="accent1"/>
+          </a:lnRef>
+          <a:fillRef idx="0">
+            <a:schemeClr val="accent1"/>
+          </a:fillRef>
+          <a:effectRef idx="0">
+            <a:schemeClr val="accent1"/>
+          </a:effectRef>
+          <a:fontRef idx="minor">
+            <a:schemeClr val="tx1"/>
+          </a:fontRef>
+        </p:style>
+      </p:cxnSp>
+      <p:sp>
+        <p:nvSpPr>
+          <p:cNvPr id="28" name="Rectangle 27"/>
+          <p:cNvSpPr/>
+          <p:nvPr/>
+        </p:nvSpPr>
+        <p:spPr>
+          <a:xfrm>
+            <a:off x="1724456" y="3990943"/>
+            <a:ext cx="620889" cy="620889"/>
+          </a:xfrm>
+          <a:prstGeom prst="rect">
+            <a:avLst/>
+          </a:prstGeom>
+          <a:noFill/>
+          <a:ln w="38100"/>
+        </p:spPr>
+        <p:style>
+          <a:lnRef idx="2">
+            <a:schemeClr val="accent1">
+              <a:shade val="50000"/>
+            </a:schemeClr>
+          </a:lnRef>
+          <a:fillRef idx="1">
+            <a:schemeClr val="accent1"/>
+          </a:fillRef>
+          <a:effectRef idx="0">
+            <a:schemeClr val="accent1"/>
+          </a:effectRef>
+          <a:fontRef idx="minor">
+            <a:schemeClr val="lt1"/>
+          </a:fontRef>
+        </p:style>
+        <p:txBody>
+          <a:bodyPr rtlCol="0" anchor="ctr"/>
+          <a:lstStyle/>
+          <a:p>
+            <a:pPr algn="ctr"/>
+            <a:endParaRPr lang="en-US"/>
+          </a:p>
+        </p:txBody>
+      </p:sp>
+      <p:sp>
+        <p:nvSpPr>
+          <p:cNvPr id="29" name="Rectangle 28"/>
+          <p:cNvSpPr/>
+          <p:nvPr/>
+        </p:nvSpPr>
+        <p:spPr>
+          <a:xfrm>
+            <a:off x="2350724" y="3990943"/>
+            <a:ext cx="620889" cy="620889"/>
+          </a:xfrm>
+          <a:prstGeom prst="rect">
+            <a:avLst/>
+          </a:prstGeom>
+          <a:noFill/>
+          <a:ln w="38100"/>
+        </p:spPr>
+        <p:style>
+          <a:lnRef idx="2">
+            <a:schemeClr val="accent1">
+              <a:shade val="50000"/>
+            </a:schemeClr>
+          </a:lnRef>
+          <a:fillRef idx="1">
+            <a:schemeClr val="accent1"/>
+          </a:fillRef>
+          <a:effectRef idx="0">
+            <a:schemeClr val="accent1"/>
+          </a:effectRef>
+          <a:fontRef idx="minor">
+            <a:schemeClr val="lt1"/>
+          </a:fontRef>
+        </p:style>
+        <p:txBody>
+          <a:bodyPr rtlCol="0" anchor="ctr"/>
+          <a:lstStyle/>
+          <a:p>
+            <a:pPr algn="ctr"/>
+            <a:endParaRPr lang="en-US"/>
+          </a:p>
+        </p:txBody>
+      </p:sp>
+      <p:sp>
+        <p:nvSpPr>
+          <p:cNvPr id="30" name="Rectangle 29"/>
+          <p:cNvSpPr/>
+          <p:nvPr/>
+        </p:nvSpPr>
+        <p:spPr>
+          <a:xfrm>
+            <a:off x="2976992" y="3990943"/>
+            <a:ext cx="620889" cy="620889"/>
+          </a:xfrm>
+          <a:prstGeom prst="rect">
+            <a:avLst/>
+          </a:prstGeom>
+          <a:noFill/>
+          <a:ln w="38100"/>
+        </p:spPr>
+        <p:style>
+          <a:lnRef idx="2">
+            <a:schemeClr val="accent1">
+              <a:shade val="50000"/>
+            </a:schemeClr>
+          </a:lnRef>
+          <a:fillRef idx="1">
+            <a:schemeClr val="accent1"/>
+          </a:fillRef>
+          <a:effectRef idx="0">
+            <a:schemeClr val="accent1"/>
+          </a:effectRef>
+          <a:fontRef idx="minor">
+            <a:schemeClr val="lt1"/>
+          </a:fontRef>
+        </p:style>
+        <p:txBody>
+          <a:bodyPr rtlCol="0" anchor="ctr"/>
+          <a:lstStyle/>
+          <a:p>
+            <a:pPr algn="ctr"/>
+            <a:endParaRPr lang="en-US"/>
+          </a:p>
+        </p:txBody>
+      </p:sp>
+      <mc:AlternateContent xmlns:mc="http://schemas.openxmlformats.org/markup-compatibility/2006" xmlns:a14="http://schemas.microsoft.com/office/drawing/2010/main">
+        <mc:Choice Requires="a14">
+          <p:sp>
+            <p:nvSpPr>
+              <p:cNvPr id="32" name="TextBox 31"/>
+              <p:cNvSpPr txBox="1"/>
+              <p:nvPr/>
+            </p:nvSpPr>
+            <p:spPr>
+              <a:xfrm>
+                <a:off x="1540829" y="4992918"/>
+                <a:ext cx="2350900" cy="369332"/>
+              </a:xfrm>
+              <a:prstGeom prst="rect">
+                <a:avLst/>
+              </a:prstGeom>
+              <a:noFill/>
+            </p:spPr>
+            <p:txBody>
+              <a:bodyPr wrap="none" rtlCol="0">
+                <a:spAutoFit/>
+              </a:bodyPr>
+              <a:lstStyle/>
+              <a:p>
+                <a:pPr/>
+                <a14:m>
+                  <m:oMathPara xmlns:m="http://schemas.openxmlformats.org/officeDocument/2006/math">
+                    <m:oMathParaPr>
+                      <m:jc m:val="centerGroup"/>
+                    </m:oMathParaPr>
+                    <m:oMath xmlns:m="http://schemas.openxmlformats.org/officeDocument/2006/math">
+                      <m:r>
+                        <a:rPr lang="en-US" i="1" dirty="0" smtClean="0">
+                          <a:latin typeface="Cambria Math" panose="02040503050406030204" pitchFamily="18" charset="0"/>
+                        </a:rPr>
+                        <m:t>𝐴</m:t>
+                      </m:r>
+                      <m:r>
+                        <a:rPr lang="en-US" b="0" i="1" dirty="0" smtClean="0">
+                          <a:latin typeface="Cambria Math" panose="02040503050406030204" pitchFamily="18" charset="0"/>
+                        </a:rPr>
+                        <m:t>𝑟𝑒𝑎</m:t>
+                      </m:r>
+                      <m:r>
+                        <a:rPr lang="en-US" i="1" dirty="0" smtClean="0">
+                          <a:latin typeface="Cambria Math" panose="02040503050406030204" pitchFamily="18" charset="0"/>
+                        </a:rPr>
+                        <m:t> = 3 </m:t>
+                      </m:r>
+                      <m:r>
+                        <a:rPr lang="en-US" i="1" dirty="0" smtClean="0">
+                          <a:latin typeface="Cambria Math" panose="02040503050406030204" pitchFamily="18" charset="0"/>
+                        </a:rPr>
+                        <m:t>𝑑𝑥</m:t>
+                      </m:r>
+                      <m:r>
+                        <a:rPr lang="en-US" i="1" dirty="0">
+                          <a:latin typeface="Cambria Math" panose="02040503050406030204" pitchFamily="18" charset="0"/>
+                        </a:rPr>
+                        <m:t> </m:t>
+                      </m:r>
+                      <m:r>
+                        <a:rPr lang="en-US" i="1" dirty="0" smtClean="0">
+                          <a:latin typeface="Cambria Math" panose="02040503050406030204" pitchFamily="18" charset="0"/>
+                        </a:rPr>
+                        <m:t>∗ 2 </m:t>
+                      </m:r>
+                      <m:r>
+                        <a:rPr lang="en-US" i="1" dirty="0" err="1" smtClean="0">
+                          <a:latin typeface="Cambria Math" panose="02040503050406030204" pitchFamily="18" charset="0"/>
+                        </a:rPr>
+                        <m:t>𝑑𝑦</m:t>
+                      </m:r>
+                    </m:oMath>
+                  </m:oMathPara>
+                </a14:m>
+                <a:endParaRPr lang="en-US" dirty="0"/>
+              </a:p>
+            </p:txBody>
+          </p:sp>
+        </mc:Choice>
+        <mc:Fallback xmlns="">
+          <p:sp>
+            <p:nvSpPr>
+              <p:cNvPr id="32" name="TextBox 31"/>
+              <p:cNvSpPr txBox="1">
+                <a:spLocks noRot="1" noChangeAspect="1" noMove="1" noResize="1" noEditPoints="1" noAdjustHandles="1" noChangeArrowheads="1" noChangeShapeType="1" noTextEdit="1"/>
+              </p:cNvSpPr>
+              <p:nvPr/>
+            </p:nvSpPr>
+            <p:spPr>
+              <a:xfrm>
+                <a:off x="1540829" y="4992918"/>
+                <a:ext cx="2350900" cy="369332"/>
+              </a:xfrm>
+              <a:prstGeom prst="rect">
+                <a:avLst/>
+              </a:prstGeom>
+              <a:blipFill>
+                <a:blip r:embed="rId3"/>
+                <a:stretch>
+                  <a:fillRect b="-16667"/>
+                </a:stretch>
+              </a:blipFill>
+            </p:spPr>
+            <p:txBody>
+              <a:bodyPr/>
+              <a:lstStyle/>
+              <a:p>
+                <a:r>
+                  <a:rPr lang="de-DE">
+                    <a:noFill/>
+                  </a:rPr>
+                  <a:t> </a:t>
+                </a:r>
+              </a:p>
+            </p:txBody>
+          </p:sp>
+        </mc:Fallback>
+      </mc:AlternateContent>
       <p:cxnSp>
         <p:nvCxnSpPr>
           <p:cNvPr id="33" name="Straight Connector 32"/>
@@ -3627,7 +6145,7 @@
         </p:nvCxnSpPr>
         <p:spPr>
           <a:xfrm flipH="1">
-            <a:off x="5250722" y="2932554"/>
+            <a:off x="1540568" y="3292318"/>
             <a:ext cx="3532" cy="1319514"/>
           </a:xfrm>
           <a:prstGeom prst="line">
@@ -3661,8 +6179,8 @@
         </p:nvSpPr>
         <p:spPr>
           <a:xfrm>
-            <a:off x="4554035" y="3311173"/>
-            <a:ext cx="643125" cy="369332"/>
+            <a:off x="843881" y="3670937"/>
+            <a:ext cx="580608" cy="369332"/>
           </a:xfrm>
           <a:prstGeom prst="rect">
             <a:avLst/>
@@ -3676,15 +6194,11 @@
           <a:lstStyle/>
           <a:p>
             <a:r>
-              <a:rPr lang="en-US" dirty="0" smtClean="0"/>
-              <a:t>2</a:t>
-            </a:r>
-            <a:r>
-              <a:rPr lang="en-US" dirty="0" smtClean="0"/>
-              <a:t>*</a:t>
-            </a:r>
-            <a:r>
-              <a:rPr lang="en-US" dirty="0" err="1" smtClean="0"/>
+              <a:rPr lang="en-US" dirty="0"/>
+              <a:t>2 </a:t>
+            </a:r>
+            <a:r>
+              <a:rPr lang="en-US" dirty="0" err="1"/>
               <a:t>dy</a:t>
             </a:r>
             <a:endParaRPr lang="en-US" dirty="0"/>
@@ -3705,7 +6219,7 @@
         </p:nvSpPr>
         <p:spPr>
           <a:xfrm>
-            <a:off x="6718246" y="1296717"/>
+            <a:off x="154227" y="6008538"/>
             <a:ext cx="730495" cy="730495"/>
           </a:xfrm>
           <a:prstGeom prst="cube">
@@ -3743,13 +6257,15 @@
       <p:cxnSp>
         <p:nvCxnSpPr>
           <p:cNvPr id="38" name="Straight Connector 37"/>
-          <p:cNvCxnSpPr/>
+          <p:cNvCxnSpPr>
+            <a:cxnSpLocks/>
+          </p:cNvCxnSpPr>
           <p:nvPr/>
         </p:nvCxnSpPr>
         <p:spPr>
           <a:xfrm flipV="1">
-            <a:off x="7560770" y="1216836"/>
-            <a:ext cx="0" cy="635435"/>
+            <a:off x="989771" y="6008538"/>
+            <a:ext cx="0" cy="551864"/>
           </a:xfrm>
           <a:prstGeom prst="line">
             <a:avLst/>
@@ -3782,8 +6298,8 @@
         </p:nvSpPr>
         <p:spPr>
           <a:xfrm>
-            <a:off x="7083493" y="823350"/>
-            <a:ext cx="1599220" cy="369332"/>
+            <a:off x="100172" y="5454521"/>
+            <a:ext cx="1618905" cy="369332"/>
           </a:xfrm>
           <a:prstGeom prst="rect">
             <a:avLst/>
@@ -3797,25 +6313,626 @@
           <a:lstStyle/>
           <a:p>
             <a:r>
-              <a:rPr lang="en-US" dirty="0" smtClean="0"/>
-              <a:t>voxel</a:t>
-            </a:r>
-            <a:r>
-              <a:rPr lang="en-US" dirty="0" smtClean="0"/>
-              <a:t> depth, </a:t>
-            </a:r>
-            <a:r>
-              <a:rPr lang="en-US" dirty="0" err="1" smtClean="0"/>
+              <a:rPr lang="en-US" dirty="0"/>
+              <a:t>Voxel depth, </a:t>
+            </a:r>
+            <a:r>
+              <a:rPr lang="en-US" dirty="0" err="1"/>
               <a:t>dz</a:t>
             </a:r>
             <a:endParaRPr lang="en-US" dirty="0"/>
           </a:p>
         </p:txBody>
       </p:sp>
+      <p:pic>
+        <p:nvPicPr>
+          <p:cNvPr id="2" name="Picture 1">
+            <a:extLst>
+              <a:ext uri="{FF2B5EF4-FFF2-40B4-BE49-F238E27FC236}">
+                <a16:creationId xmlns:a16="http://schemas.microsoft.com/office/drawing/2014/main" id="{735AA54B-4CF3-3245-83F5-0A757CB942B4}"/>
+              </a:ext>
+            </a:extLst>
+          </p:cNvPr>
+          <p:cNvPicPr>
+            <a:picLocks noChangeAspect="1"/>
+          </p:cNvPicPr>
+          <p:nvPr/>
+        </p:nvPicPr>
+        <p:blipFill>
+          <a:blip r:embed="rId4"/>
+          <a:stretch>
+            <a:fillRect/>
+          </a:stretch>
+        </p:blipFill>
+        <p:spPr>
+          <a:xfrm>
+            <a:off x="4732681" y="2794741"/>
+            <a:ext cx="2466807" cy="2466807"/>
+          </a:xfrm>
+          <a:prstGeom prst="rect">
+            <a:avLst/>
+          </a:prstGeom>
+        </p:spPr>
+      </p:pic>
+      <p:pic>
+        <p:nvPicPr>
+          <p:cNvPr id="9" name="Picture 8">
+            <a:extLst>
+              <a:ext uri="{FF2B5EF4-FFF2-40B4-BE49-F238E27FC236}">
+                <a16:creationId xmlns:a16="http://schemas.microsoft.com/office/drawing/2014/main" id="{0FA03725-3C6B-E547-96B5-219B4EF4940E}"/>
+              </a:ext>
+            </a:extLst>
+          </p:cNvPr>
+          <p:cNvPicPr>
+            <a:picLocks noChangeAspect="1"/>
+          </p:cNvPicPr>
+          <p:nvPr/>
+        </p:nvPicPr>
+        <p:blipFill rotWithShape="1">
+          <a:blip r:embed="rId5"/>
+          <a:srcRect l="8811" t="11586" r="11204" b="12787"/>
+          <a:stretch/>
+        </p:blipFill>
+        <p:spPr>
+          <a:xfrm>
+            <a:off x="6653076" y="2664315"/>
+            <a:ext cx="1505044" cy="1403230"/>
+          </a:xfrm>
+          <a:prstGeom prst="rect">
+            <a:avLst/>
+          </a:prstGeom>
+        </p:spPr>
+      </p:pic>
+      <p:cxnSp>
+        <p:nvCxnSpPr>
+          <p:cNvPr id="17" name="Straight Arrow Connector 16">
+            <a:extLst>
+              <a:ext uri="{FF2B5EF4-FFF2-40B4-BE49-F238E27FC236}">
+                <a16:creationId xmlns:a16="http://schemas.microsoft.com/office/drawing/2014/main" id="{41669CEC-161B-CC4F-BF1C-7A07D489D1E7}"/>
+              </a:ext>
+            </a:extLst>
+          </p:cNvPr>
+          <p:cNvCxnSpPr>
+            <a:cxnSpLocks/>
+            <a:stCxn id="34" idx="2"/>
+          </p:cNvCxnSpPr>
+          <p:nvPr/>
+        </p:nvCxnSpPr>
+        <p:spPr>
+          <a:xfrm>
+            <a:off x="6761021" y="2346562"/>
+            <a:ext cx="502435" cy="943352"/>
+          </a:xfrm>
+          <a:prstGeom prst="straightConnector1">
+            <a:avLst/>
+          </a:prstGeom>
+          <a:ln w="25400">
+            <a:solidFill>
+              <a:schemeClr val="accent1"/>
+            </a:solidFill>
+            <a:tailEnd type="triangle"/>
+          </a:ln>
+        </p:spPr>
+        <p:style>
+          <a:lnRef idx="1">
+            <a:schemeClr val="accent1"/>
+          </a:lnRef>
+          <a:fillRef idx="0">
+            <a:schemeClr val="accent1"/>
+          </a:fillRef>
+          <a:effectRef idx="0">
+            <a:schemeClr val="accent1"/>
+          </a:effectRef>
+          <a:fontRef idx="minor">
+            <a:schemeClr val="tx1"/>
+          </a:fontRef>
+        </p:style>
+      </p:cxnSp>
+      <mc:AlternateContent xmlns:mc="http://schemas.openxmlformats.org/markup-compatibility/2006" xmlns:a14="http://schemas.microsoft.com/office/drawing/2010/main">
+        <mc:Choice Requires="a14">
+          <p:sp>
+            <p:nvSpPr>
+              <p:cNvPr id="34" name="TextBox 33">
+                <a:extLst>
+                  <a:ext uri="{FF2B5EF4-FFF2-40B4-BE49-F238E27FC236}">
+                    <a16:creationId xmlns:a16="http://schemas.microsoft.com/office/drawing/2014/main" id="{88460B12-1FCE-8843-9F16-F58CFB2F4128}"/>
+                  </a:ext>
+                </a:extLst>
+              </p:cNvPr>
+              <p:cNvSpPr txBox="1"/>
+              <p:nvPr/>
+            </p:nvSpPr>
+            <p:spPr>
+              <a:xfrm>
+                <a:off x="5026155" y="1700231"/>
+                <a:ext cx="3469731" cy="646331"/>
+              </a:xfrm>
+              <a:prstGeom prst="rect">
+                <a:avLst/>
+              </a:prstGeom>
+              <a:noFill/>
+            </p:spPr>
+            <p:txBody>
+              <a:bodyPr wrap="none" rtlCol="0">
+                <a:spAutoFit/>
+              </a:bodyPr>
+              <a:lstStyle/>
+              <a:p>
+                <a:pPr/>
+                <a14:m>
+                  <m:oMathPara xmlns:m="http://schemas.openxmlformats.org/officeDocument/2006/math">
+                    <m:oMathParaPr>
+                      <m:jc m:val="centerGroup"/>
+                    </m:oMathParaPr>
+                    <m:oMath xmlns:m="http://schemas.openxmlformats.org/officeDocument/2006/math">
+                      <m:r>
+                        <a:rPr lang="en-US" b="0" i="1" smtClean="0">
+                          <a:latin typeface="Cambria Math" panose="02040503050406030204" pitchFamily="18" charset="0"/>
+                        </a:rPr>
+                        <m:t>𝑥</m:t>
+                      </m:r>
+                      <m:r>
+                        <a:rPr lang="en-US" i="1" smtClean="0">
+                          <a:latin typeface="Cambria Math" panose="02040503050406030204" pitchFamily="18" charset="0"/>
+                        </a:rPr>
+                        <m:t>=</m:t>
+                      </m:r>
+                      <m:r>
+                        <a:rPr lang="en-US" b="0" i="1" smtClean="0">
+                          <a:latin typeface="Cambria Math" panose="02040503050406030204" pitchFamily="18" charset="0"/>
+                        </a:rPr>
+                        <m:t>139 ∗ 0.13 µ</m:t>
+                      </m:r>
+                      <m:r>
+                        <a:rPr lang="en-US" b="0" i="1" smtClean="0">
+                          <a:latin typeface="Cambria Math" panose="02040503050406030204" pitchFamily="18" charset="0"/>
+                        </a:rPr>
+                        <m:t>𝑚</m:t>
+                      </m:r>
+                      <m:r>
+                        <a:rPr lang="en-US" b="0" i="1" smtClean="0">
+                          <a:latin typeface="Cambria Math" panose="02040503050406030204" pitchFamily="18" charset="0"/>
+                        </a:rPr>
+                        <m:t>=18.07 µ</m:t>
+                      </m:r>
+                      <m:r>
+                        <a:rPr lang="en-US" b="0" i="1" smtClean="0">
+                          <a:latin typeface="Cambria Math" panose="02040503050406030204" pitchFamily="18" charset="0"/>
+                        </a:rPr>
+                        <m:t>𝑚</m:t>
+                      </m:r>
+                      <m:r>
+                        <a:rPr lang="en-US" b="0" i="1" smtClean="0">
+                          <a:latin typeface="Cambria Math" panose="02040503050406030204" pitchFamily="18" charset="0"/>
+                        </a:rPr>
+                        <m:t> </m:t>
+                      </m:r>
+                    </m:oMath>
+                  </m:oMathPara>
+                </a14:m>
+                <a:endParaRPr lang="en-US" b="0" dirty="0"/>
+              </a:p>
+              <a:p>
+                <a:pPr/>
+                <a14:m>
+                  <m:oMathPara xmlns:m="http://schemas.openxmlformats.org/officeDocument/2006/math">
+                    <m:oMathParaPr>
+                      <m:jc m:val="centerGroup"/>
+                    </m:oMathParaPr>
+                    <m:oMath xmlns:m="http://schemas.openxmlformats.org/officeDocument/2006/math">
+                      <m:r>
+                        <a:rPr lang="en-US" b="0" i="1" smtClean="0">
+                          <a:latin typeface="Cambria Math" panose="02040503050406030204" pitchFamily="18" charset="0"/>
+                        </a:rPr>
+                        <m:t>𝑦</m:t>
+                      </m:r>
+                      <m:r>
+                        <a:rPr lang="en-US" i="1">
+                          <a:latin typeface="Cambria Math" panose="02040503050406030204" pitchFamily="18" charset="0"/>
+                        </a:rPr>
+                        <m:t>=</m:t>
+                      </m:r>
+                      <m:r>
+                        <a:rPr lang="en-US" b="0" i="1" smtClean="0">
+                          <a:latin typeface="Cambria Math" panose="02040503050406030204" pitchFamily="18" charset="0"/>
+                        </a:rPr>
+                        <m:t>50</m:t>
+                      </m:r>
+                      <m:r>
+                        <a:rPr lang="en-US" i="1">
+                          <a:latin typeface="Cambria Math" panose="02040503050406030204" pitchFamily="18" charset="0"/>
+                        </a:rPr>
+                        <m:t> ∗ 0.13 µ</m:t>
+                      </m:r>
+                      <m:r>
+                        <a:rPr lang="en-US" i="1">
+                          <a:latin typeface="Cambria Math" panose="02040503050406030204" pitchFamily="18" charset="0"/>
+                        </a:rPr>
+                        <m:t>𝑚</m:t>
+                      </m:r>
+                      <m:r>
+                        <a:rPr lang="en-US" i="1">
+                          <a:latin typeface="Cambria Math" panose="02040503050406030204" pitchFamily="18" charset="0"/>
+                        </a:rPr>
+                        <m:t>=6.5 µ</m:t>
+                      </m:r>
+                      <m:r>
+                        <a:rPr lang="en-US" i="1">
+                          <a:latin typeface="Cambria Math" panose="02040503050406030204" pitchFamily="18" charset="0"/>
+                        </a:rPr>
+                        <m:t>𝑚</m:t>
+                      </m:r>
+                      <m:r>
+                        <a:rPr lang="en-US" i="1">
+                          <a:latin typeface="Cambria Math" panose="02040503050406030204" pitchFamily="18" charset="0"/>
+                        </a:rPr>
+                        <m:t> </m:t>
+                      </m:r>
+                    </m:oMath>
+                  </m:oMathPara>
+                </a14:m>
+                <a:endParaRPr lang="en-US" dirty="0"/>
+              </a:p>
+            </p:txBody>
+          </p:sp>
+        </mc:Choice>
+        <mc:Fallback xmlns="">
+          <p:sp>
+            <p:nvSpPr>
+              <p:cNvPr id="34" name="TextBox 33">
+                <a:extLst>
+                  <a:ext uri="{FF2B5EF4-FFF2-40B4-BE49-F238E27FC236}">
+                    <a16:creationId xmlns:a16="http://schemas.microsoft.com/office/drawing/2014/main" id="{88460B12-1FCE-8843-9F16-F58CFB2F4128}"/>
+                  </a:ext>
+                </a:extLst>
+              </p:cNvPr>
+              <p:cNvSpPr txBox="1">
+                <a:spLocks noRot="1" noChangeAspect="1" noMove="1" noResize="1" noEditPoints="1" noAdjustHandles="1" noChangeArrowheads="1" noChangeShapeType="1" noTextEdit="1"/>
+              </p:cNvSpPr>
+              <p:nvPr/>
+            </p:nvSpPr>
+            <p:spPr>
+              <a:xfrm>
+                <a:off x="5026155" y="1700231"/>
+                <a:ext cx="3469731" cy="646331"/>
+              </a:xfrm>
+              <a:prstGeom prst="rect">
+                <a:avLst/>
+              </a:prstGeom>
+              <a:blipFill>
+                <a:blip r:embed="rId6"/>
+                <a:stretch>
+                  <a:fillRect b="-7692"/>
+                </a:stretch>
+              </a:blipFill>
+            </p:spPr>
+            <p:txBody>
+              <a:bodyPr/>
+              <a:lstStyle/>
+              <a:p>
+                <a:r>
+                  <a:rPr lang="de-DE">
+                    <a:noFill/>
+                  </a:rPr>
+                  <a:t> </a:t>
+                </a:r>
+              </a:p>
+            </p:txBody>
+          </p:sp>
+        </mc:Fallback>
+      </mc:AlternateContent>
+      <p:sp>
+        <p:nvSpPr>
+          <p:cNvPr id="21" name="Rectangle 20">
+            <a:extLst>
+              <a:ext uri="{FF2B5EF4-FFF2-40B4-BE49-F238E27FC236}">
+                <a16:creationId xmlns:a16="http://schemas.microsoft.com/office/drawing/2014/main" id="{AFDC82EB-CA73-C543-82FD-EED622F9E2F9}"/>
+              </a:ext>
+            </a:extLst>
+          </p:cNvPr>
+          <p:cNvSpPr/>
+          <p:nvPr/>
+        </p:nvSpPr>
+        <p:spPr>
+          <a:xfrm>
+            <a:off x="6124835" y="3217368"/>
+            <a:ext cx="290955" cy="290330"/>
+          </a:xfrm>
+          <a:prstGeom prst="rect">
+            <a:avLst/>
+          </a:prstGeom>
+          <a:noFill/>
+          <a:ln w="25400">
+            <a:solidFill>
+              <a:schemeClr val="accent1"/>
+            </a:solidFill>
+            <a:prstDash val="sysDash"/>
+          </a:ln>
+        </p:spPr>
+        <p:style>
+          <a:lnRef idx="2">
+            <a:schemeClr val="accent1">
+              <a:shade val="50000"/>
+            </a:schemeClr>
+          </a:lnRef>
+          <a:fillRef idx="1">
+            <a:schemeClr val="accent1"/>
+          </a:fillRef>
+          <a:effectRef idx="0">
+            <a:schemeClr val="accent1"/>
+          </a:effectRef>
+          <a:fontRef idx="minor">
+            <a:schemeClr val="lt1"/>
+          </a:fontRef>
+        </p:style>
+        <p:txBody>
+          <a:bodyPr rtlCol="0" anchor="ctr"/>
+          <a:lstStyle/>
+          <a:p>
+            <a:pPr algn="ctr"/>
+            <a:endParaRPr lang="de-DE" dirty="0"/>
+          </a:p>
+        </p:txBody>
+      </p:sp>
+      <p:sp>
+        <p:nvSpPr>
+          <p:cNvPr id="37" name="TextBox 36">
+            <a:extLst>
+              <a:ext uri="{FF2B5EF4-FFF2-40B4-BE49-F238E27FC236}">
+                <a16:creationId xmlns:a16="http://schemas.microsoft.com/office/drawing/2014/main" id="{57BC08D2-26A8-3E40-BB59-5C2B6734CB97}"/>
+              </a:ext>
+            </a:extLst>
+          </p:cNvPr>
+          <p:cNvSpPr txBox="1"/>
+          <p:nvPr/>
+        </p:nvSpPr>
+        <p:spPr>
+          <a:xfrm>
+            <a:off x="4987014" y="1276992"/>
+            <a:ext cx="2636171" cy="369332"/>
+          </a:xfrm>
+          <a:prstGeom prst="rect">
+            <a:avLst/>
+          </a:prstGeom>
+          <a:noFill/>
+        </p:spPr>
+        <p:txBody>
+          <a:bodyPr wrap="none" rtlCol="0">
+            <a:spAutoFit/>
+          </a:bodyPr>
+          <a:lstStyle/>
+          <a:p>
+            <a:r>
+              <a:rPr lang="en-US" dirty="0"/>
+              <a:t>Location = Index * Spacing</a:t>
+            </a:r>
+          </a:p>
+        </p:txBody>
+      </p:sp>
+      <p:sp>
+        <p:nvSpPr>
+          <p:cNvPr id="4" name="Oval 3">
+            <a:extLst>
+              <a:ext uri="{FF2B5EF4-FFF2-40B4-BE49-F238E27FC236}">
+                <a16:creationId xmlns:a16="http://schemas.microsoft.com/office/drawing/2014/main" id="{AF37A3E8-8BF4-2148-8E7C-990B11478EB6}"/>
+              </a:ext>
+            </a:extLst>
+          </p:cNvPr>
+          <p:cNvSpPr/>
+          <p:nvPr/>
+        </p:nvSpPr>
+        <p:spPr>
+          <a:xfrm>
+            <a:off x="1771424" y="1572132"/>
+            <a:ext cx="127469" cy="127469"/>
+          </a:xfrm>
+          <a:prstGeom prst="ellipse">
+            <a:avLst/>
+          </a:prstGeom>
+        </p:spPr>
+        <p:style>
+          <a:lnRef idx="2">
+            <a:schemeClr val="accent1">
+              <a:shade val="50000"/>
+            </a:schemeClr>
+          </a:lnRef>
+          <a:fillRef idx="1">
+            <a:schemeClr val="accent1"/>
+          </a:fillRef>
+          <a:effectRef idx="0">
+            <a:schemeClr val="accent1"/>
+          </a:effectRef>
+          <a:fontRef idx="minor">
+            <a:schemeClr val="lt1"/>
+          </a:fontRef>
+        </p:style>
+        <p:txBody>
+          <a:bodyPr rtlCol="0" anchor="ctr"/>
+          <a:lstStyle/>
+          <a:p>
+            <a:pPr algn="ctr"/>
+            <a:endParaRPr lang="de-DE"/>
+          </a:p>
+        </p:txBody>
+      </p:sp>
+      <p:cxnSp>
+        <p:nvCxnSpPr>
+          <p:cNvPr id="31" name="Straight Connector 30">
+            <a:extLst>
+              <a:ext uri="{FF2B5EF4-FFF2-40B4-BE49-F238E27FC236}">
+                <a16:creationId xmlns:a16="http://schemas.microsoft.com/office/drawing/2014/main" id="{E6FC736E-789C-7040-94B5-BDBD88B037F3}"/>
+              </a:ext>
+            </a:extLst>
+          </p:cNvPr>
+          <p:cNvCxnSpPr/>
+          <p:nvPr/>
+        </p:nvCxnSpPr>
+        <p:spPr>
+          <a:xfrm flipV="1">
+            <a:off x="1847716" y="1472296"/>
+            <a:ext cx="632177" cy="7924"/>
+          </a:xfrm>
+          <a:prstGeom prst="line">
+            <a:avLst/>
+          </a:prstGeom>
+          <a:ln w="28575">
+            <a:headEnd type="arrow" w="med" len="med"/>
+            <a:tailEnd type="arrow" w="med" len="med"/>
+          </a:ln>
+        </p:spPr>
+        <p:style>
+          <a:lnRef idx="1">
+            <a:schemeClr val="accent1"/>
+          </a:lnRef>
+          <a:fillRef idx="0">
+            <a:schemeClr val="accent1"/>
+          </a:fillRef>
+          <a:effectRef idx="0">
+            <a:schemeClr val="accent1"/>
+          </a:effectRef>
+          <a:fontRef idx="minor">
+            <a:schemeClr val="tx1"/>
+          </a:fontRef>
+        </p:style>
+      </p:cxnSp>
+      <p:sp>
+        <p:nvSpPr>
+          <p:cNvPr id="39" name="Oval 38">
+            <a:extLst>
+              <a:ext uri="{FF2B5EF4-FFF2-40B4-BE49-F238E27FC236}">
+                <a16:creationId xmlns:a16="http://schemas.microsoft.com/office/drawing/2014/main" id="{192EADBE-933E-7C4D-B989-9B6CC6B9E79C}"/>
+              </a:ext>
+            </a:extLst>
+          </p:cNvPr>
+          <p:cNvSpPr/>
+          <p:nvPr/>
+        </p:nvSpPr>
+        <p:spPr>
+          <a:xfrm>
+            <a:off x="2398839" y="1582030"/>
+            <a:ext cx="127469" cy="127469"/>
+          </a:xfrm>
+          <a:prstGeom prst="ellipse">
+            <a:avLst/>
+          </a:prstGeom>
+        </p:spPr>
+        <p:style>
+          <a:lnRef idx="2">
+            <a:schemeClr val="accent1">
+              <a:shade val="50000"/>
+            </a:schemeClr>
+          </a:lnRef>
+          <a:fillRef idx="1">
+            <a:schemeClr val="accent1"/>
+          </a:fillRef>
+          <a:effectRef idx="0">
+            <a:schemeClr val="accent1"/>
+          </a:effectRef>
+          <a:fontRef idx="minor">
+            <a:schemeClr val="lt1"/>
+          </a:fontRef>
+        </p:style>
+        <p:txBody>
+          <a:bodyPr rtlCol="0" anchor="ctr"/>
+          <a:lstStyle/>
+          <a:p>
+            <a:pPr algn="ctr"/>
+            <a:endParaRPr lang="de-DE"/>
+          </a:p>
+        </p:txBody>
+      </p:sp>
+      <p:sp>
+        <p:nvSpPr>
+          <p:cNvPr id="41" name="Oval 40">
+            <a:extLst>
+              <a:ext uri="{FF2B5EF4-FFF2-40B4-BE49-F238E27FC236}">
+                <a16:creationId xmlns:a16="http://schemas.microsoft.com/office/drawing/2014/main" id="{384B8D59-0A16-1243-9CF4-00C92ACCA438}"/>
+              </a:ext>
+            </a:extLst>
+          </p:cNvPr>
+          <p:cNvSpPr/>
+          <p:nvPr/>
+        </p:nvSpPr>
+        <p:spPr>
+          <a:xfrm>
+            <a:off x="1781321" y="2128291"/>
+            <a:ext cx="127469" cy="127469"/>
+          </a:xfrm>
+          <a:prstGeom prst="ellipse">
+            <a:avLst/>
+          </a:prstGeom>
+        </p:spPr>
+        <p:style>
+          <a:lnRef idx="2">
+            <a:schemeClr val="accent1">
+              <a:shade val="50000"/>
+            </a:schemeClr>
+          </a:lnRef>
+          <a:fillRef idx="1">
+            <a:schemeClr val="accent1"/>
+          </a:fillRef>
+          <a:effectRef idx="0">
+            <a:schemeClr val="accent1"/>
+          </a:effectRef>
+          <a:fontRef idx="minor">
+            <a:schemeClr val="lt1"/>
+          </a:fontRef>
+        </p:style>
+        <p:txBody>
+          <a:bodyPr rtlCol="0" anchor="ctr"/>
+          <a:lstStyle/>
+          <a:p>
+            <a:pPr algn="ctr"/>
+            <a:endParaRPr lang="de-DE"/>
+          </a:p>
+        </p:txBody>
+      </p:sp>
+      <p:cxnSp>
+        <p:nvCxnSpPr>
+          <p:cNvPr id="42" name="Straight Connector 41">
+            <a:extLst>
+              <a:ext uri="{FF2B5EF4-FFF2-40B4-BE49-F238E27FC236}">
+                <a16:creationId xmlns:a16="http://schemas.microsoft.com/office/drawing/2014/main" id="{2D1E2D63-2EBB-1E49-B881-4080389BB517}"/>
+              </a:ext>
+            </a:extLst>
+          </p:cNvPr>
+          <p:cNvCxnSpPr>
+            <a:cxnSpLocks/>
+          </p:cNvCxnSpPr>
+          <p:nvPr/>
+        </p:nvCxnSpPr>
+        <p:spPr>
+          <a:xfrm>
+            <a:off x="1703234" y="1596995"/>
+            <a:ext cx="0" cy="611067"/>
+          </a:xfrm>
+          <a:prstGeom prst="line">
+            <a:avLst/>
+          </a:prstGeom>
+          <a:ln w="28575">
+            <a:headEnd type="arrow" w="med" len="med"/>
+            <a:tailEnd type="arrow" w="med" len="med"/>
+          </a:ln>
+        </p:spPr>
+        <p:style>
+          <a:lnRef idx="1">
+            <a:schemeClr val="accent1"/>
+          </a:lnRef>
+          <a:fillRef idx="0">
+            <a:schemeClr val="accent1"/>
+          </a:fillRef>
+          <a:effectRef idx="0">
+            <a:schemeClr val="accent1"/>
+          </a:effectRef>
+          <a:fontRef idx="minor">
+            <a:schemeClr val="tx1"/>
+          </a:fontRef>
+        </p:style>
+      </p:cxnSp>
     </p:spTree>
     <p:extLst>
       <p:ext uri="{BB962C8B-B14F-4D97-AF65-F5344CB8AC3E}">
-        <p14:creationId xmlns:p14="http://schemas.microsoft.com/office/powerpoint/2010/main" val="3647780881"/>
+        <p14:creationId xmlns:p14="http://schemas.microsoft.com/office/powerpoint/2010/main" val="1961903381"/>
       </p:ext>
     </p:extLst>
   </p:cSld>
@@ -4084,4 +7201,299 @@
     </a:ext>
   </a:extLst>
 </a:theme>
+</file>
+
+<file path=ppt/theme/theme2.xml><?xml version="1.0" encoding="utf-8"?>
+<a:theme xmlns:a="http://schemas.openxmlformats.org/drawingml/2006/main" name="Office Theme">
+  <a:themeElements>
+    <a:clrScheme name="Office">
+      <a:dk1>
+        <a:sysClr val="windowText" lastClr="000000"/>
+      </a:dk1>
+      <a:lt1>
+        <a:sysClr val="window" lastClr="FFFFFF"/>
+      </a:lt1>
+      <a:dk2>
+        <a:srgbClr val="44546A"/>
+      </a:dk2>
+      <a:lt2>
+        <a:srgbClr val="E7E6E6"/>
+      </a:lt2>
+      <a:accent1>
+        <a:srgbClr val="4472C4"/>
+      </a:accent1>
+      <a:accent2>
+        <a:srgbClr val="ED7D31"/>
+      </a:accent2>
+      <a:accent3>
+        <a:srgbClr val="A5A5A5"/>
+      </a:accent3>
+      <a:accent4>
+        <a:srgbClr val="FFC000"/>
+      </a:accent4>
+      <a:accent5>
+        <a:srgbClr val="5B9BD5"/>
+      </a:accent5>
+      <a:accent6>
+        <a:srgbClr val="70AD47"/>
+      </a:accent6>
+      <a:hlink>
+        <a:srgbClr val="0563C1"/>
+      </a:hlink>
+      <a:folHlink>
+        <a:srgbClr val="954F72"/>
+      </a:folHlink>
+    </a:clrScheme>
+    <a:fontScheme name="Office">
+      <a:majorFont>
+        <a:latin typeface="Calibri Light" panose="020F0302020204030204"/>
+        <a:ea typeface=""/>
+        <a:cs typeface=""/>
+        <a:font script="Jpan" typeface="游ゴシック Light"/>
+        <a:font script="Hang" typeface="맑은 고딕"/>
+        <a:font script="Hans" typeface="等线 Light"/>
+        <a:font script="Hant" typeface="新細明體"/>
+        <a:font script="Arab" typeface="Times New Roman"/>
+        <a:font script="Hebr" typeface="Times New Roman"/>
+        <a:font script="Thai" typeface="Angsana New"/>
+        <a:font script="Ethi" typeface="Nyala"/>
+        <a:font script="Beng" typeface="Vrinda"/>
+        <a:font script="Gujr" typeface="Shruti"/>
+        <a:font script="Khmr" typeface="MoolBoran"/>
+        <a:font script="Knda" typeface="Tunga"/>
+        <a:font script="Guru" typeface="Raavi"/>
+        <a:font script="Cans" typeface="Euphemia"/>
+        <a:font script="Cher" typeface="Plantagenet Cherokee"/>
+        <a:font script="Yiii" typeface="Microsoft Yi Baiti"/>
+        <a:font script="Tibt" typeface="Microsoft Himalaya"/>
+        <a:font script="Thaa" typeface="MV Boli"/>
+        <a:font script="Deva" typeface="Mangal"/>
+        <a:font script="Telu" typeface="Gautami"/>
+        <a:font script="Taml" typeface="Latha"/>
+        <a:font script="Syrc" typeface="Estrangelo Edessa"/>
+        <a:font script="Orya" typeface="Kalinga"/>
+        <a:font script="Mlym" typeface="Kartika"/>
+        <a:font script="Laoo" typeface="DokChampa"/>
+        <a:font script="Sinh" typeface="Iskoola Pota"/>
+        <a:font script="Mong" typeface="Mongolian Baiti"/>
+        <a:font script="Viet" typeface="Times New Roman"/>
+        <a:font script="Uigh" typeface="Microsoft Uighur"/>
+        <a:font script="Geor" typeface="Sylfaen"/>
+        <a:font script="Armn" typeface="Arial"/>
+        <a:font script="Bugi" typeface="Leelawadee UI"/>
+        <a:font script="Bopo" typeface="Microsoft JhengHei"/>
+        <a:font script="Java" typeface="Javanese Text"/>
+        <a:font script="Lisu" typeface="Segoe UI"/>
+        <a:font script="Mymr" typeface="Myanmar Text"/>
+        <a:font script="Nkoo" typeface="Ebrima"/>
+        <a:font script="Olck" typeface="Nirmala UI"/>
+        <a:font script="Osma" typeface="Ebrima"/>
+        <a:font script="Phag" typeface="Phagspa"/>
+        <a:font script="Syrn" typeface="Estrangelo Edessa"/>
+        <a:font script="Syrj" typeface="Estrangelo Edessa"/>
+        <a:font script="Syre" typeface="Estrangelo Edessa"/>
+        <a:font script="Sora" typeface="Nirmala UI"/>
+        <a:font script="Tale" typeface="Microsoft Tai Le"/>
+        <a:font script="Talu" typeface="Microsoft New Tai Lue"/>
+        <a:font script="Tfng" typeface="Ebrima"/>
+      </a:majorFont>
+      <a:minorFont>
+        <a:latin typeface="Calibri" panose="020F0502020204030204"/>
+        <a:ea typeface=""/>
+        <a:cs typeface=""/>
+        <a:font script="Jpan" typeface="游ゴシック"/>
+        <a:font script="Hang" typeface="맑은 고딕"/>
+        <a:font script="Hans" typeface="等线"/>
+        <a:font script="Hant" typeface="新細明體"/>
+        <a:font script="Arab" typeface="Arial"/>
+        <a:font script="Hebr" typeface="Arial"/>
+        <a:font script="Thai" typeface="Cordia New"/>
+        <a:font script="Ethi" typeface="Nyala"/>
+        <a:font script="Beng" typeface="Vrinda"/>
+        <a:font script="Gujr" typeface="Shruti"/>
+        <a:font script="Khmr" typeface="DaunPenh"/>
+        <a:font script="Knda" typeface="Tunga"/>
+        <a:font script="Guru" typeface="Raavi"/>
+        <a:font script="Cans" typeface="Euphemia"/>
+        <a:font script="Cher" typeface="Plantagenet Cherokee"/>
+        <a:font script="Yiii" typeface="Microsoft Yi Baiti"/>
+        <a:font script="Tibt" typeface="Microsoft Himalaya"/>
+        <a:font script="Thaa" typeface="MV Boli"/>
+        <a:font script="Deva" typeface="Mangal"/>
+        <a:font script="Telu" typeface="Gautami"/>
+        <a:font script="Taml" typeface="Latha"/>
+        <a:font script="Syrc" typeface="Estrangelo Edessa"/>
+        <a:font script="Orya" typeface="Kalinga"/>
+        <a:font script="Mlym" typeface="Kartika"/>
+        <a:font script="Laoo" typeface="DokChampa"/>
+        <a:font script="Sinh" typeface="Iskoola Pota"/>
+        <a:font script="Mong" typeface="Mongolian Baiti"/>
+        <a:font script="Viet" typeface="Arial"/>
+        <a:font script="Uigh" typeface="Microsoft Uighur"/>
+        <a:font script="Geor" typeface="Sylfaen"/>
+        <a:font script="Armn" typeface="Arial"/>
+        <a:font script="Bugi" typeface="Leelawadee UI"/>
+        <a:font script="Bopo" typeface="Microsoft JhengHei"/>
+        <a:font script="Java" typeface="Javanese Text"/>
+        <a:font script="Lisu" typeface="Segoe UI"/>
+        <a:font script="Mymr" typeface="Myanmar Text"/>
+        <a:font script="Nkoo" typeface="Ebrima"/>
+        <a:font script="Olck" typeface="Nirmala UI"/>
+        <a:font script="Osma" typeface="Ebrima"/>
+        <a:font script="Phag" typeface="Phagspa"/>
+        <a:font script="Syrn" typeface="Estrangelo Edessa"/>
+        <a:font script="Syrj" typeface="Estrangelo Edessa"/>
+        <a:font script="Syre" typeface="Estrangelo Edessa"/>
+        <a:font script="Sora" typeface="Nirmala UI"/>
+        <a:font script="Tale" typeface="Microsoft Tai Le"/>
+        <a:font script="Talu" typeface="Microsoft New Tai Lue"/>
+        <a:font script="Tfng" typeface="Ebrima"/>
+      </a:minorFont>
+    </a:fontScheme>
+    <a:fmtScheme name="Office">
+      <a:fillStyleLst>
+        <a:solidFill>
+          <a:schemeClr val="phClr"/>
+        </a:solidFill>
+        <a:gradFill rotWithShape="1">
+          <a:gsLst>
+            <a:gs pos="0">
+              <a:schemeClr val="phClr">
+                <a:lumMod val="110000"/>
+                <a:satMod val="105000"/>
+                <a:tint val="67000"/>
+              </a:schemeClr>
+            </a:gs>
+            <a:gs pos="50000">
+              <a:schemeClr val="phClr">
+                <a:lumMod val="105000"/>
+                <a:satMod val="103000"/>
+                <a:tint val="73000"/>
+              </a:schemeClr>
+            </a:gs>
+            <a:gs pos="100000">
+              <a:schemeClr val="phClr">
+                <a:lumMod val="105000"/>
+                <a:satMod val="109000"/>
+                <a:tint val="81000"/>
+              </a:schemeClr>
+            </a:gs>
+          </a:gsLst>
+          <a:lin ang="5400000" scaled="0"/>
+        </a:gradFill>
+        <a:gradFill rotWithShape="1">
+          <a:gsLst>
+            <a:gs pos="0">
+              <a:schemeClr val="phClr">
+                <a:satMod val="103000"/>
+                <a:lumMod val="102000"/>
+                <a:tint val="94000"/>
+              </a:schemeClr>
+            </a:gs>
+            <a:gs pos="50000">
+              <a:schemeClr val="phClr">
+                <a:satMod val="110000"/>
+                <a:lumMod val="100000"/>
+                <a:shade val="100000"/>
+              </a:schemeClr>
+            </a:gs>
+            <a:gs pos="100000">
+              <a:schemeClr val="phClr">
+                <a:lumMod val="99000"/>
+                <a:satMod val="120000"/>
+                <a:shade val="78000"/>
+              </a:schemeClr>
+            </a:gs>
+          </a:gsLst>
+          <a:lin ang="5400000" scaled="0"/>
+        </a:gradFill>
+      </a:fillStyleLst>
+      <a:lnStyleLst>
+        <a:ln w="6350" cap="flat" cmpd="sng" algn="ctr">
+          <a:solidFill>
+            <a:schemeClr val="phClr"/>
+          </a:solidFill>
+          <a:prstDash val="solid"/>
+          <a:miter lim="800000"/>
+        </a:ln>
+        <a:ln w="12700" cap="flat" cmpd="sng" algn="ctr">
+          <a:solidFill>
+            <a:schemeClr val="phClr"/>
+          </a:solidFill>
+          <a:prstDash val="solid"/>
+          <a:miter lim="800000"/>
+        </a:ln>
+        <a:ln w="19050" cap="flat" cmpd="sng" algn="ctr">
+          <a:solidFill>
+            <a:schemeClr val="phClr"/>
+          </a:solidFill>
+          <a:prstDash val="solid"/>
+          <a:miter lim="800000"/>
+        </a:ln>
+      </a:lnStyleLst>
+      <a:effectStyleLst>
+        <a:effectStyle>
+          <a:effectLst/>
+        </a:effectStyle>
+        <a:effectStyle>
+          <a:effectLst/>
+        </a:effectStyle>
+        <a:effectStyle>
+          <a:effectLst>
+            <a:outerShdw blurRad="57150" dist="19050" dir="5400000" algn="ctr" rotWithShape="0">
+              <a:srgbClr val="000000">
+                <a:alpha val="63000"/>
+              </a:srgbClr>
+            </a:outerShdw>
+          </a:effectLst>
+        </a:effectStyle>
+      </a:effectStyleLst>
+      <a:bgFillStyleLst>
+        <a:solidFill>
+          <a:schemeClr val="phClr"/>
+        </a:solidFill>
+        <a:solidFill>
+          <a:schemeClr val="phClr">
+            <a:tint val="95000"/>
+            <a:satMod val="170000"/>
+          </a:schemeClr>
+        </a:solidFill>
+        <a:gradFill rotWithShape="1">
+          <a:gsLst>
+            <a:gs pos="0">
+              <a:schemeClr val="phClr">
+                <a:tint val="93000"/>
+                <a:satMod val="150000"/>
+                <a:shade val="98000"/>
+                <a:lumMod val="102000"/>
+              </a:schemeClr>
+            </a:gs>
+            <a:gs pos="50000">
+              <a:schemeClr val="phClr">
+                <a:tint val="98000"/>
+                <a:satMod val="130000"/>
+                <a:shade val="90000"/>
+                <a:lumMod val="103000"/>
+              </a:schemeClr>
+            </a:gs>
+            <a:gs pos="100000">
+              <a:schemeClr val="phClr">
+                <a:shade val="63000"/>
+                <a:satMod val="120000"/>
+              </a:schemeClr>
+            </a:gs>
+          </a:gsLst>
+          <a:lin ang="5400000" scaled="0"/>
+        </a:gradFill>
+      </a:bgFillStyleLst>
+    </a:fmtScheme>
+  </a:themeElements>
+  <a:objectDefaults/>
+  <a:extraClrSchemeLst/>
+  <a:extLst>
+    <a:ext uri="{05A4C25C-085E-4340-85A3-A5531E510DB2}">
+      <thm15:themeFamily xmlns:thm15="http://schemas.microsoft.com/office/thememl/2012/main" name="Office Theme" id="{62F939B6-93AF-4DB8-9C6B-D6C7DFDC589F}" vid="{4A3C46E8-61CC-4603-A589-7422A47A8E4A}"/>
+    </a:ext>
+  </a:extLst>
+</a:theme>
 </file>
--- a/figures/resources/spatial_calibration.pptx
+++ b/figures/resources/spatial_calibration.pptx
@@ -5,11 +5,12 @@
     <p:sldMasterId id="2147483660" r:id="rId1"/>
   </p:sldMasterIdLst>
   <p:notesMasterIdLst>
-    <p:notesMasterId r:id="rId4"/>
+    <p:notesMasterId r:id="rId5"/>
   </p:notesMasterIdLst>
   <p:sldIdLst>
     <p:sldId id="256" r:id="rId2"/>
-    <p:sldId id="257" r:id="rId3"/>
+    <p:sldId id="258" r:id="rId3"/>
+    <p:sldId id="257" r:id="rId4"/>
   </p:sldIdLst>
   <p:sldSz cx="9144000" cy="6858000" type="screen4x3"/>
   <p:notesSz cx="6858000" cy="9144000"/>
@@ -198,7 +199,7 @@
           <a:p>
             <a:fld id="{0DE32CF7-9C27-294A-90C4-3E35094C4601}" type="datetimeFigureOut">
               <a:rPr lang="de-DE" smtClean="0"/>
-              <a:t>18.01.22</a:t>
+              <a:t>24.09.23</a:t>
             </a:fld>
             <a:endParaRPr lang="de-DE"/>
           </a:p>
@@ -660,6 +661,108 @@
     </p:spTree>
     <p:extLst>
       <p:ext uri="{BB962C8B-B14F-4D97-AF65-F5344CB8AC3E}">
+        <p14:creationId xmlns:p14="http://schemas.microsoft.com/office/powerpoint/2010/main" val="4218326562"/>
+      </p:ext>
+    </p:extLst>
+  </p:cSld>
+  <p:clrMapOvr>
+    <a:masterClrMapping/>
+  </p:clrMapOvr>
+</p:notes>
+</file>
+
+<file path=ppt/notesSlides/notesSlide3.xml><?xml version="1.0" encoding="utf-8"?>
+<p:notes xmlns:a="http://schemas.openxmlformats.org/drawingml/2006/main" xmlns:r="http://schemas.openxmlformats.org/officeDocument/2006/relationships" xmlns:p="http://schemas.openxmlformats.org/presentationml/2006/main">
+  <p:cSld>
+    <p:spTree>
+      <p:nvGrpSpPr>
+        <p:cNvPr id="1" name=""/>
+        <p:cNvGrpSpPr/>
+        <p:nvPr/>
+      </p:nvGrpSpPr>
+      <p:grpSpPr>
+        <a:xfrm>
+          <a:off x="0" y="0"/>
+          <a:ext cx="0" cy="0"/>
+          <a:chOff x="0" y="0"/>
+          <a:chExt cx="0" cy="0"/>
+        </a:xfrm>
+      </p:grpSpPr>
+      <p:sp>
+        <p:nvSpPr>
+          <p:cNvPr id="2" name="Slide Image Placeholder 1"/>
+          <p:cNvSpPr>
+            <a:spLocks noGrp="1" noRot="1" noChangeAspect="1"/>
+          </p:cNvSpPr>
+          <p:nvPr>
+            <p:ph type="sldImg"/>
+          </p:nvPr>
+        </p:nvSpPr>
+        <p:spPr/>
+      </p:sp>
+      <p:sp>
+        <p:nvSpPr>
+          <p:cNvPr id="3" name="Notes Placeholder 2"/>
+          <p:cNvSpPr>
+            <a:spLocks noGrp="1"/>
+          </p:cNvSpPr>
+          <p:nvPr>
+            <p:ph type="body" idx="1"/>
+          </p:nvPr>
+        </p:nvSpPr>
+        <p:spPr/>
+        <p:txBody>
+          <a:bodyPr/>
+          <a:lstStyle/>
+          <a:p>
+            <a:r>
+              <a:rPr lang="de-DE" dirty="0" err="1"/>
+              <a:t>Example</a:t>
+            </a:r>
+            <a:r>
+              <a:rPr lang="de-DE" dirty="0"/>
+              <a:t> </a:t>
+            </a:r>
+            <a:r>
+              <a:rPr lang="de-DE" dirty="0" err="1"/>
+              <a:t>image</a:t>
+            </a:r>
+            <a:r>
+              <a:rPr lang="de-DE" dirty="0"/>
+              <a:t>: xy_8bit__nucleus_calibrated.tif</a:t>
+            </a:r>
+          </a:p>
+          <a:p>
+            <a:endParaRPr lang="de-DE" dirty="0"/>
+          </a:p>
+        </p:txBody>
+      </p:sp>
+      <p:sp>
+        <p:nvSpPr>
+          <p:cNvPr id="4" name="Slide Number Placeholder 3"/>
+          <p:cNvSpPr>
+            <a:spLocks noGrp="1"/>
+          </p:cNvSpPr>
+          <p:nvPr>
+            <p:ph type="sldNum" sz="quarter" idx="5"/>
+          </p:nvPr>
+        </p:nvSpPr>
+        <p:spPr/>
+        <p:txBody>
+          <a:bodyPr/>
+          <a:lstStyle/>
+          <a:p>
+            <a:fld id="{926C4596-9333-5B48-AF09-D4A72557A3A4}" type="slidenum">
+              <a:rPr lang="de-DE" smtClean="0"/>
+              <a:t>3</a:t>
+            </a:fld>
+            <a:endParaRPr lang="de-DE"/>
+          </a:p>
+        </p:txBody>
+      </p:sp>
+    </p:spTree>
+    <p:extLst>
+      <p:ext uri="{BB962C8B-B14F-4D97-AF65-F5344CB8AC3E}">
         <p14:creationId xmlns:p14="http://schemas.microsoft.com/office/powerpoint/2010/main" val="186740975"/>
       </p:ext>
     </p:extLst>
@@ -801,7 +904,7 @@
           <a:p>
             <a:fld id="{F21C5B54-884B-447C-A969-012169FE4C38}" type="datetimeFigureOut">
               <a:rPr lang="en-US" smtClean="0"/>
-              <a:t>1/18/22</a:t>
+              <a:t>9/24/23</a:t>
             </a:fld>
             <a:endParaRPr lang="en-US"/>
           </a:p>
@@ -971,7 +1074,7 @@
           <a:p>
             <a:fld id="{F21C5B54-884B-447C-A969-012169FE4C38}" type="datetimeFigureOut">
               <a:rPr lang="en-US" smtClean="0"/>
-              <a:t>1/18/22</a:t>
+              <a:t>9/24/23</a:t>
             </a:fld>
             <a:endParaRPr lang="en-US"/>
           </a:p>
@@ -1151,7 +1254,7 @@
           <a:p>
             <a:fld id="{F21C5B54-884B-447C-A969-012169FE4C38}" type="datetimeFigureOut">
               <a:rPr lang="en-US" smtClean="0"/>
-              <a:t>1/18/22</a:t>
+              <a:t>9/24/23</a:t>
             </a:fld>
             <a:endParaRPr lang="en-US"/>
           </a:p>
@@ -1321,7 +1424,7 @@
           <a:p>
             <a:fld id="{F21C5B54-884B-447C-A969-012169FE4C38}" type="datetimeFigureOut">
               <a:rPr lang="en-US" smtClean="0"/>
-              <a:t>1/18/22</a:t>
+              <a:t>9/24/23</a:t>
             </a:fld>
             <a:endParaRPr lang="en-US"/>
           </a:p>
@@ -1565,7 +1668,7 @@
           <a:p>
             <a:fld id="{F21C5B54-884B-447C-A969-012169FE4C38}" type="datetimeFigureOut">
               <a:rPr lang="en-US" smtClean="0"/>
-              <a:t>1/18/22</a:t>
+              <a:t>9/24/23</a:t>
             </a:fld>
             <a:endParaRPr lang="en-US"/>
           </a:p>
@@ -1797,7 +1900,7 @@
           <a:p>
             <a:fld id="{F21C5B54-884B-447C-A969-012169FE4C38}" type="datetimeFigureOut">
               <a:rPr lang="en-US" smtClean="0"/>
-              <a:t>1/18/22</a:t>
+              <a:t>9/24/23</a:t>
             </a:fld>
             <a:endParaRPr lang="en-US"/>
           </a:p>
@@ -2164,7 +2267,7 @@
           <a:p>
             <a:fld id="{F21C5B54-884B-447C-A969-012169FE4C38}" type="datetimeFigureOut">
               <a:rPr lang="en-US" smtClean="0"/>
-              <a:t>1/18/22</a:t>
+              <a:t>9/24/23</a:t>
             </a:fld>
             <a:endParaRPr lang="en-US"/>
           </a:p>
@@ -2282,7 +2385,7 @@
           <a:p>
             <a:fld id="{F21C5B54-884B-447C-A969-012169FE4C38}" type="datetimeFigureOut">
               <a:rPr lang="en-US" smtClean="0"/>
-              <a:t>1/18/22</a:t>
+              <a:t>9/24/23</a:t>
             </a:fld>
             <a:endParaRPr lang="en-US"/>
           </a:p>
@@ -2377,7 +2480,7 @@
           <a:p>
             <a:fld id="{F21C5B54-884B-447C-A969-012169FE4C38}" type="datetimeFigureOut">
               <a:rPr lang="en-US" smtClean="0"/>
-              <a:t>1/18/22</a:t>
+              <a:t>9/24/23</a:t>
             </a:fld>
             <a:endParaRPr lang="en-US"/>
           </a:p>
@@ -2654,7 +2757,7 @@
           <a:p>
             <a:fld id="{F21C5B54-884B-447C-A969-012169FE4C38}" type="datetimeFigureOut">
               <a:rPr lang="en-US" smtClean="0"/>
-              <a:t>1/18/22</a:t>
+              <a:t>9/24/23</a:t>
             </a:fld>
             <a:endParaRPr lang="en-US"/>
           </a:p>
@@ -2911,7 +3014,7 @@
           <a:p>
             <a:fld id="{F21C5B54-884B-447C-A969-012169FE4C38}" type="datetimeFigureOut">
               <a:rPr lang="en-US" smtClean="0"/>
-              <a:t>1/18/22</a:t>
+              <a:t>9/24/23</a:t>
             </a:fld>
             <a:endParaRPr lang="en-US"/>
           </a:p>
@@ -3124,7 +3227,7 @@
           <a:p>
             <a:fld id="{F21C5B54-884B-447C-A969-012169FE4C38}" type="datetimeFigureOut">
               <a:rPr lang="en-US" smtClean="0"/>
-              <a:t>1/18/22</a:t>
+              <a:t>9/24/23</a:t>
             </a:fld>
             <a:endParaRPr lang="en-US"/>
           </a:p>
@@ -3769,8 +3872,8 @@
           </a:fontRef>
         </p:style>
       </p:cxnSp>
-      <mc:AlternateContent xmlns:mc="http://schemas.openxmlformats.org/markup-compatibility/2006">
-        <mc:Choice xmlns:a14="http://schemas.microsoft.com/office/drawing/2010/main" Requires="a14">
+      <mc:AlternateContent xmlns:mc="http://schemas.openxmlformats.org/markup-compatibility/2006" xmlns:a14="http://schemas.microsoft.com/office/drawing/2010/main">
+        <mc:Choice Requires="a14">
           <p:sp>
             <p:nvSpPr>
               <p:cNvPr id="32" name="TextBox 31"/>
@@ -3850,7 +3953,7 @@
             </p:txBody>
           </p:sp>
         </mc:Choice>
-        <mc:Fallback>
+        <mc:Fallback xmlns="">
           <p:sp>
             <p:nvSpPr>
               <p:cNvPr id="32" name="TextBox 31"/>
@@ -4112,12 +4215,33 @@
                       </m:r>
                       <m:r>
                         <a:rPr lang="en-US" b="0" i="1" smtClean="0">
+                          <a:solidFill>
+                            <a:schemeClr val="accent1"/>
+                          </a:solidFill>
                           <a:latin typeface="Cambria Math" panose="02040503050406030204" pitchFamily="18" charset="0"/>
                         </a:rPr>
-                        <m:t>139 ∗ 0.13 µ</m:t>
+                        <m:t>139</m:t>
                       </m:r>
                       <m:r>
                         <a:rPr lang="en-US" b="0" i="1" smtClean="0">
+                          <a:latin typeface="Cambria Math" panose="02040503050406030204" pitchFamily="18" charset="0"/>
+                        </a:rPr>
+                        <m:t> ∗ </m:t>
+                      </m:r>
+                      <m:r>
+                        <a:rPr lang="en-US" b="0" i="1" smtClean="0">
+                          <a:solidFill>
+                            <a:schemeClr val="accent6"/>
+                          </a:solidFill>
+                          <a:latin typeface="Cambria Math" panose="02040503050406030204" pitchFamily="18" charset="0"/>
+                        </a:rPr>
+                        <m:t>0.13 µ</m:t>
+                      </m:r>
+                      <m:r>
+                        <a:rPr lang="en-US" b="0" i="1" smtClean="0">
+                          <a:solidFill>
+                            <a:schemeClr val="accent6"/>
+                          </a:solidFill>
                           <a:latin typeface="Cambria Math" panose="02040503050406030204" pitchFamily="18" charset="0"/>
                         </a:rPr>
                         <m:t>𝑚</m:t>
@@ -4167,6 +4291,9 @@
                       </m:r>
                       <m:r>
                         <a:rPr lang="en-US" b="0" i="1" smtClean="0">
+                          <a:solidFill>
+                            <a:schemeClr val="accent1"/>
+                          </a:solidFill>
                           <a:latin typeface="Cambria Math" panose="02040503050406030204" pitchFamily="18" charset="0"/>
                         </a:rPr>
                         <m:t>50</m:t>
@@ -4175,10 +4302,22 @@
                         <a:rPr lang="en-US" i="1">
                           <a:latin typeface="Cambria Math" panose="02040503050406030204" pitchFamily="18" charset="0"/>
                         </a:rPr>
-                        <m:t> ∗ 0.13 µ</m:t>
+                        <m:t> ∗ </m:t>
                       </m:r>
                       <m:r>
-                        <a:rPr lang="en-US" i="1">
+                        <a:rPr lang="en-US" i="1" smtClean="0">
+                          <a:solidFill>
+                            <a:schemeClr val="accent6"/>
+                          </a:solidFill>
+                          <a:latin typeface="Cambria Math" panose="02040503050406030204" pitchFamily="18" charset="0"/>
+                        </a:rPr>
+                        <m:t>0.13 µ</m:t>
+                      </m:r>
+                      <m:r>
+                        <a:rPr lang="en-US" i="1" smtClean="0">
+                          <a:solidFill>
+                            <a:schemeClr val="accent6"/>
+                          </a:solidFill>
                           <a:latin typeface="Cambria Math" panose="02040503050406030204" pitchFamily="18" charset="0"/>
                         </a:rPr>
                         <m:t>𝑚</m:t>
@@ -4235,7 +4374,1696 @@
               <a:blipFill>
                 <a:blip r:embed="rId6"/>
                 <a:stretch>
-                  <a:fillRect b="-7692"/>
+                  <a:fillRect b="-9615"/>
+                </a:stretch>
+              </a:blipFill>
+            </p:spPr>
+            <p:txBody>
+              <a:bodyPr/>
+              <a:lstStyle/>
+              <a:p>
+                <a:r>
+                  <a:rPr lang="en-DE">
+                    <a:noFill/>
+                  </a:rPr>
+                  <a:t> </a:t>
+                </a:r>
+              </a:p>
+            </p:txBody>
+          </p:sp>
+        </mc:Fallback>
+      </mc:AlternateContent>
+      <p:sp>
+        <p:nvSpPr>
+          <p:cNvPr id="21" name="Rectangle 20">
+            <a:extLst>
+              <a:ext uri="{FF2B5EF4-FFF2-40B4-BE49-F238E27FC236}">
+                <a16:creationId xmlns:a16="http://schemas.microsoft.com/office/drawing/2014/main" id="{AFDC82EB-CA73-C543-82FD-EED622F9E2F9}"/>
+              </a:ext>
+            </a:extLst>
+          </p:cNvPr>
+          <p:cNvSpPr/>
+          <p:nvPr/>
+        </p:nvSpPr>
+        <p:spPr>
+          <a:xfrm>
+            <a:off x="2663923" y="3364375"/>
+            <a:ext cx="290955" cy="290330"/>
+          </a:xfrm>
+          <a:prstGeom prst="rect">
+            <a:avLst/>
+          </a:prstGeom>
+          <a:noFill/>
+          <a:ln w="25400">
+            <a:solidFill>
+              <a:schemeClr val="accent1"/>
+            </a:solidFill>
+            <a:prstDash val="sysDash"/>
+          </a:ln>
+        </p:spPr>
+        <p:style>
+          <a:lnRef idx="2">
+            <a:schemeClr val="accent1">
+              <a:shade val="50000"/>
+            </a:schemeClr>
+          </a:lnRef>
+          <a:fillRef idx="1">
+            <a:schemeClr val="accent1"/>
+          </a:fillRef>
+          <a:effectRef idx="0">
+            <a:schemeClr val="accent1"/>
+          </a:effectRef>
+          <a:fontRef idx="minor">
+            <a:schemeClr val="lt1"/>
+          </a:fontRef>
+        </p:style>
+        <p:txBody>
+          <a:bodyPr rtlCol="0" anchor="ctr"/>
+          <a:lstStyle/>
+          <a:p>
+            <a:pPr algn="ctr"/>
+            <a:endParaRPr lang="de-DE" dirty="0"/>
+          </a:p>
+        </p:txBody>
+      </p:sp>
+      <p:sp>
+        <p:nvSpPr>
+          <p:cNvPr id="37" name="TextBox 36">
+            <a:extLst>
+              <a:ext uri="{FF2B5EF4-FFF2-40B4-BE49-F238E27FC236}">
+                <a16:creationId xmlns:a16="http://schemas.microsoft.com/office/drawing/2014/main" id="{57BC08D2-26A8-3E40-BB59-5C2B6734CB97}"/>
+              </a:ext>
+            </a:extLst>
+          </p:cNvPr>
+          <p:cNvSpPr txBox="1"/>
+          <p:nvPr/>
+        </p:nvSpPr>
+        <p:spPr>
+          <a:xfrm>
+            <a:off x="858339" y="1404350"/>
+            <a:ext cx="3881127" cy="369332"/>
+          </a:xfrm>
+          <a:prstGeom prst="rect">
+            <a:avLst/>
+          </a:prstGeom>
+          <a:noFill/>
+        </p:spPr>
+        <p:txBody>
+          <a:bodyPr wrap="none" rtlCol="0">
+            <a:spAutoFit/>
+          </a:bodyPr>
+          <a:lstStyle/>
+          <a:p>
+            <a:r>
+              <a:rPr lang="en-US" dirty="0">
+                <a:solidFill>
+                  <a:schemeClr val="accent1"/>
+                </a:solidFill>
+              </a:rPr>
+              <a:t>Index</a:t>
+            </a:r>
+            <a:r>
+              <a:rPr lang="en-US" dirty="0"/>
+              <a:t> * </a:t>
+            </a:r>
+            <a:r>
+              <a:rPr lang="en-US" dirty="0">
+                <a:solidFill>
+                  <a:schemeClr val="accent6"/>
+                </a:solidFill>
+              </a:rPr>
+              <a:t>Spacing</a:t>
+            </a:r>
+            <a:r>
+              <a:rPr lang="en-US" dirty="0"/>
+              <a:t> = Calibrated coordinate</a:t>
+            </a:r>
+          </a:p>
+        </p:txBody>
+      </p:sp>
+      <p:sp>
+        <p:nvSpPr>
+          <p:cNvPr id="31" name="Oval 30">
+            <a:extLst>
+              <a:ext uri="{FF2B5EF4-FFF2-40B4-BE49-F238E27FC236}">
+                <a16:creationId xmlns:a16="http://schemas.microsoft.com/office/drawing/2014/main" id="{E3A2E411-C08A-4640-A448-A379E17AFA64}"/>
+              </a:ext>
+            </a:extLst>
+          </p:cNvPr>
+          <p:cNvSpPr/>
+          <p:nvPr/>
+        </p:nvSpPr>
+        <p:spPr>
+          <a:xfrm>
+            <a:off x="-2517887" y="2638463"/>
+            <a:ext cx="111873" cy="101703"/>
+          </a:xfrm>
+          <a:prstGeom prst="ellipse">
+            <a:avLst/>
+          </a:prstGeom>
+        </p:spPr>
+        <p:style>
+          <a:lnRef idx="2">
+            <a:schemeClr val="accent1">
+              <a:shade val="50000"/>
+            </a:schemeClr>
+          </a:lnRef>
+          <a:fillRef idx="1">
+            <a:schemeClr val="accent1"/>
+          </a:fillRef>
+          <a:effectRef idx="0">
+            <a:schemeClr val="accent1"/>
+          </a:effectRef>
+          <a:fontRef idx="minor">
+            <a:schemeClr val="lt1"/>
+          </a:fontRef>
+        </p:style>
+        <p:txBody>
+          <a:bodyPr rtlCol="0" anchor="ctr"/>
+          <a:lstStyle/>
+          <a:p>
+            <a:pPr algn="ctr"/>
+            <a:endParaRPr lang="de-DE"/>
+          </a:p>
+        </p:txBody>
+      </p:sp>
+      <p:sp>
+        <p:nvSpPr>
+          <p:cNvPr id="39" name="TextBox 38">
+            <a:extLst>
+              <a:ext uri="{FF2B5EF4-FFF2-40B4-BE49-F238E27FC236}">
+                <a16:creationId xmlns:a16="http://schemas.microsoft.com/office/drawing/2014/main" id="{D9D7C7E3-9AFF-044D-943D-8BBF70434797}"/>
+              </a:ext>
+            </a:extLst>
+          </p:cNvPr>
+          <p:cNvSpPr txBox="1"/>
+          <p:nvPr/>
+        </p:nvSpPr>
+        <p:spPr>
+          <a:xfrm>
+            <a:off x="-2949467" y="2280114"/>
+            <a:ext cx="1239442" cy="369332"/>
+          </a:xfrm>
+          <a:prstGeom prst="rect">
+            <a:avLst/>
+          </a:prstGeom>
+          <a:noFill/>
+        </p:spPr>
+        <p:txBody>
+          <a:bodyPr wrap="none" rtlCol="0">
+            <a:spAutoFit/>
+          </a:bodyPr>
+          <a:lstStyle/>
+          <a:p>
+            <a:r>
+              <a:rPr lang="en-US" dirty="0"/>
+              <a:t>Origin (0,0)</a:t>
+            </a:r>
+          </a:p>
+        </p:txBody>
+      </p:sp>
+      <p:sp>
+        <p:nvSpPr>
+          <p:cNvPr id="42" name="Rectangle 41">
+            <a:extLst>
+              <a:ext uri="{FF2B5EF4-FFF2-40B4-BE49-F238E27FC236}">
+                <a16:creationId xmlns:a16="http://schemas.microsoft.com/office/drawing/2014/main" id="{48CAE13C-FD22-8641-BB7E-A6BF7D608096}"/>
+              </a:ext>
+            </a:extLst>
+          </p:cNvPr>
+          <p:cNvSpPr/>
+          <p:nvPr/>
+        </p:nvSpPr>
+        <p:spPr>
+          <a:xfrm>
+            <a:off x="6826589" y="1960909"/>
+            <a:ext cx="620889" cy="622866"/>
+          </a:xfrm>
+          <a:prstGeom prst="rect">
+            <a:avLst/>
+          </a:prstGeom>
+          <a:noFill/>
+          <a:ln w="3175">
+            <a:solidFill>
+              <a:schemeClr val="accent1"/>
+            </a:solidFill>
+          </a:ln>
+        </p:spPr>
+        <p:style>
+          <a:lnRef idx="2">
+            <a:schemeClr val="accent1">
+              <a:shade val="50000"/>
+            </a:schemeClr>
+          </a:lnRef>
+          <a:fillRef idx="1">
+            <a:schemeClr val="accent1"/>
+          </a:fillRef>
+          <a:effectRef idx="0">
+            <a:schemeClr val="accent1"/>
+          </a:effectRef>
+          <a:fontRef idx="minor">
+            <a:schemeClr val="lt1"/>
+          </a:fontRef>
+        </p:style>
+        <p:txBody>
+          <a:bodyPr rtlCol="0" anchor="ctr"/>
+          <a:lstStyle/>
+          <a:p>
+            <a:pPr algn="ctr"/>
+            <a:endParaRPr lang="en-US"/>
+          </a:p>
+        </p:txBody>
+      </p:sp>
+      <p:sp>
+        <p:nvSpPr>
+          <p:cNvPr id="43" name="Oval 42">
+            <a:extLst>
+              <a:ext uri="{FF2B5EF4-FFF2-40B4-BE49-F238E27FC236}">
+                <a16:creationId xmlns:a16="http://schemas.microsoft.com/office/drawing/2014/main" id="{763DAF5C-7ECF-B34A-97E7-9E836119DF9B}"/>
+              </a:ext>
+            </a:extLst>
+          </p:cNvPr>
+          <p:cNvSpPr/>
+          <p:nvPr/>
+        </p:nvSpPr>
+        <p:spPr>
+          <a:xfrm>
+            <a:off x="7101933" y="2234770"/>
+            <a:ext cx="111873" cy="101703"/>
+          </a:xfrm>
+          <a:prstGeom prst="ellipse">
+            <a:avLst/>
+          </a:prstGeom>
+          <a:ln w="3175">
+            <a:solidFill>
+              <a:schemeClr val="accent1"/>
+            </a:solidFill>
+          </a:ln>
+        </p:spPr>
+        <p:style>
+          <a:lnRef idx="2">
+            <a:schemeClr val="accent1">
+              <a:shade val="50000"/>
+            </a:schemeClr>
+          </a:lnRef>
+          <a:fillRef idx="1">
+            <a:schemeClr val="accent1"/>
+          </a:fillRef>
+          <a:effectRef idx="0">
+            <a:schemeClr val="accent1"/>
+          </a:effectRef>
+          <a:fontRef idx="minor">
+            <a:schemeClr val="lt1"/>
+          </a:fontRef>
+        </p:style>
+        <p:txBody>
+          <a:bodyPr rtlCol="0" anchor="ctr"/>
+          <a:lstStyle/>
+          <a:p>
+            <a:pPr algn="ctr"/>
+            <a:endParaRPr lang="de-DE"/>
+          </a:p>
+        </p:txBody>
+      </p:sp>
+      <p:sp>
+        <p:nvSpPr>
+          <p:cNvPr id="45" name="Oval 44">
+            <a:extLst>
+              <a:ext uri="{FF2B5EF4-FFF2-40B4-BE49-F238E27FC236}">
+                <a16:creationId xmlns:a16="http://schemas.microsoft.com/office/drawing/2014/main" id="{DB55D443-BA25-3B41-8ECF-9D3D2191A651}"/>
+              </a:ext>
+            </a:extLst>
+          </p:cNvPr>
+          <p:cNvSpPr/>
+          <p:nvPr/>
+        </p:nvSpPr>
+        <p:spPr>
+          <a:xfrm>
+            <a:off x="6482976" y="2234759"/>
+            <a:ext cx="111873" cy="101703"/>
+          </a:xfrm>
+          <a:prstGeom prst="ellipse">
+            <a:avLst/>
+          </a:prstGeom>
+          <a:ln w="3175">
+            <a:solidFill>
+              <a:schemeClr val="accent1"/>
+            </a:solidFill>
+          </a:ln>
+        </p:spPr>
+        <p:style>
+          <a:lnRef idx="2">
+            <a:schemeClr val="accent1">
+              <a:shade val="50000"/>
+            </a:schemeClr>
+          </a:lnRef>
+          <a:fillRef idx="1">
+            <a:schemeClr val="accent1"/>
+          </a:fillRef>
+          <a:effectRef idx="0">
+            <a:schemeClr val="accent1"/>
+          </a:effectRef>
+          <a:fontRef idx="minor">
+            <a:schemeClr val="lt1"/>
+          </a:fontRef>
+        </p:style>
+        <p:txBody>
+          <a:bodyPr rtlCol="0" anchor="ctr"/>
+          <a:lstStyle/>
+          <a:p>
+            <a:pPr algn="ctr"/>
+            <a:endParaRPr lang="de-DE"/>
+          </a:p>
+        </p:txBody>
+      </p:sp>
+      <p:sp>
+        <p:nvSpPr>
+          <p:cNvPr id="46" name="Rectangle 45">
+            <a:extLst>
+              <a:ext uri="{FF2B5EF4-FFF2-40B4-BE49-F238E27FC236}">
+                <a16:creationId xmlns:a16="http://schemas.microsoft.com/office/drawing/2014/main" id="{09A6809A-D551-5345-9BBC-119DE5EAD72E}"/>
+              </a:ext>
+            </a:extLst>
+          </p:cNvPr>
+          <p:cNvSpPr/>
+          <p:nvPr/>
+        </p:nvSpPr>
+        <p:spPr>
+          <a:xfrm>
+            <a:off x="6208378" y="2588470"/>
+            <a:ext cx="620889" cy="620889"/>
+          </a:xfrm>
+          <a:prstGeom prst="rect">
+            <a:avLst/>
+          </a:prstGeom>
+          <a:noFill/>
+          <a:ln w="3175">
+            <a:solidFill>
+              <a:schemeClr val="accent1"/>
+            </a:solidFill>
+          </a:ln>
+        </p:spPr>
+        <p:style>
+          <a:lnRef idx="2">
+            <a:schemeClr val="accent1">
+              <a:shade val="50000"/>
+            </a:schemeClr>
+          </a:lnRef>
+          <a:fillRef idx="1">
+            <a:schemeClr val="accent1"/>
+          </a:fillRef>
+          <a:effectRef idx="0">
+            <a:schemeClr val="accent1"/>
+          </a:effectRef>
+          <a:fontRef idx="minor">
+            <a:schemeClr val="lt1"/>
+          </a:fontRef>
+        </p:style>
+        <p:txBody>
+          <a:bodyPr rtlCol="0" anchor="ctr"/>
+          <a:lstStyle/>
+          <a:p>
+            <a:pPr algn="ctr"/>
+            <a:endParaRPr lang="en-US"/>
+          </a:p>
+        </p:txBody>
+      </p:sp>
+      <p:sp>
+        <p:nvSpPr>
+          <p:cNvPr id="47" name="Rectangle 46">
+            <a:extLst>
+              <a:ext uri="{FF2B5EF4-FFF2-40B4-BE49-F238E27FC236}">
+                <a16:creationId xmlns:a16="http://schemas.microsoft.com/office/drawing/2014/main" id="{8251601A-B4CA-6042-9B18-2DFAF6CAC19C}"/>
+              </a:ext>
+            </a:extLst>
+          </p:cNvPr>
+          <p:cNvSpPr/>
+          <p:nvPr/>
+        </p:nvSpPr>
+        <p:spPr>
+          <a:xfrm>
+            <a:off x="6823181" y="2585752"/>
+            <a:ext cx="620889" cy="620889"/>
+          </a:xfrm>
+          <a:prstGeom prst="rect">
+            <a:avLst/>
+          </a:prstGeom>
+          <a:noFill/>
+          <a:ln w="3175">
+            <a:solidFill>
+              <a:schemeClr val="accent1"/>
+            </a:solidFill>
+          </a:ln>
+        </p:spPr>
+        <p:style>
+          <a:lnRef idx="2">
+            <a:schemeClr val="accent1">
+              <a:shade val="50000"/>
+            </a:schemeClr>
+          </a:lnRef>
+          <a:fillRef idx="1">
+            <a:schemeClr val="accent1"/>
+          </a:fillRef>
+          <a:effectRef idx="0">
+            <a:schemeClr val="accent1"/>
+          </a:effectRef>
+          <a:fontRef idx="minor">
+            <a:schemeClr val="lt1"/>
+          </a:fontRef>
+        </p:style>
+        <p:txBody>
+          <a:bodyPr rtlCol="0" anchor="ctr"/>
+          <a:lstStyle/>
+          <a:p>
+            <a:pPr algn="ctr"/>
+            <a:endParaRPr lang="en-US"/>
+          </a:p>
+        </p:txBody>
+      </p:sp>
+      <p:sp>
+        <p:nvSpPr>
+          <p:cNvPr id="50" name="Oval 49">
+            <a:extLst>
+              <a:ext uri="{FF2B5EF4-FFF2-40B4-BE49-F238E27FC236}">
+                <a16:creationId xmlns:a16="http://schemas.microsoft.com/office/drawing/2014/main" id="{9D45AA71-7147-1B43-B41A-C848DA37A75F}"/>
+              </a:ext>
+            </a:extLst>
+          </p:cNvPr>
+          <p:cNvSpPr/>
+          <p:nvPr/>
+        </p:nvSpPr>
+        <p:spPr>
+          <a:xfrm>
+            <a:off x="7100849" y="2839199"/>
+            <a:ext cx="111873" cy="101703"/>
+          </a:xfrm>
+          <a:prstGeom prst="ellipse">
+            <a:avLst/>
+          </a:prstGeom>
+          <a:ln w="3175">
+            <a:solidFill>
+              <a:schemeClr val="accent1"/>
+            </a:solidFill>
+          </a:ln>
+        </p:spPr>
+        <p:style>
+          <a:lnRef idx="2">
+            <a:schemeClr val="accent1">
+              <a:shade val="50000"/>
+            </a:schemeClr>
+          </a:lnRef>
+          <a:fillRef idx="1">
+            <a:schemeClr val="accent1"/>
+          </a:fillRef>
+          <a:effectRef idx="0">
+            <a:schemeClr val="accent1"/>
+          </a:effectRef>
+          <a:fontRef idx="minor">
+            <a:schemeClr val="lt1"/>
+          </a:fontRef>
+        </p:style>
+        <p:txBody>
+          <a:bodyPr rtlCol="0" anchor="ctr"/>
+          <a:lstStyle/>
+          <a:p>
+            <a:pPr algn="ctr"/>
+            <a:endParaRPr lang="de-DE"/>
+          </a:p>
+        </p:txBody>
+      </p:sp>
+      <p:sp>
+        <p:nvSpPr>
+          <p:cNvPr id="51" name="Oval 50">
+            <a:extLst>
+              <a:ext uri="{FF2B5EF4-FFF2-40B4-BE49-F238E27FC236}">
+                <a16:creationId xmlns:a16="http://schemas.microsoft.com/office/drawing/2014/main" id="{4A519C81-4020-E544-9591-F0E7C7387DE0}"/>
+              </a:ext>
+            </a:extLst>
+          </p:cNvPr>
+          <p:cNvSpPr/>
+          <p:nvPr/>
+        </p:nvSpPr>
+        <p:spPr>
+          <a:xfrm>
+            <a:off x="6482975" y="2851729"/>
+            <a:ext cx="111873" cy="101703"/>
+          </a:xfrm>
+          <a:prstGeom prst="ellipse">
+            <a:avLst/>
+          </a:prstGeom>
+          <a:ln w="3175">
+            <a:solidFill>
+              <a:schemeClr val="accent1"/>
+            </a:solidFill>
+          </a:ln>
+        </p:spPr>
+        <p:style>
+          <a:lnRef idx="2">
+            <a:schemeClr val="accent1">
+              <a:shade val="50000"/>
+            </a:schemeClr>
+          </a:lnRef>
+          <a:fillRef idx="1">
+            <a:schemeClr val="accent1"/>
+          </a:fillRef>
+          <a:effectRef idx="0">
+            <a:schemeClr val="accent1"/>
+          </a:effectRef>
+          <a:fontRef idx="minor">
+            <a:schemeClr val="lt1"/>
+          </a:fontRef>
+        </p:style>
+        <p:txBody>
+          <a:bodyPr rtlCol="0" anchor="ctr"/>
+          <a:lstStyle/>
+          <a:p>
+            <a:pPr algn="ctr"/>
+            <a:endParaRPr lang="de-DE"/>
+          </a:p>
+        </p:txBody>
+      </p:sp>
+      <p:sp>
+        <p:nvSpPr>
+          <p:cNvPr id="53" name="Oval 52">
+            <a:extLst>
+              <a:ext uri="{FF2B5EF4-FFF2-40B4-BE49-F238E27FC236}">
+                <a16:creationId xmlns:a16="http://schemas.microsoft.com/office/drawing/2014/main" id="{5751660E-140E-0145-851A-CAF8945C4609}"/>
+              </a:ext>
+            </a:extLst>
+          </p:cNvPr>
+          <p:cNvSpPr/>
+          <p:nvPr/>
+        </p:nvSpPr>
+        <p:spPr>
+          <a:xfrm>
+            <a:off x="1206053" y="2886469"/>
+            <a:ext cx="111873" cy="101703"/>
+          </a:xfrm>
+          <a:prstGeom prst="ellipse">
+            <a:avLst/>
+          </a:prstGeom>
+        </p:spPr>
+        <p:style>
+          <a:lnRef idx="2">
+            <a:schemeClr val="accent1">
+              <a:shade val="50000"/>
+            </a:schemeClr>
+          </a:lnRef>
+          <a:fillRef idx="1">
+            <a:schemeClr val="accent1"/>
+          </a:fillRef>
+          <a:effectRef idx="0">
+            <a:schemeClr val="accent1"/>
+          </a:effectRef>
+          <a:fontRef idx="minor">
+            <a:schemeClr val="lt1"/>
+          </a:fontRef>
+        </p:style>
+        <p:txBody>
+          <a:bodyPr rtlCol="0" anchor="ctr"/>
+          <a:lstStyle/>
+          <a:p>
+            <a:pPr algn="ctr"/>
+            <a:endParaRPr lang="de-DE"/>
+          </a:p>
+        </p:txBody>
+      </p:sp>
+      <p:sp>
+        <p:nvSpPr>
+          <p:cNvPr id="54" name="TextBox 53">
+            <a:extLst>
+              <a:ext uri="{FF2B5EF4-FFF2-40B4-BE49-F238E27FC236}">
+                <a16:creationId xmlns:a16="http://schemas.microsoft.com/office/drawing/2014/main" id="{FD20AB59-7596-1E4D-84E1-770249E3B1CE}"/>
+              </a:ext>
+            </a:extLst>
+          </p:cNvPr>
+          <p:cNvSpPr txBox="1"/>
+          <p:nvPr/>
+        </p:nvSpPr>
+        <p:spPr>
+          <a:xfrm>
+            <a:off x="830232" y="2550825"/>
+            <a:ext cx="617477" cy="369332"/>
+          </a:xfrm>
+          <a:prstGeom prst="rect">
+            <a:avLst/>
+          </a:prstGeom>
+          <a:noFill/>
+        </p:spPr>
+        <p:txBody>
+          <a:bodyPr wrap="none" rtlCol="0">
+            <a:spAutoFit/>
+          </a:bodyPr>
+          <a:lstStyle/>
+          <a:p>
+            <a:r>
+              <a:rPr lang="en-US" dirty="0"/>
+              <a:t>(0,0)</a:t>
+            </a:r>
+          </a:p>
+        </p:txBody>
+      </p:sp>
+      <p:sp>
+        <p:nvSpPr>
+          <p:cNvPr id="55" name="Rectangle 54">
+            <a:extLst>
+              <a:ext uri="{FF2B5EF4-FFF2-40B4-BE49-F238E27FC236}">
+                <a16:creationId xmlns:a16="http://schemas.microsoft.com/office/drawing/2014/main" id="{3ECDB614-08E4-B84B-B059-A3A25D9BABF9}"/>
+              </a:ext>
+            </a:extLst>
+          </p:cNvPr>
+          <p:cNvSpPr/>
+          <p:nvPr/>
+        </p:nvSpPr>
+        <p:spPr>
+          <a:xfrm>
+            <a:off x="5867441" y="3925438"/>
+            <a:ext cx="620889" cy="620889"/>
+          </a:xfrm>
+          <a:prstGeom prst="rect">
+            <a:avLst/>
+          </a:prstGeom>
+          <a:noFill/>
+          <a:ln w="3175">
+            <a:solidFill>
+              <a:schemeClr val="accent1"/>
+            </a:solidFill>
+          </a:ln>
+        </p:spPr>
+        <p:style>
+          <a:lnRef idx="2">
+            <a:schemeClr val="accent1">
+              <a:shade val="50000"/>
+            </a:schemeClr>
+          </a:lnRef>
+          <a:fillRef idx="1">
+            <a:schemeClr val="accent1"/>
+          </a:fillRef>
+          <a:effectRef idx="0">
+            <a:schemeClr val="accent1"/>
+          </a:effectRef>
+          <a:fontRef idx="minor">
+            <a:schemeClr val="lt1"/>
+          </a:fontRef>
+        </p:style>
+        <p:txBody>
+          <a:bodyPr rtlCol="0" anchor="ctr"/>
+          <a:lstStyle/>
+          <a:p>
+            <a:pPr algn="ctr"/>
+            <a:endParaRPr lang="en-US"/>
+          </a:p>
+        </p:txBody>
+      </p:sp>
+      <p:sp>
+        <p:nvSpPr>
+          <p:cNvPr id="56" name="Rectangle 55">
+            <a:extLst>
+              <a:ext uri="{FF2B5EF4-FFF2-40B4-BE49-F238E27FC236}">
+                <a16:creationId xmlns:a16="http://schemas.microsoft.com/office/drawing/2014/main" id="{4D25AA18-E956-3249-A1EB-255C7A94047E}"/>
+              </a:ext>
+            </a:extLst>
+          </p:cNvPr>
+          <p:cNvSpPr/>
+          <p:nvPr/>
+        </p:nvSpPr>
+        <p:spPr>
+          <a:xfrm>
+            <a:off x="6488916" y="3925438"/>
+            <a:ext cx="620889" cy="622866"/>
+          </a:xfrm>
+          <a:prstGeom prst="rect">
+            <a:avLst/>
+          </a:prstGeom>
+          <a:noFill/>
+          <a:ln w="3175">
+            <a:solidFill>
+              <a:schemeClr val="accent1"/>
+            </a:solidFill>
+          </a:ln>
+        </p:spPr>
+        <p:style>
+          <a:lnRef idx="2">
+            <a:schemeClr val="accent1">
+              <a:shade val="50000"/>
+            </a:schemeClr>
+          </a:lnRef>
+          <a:fillRef idx="1">
+            <a:schemeClr val="accent1"/>
+          </a:fillRef>
+          <a:effectRef idx="0">
+            <a:schemeClr val="accent1"/>
+          </a:effectRef>
+          <a:fontRef idx="minor">
+            <a:schemeClr val="lt1"/>
+          </a:fontRef>
+        </p:style>
+        <p:txBody>
+          <a:bodyPr rtlCol="0" anchor="ctr"/>
+          <a:lstStyle/>
+          <a:p>
+            <a:pPr algn="ctr"/>
+            <a:endParaRPr lang="en-US"/>
+          </a:p>
+        </p:txBody>
+      </p:sp>
+      <p:sp>
+        <p:nvSpPr>
+          <p:cNvPr id="57" name="Oval 56">
+            <a:extLst>
+              <a:ext uri="{FF2B5EF4-FFF2-40B4-BE49-F238E27FC236}">
+                <a16:creationId xmlns:a16="http://schemas.microsoft.com/office/drawing/2014/main" id="{344849D5-8831-8A42-B522-DBC05A1B7719}"/>
+              </a:ext>
+            </a:extLst>
+          </p:cNvPr>
+          <p:cNvSpPr/>
+          <p:nvPr/>
+        </p:nvSpPr>
+        <p:spPr>
+          <a:xfrm>
+            <a:off x="6758319" y="4209197"/>
+            <a:ext cx="111873" cy="101703"/>
+          </a:xfrm>
+          <a:prstGeom prst="ellipse">
+            <a:avLst/>
+          </a:prstGeom>
+          <a:ln w="3175">
+            <a:solidFill>
+              <a:schemeClr val="accent1"/>
+            </a:solidFill>
+          </a:ln>
+        </p:spPr>
+        <p:style>
+          <a:lnRef idx="2">
+            <a:schemeClr val="accent1">
+              <a:shade val="50000"/>
+            </a:schemeClr>
+          </a:lnRef>
+          <a:fillRef idx="1">
+            <a:schemeClr val="accent1"/>
+          </a:fillRef>
+          <a:effectRef idx="0">
+            <a:schemeClr val="accent1"/>
+          </a:effectRef>
+          <a:fontRef idx="minor">
+            <a:schemeClr val="lt1"/>
+          </a:fontRef>
+        </p:style>
+        <p:txBody>
+          <a:bodyPr rtlCol="0" anchor="ctr"/>
+          <a:lstStyle/>
+          <a:p>
+            <a:pPr algn="ctr"/>
+            <a:endParaRPr lang="de-DE"/>
+          </a:p>
+        </p:txBody>
+      </p:sp>
+      <p:sp>
+        <p:nvSpPr>
+          <p:cNvPr id="58" name="Oval 57">
+            <a:extLst>
+              <a:ext uri="{FF2B5EF4-FFF2-40B4-BE49-F238E27FC236}">
+                <a16:creationId xmlns:a16="http://schemas.microsoft.com/office/drawing/2014/main" id="{129ADD01-0F5D-BC47-80E5-90FC9622DCE1}"/>
+              </a:ext>
+            </a:extLst>
+          </p:cNvPr>
+          <p:cNvSpPr/>
+          <p:nvPr/>
+        </p:nvSpPr>
+        <p:spPr>
+          <a:xfrm>
+            <a:off x="6139362" y="4197311"/>
+            <a:ext cx="111873" cy="101703"/>
+          </a:xfrm>
+          <a:prstGeom prst="ellipse">
+            <a:avLst/>
+          </a:prstGeom>
+          <a:ln w="3175">
+            <a:solidFill>
+              <a:schemeClr val="accent1"/>
+            </a:solidFill>
+          </a:ln>
+        </p:spPr>
+        <p:style>
+          <a:lnRef idx="2">
+            <a:schemeClr val="accent1">
+              <a:shade val="50000"/>
+            </a:schemeClr>
+          </a:lnRef>
+          <a:fillRef idx="1">
+            <a:schemeClr val="accent1"/>
+          </a:fillRef>
+          <a:effectRef idx="0">
+            <a:schemeClr val="accent1"/>
+          </a:effectRef>
+          <a:fontRef idx="minor">
+            <a:schemeClr val="lt1"/>
+          </a:fontRef>
+        </p:style>
+        <p:txBody>
+          <a:bodyPr rtlCol="0" anchor="ctr"/>
+          <a:lstStyle/>
+          <a:p>
+            <a:pPr algn="ctr"/>
+            <a:endParaRPr lang="de-DE"/>
+          </a:p>
+        </p:txBody>
+      </p:sp>
+      <p:sp>
+        <p:nvSpPr>
+          <p:cNvPr id="63" name="Rectangle 62">
+            <a:extLst>
+              <a:ext uri="{FF2B5EF4-FFF2-40B4-BE49-F238E27FC236}">
+                <a16:creationId xmlns:a16="http://schemas.microsoft.com/office/drawing/2014/main" id="{0606488C-8987-DA49-8D5F-008726E7F71D}"/>
+              </a:ext>
+            </a:extLst>
+          </p:cNvPr>
+          <p:cNvSpPr/>
+          <p:nvPr/>
+        </p:nvSpPr>
+        <p:spPr>
+          <a:xfrm>
+            <a:off x="7110390" y="3925438"/>
+            <a:ext cx="620889" cy="622866"/>
+          </a:xfrm>
+          <a:prstGeom prst="rect">
+            <a:avLst/>
+          </a:prstGeom>
+          <a:noFill/>
+          <a:ln w="3175">
+            <a:solidFill>
+              <a:schemeClr val="accent1"/>
+            </a:solidFill>
+          </a:ln>
+        </p:spPr>
+        <p:style>
+          <a:lnRef idx="2">
+            <a:schemeClr val="accent1">
+              <a:shade val="50000"/>
+            </a:schemeClr>
+          </a:lnRef>
+          <a:fillRef idx="1">
+            <a:schemeClr val="accent1"/>
+          </a:fillRef>
+          <a:effectRef idx="0">
+            <a:schemeClr val="accent1"/>
+          </a:effectRef>
+          <a:fontRef idx="minor">
+            <a:schemeClr val="lt1"/>
+          </a:fontRef>
+        </p:style>
+        <p:txBody>
+          <a:bodyPr rtlCol="0" anchor="ctr"/>
+          <a:lstStyle/>
+          <a:p>
+            <a:pPr algn="ctr"/>
+            <a:endParaRPr lang="en-US"/>
+          </a:p>
+        </p:txBody>
+      </p:sp>
+      <p:sp>
+        <p:nvSpPr>
+          <p:cNvPr id="64" name="Oval 63">
+            <a:extLst>
+              <a:ext uri="{FF2B5EF4-FFF2-40B4-BE49-F238E27FC236}">
+                <a16:creationId xmlns:a16="http://schemas.microsoft.com/office/drawing/2014/main" id="{8E0C95EB-3D0A-C44A-A7B3-FC2063229746}"/>
+              </a:ext>
+            </a:extLst>
+          </p:cNvPr>
+          <p:cNvSpPr/>
+          <p:nvPr/>
+        </p:nvSpPr>
+        <p:spPr>
+          <a:xfrm>
+            <a:off x="7397609" y="4207220"/>
+            <a:ext cx="111873" cy="101703"/>
+          </a:xfrm>
+          <a:prstGeom prst="ellipse">
+            <a:avLst/>
+          </a:prstGeom>
+          <a:ln w="3175">
+            <a:solidFill>
+              <a:schemeClr val="accent1"/>
+            </a:solidFill>
+          </a:ln>
+        </p:spPr>
+        <p:style>
+          <a:lnRef idx="2">
+            <a:schemeClr val="accent1">
+              <a:shade val="50000"/>
+            </a:schemeClr>
+          </a:lnRef>
+          <a:fillRef idx="1">
+            <a:schemeClr val="accent1"/>
+          </a:fillRef>
+          <a:effectRef idx="0">
+            <a:schemeClr val="accent1"/>
+          </a:effectRef>
+          <a:fontRef idx="minor">
+            <a:schemeClr val="lt1"/>
+          </a:fontRef>
+        </p:style>
+        <p:txBody>
+          <a:bodyPr rtlCol="0" anchor="ctr"/>
+          <a:lstStyle/>
+          <a:p>
+            <a:pPr algn="ctr"/>
+            <a:endParaRPr lang="de-DE"/>
+          </a:p>
+        </p:txBody>
+      </p:sp>
+      <p:sp>
+        <p:nvSpPr>
+          <p:cNvPr id="67" name="Rectangle 66">
+            <a:extLst>
+              <a:ext uri="{FF2B5EF4-FFF2-40B4-BE49-F238E27FC236}">
+                <a16:creationId xmlns:a16="http://schemas.microsoft.com/office/drawing/2014/main" id="{EA38448F-0BB0-2B44-81BF-205887D988D5}"/>
+              </a:ext>
+            </a:extLst>
+          </p:cNvPr>
+          <p:cNvSpPr/>
+          <p:nvPr/>
+        </p:nvSpPr>
+        <p:spPr>
+          <a:xfrm>
+            <a:off x="5865466" y="4564728"/>
+            <a:ext cx="620889" cy="620889"/>
+          </a:xfrm>
+          <a:prstGeom prst="rect">
+            <a:avLst/>
+          </a:prstGeom>
+          <a:noFill/>
+          <a:ln w="3175">
+            <a:solidFill>
+              <a:schemeClr val="accent1"/>
+            </a:solidFill>
+          </a:ln>
+        </p:spPr>
+        <p:style>
+          <a:lnRef idx="2">
+            <a:schemeClr val="accent1">
+              <a:shade val="50000"/>
+            </a:schemeClr>
+          </a:lnRef>
+          <a:fillRef idx="1">
+            <a:schemeClr val="accent1"/>
+          </a:fillRef>
+          <a:effectRef idx="0">
+            <a:schemeClr val="accent1"/>
+          </a:effectRef>
+          <a:fontRef idx="minor">
+            <a:schemeClr val="lt1"/>
+          </a:fontRef>
+        </p:style>
+        <p:txBody>
+          <a:bodyPr rtlCol="0" anchor="ctr"/>
+          <a:lstStyle/>
+          <a:p>
+            <a:pPr algn="ctr"/>
+            <a:endParaRPr lang="en-US"/>
+          </a:p>
+        </p:txBody>
+      </p:sp>
+      <p:sp>
+        <p:nvSpPr>
+          <p:cNvPr id="68" name="Rectangle 67">
+            <a:extLst>
+              <a:ext uri="{FF2B5EF4-FFF2-40B4-BE49-F238E27FC236}">
+                <a16:creationId xmlns:a16="http://schemas.microsoft.com/office/drawing/2014/main" id="{1954E40F-5F0E-A641-A378-925AAB1C9E51}"/>
+              </a:ext>
+            </a:extLst>
+          </p:cNvPr>
+          <p:cNvSpPr/>
+          <p:nvPr/>
+        </p:nvSpPr>
+        <p:spPr>
+          <a:xfrm>
+            <a:off x="6486941" y="4564728"/>
+            <a:ext cx="620889" cy="622866"/>
+          </a:xfrm>
+          <a:prstGeom prst="rect">
+            <a:avLst/>
+          </a:prstGeom>
+          <a:noFill/>
+          <a:ln w="3175">
+            <a:solidFill>
+              <a:schemeClr val="accent1"/>
+            </a:solidFill>
+          </a:ln>
+        </p:spPr>
+        <p:style>
+          <a:lnRef idx="2">
+            <a:schemeClr val="accent1">
+              <a:shade val="50000"/>
+            </a:schemeClr>
+          </a:lnRef>
+          <a:fillRef idx="1">
+            <a:schemeClr val="accent1"/>
+          </a:fillRef>
+          <a:effectRef idx="0">
+            <a:schemeClr val="accent1"/>
+          </a:effectRef>
+          <a:fontRef idx="minor">
+            <a:schemeClr val="lt1"/>
+          </a:fontRef>
+        </p:style>
+        <p:txBody>
+          <a:bodyPr rtlCol="0" anchor="ctr"/>
+          <a:lstStyle/>
+          <a:p>
+            <a:pPr algn="ctr"/>
+            <a:endParaRPr lang="en-US"/>
+          </a:p>
+        </p:txBody>
+      </p:sp>
+      <p:sp>
+        <p:nvSpPr>
+          <p:cNvPr id="69" name="Oval 68">
+            <a:extLst>
+              <a:ext uri="{FF2B5EF4-FFF2-40B4-BE49-F238E27FC236}">
+                <a16:creationId xmlns:a16="http://schemas.microsoft.com/office/drawing/2014/main" id="{244255EB-2C4B-1542-B222-2DFF04D842CE}"/>
+              </a:ext>
+            </a:extLst>
+          </p:cNvPr>
+          <p:cNvSpPr/>
+          <p:nvPr/>
+        </p:nvSpPr>
+        <p:spPr>
+          <a:xfrm>
+            <a:off x="6756344" y="4848487"/>
+            <a:ext cx="111873" cy="101703"/>
+          </a:xfrm>
+          <a:prstGeom prst="ellipse">
+            <a:avLst/>
+          </a:prstGeom>
+          <a:ln w="3175">
+            <a:solidFill>
+              <a:schemeClr val="accent1"/>
+            </a:solidFill>
+          </a:ln>
+        </p:spPr>
+        <p:style>
+          <a:lnRef idx="2">
+            <a:schemeClr val="accent1">
+              <a:shade val="50000"/>
+            </a:schemeClr>
+          </a:lnRef>
+          <a:fillRef idx="1">
+            <a:schemeClr val="accent1"/>
+          </a:fillRef>
+          <a:effectRef idx="0">
+            <a:schemeClr val="accent1"/>
+          </a:effectRef>
+          <a:fontRef idx="minor">
+            <a:schemeClr val="lt1"/>
+          </a:fontRef>
+        </p:style>
+        <p:txBody>
+          <a:bodyPr rtlCol="0" anchor="ctr"/>
+          <a:lstStyle/>
+          <a:p>
+            <a:pPr algn="ctr"/>
+            <a:endParaRPr lang="de-DE"/>
+          </a:p>
+        </p:txBody>
+      </p:sp>
+      <p:sp>
+        <p:nvSpPr>
+          <p:cNvPr id="70" name="Oval 69">
+            <a:extLst>
+              <a:ext uri="{FF2B5EF4-FFF2-40B4-BE49-F238E27FC236}">
+                <a16:creationId xmlns:a16="http://schemas.microsoft.com/office/drawing/2014/main" id="{AB561325-B46C-8E47-A8C9-668BFE6A6976}"/>
+              </a:ext>
+            </a:extLst>
+          </p:cNvPr>
+          <p:cNvSpPr/>
+          <p:nvPr/>
+        </p:nvSpPr>
+        <p:spPr>
+          <a:xfrm>
+            <a:off x="6137387" y="4836601"/>
+            <a:ext cx="111873" cy="101703"/>
+          </a:xfrm>
+          <a:prstGeom prst="ellipse">
+            <a:avLst/>
+          </a:prstGeom>
+          <a:ln w="3175">
+            <a:solidFill>
+              <a:schemeClr val="accent1"/>
+            </a:solidFill>
+          </a:ln>
+        </p:spPr>
+        <p:style>
+          <a:lnRef idx="2">
+            <a:schemeClr val="accent1">
+              <a:shade val="50000"/>
+            </a:schemeClr>
+          </a:lnRef>
+          <a:fillRef idx="1">
+            <a:schemeClr val="accent1"/>
+          </a:fillRef>
+          <a:effectRef idx="0">
+            <a:schemeClr val="accent1"/>
+          </a:effectRef>
+          <a:fontRef idx="minor">
+            <a:schemeClr val="lt1"/>
+          </a:fontRef>
+        </p:style>
+        <p:txBody>
+          <a:bodyPr rtlCol="0" anchor="ctr"/>
+          <a:lstStyle/>
+          <a:p>
+            <a:pPr algn="ctr"/>
+            <a:endParaRPr lang="de-DE"/>
+          </a:p>
+        </p:txBody>
+      </p:sp>
+      <p:sp>
+        <p:nvSpPr>
+          <p:cNvPr id="71" name="Rectangle 70">
+            <a:extLst>
+              <a:ext uri="{FF2B5EF4-FFF2-40B4-BE49-F238E27FC236}">
+                <a16:creationId xmlns:a16="http://schemas.microsoft.com/office/drawing/2014/main" id="{29A5EAAB-8EE9-AE4B-AADF-6E3893BDBD00}"/>
+              </a:ext>
+            </a:extLst>
+          </p:cNvPr>
+          <p:cNvSpPr/>
+          <p:nvPr/>
+        </p:nvSpPr>
+        <p:spPr>
+          <a:xfrm>
+            <a:off x="7108415" y="4564728"/>
+            <a:ext cx="620889" cy="622866"/>
+          </a:xfrm>
+          <a:prstGeom prst="rect">
+            <a:avLst/>
+          </a:prstGeom>
+          <a:noFill/>
+          <a:ln w="3175">
+            <a:solidFill>
+              <a:schemeClr val="accent1"/>
+            </a:solidFill>
+          </a:ln>
+        </p:spPr>
+        <p:style>
+          <a:lnRef idx="2">
+            <a:schemeClr val="accent1">
+              <a:shade val="50000"/>
+            </a:schemeClr>
+          </a:lnRef>
+          <a:fillRef idx="1">
+            <a:schemeClr val="accent1"/>
+          </a:fillRef>
+          <a:effectRef idx="0">
+            <a:schemeClr val="accent1"/>
+          </a:effectRef>
+          <a:fontRef idx="minor">
+            <a:schemeClr val="lt1"/>
+          </a:fontRef>
+        </p:style>
+        <p:txBody>
+          <a:bodyPr rtlCol="0" anchor="ctr"/>
+          <a:lstStyle/>
+          <a:p>
+            <a:pPr algn="ctr"/>
+            <a:endParaRPr lang="en-US"/>
+          </a:p>
+        </p:txBody>
+      </p:sp>
+      <p:sp>
+        <p:nvSpPr>
+          <p:cNvPr id="72" name="Oval 71">
+            <a:extLst>
+              <a:ext uri="{FF2B5EF4-FFF2-40B4-BE49-F238E27FC236}">
+                <a16:creationId xmlns:a16="http://schemas.microsoft.com/office/drawing/2014/main" id="{E30368C8-6B5A-6C49-99E4-80CA4C716B2D}"/>
+              </a:ext>
+            </a:extLst>
+          </p:cNvPr>
+          <p:cNvSpPr/>
+          <p:nvPr/>
+        </p:nvSpPr>
+        <p:spPr>
+          <a:xfrm>
+            <a:off x="7395634" y="4846510"/>
+            <a:ext cx="111873" cy="101703"/>
+          </a:xfrm>
+          <a:prstGeom prst="ellipse">
+            <a:avLst/>
+          </a:prstGeom>
+          <a:ln w="3175">
+            <a:solidFill>
+              <a:schemeClr val="accent1"/>
+            </a:solidFill>
+          </a:ln>
+        </p:spPr>
+        <p:style>
+          <a:lnRef idx="2">
+            <a:schemeClr val="accent1">
+              <a:shade val="50000"/>
+            </a:schemeClr>
+          </a:lnRef>
+          <a:fillRef idx="1">
+            <a:schemeClr val="accent1"/>
+          </a:fillRef>
+          <a:effectRef idx="0">
+            <a:schemeClr val="accent1"/>
+          </a:effectRef>
+          <a:fontRef idx="minor">
+            <a:schemeClr val="lt1"/>
+          </a:fontRef>
+        </p:style>
+        <p:txBody>
+          <a:bodyPr rtlCol="0" anchor="ctr"/>
+          <a:lstStyle/>
+          <a:p>
+            <a:pPr algn="ctr"/>
+            <a:endParaRPr lang="de-DE"/>
+          </a:p>
+        </p:txBody>
+      </p:sp>
+      <p:sp>
+        <p:nvSpPr>
+          <p:cNvPr id="4" name="Rectangle 3">
+            <a:extLst>
+              <a:ext uri="{FF2B5EF4-FFF2-40B4-BE49-F238E27FC236}">
+                <a16:creationId xmlns:a16="http://schemas.microsoft.com/office/drawing/2014/main" id="{BC891B27-A604-284A-B6C8-ABBE46C05EA8}"/>
+              </a:ext>
+            </a:extLst>
+          </p:cNvPr>
+          <p:cNvSpPr/>
+          <p:nvPr/>
+        </p:nvSpPr>
+        <p:spPr>
+          <a:xfrm>
+            <a:off x="5865465" y="3935565"/>
+            <a:ext cx="1871519" cy="1250269"/>
+          </a:xfrm>
+          <a:prstGeom prst="rect">
+            <a:avLst/>
+          </a:prstGeom>
+          <a:solidFill>
+            <a:schemeClr val="accent1">
+              <a:alpha val="46000"/>
+            </a:schemeClr>
+          </a:solidFill>
+        </p:spPr>
+        <p:style>
+          <a:lnRef idx="2">
+            <a:schemeClr val="accent1">
+              <a:shade val="50000"/>
+            </a:schemeClr>
+          </a:lnRef>
+          <a:fillRef idx="1">
+            <a:schemeClr val="accent1"/>
+          </a:fillRef>
+          <a:effectRef idx="0">
+            <a:schemeClr val="accent1"/>
+          </a:effectRef>
+          <a:fontRef idx="minor">
+            <a:schemeClr val="lt1"/>
+          </a:fontRef>
+        </p:style>
+        <p:txBody>
+          <a:bodyPr rtlCol="0" anchor="ctr"/>
+          <a:lstStyle/>
+          <a:p>
+            <a:pPr algn="ctr"/>
+            <a:endParaRPr lang="de-DE" dirty="0"/>
+          </a:p>
+        </p:txBody>
+      </p:sp>
+    </p:spTree>
+    <p:extLst>
+      <p:ext uri="{BB962C8B-B14F-4D97-AF65-F5344CB8AC3E}">
+        <p14:creationId xmlns:p14="http://schemas.microsoft.com/office/powerpoint/2010/main" val="3647780881"/>
+      </p:ext>
+    </p:extLst>
+  </p:cSld>
+  <p:clrMapOvr>
+    <a:masterClrMapping/>
+  </p:clrMapOvr>
+</p:sld>
+</file>
+
+<file path=ppt/slides/slide2.xml><?xml version="1.0" encoding="utf-8"?>
+<p:sld xmlns:a="http://schemas.openxmlformats.org/drawingml/2006/main" xmlns:r="http://schemas.openxmlformats.org/officeDocument/2006/relationships" xmlns:p="http://schemas.openxmlformats.org/presentationml/2006/main">
+  <p:cSld>
+    <p:spTree>
+      <p:nvGrpSpPr>
+        <p:cNvPr id="1" name=""/>
+        <p:cNvGrpSpPr/>
+        <p:nvPr/>
+      </p:nvGrpSpPr>
+      <p:grpSpPr>
+        <a:xfrm>
+          <a:off x="0" y="0"/>
+          <a:ext cx="0" cy="0"/>
+          <a:chOff x="0" y="0"/>
+          <a:chExt cx="0" cy="0"/>
+        </a:xfrm>
+      </p:grpSpPr>
+      <p:sp>
+        <p:nvSpPr>
+          <p:cNvPr id="8" name="Rectangle 7"/>
+          <p:cNvSpPr/>
+          <p:nvPr/>
+        </p:nvSpPr>
+        <p:spPr>
+          <a:xfrm>
+            <a:off x="6211055" y="1962886"/>
+            <a:ext cx="620889" cy="620889"/>
+          </a:xfrm>
+          <a:prstGeom prst="rect">
+            <a:avLst/>
+          </a:prstGeom>
+          <a:noFill/>
+          <a:ln w="3175">
+            <a:solidFill>
+              <a:schemeClr val="accent1"/>
+            </a:solidFill>
+          </a:ln>
+        </p:spPr>
+        <p:style>
+          <a:lnRef idx="2">
+            <a:schemeClr val="accent1">
+              <a:shade val="50000"/>
+            </a:schemeClr>
+          </a:lnRef>
+          <a:fillRef idx="1">
+            <a:schemeClr val="accent1"/>
+          </a:fillRef>
+          <a:effectRef idx="0">
+            <a:schemeClr val="accent1"/>
+          </a:effectRef>
+          <a:fontRef idx="minor">
+            <a:schemeClr val="lt1"/>
+          </a:fontRef>
+        </p:style>
+        <p:txBody>
+          <a:bodyPr rtlCol="0" anchor="ctr"/>
+          <a:lstStyle/>
+          <a:p>
+            <a:pPr algn="ctr"/>
+            <a:endParaRPr lang="en-US"/>
+          </a:p>
+        </p:txBody>
+      </p:sp>
+      <p:cxnSp>
+        <p:nvCxnSpPr>
+          <p:cNvPr id="10" name="Straight Connector 9"/>
+          <p:cNvCxnSpPr/>
+          <p:nvPr/>
+        </p:nvCxnSpPr>
+        <p:spPr>
+          <a:xfrm flipH="1" flipV="1">
+            <a:off x="6070907" y="2243054"/>
+            <a:ext cx="11289" cy="694267"/>
+          </a:xfrm>
+          <a:prstGeom prst="line">
+            <a:avLst/>
+          </a:prstGeom>
+          <a:ln w="28575">
+            <a:headEnd type="arrow" w="med" len="med"/>
+            <a:tailEnd type="arrow" w="med" len="med"/>
+          </a:ln>
+        </p:spPr>
+        <p:style>
+          <a:lnRef idx="1">
+            <a:schemeClr val="accent1"/>
+          </a:lnRef>
+          <a:fillRef idx="0">
+            <a:schemeClr val="accent1"/>
+          </a:fillRef>
+          <a:effectRef idx="0">
+            <a:schemeClr val="accent1"/>
+          </a:effectRef>
+          <a:fontRef idx="minor">
+            <a:schemeClr val="tx1"/>
+          </a:fontRef>
+        </p:style>
+      </p:cxnSp>
+      <p:sp>
+        <p:nvSpPr>
+          <p:cNvPr id="12" name="TextBox 11"/>
+          <p:cNvSpPr txBox="1"/>
+          <p:nvPr/>
+        </p:nvSpPr>
+        <p:spPr>
+          <a:xfrm rot="16200000">
+            <a:off x="5158612" y="2384378"/>
+            <a:ext cx="1183337" cy="369332"/>
+          </a:xfrm>
+          <a:prstGeom prst="rect">
+            <a:avLst/>
+          </a:prstGeom>
+          <a:noFill/>
+        </p:spPr>
+        <p:txBody>
+          <a:bodyPr wrap="none" rtlCol="0">
+            <a:spAutoFit/>
+          </a:bodyPr>
+          <a:lstStyle/>
+          <a:p>
+            <a:r>
+              <a:rPr lang="en-US" dirty="0"/>
+              <a:t>Spacing </a:t>
+            </a:r>
+            <a:r>
+              <a:rPr lang="en-US" dirty="0" err="1"/>
+              <a:t>dy</a:t>
+            </a:r>
+            <a:endParaRPr lang="en-US" dirty="0"/>
+          </a:p>
+        </p:txBody>
+      </p:sp>
+      <p:sp>
+        <p:nvSpPr>
+          <p:cNvPr id="13" name="TextBox 12"/>
+          <p:cNvSpPr txBox="1"/>
+          <p:nvPr/>
+        </p:nvSpPr>
+        <p:spPr>
+          <a:xfrm>
+            <a:off x="6290693" y="1317648"/>
+            <a:ext cx="1178528" cy="369332"/>
+          </a:xfrm>
+          <a:prstGeom prst="rect">
+            <a:avLst/>
+          </a:prstGeom>
+          <a:noFill/>
+        </p:spPr>
+        <p:txBody>
+          <a:bodyPr wrap="none" rtlCol="0">
+            <a:spAutoFit/>
+          </a:bodyPr>
+          <a:lstStyle/>
+          <a:p>
+            <a:r>
+              <a:rPr lang="en-US" dirty="0"/>
+              <a:t>Spacing dx</a:t>
+            </a:r>
+          </a:p>
+        </p:txBody>
+      </p:sp>
+      <p:cxnSp>
+        <p:nvCxnSpPr>
+          <p:cNvPr id="18" name="Straight Connector 17"/>
+          <p:cNvCxnSpPr/>
+          <p:nvPr/>
+        </p:nvCxnSpPr>
+        <p:spPr>
+          <a:xfrm>
+            <a:off x="5851794" y="3757435"/>
+            <a:ext cx="1885191" cy="0"/>
+          </a:xfrm>
+          <a:prstGeom prst="line">
+            <a:avLst/>
+          </a:prstGeom>
+          <a:ln w="28575">
+            <a:headEnd type="arrow" w="med" len="med"/>
+            <a:tailEnd type="arrow" w="med" len="med"/>
+          </a:ln>
+        </p:spPr>
+        <p:style>
+          <a:lnRef idx="1">
+            <a:schemeClr val="accent1"/>
+          </a:lnRef>
+          <a:fillRef idx="0">
+            <a:schemeClr val="accent1"/>
+          </a:fillRef>
+          <a:effectRef idx="0">
+            <a:schemeClr val="accent1"/>
+          </a:effectRef>
+          <a:fontRef idx="minor">
+            <a:schemeClr val="tx1"/>
+          </a:fontRef>
+        </p:style>
+      </p:cxnSp>
+      <p:sp>
+        <p:nvSpPr>
+          <p:cNvPr id="19" name="TextBox 18"/>
+          <p:cNvSpPr txBox="1"/>
+          <p:nvPr/>
+        </p:nvSpPr>
+        <p:spPr>
+          <a:xfrm>
+            <a:off x="6446463" y="3412258"/>
+            <a:ext cx="575799" cy="369332"/>
+          </a:xfrm>
+          <a:prstGeom prst="rect">
+            <a:avLst/>
+          </a:prstGeom>
+          <a:noFill/>
+        </p:spPr>
+        <p:txBody>
+          <a:bodyPr wrap="none" rtlCol="0">
+            <a:spAutoFit/>
+          </a:bodyPr>
+          <a:lstStyle/>
+          <a:p>
+            <a:r>
+              <a:rPr lang="en-US" dirty="0"/>
+              <a:t>3 dx</a:t>
+            </a:r>
+          </a:p>
+        </p:txBody>
+      </p:sp>
+      <p:cxnSp>
+        <p:nvCxnSpPr>
+          <p:cNvPr id="15" name="Straight Connector 14"/>
+          <p:cNvCxnSpPr/>
+          <p:nvPr/>
+        </p:nvCxnSpPr>
+        <p:spPr>
+          <a:xfrm flipV="1">
+            <a:off x="6521499" y="1776435"/>
+            <a:ext cx="632177" cy="7924"/>
+          </a:xfrm>
+          <a:prstGeom prst="line">
+            <a:avLst/>
+          </a:prstGeom>
+          <a:ln w="28575">
+            <a:headEnd type="arrow" w="med" len="med"/>
+            <a:tailEnd type="arrow" w="med" len="med"/>
+          </a:ln>
+        </p:spPr>
+        <p:style>
+          <a:lnRef idx="1">
+            <a:schemeClr val="accent1"/>
+          </a:lnRef>
+          <a:fillRef idx="0">
+            <a:schemeClr val="accent1"/>
+          </a:fillRef>
+          <a:effectRef idx="0">
+            <a:schemeClr val="accent1"/>
+          </a:effectRef>
+          <a:fontRef idx="minor">
+            <a:schemeClr val="tx1"/>
+          </a:fontRef>
+        </p:style>
+      </p:cxnSp>
+      <mc:AlternateContent xmlns:mc="http://schemas.openxmlformats.org/markup-compatibility/2006" xmlns:a14="http://schemas.microsoft.com/office/drawing/2010/main">
+        <mc:Choice Requires="a14">
+          <p:sp>
+            <p:nvSpPr>
+              <p:cNvPr id="32" name="TextBox 31"/>
+              <p:cNvSpPr txBox="1"/>
+              <p:nvPr/>
+            </p:nvSpPr>
+            <p:spPr>
+              <a:xfrm>
+                <a:off x="5647731" y="5397351"/>
+                <a:ext cx="2350900" cy="369332"/>
+              </a:xfrm>
+              <a:prstGeom prst="rect">
+                <a:avLst/>
+              </a:prstGeom>
+              <a:noFill/>
+            </p:spPr>
+            <p:txBody>
+              <a:bodyPr wrap="none" rtlCol="0">
+                <a:spAutoFit/>
+              </a:bodyPr>
+              <a:lstStyle/>
+              <a:p>
+                <a:pPr/>
+                <a14:m>
+                  <m:oMathPara xmlns:m="http://schemas.openxmlformats.org/officeDocument/2006/math">
+                    <m:oMathParaPr>
+                      <m:jc m:val="centerGroup"/>
+                    </m:oMathParaPr>
+                    <m:oMath xmlns:m="http://schemas.openxmlformats.org/officeDocument/2006/math">
+                      <m:r>
+                        <a:rPr lang="en-US" i="1" dirty="0" smtClean="0">
+                          <a:latin typeface="Cambria Math" panose="02040503050406030204" pitchFamily="18" charset="0"/>
+                        </a:rPr>
+                        <m:t>𝐴</m:t>
+                      </m:r>
+                      <m:r>
+                        <a:rPr lang="en-US" b="0" i="1" dirty="0" smtClean="0">
+                          <a:latin typeface="Cambria Math" panose="02040503050406030204" pitchFamily="18" charset="0"/>
+                        </a:rPr>
+                        <m:t>𝑟𝑒𝑎</m:t>
+                      </m:r>
+                      <m:r>
+                        <a:rPr lang="en-US" i="1" dirty="0" smtClean="0">
+                          <a:latin typeface="Cambria Math" panose="02040503050406030204" pitchFamily="18" charset="0"/>
+                        </a:rPr>
+                        <m:t> = 3 </m:t>
+                      </m:r>
+                      <m:r>
+                        <a:rPr lang="en-US" i="1" dirty="0" smtClean="0">
+                          <a:latin typeface="Cambria Math" panose="02040503050406030204" pitchFamily="18" charset="0"/>
+                        </a:rPr>
+                        <m:t>𝑑𝑥</m:t>
+                      </m:r>
+                      <m:r>
+                        <a:rPr lang="en-US" i="1" dirty="0">
+                          <a:latin typeface="Cambria Math" panose="02040503050406030204" pitchFamily="18" charset="0"/>
+                        </a:rPr>
+                        <m:t> </m:t>
+                      </m:r>
+                      <m:r>
+                        <a:rPr lang="en-US" i="1" dirty="0" smtClean="0">
+                          <a:latin typeface="Cambria Math" panose="02040503050406030204" pitchFamily="18" charset="0"/>
+                        </a:rPr>
+                        <m:t>∗ 2 </m:t>
+                      </m:r>
+                      <m:r>
+                        <a:rPr lang="en-US" i="1" dirty="0" err="1" smtClean="0">
+                          <a:latin typeface="Cambria Math" panose="02040503050406030204" pitchFamily="18" charset="0"/>
+                        </a:rPr>
+                        <m:t>𝑑𝑦</m:t>
+                      </m:r>
+                    </m:oMath>
+                  </m:oMathPara>
+                </a14:m>
+                <a:endParaRPr lang="en-US" dirty="0"/>
+              </a:p>
+            </p:txBody>
+          </p:sp>
+        </mc:Choice>
+        <mc:Fallback xmlns="">
+          <p:sp>
+            <p:nvSpPr>
+              <p:cNvPr id="32" name="TextBox 31"/>
+              <p:cNvSpPr txBox="1">
+                <a:spLocks noRot="1" noChangeAspect="1" noMove="1" noResize="1" noEditPoints="1" noAdjustHandles="1" noChangeArrowheads="1" noChangeShapeType="1" noTextEdit="1"/>
+              </p:cNvSpPr>
+              <p:nvPr/>
+            </p:nvSpPr>
+            <p:spPr>
+              <a:xfrm>
+                <a:off x="5647731" y="5397351"/>
+                <a:ext cx="2350900" cy="369332"/>
+              </a:xfrm>
+              <a:prstGeom prst="rect">
+                <a:avLst/>
+              </a:prstGeom>
+              <a:blipFill>
+                <a:blip r:embed="rId3"/>
+                <a:stretch>
+                  <a:fillRect b="-13333"/>
                 </a:stretch>
               </a:blipFill>
             </p:spPr>
@@ -4254,94 +6082,420 @@
           </p:sp>
         </mc:Fallback>
       </mc:AlternateContent>
-      <p:sp>
-        <p:nvSpPr>
-          <p:cNvPr id="21" name="Rectangle 20">
+      <p:cxnSp>
+        <p:nvCxnSpPr>
+          <p:cNvPr id="33" name="Straight Connector 32"/>
+          <p:cNvCxnSpPr/>
+          <p:nvPr/>
+        </p:nvCxnSpPr>
+        <p:spPr>
+          <a:xfrm flipH="1">
+            <a:off x="5685051" y="3909835"/>
+            <a:ext cx="3532" cy="1319514"/>
+          </a:xfrm>
+          <a:prstGeom prst="line">
+            <a:avLst/>
+          </a:prstGeom>
+          <a:ln w="28575">
+            <a:headEnd type="arrow" w="med" len="med"/>
+            <a:tailEnd type="arrow" w="med" len="med"/>
+          </a:ln>
+        </p:spPr>
+        <p:style>
+          <a:lnRef idx="1">
+            <a:schemeClr val="accent1"/>
+          </a:lnRef>
+          <a:fillRef idx="0">
+            <a:schemeClr val="accent1"/>
+          </a:fillRef>
+          <a:effectRef idx="0">
+            <a:schemeClr val="accent1"/>
+          </a:effectRef>
+          <a:fontRef idx="minor">
+            <a:schemeClr val="tx1"/>
+          </a:fontRef>
+        </p:style>
+      </p:cxnSp>
+      <p:sp>
+        <p:nvSpPr>
+          <p:cNvPr id="35" name="TextBox 34"/>
+          <p:cNvSpPr txBox="1"/>
+          <p:nvPr/>
+        </p:nvSpPr>
+        <p:spPr>
+          <a:xfrm>
+            <a:off x="4988364" y="4288454"/>
+            <a:ext cx="580608" cy="369332"/>
+          </a:xfrm>
+          <a:prstGeom prst="rect">
+            <a:avLst/>
+          </a:prstGeom>
+          <a:noFill/>
+        </p:spPr>
+        <p:txBody>
+          <a:bodyPr wrap="none" rtlCol="0">
+            <a:spAutoFit/>
+          </a:bodyPr>
+          <a:lstStyle/>
+          <a:p>
+            <a:r>
+              <a:rPr lang="en-US" dirty="0"/>
+              <a:t>2 </a:t>
+            </a:r>
+            <a:r>
+              <a:rPr lang="en-US" dirty="0" err="1"/>
+              <a:t>dy</a:t>
+            </a:r>
+            <a:endParaRPr lang="en-US" dirty="0"/>
+          </a:p>
+        </p:txBody>
+      </p:sp>
+      <p:pic>
+        <p:nvPicPr>
+          <p:cNvPr id="2" name="Picture 1">
             <a:extLst>
               <a:ext uri="{FF2B5EF4-FFF2-40B4-BE49-F238E27FC236}">
-                <a16:creationId xmlns:a16="http://schemas.microsoft.com/office/drawing/2014/main" id="{AFDC82EB-CA73-C543-82FD-EED622F9E2F9}"/>
+                <a16:creationId xmlns:a16="http://schemas.microsoft.com/office/drawing/2014/main" id="{735AA54B-4CF3-3245-83F5-0A757CB942B4}"/>
               </a:ext>
             </a:extLst>
           </p:cNvPr>
-          <p:cNvSpPr/>
-          <p:nvPr/>
-        </p:nvSpPr>
-        <p:spPr>
-          <a:xfrm>
-            <a:off x="2663923" y="3364375"/>
-            <a:ext cx="290955" cy="290330"/>
+          <p:cNvPicPr>
+            <a:picLocks noChangeAspect="1"/>
+          </p:cNvPicPr>
+          <p:nvPr/>
+        </p:nvPicPr>
+        <p:blipFill>
+          <a:blip r:embed="rId4"/>
+          <a:stretch>
+            <a:fillRect/>
+          </a:stretch>
+        </p:blipFill>
+        <p:spPr>
+          <a:xfrm>
+            <a:off x="1271769" y="2941748"/>
+            <a:ext cx="2466807" cy="2466807"/>
           </a:xfrm>
           <a:prstGeom prst="rect">
             <a:avLst/>
           </a:prstGeom>
-          <a:noFill/>
-          <a:ln w="25400">
-            <a:solidFill>
-              <a:schemeClr val="accent1"/>
-            </a:solidFill>
-            <a:prstDash val="sysDash"/>
-          </a:ln>
-        </p:spPr>
-        <p:style>
-          <a:lnRef idx="2">
-            <a:schemeClr val="accent1">
-              <a:shade val="50000"/>
-            </a:schemeClr>
-          </a:lnRef>
-          <a:fillRef idx="1">
-            <a:schemeClr val="accent1"/>
-          </a:fillRef>
-          <a:effectRef idx="0">
-            <a:schemeClr val="accent1"/>
-          </a:effectRef>
-          <a:fontRef idx="minor">
-            <a:schemeClr val="lt1"/>
-          </a:fontRef>
-        </p:style>
-        <p:txBody>
-          <a:bodyPr rtlCol="0" anchor="ctr"/>
-          <a:lstStyle/>
-          <a:p>
-            <a:pPr algn="ctr"/>
-            <a:endParaRPr lang="de-DE" dirty="0"/>
-          </a:p>
-        </p:txBody>
-      </p:sp>
-      <p:sp>
-        <p:nvSpPr>
-          <p:cNvPr id="37" name="TextBox 36">
+        </p:spPr>
+      </p:pic>
+      <p:pic>
+        <p:nvPicPr>
+          <p:cNvPr id="9" name="Picture 8">
             <a:extLst>
               <a:ext uri="{FF2B5EF4-FFF2-40B4-BE49-F238E27FC236}">
-                <a16:creationId xmlns:a16="http://schemas.microsoft.com/office/drawing/2014/main" id="{57BC08D2-26A8-3E40-BB59-5C2B6734CB97}"/>
+                <a16:creationId xmlns:a16="http://schemas.microsoft.com/office/drawing/2014/main" id="{0FA03725-3C6B-E547-96B5-219B4EF4940E}"/>
               </a:ext>
             </a:extLst>
           </p:cNvPr>
-          <p:cNvSpPr txBox="1"/>
-          <p:nvPr/>
-        </p:nvSpPr>
-        <p:spPr>
-          <a:xfrm>
-            <a:off x="1335418" y="1444106"/>
-            <a:ext cx="2657009" cy="369332"/>
+          <p:cNvPicPr>
+            <a:picLocks noChangeAspect="1"/>
+          </p:cNvPicPr>
+          <p:nvPr/>
+        </p:nvPicPr>
+        <p:blipFill rotWithShape="1">
+          <a:blip r:embed="rId5"/>
+          <a:srcRect l="8811" t="11586" r="11204" b="12787"/>
+          <a:stretch/>
+        </p:blipFill>
+        <p:spPr>
+          <a:xfrm>
+            <a:off x="-1655082" y="4363453"/>
+            <a:ext cx="1505044" cy="1403230"/>
           </a:xfrm>
           <a:prstGeom prst="rect">
             <a:avLst/>
           </a:prstGeom>
-          <a:noFill/>
-        </p:spPr>
-        <p:txBody>
-          <a:bodyPr wrap="none" rtlCol="0">
-            <a:spAutoFit/>
-          </a:bodyPr>
-          <a:lstStyle/>
-          <a:p>
-            <a:r>
-              <a:rPr lang="en-US" dirty="0"/>
-              <a:t>Location = Index * Spacing</a:t>
-            </a:r>
-          </a:p>
-        </p:txBody>
-      </p:sp>
+        </p:spPr>
+      </p:pic>
+      <p:cxnSp>
+        <p:nvCxnSpPr>
+          <p:cNvPr id="17" name="Straight Arrow Connector 16">
+            <a:extLst>
+              <a:ext uri="{FF2B5EF4-FFF2-40B4-BE49-F238E27FC236}">
+                <a16:creationId xmlns:a16="http://schemas.microsoft.com/office/drawing/2014/main" id="{41669CEC-161B-CC4F-BF1C-7A07D489D1E7}"/>
+              </a:ext>
+            </a:extLst>
+          </p:cNvPr>
+          <p:cNvCxnSpPr>
+            <a:cxnSpLocks/>
+          </p:cNvCxnSpPr>
+          <p:nvPr/>
+        </p:nvCxnSpPr>
+        <p:spPr>
+          <a:xfrm flipH="1">
+            <a:off x="2798902" y="2435600"/>
+            <a:ext cx="501585" cy="1062974"/>
+          </a:xfrm>
+          <a:prstGeom prst="straightConnector1">
+            <a:avLst/>
+          </a:prstGeom>
+          <a:ln w="25400">
+            <a:solidFill>
+              <a:schemeClr val="accent2"/>
+            </a:solidFill>
+            <a:tailEnd type="triangle"/>
+          </a:ln>
+        </p:spPr>
+        <p:style>
+          <a:lnRef idx="1">
+            <a:schemeClr val="accent1"/>
+          </a:lnRef>
+          <a:fillRef idx="0">
+            <a:schemeClr val="accent1"/>
+          </a:fillRef>
+          <a:effectRef idx="0">
+            <a:schemeClr val="accent1"/>
+          </a:effectRef>
+          <a:fontRef idx="minor">
+            <a:schemeClr val="tx1"/>
+          </a:fontRef>
+        </p:style>
+      </p:cxnSp>
+      <mc:AlternateContent xmlns:mc="http://schemas.openxmlformats.org/markup-compatibility/2006">
+        <mc:Choice xmlns:a14="http://schemas.microsoft.com/office/drawing/2010/main" Requires="a14">
+          <p:sp>
+            <p:nvSpPr>
+              <p:cNvPr id="34" name="TextBox 33">
+                <a:extLst>
+                  <a:ext uri="{FF2B5EF4-FFF2-40B4-BE49-F238E27FC236}">
+                    <a16:creationId xmlns:a16="http://schemas.microsoft.com/office/drawing/2014/main" id="{88460B12-1FCE-8843-9F16-F58CFB2F4128}"/>
+                  </a:ext>
+                </a:extLst>
+              </p:cNvPr>
+              <p:cNvSpPr txBox="1"/>
+              <p:nvPr/>
+            </p:nvSpPr>
+            <p:spPr>
+              <a:xfrm>
+                <a:off x="992382" y="1490679"/>
+                <a:ext cx="3881127" cy="923330"/>
+              </a:xfrm>
+              <a:prstGeom prst="rect">
+                <a:avLst/>
+              </a:prstGeom>
+              <a:noFill/>
+            </p:spPr>
+            <p:txBody>
+              <a:bodyPr wrap="none" rtlCol="0">
+                <a:spAutoFit/>
+              </a:bodyPr>
+              <a:lstStyle/>
+              <a:p>
+                <a:pPr/>
+                <a:r>
+                  <a:rPr lang="en-US" dirty="0">
+                    <a:solidFill>
+                      <a:schemeClr val="accent1"/>
+                    </a:solidFill>
+                  </a:rPr>
+                  <a:t>Index</a:t>
+                </a:r>
+                <a:r>
+                  <a:rPr lang="en-US" dirty="0"/>
+                  <a:t> * </a:t>
+                </a:r>
+                <a:r>
+                  <a:rPr lang="en-US" dirty="0">
+                    <a:solidFill>
+                      <a:schemeClr val="accent6"/>
+                    </a:solidFill>
+                  </a:rPr>
+                  <a:t>Spacing</a:t>
+                </a:r>
+                <a:r>
+                  <a:rPr lang="en-US" dirty="0"/>
+                  <a:t> = Calibrated coordinate</a:t>
+                </a:r>
+                <a:endParaRPr lang="en-US" b="0" i="1" dirty="0">
+                  <a:latin typeface="Cambria Math" panose="02040503050406030204" pitchFamily="18" charset="0"/>
+                </a:endParaRPr>
+              </a:p>
+              <a:p>
+                <a:pPr/>
+                <a14:m>
+                  <m:oMathPara xmlns:m="http://schemas.openxmlformats.org/officeDocument/2006/math">
+                    <m:oMathParaPr>
+                      <m:jc m:val="left"/>
+                    </m:oMathParaPr>
+                    <m:oMath xmlns:m="http://schemas.openxmlformats.org/officeDocument/2006/math">
+                      <m:r>
+                        <a:rPr lang="en-US" b="0" i="1" smtClean="0">
+                          <a:latin typeface="Cambria Math" panose="02040503050406030204" pitchFamily="18" charset="0"/>
+                        </a:rPr>
+                        <m:t>𝑥</m:t>
+                      </m:r>
+                      <m:r>
+                        <a:rPr lang="en-US" b="0" i="1" smtClean="0">
+                          <a:latin typeface="Cambria Math" panose="02040503050406030204" pitchFamily="18" charset="0"/>
+                        </a:rPr>
+                        <m:t>: 139 </m:t>
+                      </m:r>
+                      <m:r>
+                        <a:rPr lang="en-US" b="0" i="1" smtClean="0">
+                          <a:latin typeface="Cambria Math" panose="02040503050406030204" pitchFamily="18" charset="0"/>
+                        </a:rPr>
+                        <m:t>∗ 0.</m:t>
+                      </m:r>
+                      <m:r>
+                        <a:rPr lang="en-US" b="0" i="1" smtClean="0">
+                          <a:solidFill>
+                            <a:schemeClr val="accent6"/>
+                          </a:solidFill>
+                          <a:latin typeface="Cambria Math" panose="02040503050406030204" pitchFamily="18" charset="0"/>
+                        </a:rPr>
+                        <m:t>13 µ</m:t>
+                      </m:r>
+                      <m:r>
+                        <a:rPr lang="en-US" b="0" i="1" smtClean="0">
+                          <a:solidFill>
+                            <a:schemeClr val="accent6"/>
+                          </a:solidFill>
+                          <a:latin typeface="Cambria Math" panose="02040503050406030204" pitchFamily="18" charset="0"/>
+                        </a:rPr>
+                        <m:t>𝑚</m:t>
+                      </m:r>
+                      <m:r>
+                        <a:rPr lang="en-US" b="0" i="1" smtClean="0">
+                          <a:latin typeface="Cambria Math" panose="02040503050406030204" pitchFamily="18" charset="0"/>
+                        </a:rPr>
+                        <m:t>=18.07 µ</m:t>
+                      </m:r>
+                      <m:r>
+                        <a:rPr lang="en-US" b="0" i="1" smtClean="0">
+                          <a:latin typeface="Cambria Math" panose="02040503050406030204" pitchFamily="18" charset="0"/>
+                        </a:rPr>
+                        <m:t>𝑚</m:t>
+                      </m:r>
+                      <m:r>
+                        <a:rPr lang="en-US" b="0" i="1" smtClean="0">
+                          <a:latin typeface="Cambria Math" panose="02040503050406030204" pitchFamily="18" charset="0"/>
+                        </a:rPr>
+                        <m:t> </m:t>
+                      </m:r>
+                    </m:oMath>
+                  </m:oMathPara>
+                </a14:m>
+                <a:endParaRPr lang="en-US" b="0" i="1" dirty="0">
+                  <a:latin typeface="Cambria Math" panose="02040503050406030204" pitchFamily="18" charset="0"/>
+                </a:endParaRPr>
+              </a:p>
+              <a:p>
+                <a:pPr/>
+                <a14:m>
+                  <m:oMathPara xmlns:m="http://schemas.openxmlformats.org/officeDocument/2006/math">
+                    <m:oMathParaPr>
+                      <m:jc m:val="left"/>
+                    </m:oMathParaPr>
+                    <m:oMath xmlns:m="http://schemas.openxmlformats.org/officeDocument/2006/math">
+                      <m:r>
+                        <a:rPr lang="en-US" b="0" i="1" smtClean="0">
+                          <a:latin typeface="Cambria Math" panose="02040503050406030204" pitchFamily="18" charset="0"/>
+                        </a:rPr>
+                        <m:t>𝑦</m:t>
+                      </m:r>
+                      <m:r>
+                        <a:rPr lang="en-US" b="0" i="1" smtClean="0">
+                          <a:latin typeface="Cambria Math" panose="02040503050406030204" pitchFamily="18" charset="0"/>
+                        </a:rPr>
+                        <m:t>: 50 ∗</m:t>
+                      </m:r>
+                      <m:r>
+                        <a:rPr lang="en-US" i="1">
+                          <a:latin typeface="Cambria Math" panose="02040503050406030204" pitchFamily="18" charset="0"/>
+                        </a:rPr>
+                        <m:t> 0.13</m:t>
+                      </m:r>
+                      <m:r>
+                        <a:rPr lang="en-US" i="1" smtClean="0">
+                          <a:solidFill>
+                            <a:schemeClr val="accent6"/>
+                          </a:solidFill>
+                          <a:latin typeface="Cambria Math" panose="02040503050406030204" pitchFamily="18" charset="0"/>
+                        </a:rPr>
+                        <m:t> µ</m:t>
+                      </m:r>
+                      <m:r>
+                        <a:rPr lang="en-US" i="1" smtClean="0">
+                          <a:solidFill>
+                            <a:schemeClr val="accent6"/>
+                          </a:solidFill>
+                          <a:latin typeface="Cambria Math" panose="02040503050406030204" pitchFamily="18" charset="0"/>
+                        </a:rPr>
+                        <m:t>𝑚</m:t>
+                      </m:r>
+                      <m:r>
+                        <a:rPr lang="en-US" i="1">
+                          <a:latin typeface="Cambria Math" panose="02040503050406030204" pitchFamily="18" charset="0"/>
+                        </a:rPr>
+                        <m:t>=6.5 µ</m:t>
+                      </m:r>
+                      <m:r>
+                        <a:rPr lang="en-US" i="1">
+                          <a:latin typeface="Cambria Math" panose="02040503050406030204" pitchFamily="18" charset="0"/>
+                        </a:rPr>
+                        <m:t>𝑚</m:t>
+                      </m:r>
+                      <m:r>
+                        <a:rPr lang="en-US" i="1">
+                          <a:latin typeface="Cambria Math" panose="02040503050406030204" pitchFamily="18" charset="0"/>
+                        </a:rPr>
+                        <m:t> </m:t>
+                      </m:r>
+                    </m:oMath>
+                  </m:oMathPara>
+                </a14:m>
+                <a:endParaRPr lang="en-US" dirty="0"/>
+              </a:p>
+            </p:txBody>
+          </p:sp>
+        </mc:Choice>
+        <mc:Fallback>
+          <p:sp>
+            <p:nvSpPr>
+              <p:cNvPr id="34" name="TextBox 33">
+                <a:extLst>
+                  <a:ext uri="{FF2B5EF4-FFF2-40B4-BE49-F238E27FC236}">
+                    <a16:creationId xmlns:a16="http://schemas.microsoft.com/office/drawing/2014/main" id="{88460B12-1FCE-8843-9F16-F58CFB2F4128}"/>
+                  </a:ext>
+                </a:extLst>
+              </p:cNvPr>
+              <p:cNvSpPr txBox="1">
+                <a:spLocks noRot="1" noChangeAspect="1" noMove="1" noResize="1" noEditPoints="1" noAdjustHandles="1" noChangeArrowheads="1" noChangeShapeType="1" noTextEdit="1"/>
+              </p:cNvSpPr>
+              <p:nvPr/>
+            </p:nvSpPr>
+            <p:spPr>
+              <a:xfrm>
+                <a:off x="992382" y="1490679"/>
+                <a:ext cx="3881127" cy="923330"/>
+              </a:xfrm>
+              <a:prstGeom prst="rect">
+                <a:avLst/>
+              </a:prstGeom>
+              <a:blipFill>
+                <a:blip r:embed="rId6"/>
+                <a:stretch>
+                  <a:fillRect l="-1634" t="-2703" r="-327" b="-5405"/>
+                </a:stretch>
+              </a:blipFill>
+            </p:spPr>
+            <p:txBody>
+              <a:bodyPr/>
+              <a:lstStyle/>
+              <a:p>
+                <a:r>
+                  <a:rPr lang="en-DE">
+                    <a:noFill/>
+                  </a:rPr>
+                  <a:t> </a:t>
+                </a:r>
+              </a:p>
+            </p:txBody>
+          </p:sp>
+        </mc:Fallback>
+      </mc:AlternateContent>
       <p:sp>
         <p:nvSpPr>
           <p:cNvPr id="31" name="Oval 30">
@@ -4858,7 +7012,11 @@
           <a:lstStyle/>
           <a:p>
             <a:r>
-              <a:rPr lang="en-US" dirty="0"/>
+              <a:rPr lang="en-US" dirty="0">
+                <a:solidFill>
+                  <a:schemeClr val="accent1"/>
+                </a:solidFill>
+              </a:rPr>
               <a:t>(0,0)</a:t>
             </a:r>
           </a:p>
@@ -5536,7 +7694,7 @@
     </p:spTree>
     <p:extLst>
       <p:ext uri="{BB962C8B-B14F-4D97-AF65-F5344CB8AC3E}">
-        <p14:creationId xmlns:p14="http://schemas.microsoft.com/office/powerpoint/2010/main" val="3647780881"/>
+        <p14:creationId xmlns:p14="http://schemas.microsoft.com/office/powerpoint/2010/main" val="1785627200"/>
       </p:ext>
     </p:extLst>
   </p:cSld>
@@ -5546,7 +7704,7 @@
 </p:sld>
 </file>
 
-<file path=ppt/slides/slide2.xml><?xml version="1.0" encoding="utf-8"?>
+<file path=ppt/slides/slide3.xml><?xml version="1.0" encoding="utf-8"?>
 <p:sld xmlns:a="http://schemas.openxmlformats.org/drawingml/2006/main" xmlns:r="http://schemas.openxmlformats.org/officeDocument/2006/relationships" xmlns:p="http://schemas.openxmlformats.org/presentationml/2006/main">
   <p:cSld>
     <p:spTree>

--- a/figures/resources/spatial_calibration.pptx
+++ b/figures/resources/spatial_calibration.pptx
@@ -199,7 +199,7 @@
           <a:p>
             <a:fld id="{0DE32CF7-9C27-294A-90C4-3E35094C4601}" type="datetimeFigureOut">
               <a:rPr lang="de-DE" smtClean="0"/>
-              <a:t>24.09.23</a:t>
+              <a:t>25.09.23</a:t>
             </a:fld>
             <a:endParaRPr lang="de-DE"/>
           </a:p>
@@ -904,7 +904,7 @@
           <a:p>
             <a:fld id="{F21C5B54-884B-447C-A969-012169FE4C38}" type="datetimeFigureOut">
               <a:rPr lang="en-US" smtClean="0"/>
-              <a:t>9/24/23</a:t>
+              <a:t>9/25/23</a:t>
             </a:fld>
             <a:endParaRPr lang="en-US"/>
           </a:p>
@@ -1074,7 +1074,7 @@
           <a:p>
             <a:fld id="{F21C5B54-884B-447C-A969-012169FE4C38}" type="datetimeFigureOut">
               <a:rPr lang="en-US" smtClean="0"/>
-              <a:t>9/24/23</a:t>
+              <a:t>9/25/23</a:t>
             </a:fld>
             <a:endParaRPr lang="en-US"/>
           </a:p>
@@ -1254,7 +1254,7 @@
           <a:p>
             <a:fld id="{F21C5B54-884B-447C-A969-012169FE4C38}" type="datetimeFigureOut">
               <a:rPr lang="en-US" smtClean="0"/>
-              <a:t>9/24/23</a:t>
+              <a:t>9/25/23</a:t>
             </a:fld>
             <a:endParaRPr lang="en-US"/>
           </a:p>
@@ -1424,7 +1424,7 @@
           <a:p>
             <a:fld id="{F21C5B54-884B-447C-A969-012169FE4C38}" type="datetimeFigureOut">
               <a:rPr lang="en-US" smtClean="0"/>
-              <a:t>9/24/23</a:t>
+              <a:t>9/25/23</a:t>
             </a:fld>
             <a:endParaRPr lang="en-US"/>
           </a:p>
@@ -1668,7 +1668,7 @@
           <a:p>
             <a:fld id="{F21C5B54-884B-447C-A969-012169FE4C38}" type="datetimeFigureOut">
               <a:rPr lang="en-US" smtClean="0"/>
-              <a:t>9/24/23</a:t>
+              <a:t>9/25/23</a:t>
             </a:fld>
             <a:endParaRPr lang="en-US"/>
           </a:p>
@@ -1900,7 +1900,7 @@
           <a:p>
             <a:fld id="{F21C5B54-884B-447C-A969-012169FE4C38}" type="datetimeFigureOut">
               <a:rPr lang="en-US" smtClean="0"/>
-              <a:t>9/24/23</a:t>
+              <a:t>9/25/23</a:t>
             </a:fld>
             <a:endParaRPr lang="en-US"/>
           </a:p>
@@ -2267,7 +2267,7 @@
           <a:p>
             <a:fld id="{F21C5B54-884B-447C-A969-012169FE4C38}" type="datetimeFigureOut">
               <a:rPr lang="en-US" smtClean="0"/>
-              <a:t>9/24/23</a:t>
+              <a:t>9/25/23</a:t>
             </a:fld>
             <a:endParaRPr lang="en-US"/>
           </a:p>
@@ -2385,7 +2385,7 @@
           <a:p>
             <a:fld id="{F21C5B54-884B-447C-A969-012169FE4C38}" type="datetimeFigureOut">
               <a:rPr lang="en-US" smtClean="0"/>
-              <a:t>9/24/23</a:t>
+              <a:t>9/25/23</a:t>
             </a:fld>
             <a:endParaRPr lang="en-US"/>
           </a:p>
@@ -2480,7 +2480,7 @@
           <a:p>
             <a:fld id="{F21C5B54-884B-447C-A969-012169FE4C38}" type="datetimeFigureOut">
               <a:rPr lang="en-US" smtClean="0"/>
-              <a:t>9/24/23</a:t>
+              <a:t>9/25/23</a:t>
             </a:fld>
             <a:endParaRPr lang="en-US"/>
           </a:p>
@@ -2757,7 +2757,7 @@
           <a:p>
             <a:fld id="{F21C5B54-884B-447C-A969-012169FE4C38}" type="datetimeFigureOut">
               <a:rPr lang="en-US" smtClean="0"/>
-              <a:t>9/24/23</a:t>
+              <a:t>9/25/23</a:t>
             </a:fld>
             <a:endParaRPr lang="en-US"/>
           </a:p>
@@ -3014,7 +3014,7 @@
           <a:p>
             <a:fld id="{F21C5B54-884B-447C-A969-012169FE4C38}" type="datetimeFigureOut">
               <a:rPr lang="en-US" smtClean="0"/>
-              <a:t>9/24/23</a:t>
+              <a:t>9/25/23</a:t>
             </a:fld>
             <a:endParaRPr lang="en-US"/>
           </a:p>
@@ -3227,7 +3227,7 @@
           <a:p>
             <a:fld id="{F21C5B54-884B-447C-A969-012169FE4C38}" type="datetimeFigureOut">
               <a:rPr lang="en-US" smtClean="0"/>
-              <a:t>9/24/23</a:t>
+              <a:t>9/25/23</a:t>
             </a:fld>
             <a:endParaRPr lang="en-US"/>
           </a:p>
@@ -3632,6 +3632,2076 @@
           <a:chExt cx="0" cy="0"/>
         </a:xfrm>
       </p:grpSpPr>
+      <p:pic>
+        <p:nvPicPr>
+          <p:cNvPr id="5" name="Picture 4">
+            <a:extLst>
+              <a:ext uri="{FF2B5EF4-FFF2-40B4-BE49-F238E27FC236}">
+                <a16:creationId xmlns:a16="http://schemas.microsoft.com/office/drawing/2014/main" id="{17A8D9A3-49AF-88AD-CA09-6FE5DCA0D380}"/>
+              </a:ext>
+            </a:extLst>
+          </p:cNvPr>
+          <p:cNvPicPr>
+            <a:picLocks noChangeAspect="1"/>
+          </p:cNvPicPr>
+          <p:nvPr/>
+        </p:nvPicPr>
+        <p:blipFill>
+          <a:blip r:embed="rId3"/>
+          <a:stretch>
+            <a:fillRect/>
+          </a:stretch>
+        </p:blipFill>
+        <p:spPr>
+          <a:xfrm>
+            <a:off x="1373819" y="2770747"/>
+            <a:ext cx="3052243" cy="3052243"/>
+          </a:xfrm>
+          <a:prstGeom prst="rect">
+            <a:avLst/>
+          </a:prstGeom>
+        </p:spPr>
+      </p:pic>
+      <p:sp>
+        <p:nvSpPr>
+          <p:cNvPr id="8" name="Rectangle 7"/>
+          <p:cNvSpPr/>
+          <p:nvPr/>
+        </p:nvSpPr>
+        <p:spPr>
+          <a:xfrm>
+            <a:off x="6211055" y="1962886"/>
+            <a:ext cx="620889" cy="620889"/>
+          </a:xfrm>
+          <a:prstGeom prst="rect">
+            <a:avLst/>
+          </a:prstGeom>
+          <a:noFill/>
+          <a:ln w="3175">
+            <a:solidFill>
+              <a:schemeClr val="accent1"/>
+            </a:solidFill>
+          </a:ln>
+        </p:spPr>
+        <p:style>
+          <a:lnRef idx="2">
+            <a:schemeClr val="accent1">
+              <a:shade val="50000"/>
+            </a:schemeClr>
+          </a:lnRef>
+          <a:fillRef idx="1">
+            <a:schemeClr val="accent1"/>
+          </a:fillRef>
+          <a:effectRef idx="0">
+            <a:schemeClr val="accent1"/>
+          </a:effectRef>
+          <a:fontRef idx="minor">
+            <a:schemeClr val="lt1"/>
+          </a:fontRef>
+        </p:style>
+        <p:txBody>
+          <a:bodyPr rtlCol="0" anchor="ctr"/>
+          <a:lstStyle/>
+          <a:p>
+            <a:pPr algn="ctr"/>
+            <a:endParaRPr lang="en-US"/>
+          </a:p>
+        </p:txBody>
+      </p:sp>
+      <p:cxnSp>
+        <p:nvCxnSpPr>
+          <p:cNvPr id="10" name="Straight Connector 9"/>
+          <p:cNvCxnSpPr/>
+          <p:nvPr/>
+        </p:nvCxnSpPr>
+        <p:spPr>
+          <a:xfrm flipH="1" flipV="1">
+            <a:off x="6070907" y="2243054"/>
+            <a:ext cx="11289" cy="694267"/>
+          </a:xfrm>
+          <a:prstGeom prst="line">
+            <a:avLst/>
+          </a:prstGeom>
+          <a:ln w="28575">
+            <a:headEnd type="arrow" w="med" len="med"/>
+            <a:tailEnd type="arrow" w="med" len="med"/>
+          </a:ln>
+        </p:spPr>
+        <p:style>
+          <a:lnRef idx="1">
+            <a:schemeClr val="accent1"/>
+          </a:lnRef>
+          <a:fillRef idx="0">
+            <a:schemeClr val="accent1"/>
+          </a:fillRef>
+          <a:effectRef idx="0">
+            <a:schemeClr val="accent1"/>
+          </a:effectRef>
+          <a:fontRef idx="minor">
+            <a:schemeClr val="tx1"/>
+          </a:fontRef>
+        </p:style>
+      </p:cxnSp>
+      <p:sp>
+        <p:nvSpPr>
+          <p:cNvPr id="12" name="TextBox 11"/>
+          <p:cNvSpPr txBox="1"/>
+          <p:nvPr/>
+        </p:nvSpPr>
+        <p:spPr>
+          <a:xfrm rot="16200000">
+            <a:off x="5664203" y="2384378"/>
+            <a:ext cx="410690" cy="369332"/>
+          </a:xfrm>
+          <a:prstGeom prst="rect">
+            <a:avLst/>
+          </a:prstGeom>
+          <a:noFill/>
+        </p:spPr>
+        <p:txBody>
+          <a:bodyPr wrap="none" rtlCol="0">
+            <a:spAutoFit/>
+          </a:bodyPr>
+          <a:lstStyle/>
+          <a:p>
+            <a:r>
+              <a:rPr lang="en-US" dirty="0" err="1"/>
+              <a:t>dy</a:t>
+            </a:r>
+            <a:endParaRPr lang="en-US" dirty="0"/>
+          </a:p>
+        </p:txBody>
+      </p:sp>
+      <p:sp>
+        <p:nvSpPr>
+          <p:cNvPr id="13" name="TextBox 12"/>
+          <p:cNvSpPr txBox="1"/>
+          <p:nvPr/>
+        </p:nvSpPr>
+        <p:spPr>
+          <a:xfrm>
+            <a:off x="6650478" y="1498887"/>
+            <a:ext cx="405880" cy="369332"/>
+          </a:xfrm>
+          <a:prstGeom prst="rect">
+            <a:avLst/>
+          </a:prstGeom>
+          <a:noFill/>
+        </p:spPr>
+        <p:txBody>
+          <a:bodyPr wrap="none" rtlCol="0">
+            <a:spAutoFit/>
+          </a:bodyPr>
+          <a:lstStyle/>
+          <a:p>
+            <a:r>
+              <a:rPr lang="en-US" dirty="0"/>
+              <a:t>dx</a:t>
+            </a:r>
+          </a:p>
+        </p:txBody>
+      </p:sp>
+      <p:cxnSp>
+        <p:nvCxnSpPr>
+          <p:cNvPr id="18" name="Straight Connector 17"/>
+          <p:cNvCxnSpPr/>
+          <p:nvPr/>
+        </p:nvCxnSpPr>
+        <p:spPr>
+          <a:xfrm>
+            <a:off x="5851794" y="3757435"/>
+            <a:ext cx="1885191" cy="0"/>
+          </a:xfrm>
+          <a:prstGeom prst="line">
+            <a:avLst/>
+          </a:prstGeom>
+          <a:ln w="28575">
+            <a:headEnd type="arrow" w="med" len="med"/>
+            <a:tailEnd type="arrow" w="med" len="med"/>
+          </a:ln>
+        </p:spPr>
+        <p:style>
+          <a:lnRef idx="1">
+            <a:schemeClr val="accent1"/>
+          </a:lnRef>
+          <a:fillRef idx="0">
+            <a:schemeClr val="accent1"/>
+          </a:fillRef>
+          <a:effectRef idx="0">
+            <a:schemeClr val="accent1"/>
+          </a:effectRef>
+          <a:fontRef idx="minor">
+            <a:schemeClr val="tx1"/>
+          </a:fontRef>
+        </p:style>
+      </p:cxnSp>
+      <p:sp>
+        <p:nvSpPr>
+          <p:cNvPr id="19" name="TextBox 18"/>
+          <p:cNvSpPr txBox="1"/>
+          <p:nvPr/>
+        </p:nvSpPr>
+        <p:spPr>
+          <a:xfrm>
+            <a:off x="6446463" y="3412258"/>
+            <a:ext cx="575799" cy="369332"/>
+          </a:xfrm>
+          <a:prstGeom prst="rect">
+            <a:avLst/>
+          </a:prstGeom>
+          <a:noFill/>
+        </p:spPr>
+        <p:txBody>
+          <a:bodyPr wrap="none" rtlCol="0">
+            <a:spAutoFit/>
+          </a:bodyPr>
+          <a:lstStyle/>
+          <a:p>
+            <a:r>
+              <a:rPr lang="en-US" dirty="0"/>
+              <a:t>3 dx</a:t>
+            </a:r>
+          </a:p>
+        </p:txBody>
+      </p:sp>
+      <p:cxnSp>
+        <p:nvCxnSpPr>
+          <p:cNvPr id="15" name="Straight Connector 14"/>
+          <p:cNvCxnSpPr/>
+          <p:nvPr/>
+        </p:nvCxnSpPr>
+        <p:spPr>
+          <a:xfrm flipV="1">
+            <a:off x="6531438" y="1855947"/>
+            <a:ext cx="632177" cy="7924"/>
+          </a:xfrm>
+          <a:prstGeom prst="line">
+            <a:avLst/>
+          </a:prstGeom>
+          <a:ln w="28575">
+            <a:headEnd type="arrow" w="med" len="med"/>
+            <a:tailEnd type="arrow" w="med" len="med"/>
+          </a:ln>
+        </p:spPr>
+        <p:style>
+          <a:lnRef idx="1">
+            <a:schemeClr val="accent1"/>
+          </a:lnRef>
+          <a:fillRef idx="0">
+            <a:schemeClr val="accent1"/>
+          </a:fillRef>
+          <a:effectRef idx="0">
+            <a:schemeClr val="accent1"/>
+          </a:effectRef>
+          <a:fontRef idx="minor">
+            <a:schemeClr val="tx1"/>
+          </a:fontRef>
+        </p:style>
+      </p:cxnSp>
+      <mc:AlternateContent xmlns:mc="http://schemas.openxmlformats.org/markup-compatibility/2006" xmlns:a14="http://schemas.microsoft.com/office/drawing/2010/main">
+        <mc:Choice Requires="a14">
+          <p:sp>
+            <p:nvSpPr>
+              <p:cNvPr id="32" name="TextBox 31"/>
+              <p:cNvSpPr txBox="1"/>
+              <p:nvPr/>
+            </p:nvSpPr>
+            <p:spPr>
+              <a:xfrm>
+                <a:off x="5647731" y="5397351"/>
+                <a:ext cx="2350900" cy="369332"/>
+              </a:xfrm>
+              <a:prstGeom prst="rect">
+                <a:avLst/>
+              </a:prstGeom>
+              <a:noFill/>
+            </p:spPr>
+            <p:txBody>
+              <a:bodyPr wrap="none" rtlCol="0">
+                <a:spAutoFit/>
+              </a:bodyPr>
+              <a:lstStyle/>
+              <a:p>
+                <a:pPr/>
+                <a14:m>
+                  <m:oMathPara xmlns:m="http://schemas.openxmlformats.org/officeDocument/2006/math">
+                    <m:oMathParaPr>
+                      <m:jc m:val="centerGroup"/>
+                    </m:oMathParaPr>
+                    <m:oMath xmlns:m="http://schemas.openxmlformats.org/officeDocument/2006/math">
+                      <m:r>
+                        <a:rPr lang="en-US" i="1" dirty="0" smtClean="0">
+                          <a:latin typeface="Cambria Math" panose="02040503050406030204" pitchFamily="18" charset="0"/>
+                        </a:rPr>
+                        <m:t>𝐴</m:t>
+                      </m:r>
+                      <m:r>
+                        <a:rPr lang="en-US" b="0" i="1" dirty="0" smtClean="0">
+                          <a:latin typeface="Cambria Math" panose="02040503050406030204" pitchFamily="18" charset="0"/>
+                        </a:rPr>
+                        <m:t>𝑟𝑒𝑎</m:t>
+                      </m:r>
+                      <m:r>
+                        <a:rPr lang="en-US" i="1" dirty="0" smtClean="0">
+                          <a:latin typeface="Cambria Math" panose="02040503050406030204" pitchFamily="18" charset="0"/>
+                        </a:rPr>
+                        <m:t> = 3 </m:t>
+                      </m:r>
+                      <m:r>
+                        <a:rPr lang="en-US" i="1" dirty="0" smtClean="0">
+                          <a:latin typeface="Cambria Math" panose="02040503050406030204" pitchFamily="18" charset="0"/>
+                        </a:rPr>
+                        <m:t>𝑑𝑥</m:t>
+                      </m:r>
+                      <m:r>
+                        <a:rPr lang="en-US" i="1" dirty="0">
+                          <a:latin typeface="Cambria Math" panose="02040503050406030204" pitchFamily="18" charset="0"/>
+                        </a:rPr>
+                        <m:t> </m:t>
+                      </m:r>
+                      <m:r>
+                        <a:rPr lang="en-US" i="1" dirty="0" smtClean="0">
+                          <a:latin typeface="Cambria Math" panose="02040503050406030204" pitchFamily="18" charset="0"/>
+                        </a:rPr>
+                        <m:t>∗ 2 </m:t>
+                      </m:r>
+                      <m:r>
+                        <a:rPr lang="en-US" i="1" dirty="0" err="1" smtClean="0">
+                          <a:latin typeface="Cambria Math" panose="02040503050406030204" pitchFamily="18" charset="0"/>
+                        </a:rPr>
+                        <m:t>𝑑𝑦</m:t>
+                      </m:r>
+                    </m:oMath>
+                  </m:oMathPara>
+                </a14:m>
+                <a:endParaRPr lang="en-US" dirty="0"/>
+              </a:p>
+            </p:txBody>
+          </p:sp>
+        </mc:Choice>
+        <mc:Fallback xmlns="">
+          <p:sp>
+            <p:nvSpPr>
+              <p:cNvPr id="32" name="TextBox 31"/>
+              <p:cNvSpPr txBox="1">
+                <a:spLocks noRot="1" noChangeAspect="1" noMove="1" noResize="1" noEditPoints="1" noAdjustHandles="1" noChangeArrowheads="1" noChangeShapeType="1" noTextEdit="1"/>
+              </p:cNvSpPr>
+              <p:nvPr/>
+            </p:nvSpPr>
+            <p:spPr>
+              <a:xfrm>
+                <a:off x="5647731" y="5397351"/>
+                <a:ext cx="2350900" cy="369332"/>
+              </a:xfrm>
+              <a:prstGeom prst="rect">
+                <a:avLst/>
+              </a:prstGeom>
+              <a:blipFill>
+                <a:blip r:embed="rId4"/>
+                <a:stretch>
+                  <a:fillRect b="-13333"/>
+                </a:stretch>
+              </a:blipFill>
+            </p:spPr>
+            <p:txBody>
+              <a:bodyPr/>
+              <a:lstStyle/>
+              <a:p>
+                <a:r>
+                  <a:rPr lang="de-DE">
+                    <a:noFill/>
+                  </a:rPr>
+                  <a:t> </a:t>
+                </a:r>
+              </a:p>
+            </p:txBody>
+          </p:sp>
+        </mc:Fallback>
+      </mc:AlternateContent>
+      <p:cxnSp>
+        <p:nvCxnSpPr>
+          <p:cNvPr id="33" name="Straight Connector 32"/>
+          <p:cNvCxnSpPr/>
+          <p:nvPr/>
+        </p:nvCxnSpPr>
+        <p:spPr>
+          <a:xfrm flipH="1">
+            <a:off x="5685051" y="3909835"/>
+            <a:ext cx="3532" cy="1319514"/>
+          </a:xfrm>
+          <a:prstGeom prst="line">
+            <a:avLst/>
+          </a:prstGeom>
+          <a:ln w="28575">
+            <a:headEnd type="arrow" w="med" len="med"/>
+            <a:tailEnd type="arrow" w="med" len="med"/>
+          </a:ln>
+        </p:spPr>
+        <p:style>
+          <a:lnRef idx="1">
+            <a:schemeClr val="accent1"/>
+          </a:lnRef>
+          <a:fillRef idx="0">
+            <a:schemeClr val="accent1"/>
+          </a:fillRef>
+          <a:effectRef idx="0">
+            <a:schemeClr val="accent1"/>
+          </a:effectRef>
+          <a:fontRef idx="minor">
+            <a:schemeClr val="tx1"/>
+          </a:fontRef>
+        </p:style>
+      </p:cxnSp>
+      <p:sp>
+        <p:nvSpPr>
+          <p:cNvPr id="35" name="TextBox 34"/>
+          <p:cNvSpPr txBox="1"/>
+          <p:nvPr/>
+        </p:nvSpPr>
+        <p:spPr>
+          <a:xfrm>
+            <a:off x="4988364" y="4288454"/>
+            <a:ext cx="580608" cy="369332"/>
+          </a:xfrm>
+          <a:prstGeom prst="rect">
+            <a:avLst/>
+          </a:prstGeom>
+          <a:noFill/>
+        </p:spPr>
+        <p:txBody>
+          <a:bodyPr wrap="none" rtlCol="0">
+            <a:spAutoFit/>
+          </a:bodyPr>
+          <a:lstStyle/>
+          <a:p>
+            <a:r>
+              <a:rPr lang="en-US" dirty="0"/>
+              <a:t>2 </a:t>
+            </a:r>
+            <a:r>
+              <a:rPr lang="en-US" dirty="0" err="1"/>
+              <a:t>dy</a:t>
+            </a:r>
+            <a:endParaRPr lang="en-US" dirty="0"/>
+          </a:p>
+        </p:txBody>
+      </p:sp>
+      <mc:AlternateContent xmlns:mc="http://schemas.openxmlformats.org/markup-compatibility/2006">
+        <mc:Choice xmlns:a14="http://schemas.microsoft.com/office/drawing/2010/main" Requires="a14">
+          <p:sp>
+            <p:nvSpPr>
+              <p:cNvPr id="34" name="TextBox 33">
+                <a:extLst>
+                  <a:ext uri="{FF2B5EF4-FFF2-40B4-BE49-F238E27FC236}">
+                    <a16:creationId xmlns:a16="http://schemas.microsoft.com/office/drawing/2014/main" id="{88460B12-1FCE-8843-9F16-F58CFB2F4128}"/>
+                  </a:ext>
+                </a:extLst>
+              </p:cNvPr>
+              <p:cNvSpPr txBox="1"/>
+              <p:nvPr/>
+            </p:nvSpPr>
+            <p:spPr>
+              <a:xfrm>
+                <a:off x="1860009" y="1956948"/>
+                <a:ext cx="2778838" cy="646331"/>
+              </a:xfrm>
+              <a:prstGeom prst="rect">
+                <a:avLst/>
+              </a:prstGeom>
+              <a:noFill/>
+            </p:spPr>
+            <p:txBody>
+              <a:bodyPr wrap="none" rtlCol="0">
+                <a:spAutoFit/>
+              </a:bodyPr>
+              <a:lstStyle/>
+              <a:p>
+                <a:pPr/>
+                <a14:m>
+                  <m:oMathPara xmlns:m="http://schemas.openxmlformats.org/officeDocument/2006/math">
+                    <m:oMathParaPr>
+                      <m:jc m:val="centerGroup"/>
+                    </m:oMathParaPr>
+                    <m:oMath xmlns:m="http://schemas.openxmlformats.org/officeDocument/2006/math">
+                      <m:r>
+                        <a:rPr lang="en-US" b="0" i="1" smtClean="0">
+                          <a:latin typeface="Cambria Math" panose="02040503050406030204" pitchFamily="18" charset="0"/>
+                        </a:rPr>
+                        <m:t>𝑥</m:t>
+                      </m:r>
+                      <m:r>
+                        <a:rPr lang="en-US" i="1" smtClean="0">
+                          <a:latin typeface="Cambria Math" panose="02040503050406030204" pitchFamily="18" charset="0"/>
+                        </a:rPr>
+                        <m:t>=</m:t>
+                      </m:r>
+                      <m:r>
+                        <a:rPr lang="en-US" b="0" i="1" smtClean="0">
+                          <a:solidFill>
+                            <a:schemeClr val="accent1"/>
+                          </a:solidFill>
+                          <a:latin typeface="Cambria Math" panose="02040503050406030204" pitchFamily="18" charset="0"/>
+                        </a:rPr>
+                        <m:t>12</m:t>
+                      </m:r>
+                      <m:r>
+                        <a:rPr lang="en-US" b="0" i="1" smtClean="0">
+                          <a:latin typeface="Cambria Math" panose="02040503050406030204" pitchFamily="18" charset="0"/>
+                        </a:rPr>
+                        <m:t> ∗ </m:t>
+                      </m:r>
+                      <m:r>
+                        <a:rPr lang="en-US" b="0" i="1" smtClean="0">
+                          <a:solidFill>
+                            <a:schemeClr val="accent6"/>
+                          </a:solidFill>
+                          <a:latin typeface="Cambria Math" panose="02040503050406030204" pitchFamily="18" charset="0"/>
+                        </a:rPr>
+                        <m:t>0.</m:t>
+                      </m:r>
+                      <m:r>
+                        <a:rPr lang="en-US" b="0" i="1" smtClean="0">
+                          <a:solidFill>
+                            <a:schemeClr val="accent6"/>
+                          </a:solidFill>
+                          <a:latin typeface="Cambria Math" panose="02040503050406030204" pitchFamily="18" charset="0"/>
+                        </a:rPr>
+                        <m:t>5</m:t>
+                      </m:r>
+                      <m:r>
+                        <a:rPr lang="en-US" b="0" i="1" smtClean="0">
+                          <a:solidFill>
+                            <a:schemeClr val="accent6"/>
+                          </a:solidFill>
+                          <a:latin typeface="Cambria Math" panose="02040503050406030204" pitchFamily="18" charset="0"/>
+                        </a:rPr>
+                        <m:t> µ</m:t>
+                      </m:r>
+                      <m:r>
+                        <a:rPr lang="en-US" b="0" i="1" smtClean="0">
+                          <a:solidFill>
+                            <a:schemeClr val="accent6"/>
+                          </a:solidFill>
+                          <a:latin typeface="Cambria Math" panose="02040503050406030204" pitchFamily="18" charset="0"/>
+                        </a:rPr>
+                        <m:t>𝑚</m:t>
+                      </m:r>
+                      <m:r>
+                        <a:rPr lang="en-US" b="0" i="1" smtClean="0">
+                          <a:latin typeface="Cambria Math" panose="02040503050406030204" pitchFamily="18" charset="0"/>
+                        </a:rPr>
+                        <m:t>=</m:t>
+                      </m:r>
+                      <m:r>
+                        <a:rPr lang="en-US" b="0" i="1" smtClean="0">
+                          <a:latin typeface="Cambria Math" panose="02040503050406030204" pitchFamily="18" charset="0"/>
+                        </a:rPr>
+                        <m:t>6</m:t>
+                      </m:r>
+                      <m:r>
+                        <a:rPr lang="en-US" b="0" i="1" smtClean="0">
+                          <a:latin typeface="Cambria Math" panose="02040503050406030204" pitchFamily="18" charset="0"/>
+                        </a:rPr>
+                        <m:t> µ</m:t>
+                      </m:r>
+                      <m:r>
+                        <a:rPr lang="en-US" b="0" i="1" smtClean="0">
+                          <a:latin typeface="Cambria Math" panose="02040503050406030204" pitchFamily="18" charset="0"/>
+                        </a:rPr>
+                        <m:t>𝑚</m:t>
+                      </m:r>
+                      <m:r>
+                        <a:rPr lang="en-US" b="0" i="1" smtClean="0">
+                          <a:latin typeface="Cambria Math" panose="02040503050406030204" pitchFamily="18" charset="0"/>
+                        </a:rPr>
+                        <m:t> </m:t>
+                      </m:r>
+                    </m:oMath>
+                  </m:oMathPara>
+                </a14:m>
+                <a:endParaRPr lang="en-US" b="0" i="1" dirty="0">
+                  <a:latin typeface="Cambria Math" panose="02040503050406030204" pitchFamily="18" charset="0"/>
+                </a:endParaRPr>
+              </a:p>
+              <a:p>
+                <a:pPr/>
+                <a14:m>
+                  <m:oMathPara xmlns:m="http://schemas.openxmlformats.org/officeDocument/2006/math">
+                    <m:oMathParaPr>
+                      <m:jc m:val="centerGroup"/>
+                    </m:oMathParaPr>
+                    <m:oMath xmlns:m="http://schemas.openxmlformats.org/officeDocument/2006/math">
+                      <m:r>
+                        <a:rPr lang="en-US" b="0" i="1" smtClean="0">
+                          <a:latin typeface="Cambria Math" panose="02040503050406030204" pitchFamily="18" charset="0"/>
+                        </a:rPr>
+                        <m:t>𝑦</m:t>
+                      </m:r>
+                      <m:r>
+                        <a:rPr lang="en-US" i="1">
+                          <a:latin typeface="Cambria Math" panose="02040503050406030204" pitchFamily="18" charset="0"/>
+                        </a:rPr>
+                        <m:t>=</m:t>
+                      </m:r>
+                      <m:r>
+                        <a:rPr lang="en-US" b="0" i="1" smtClean="0">
+                          <a:solidFill>
+                            <a:schemeClr val="accent1"/>
+                          </a:solidFill>
+                          <a:latin typeface="Cambria Math" panose="02040503050406030204" pitchFamily="18" charset="0"/>
+                        </a:rPr>
+                        <m:t>6</m:t>
+                      </m:r>
+                      <m:r>
+                        <a:rPr lang="en-US" i="1">
+                          <a:latin typeface="Cambria Math" panose="02040503050406030204" pitchFamily="18" charset="0"/>
+                        </a:rPr>
+                        <m:t> ∗ </m:t>
+                      </m:r>
+                      <m:r>
+                        <a:rPr lang="en-US" i="1" smtClean="0">
+                          <a:solidFill>
+                            <a:schemeClr val="accent6"/>
+                          </a:solidFill>
+                          <a:latin typeface="Cambria Math" panose="02040503050406030204" pitchFamily="18" charset="0"/>
+                        </a:rPr>
+                        <m:t>0.</m:t>
+                      </m:r>
+                      <m:r>
+                        <a:rPr lang="en-US" b="0" i="1" smtClean="0">
+                          <a:solidFill>
+                            <a:schemeClr val="accent6"/>
+                          </a:solidFill>
+                          <a:latin typeface="Cambria Math" panose="02040503050406030204" pitchFamily="18" charset="0"/>
+                        </a:rPr>
+                        <m:t>5</m:t>
+                      </m:r>
+                      <m:r>
+                        <a:rPr lang="en-US" i="1" smtClean="0">
+                          <a:solidFill>
+                            <a:schemeClr val="accent6"/>
+                          </a:solidFill>
+                          <a:latin typeface="Cambria Math" panose="02040503050406030204" pitchFamily="18" charset="0"/>
+                        </a:rPr>
+                        <m:t> µ</m:t>
+                      </m:r>
+                      <m:r>
+                        <a:rPr lang="en-US" i="1" smtClean="0">
+                          <a:solidFill>
+                            <a:schemeClr val="accent6"/>
+                          </a:solidFill>
+                          <a:latin typeface="Cambria Math" panose="02040503050406030204" pitchFamily="18" charset="0"/>
+                        </a:rPr>
+                        <m:t>𝑚</m:t>
+                      </m:r>
+                      <m:r>
+                        <a:rPr lang="en-US" i="1">
+                          <a:latin typeface="Cambria Math" panose="02040503050406030204" pitchFamily="18" charset="0"/>
+                        </a:rPr>
+                        <m:t>=</m:t>
+                      </m:r>
+                      <m:r>
+                        <a:rPr lang="en-US" b="0" i="1" smtClean="0">
+                          <a:latin typeface="Cambria Math" panose="02040503050406030204" pitchFamily="18" charset="0"/>
+                        </a:rPr>
+                        <m:t>3</m:t>
+                      </m:r>
+                      <m:r>
+                        <a:rPr lang="en-US" i="1">
+                          <a:latin typeface="Cambria Math" panose="02040503050406030204" pitchFamily="18" charset="0"/>
+                        </a:rPr>
+                        <m:t> µ</m:t>
+                      </m:r>
+                      <m:r>
+                        <a:rPr lang="en-US" i="1">
+                          <a:latin typeface="Cambria Math" panose="02040503050406030204" pitchFamily="18" charset="0"/>
+                        </a:rPr>
+                        <m:t>𝑚</m:t>
+                      </m:r>
+                      <m:r>
+                        <a:rPr lang="en-US" i="1">
+                          <a:latin typeface="Cambria Math" panose="02040503050406030204" pitchFamily="18" charset="0"/>
+                        </a:rPr>
+                        <m:t> </m:t>
+                      </m:r>
+                    </m:oMath>
+                  </m:oMathPara>
+                </a14:m>
+                <a:endParaRPr lang="en-US" dirty="0"/>
+              </a:p>
+            </p:txBody>
+          </p:sp>
+        </mc:Choice>
+        <mc:Fallback>
+          <p:sp>
+            <p:nvSpPr>
+              <p:cNvPr id="34" name="TextBox 33">
+                <a:extLst>
+                  <a:ext uri="{FF2B5EF4-FFF2-40B4-BE49-F238E27FC236}">
+                    <a16:creationId xmlns:a16="http://schemas.microsoft.com/office/drawing/2014/main" id="{88460B12-1FCE-8843-9F16-F58CFB2F4128}"/>
+                  </a:ext>
+                </a:extLst>
+              </p:cNvPr>
+              <p:cNvSpPr txBox="1">
+                <a:spLocks noRot="1" noChangeAspect="1" noMove="1" noResize="1" noEditPoints="1" noAdjustHandles="1" noChangeArrowheads="1" noChangeShapeType="1" noTextEdit="1"/>
+              </p:cNvSpPr>
+              <p:nvPr/>
+            </p:nvSpPr>
+            <p:spPr>
+              <a:xfrm>
+                <a:off x="1860009" y="1956948"/>
+                <a:ext cx="2778838" cy="646331"/>
+              </a:xfrm>
+              <a:prstGeom prst="rect">
+                <a:avLst/>
+              </a:prstGeom>
+              <a:blipFill>
+                <a:blip r:embed="rId5"/>
+                <a:stretch>
+                  <a:fillRect b="-9804"/>
+                </a:stretch>
+              </a:blipFill>
+            </p:spPr>
+            <p:txBody>
+              <a:bodyPr/>
+              <a:lstStyle/>
+              <a:p>
+                <a:r>
+                  <a:rPr lang="en-DE">
+                    <a:noFill/>
+                  </a:rPr>
+                  <a:t> </a:t>
+                </a:r>
+              </a:p>
+            </p:txBody>
+          </p:sp>
+        </mc:Fallback>
+      </mc:AlternateContent>
+      <p:sp>
+        <p:nvSpPr>
+          <p:cNvPr id="37" name="TextBox 36">
+            <a:extLst>
+              <a:ext uri="{FF2B5EF4-FFF2-40B4-BE49-F238E27FC236}">
+                <a16:creationId xmlns:a16="http://schemas.microsoft.com/office/drawing/2014/main" id="{57BC08D2-26A8-3E40-BB59-5C2B6734CB97}"/>
+              </a:ext>
+            </a:extLst>
+          </p:cNvPr>
+          <p:cNvSpPr txBox="1"/>
+          <p:nvPr/>
+        </p:nvSpPr>
+        <p:spPr>
+          <a:xfrm>
+            <a:off x="878372" y="1527934"/>
+            <a:ext cx="4180440" cy="369332"/>
+          </a:xfrm>
+          <a:prstGeom prst="rect">
+            <a:avLst/>
+          </a:prstGeom>
+          <a:noFill/>
+        </p:spPr>
+        <p:txBody>
+          <a:bodyPr wrap="none" rtlCol="0">
+            <a:spAutoFit/>
+          </a:bodyPr>
+          <a:lstStyle/>
+          <a:p>
+            <a:r>
+              <a:rPr lang="en-US" dirty="0">
+                <a:solidFill>
+                  <a:schemeClr val="accent1"/>
+                </a:solidFill>
+              </a:rPr>
+              <a:t>Index</a:t>
+            </a:r>
+            <a:r>
+              <a:rPr lang="en-US" dirty="0"/>
+              <a:t> * </a:t>
+            </a:r>
+            <a:r>
+              <a:rPr lang="en-US" dirty="0">
+                <a:solidFill>
+                  <a:schemeClr val="accent6"/>
+                </a:solidFill>
+              </a:rPr>
+              <a:t>Calibration</a:t>
+            </a:r>
+            <a:r>
+              <a:rPr lang="en-US" dirty="0"/>
+              <a:t> = Calibrated coordinate</a:t>
+            </a:r>
+          </a:p>
+        </p:txBody>
+      </p:sp>
+      <p:sp>
+        <p:nvSpPr>
+          <p:cNvPr id="31" name="Oval 30">
+            <a:extLst>
+              <a:ext uri="{FF2B5EF4-FFF2-40B4-BE49-F238E27FC236}">
+                <a16:creationId xmlns:a16="http://schemas.microsoft.com/office/drawing/2014/main" id="{E3A2E411-C08A-4640-A448-A379E17AFA64}"/>
+              </a:ext>
+            </a:extLst>
+          </p:cNvPr>
+          <p:cNvSpPr/>
+          <p:nvPr/>
+        </p:nvSpPr>
+        <p:spPr>
+          <a:xfrm>
+            <a:off x="-2517887" y="2638463"/>
+            <a:ext cx="111873" cy="101703"/>
+          </a:xfrm>
+          <a:prstGeom prst="ellipse">
+            <a:avLst/>
+          </a:prstGeom>
+        </p:spPr>
+        <p:style>
+          <a:lnRef idx="2">
+            <a:schemeClr val="accent1">
+              <a:shade val="50000"/>
+            </a:schemeClr>
+          </a:lnRef>
+          <a:fillRef idx="1">
+            <a:schemeClr val="accent1"/>
+          </a:fillRef>
+          <a:effectRef idx="0">
+            <a:schemeClr val="accent1"/>
+          </a:effectRef>
+          <a:fontRef idx="minor">
+            <a:schemeClr val="lt1"/>
+          </a:fontRef>
+        </p:style>
+        <p:txBody>
+          <a:bodyPr rtlCol="0" anchor="ctr"/>
+          <a:lstStyle/>
+          <a:p>
+            <a:pPr algn="ctr"/>
+            <a:endParaRPr lang="de-DE"/>
+          </a:p>
+        </p:txBody>
+      </p:sp>
+      <p:sp>
+        <p:nvSpPr>
+          <p:cNvPr id="39" name="TextBox 38">
+            <a:extLst>
+              <a:ext uri="{FF2B5EF4-FFF2-40B4-BE49-F238E27FC236}">
+                <a16:creationId xmlns:a16="http://schemas.microsoft.com/office/drawing/2014/main" id="{D9D7C7E3-9AFF-044D-943D-8BBF70434797}"/>
+              </a:ext>
+            </a:extLst>
+          </p:cNvPr>
+          <p:cNvSpPr txBox="1"/>
+          <p:nvPr/>
+        </p:nvSpPr>
+        <p:spPr>
+          <a:xfrm>
+            <a:off x="-2949467" y="2280114"/>
+            <a:ext cx="1239442" cy="369332"/>
+          </a:xfrm>
+          <a:prstGeom prst="rect">
+            <a:avLst/>
+          </a:prstGeom>
+          <a:noFill/>
+        </p:spPr>
+        <p:txBody>
+          <a:bodyPr wrap="none" rtlCol="0">
+            <a:spAutoFit/>
+          </a:bodyPr>
+          <a:lstStyle/>
+          <a:p>
+            <a:r>
+              <a:rPr lang="en-US" dirty="0"/>
+              <a:t>Origin (0,0)</a:t>
+            </a:r>
+          </a:p>
+        </p:txBody>
+      </p:sp>
+      <p:sp>
+        <p:nvSpPr>
+          <p:cNvPr id="42" name="Rectangle 41">
+            <a:extLst>
+              <a:ext uri="{FF2B5EF4-FFF2-40B4-BE49-F238E27FC236}">
+                <a16:creationId xmlns:a16="http://schemas.microsoft.com/office/drawing/2014/main" id="{48CAE13C-FD22-8641-BB7E-A6BF7D608096}"/>
+              </a:ext>
+            </a:extLst>
+          </p:cNvPr>
+          <p:cNvSpPr/>
+          <p:nvPr/>
+        </p:nvSpPr>
+        <p:spPr>
+          <a:xfrm>
+            <a:off x="6826589" y="1960909"/>
+            <a:ext cx="620889" cy="622866"/>
+          </a:xfrm>
+          <a:prstGeom prst="rect">
+            <a:avLst/>
+          </a:prstGeom>
+          <a:noFill/>
+          <a:ln w="3175">
+            <a:solidFill>
+              <a:schemeClr val="accent1"/>
+            </a:solidFill>
+          </a:ln>
+        </p:spPr>
+        <p:style>
+          <a:lnRef idx="2">
+            <a:schemeClr val="accent1">
+              <a:shade val="50000"/>
+            </a:schemeClr>
+          </a:lnRef>
+          <a:fillRef idx="1">
+            <a:schemeClr val="accent1"/>
+          </a:fillRef>
+          <a:effectRef idx="0">
+            <a:schemeClr val="accent1"/>
+          </a:effectRef>
+          <a:fontRef idx="minor">
+            <a:schemeClr val="lt1"/>
+          </a:fontRef>
+        </p:style>
+        <p:txBody>
+          <a:bodyPr rtlCol="0" anchor="ctr"/>
+          <a:lstStyle/>
+          <a:p>
+            <a:pPr algn="ctr"/>
+            <a:endParaRPr lang="en-US"/>
+          </a:p>
+        </p:txBody>
+      </p:sp>
+      <p:sp>
+        <p:nvSpPr>
+          <p:cNvPr id="43" name="Oval 42">
+            <a:extLst>
+              <a:ext uri="{FF2B5EF4-FFF2-40B4-BE49-F238E27FC236}">
+                <a16:creationId xmlns:a16="http://schemas.microsoft.com/office/drawing/2014/main" id="{763DAF5C-7ECF-B34A-97E7-9E836119DF9B}"/>
+              </a:ext>
+            </a:extLst>
+          </p:cNvPr>
+          <p:cNvSpPr/>
+          <p:nvPr/>
+        </p:nvSpPr>
+        <p:spPr>
+          <a:xfrm>
+            <a:off x="7101933" y="2234770"/>
+            <a:ext cx="111873" cy="101703"/>
+          </a:xfrm>
+          <a:prstGeom prst="ellipse">
+            <a:avLst/>
+          </a:prstGeom>
+          <a:ln w="3175">
+            <a:solidFill>
+              <a:schemeClr val="accent1"/>
+            </a:solidFill>
+          </a:ln>
+        </p:spPr>
+        <p:style>
+          <a:lnRef idx="2">
+            <a:schemeClr val="accent1">
+              <a:shade val="50000"/>
+            </a:schemeClr>
+          </a:lnRef>
+          <a:fillRef idx="1">
+            <a:schemeClr val="accent1"/>
+          </a:fillRef>
+          <a:effectRef idx="0">
+            <a:schemeClr val="accent1"/>
+          </a:effectRef>
+          <a:fontRef idx="minor">
+            <a:schemeClr val="lt1"/>
+          </a:fontRef>
+        </p:style>
+        <p:txBody>
+          <a:bodyPr rtlCol="0" anchor="ctr"/>
+          <a:lstStyle/>
+          <a:p>
+            <a:pPr algn="ctr"/>
+            <a:endParaRPr lang="de-DE"/>
+          </a:p>
+        </p:txBody>
+      </p:sp>
+      <p:sp>
+        <p:nvSpPr>
+          <p:cNvPr id="45" name="Oval 44">
+            <a:extLst>
+              <a:ext uri="{FF2B5EF4-FFF2-40B4-BE49-F238E27FC236}">
+                <a16:creationId xmlns:a16="http://schemas.microsoft.com/office/drawing/2014/main" id="{DB55D443-BA25-3B41-8ECF-9D3D2191A651}"/>
+              </a:ext>
+            </a:extLst>
+          </p:cNvPr>
+          <p:cNvSpPr/>
+          <p:nvPr/>
+        </p:nvSpPr>
+        <p:spPr>
+          <a:xfrm>
+            <a:off x="6482976" y="2234759"/>
+            <a:ext cx="111873" cy="101703"/>
+          </a:xfrm>
+          <a:prstGeom prst="ellipse">
+            <a:avLst/>
+          </a:prstGeom>
+          <a:ln w="3175">
+            <a:solidFill>
+              <a:schemeClr val="accent1"/>
+            </a:solidFill>
+          </a:ln>
+        </p:spPr>
+        <p:style>
+          <a:lnRef idx="2">
+            <a:schemeClr val="accent1">
+              <a:shade val="50000"/>
+            </a:schemeClr>
+          </a:lnRef>
+          <a:fillRef idx="1">
+            <a:schemeClr val="accent1"/>
+          </a:fillRef>
+          <a:effectRef idx="0">
+            <a:schemeClr val="accent1"/>
+          </a:effectRef>
+          <a:fontRef idx="minor">
+            <a:schemeClr val="lt1"/>
+          </a:fontRef>
+        </p:style>
+        <p:txBody>
+          <a:bodyPr rtlCol="0" anchor="ctr"/>
+          <a:lstStyle/>
+          <a:p>
+            <a:pPr algn="ctr"/>
+            <a:endParaRPr lang="de-DE"/>
+          </a:p>
+        </p:txBody>
+      </p:sp>
+      <p:sp>
+        <p:nvSpPr>
+          <p:cNvPr id="46" name="Rectangle 45">
+            <a:extLst>
+              <a:ext uri="{FF2B5EF4-FFF2-40B4-BE49-F238E27FC236}">
+                <a16:creationId xmlns:a16="http://schemas.microsoft.com/office/drawing/2014/main" id="{09A6809A-D551-5345-9BBC-119DE5EAD72E}"/>
+              </a:ext>
+            </a:extLst>
+          </p:cNvPr>
+          <p:cNvSpPr/>
+          <p:nvPr/>
+        </p:nvSpPr>
+        <p:spPr>
+          <a:xfrm>
+            <a:off x="6208378" y="2588470"/>
+            <a:ext cx="620889" cy="620889"/>
+          </a:xfrm>
+          <a:prstGeom prst="rect">
+            <a:avLst/>
+          </a:prstGeom>
+          <a:noFill/>
+          <a:ln w="3175">
+            <a:solidFill>
+              <a:schemeClr val="accent1"/>
+            </a:solidFill>
+          </a:ln>
+        </p:spPr>
+        <p:style>
+          <a:lnRef idx="2">
+            <a:schemeClr val="accent1">
+              <a:shade val="50000"/>
+            </a:schemeClr>
+          </a:lnRef>
+          <a:fillRef idx="1">
+            <a:schemeClr val="accent1"/>
+          </a:fillRef>
+          <a:effectRef idx="0">
+            <a:schemeClr val="accent1"/>
+          </a:effectRef>
+          <a:fontRef idx="minor">
+            <a:schemeClr val="lt1"/>
+          </a:fontRef>
+        </p:style>
+        <p:txBody>
+          <a:bodyPr rtlCol="0" anchor="ctr"/>
+          <a:lstStyle/>
+          <a:p>
+            <a:pPr algn="ctr"/>
+            <a:endParaRPr lang="en-US"/>
+          </a:p>
+        </p:txBody>
+      </p:sp>
+      <p:sp>
+        <p:nvSpPr>
+          <p:cNvPr id="47" name="Rectangle 46">
+            <a:extLst>
+              <a:ext uri="{FF2B5EF4-FFF2-40B4-BE49-F238E27FC236}">
+                <a16:creationId xmlns:a16="http://schemas.microsoft.com/office/drawing/2014/main" id="{8251601A-B4CA-6042-9B18-2DFAF6CAC19C}"/>
+              </a:ext>
+            </a:extLst>
+          </p:cNvPr>
+          <p:cNvSpPr/>
+          <p:nvPr/>
+        </p:nvSpPr>
+        <p:spPr>
+          <a:xfrm>
+            <a:off x="6823181" y="2585752"/>
+            <a:ext cx="620889" cy="620889"/>
+          </a:xfrm>
+          <a:prstGeom prst="rect">
+            <a:avLst/>
+          </a:prstGeom>
+          <a:noFill/>
+          <a:ln w="3175">
+            <a:solidFill>
+              <a:schemeClr val="accent1"/>
+            </a:solidFill>
+          </a:ln>
+        </p:spPr>
+        <p:style>
+          <a:lnRef idx="2">
+            <a:schemeClr val="accent1">
+              <a:shade val="50000"/>
+            </a:schemeClr>
+          </a:lnRef>
+          <a:fillRef idx="1">
+            <a:schemeClr val="accent1"/>
+          </a:fillRef>
+          <a:effectRef idx="0">
+            <a:schemeClr val="accent1"/>
+          </a:effectRef>
+          <a:fontRef idx="minor">
+            <a:schemeClr val="lt1"/>
+          </a:fontRef>
+        </p:style>
+        <p:txBody>
+          <a:bodyPr rtlCol="0" anchor="ctr"/>
+          <a:lstStyle/>
+          <a:p>
+            <a:pPr algn="ctr"/>
+            <a:endParaRPr lang="en-US"/>
+          </a:p>
+        </p:txBody>
+      </p:sp>
+      <p:sp>
+        <p:nvSpPr>
+          <p:cNvPr id="50" name="Oval 49">
+            <a:extLst>
+              <a:ext uri="{FF2B5EF4-FFF2-40B4-BE49-F238E27FC236}">
+                <a16:creationId xmlns:a16="http://schemas.microsoft.com/office/drawing/2014/main" id="{9D45AA71-7147-1B43-B41A-C848DA37A75F}"/>
+              </a:ext>
+            </a:extLst>
+          </p:cNvPr>
+          <p:cNvSpPr/>
+          <p:nvPr/>
+        </p:nvSpPr>
+        <p:spPr>
+          <a:xfrm>
+            <a:off x="7100849" y="2839199"/>
+            <a:ext cx="111873" cy="101703"/>
+          </a:xfrm>
+          <a:prstGeom prst="ellipse">
+            <a:avLst/>
+          </a:prstGeom>
+          <a:ln w="3175">
+            <a:solidFill>
+              <a:schemeClr val="accent1"/>
+            </a:solidFill>
+          </a:ln>
+        </p:spPr>
+        <p:style>
+          <a:lnRef idx="2">
+            <a:schemeClr val="accent1">
+              <a:shade val="50000"/>
+            </a:schemeClr>
+          </a:lnRef>
+          <a:fillRef idx="1">
+            <a:schemeClr val="accent1"/>
+          </a:fillRef>
+          <a:effectRef idx="0">
+            <a:schemeClr val="accent1"/>
+          </a:effectRef>
+          <a:fontRef idx="minor">
+            <a:schemeClr val="lt1"/>
+          </a:fontRef>
+        </p:style>
+        <p:txBody>
+          <a:bodyPr rtlCol="0" anchor="ctr"/>
+          <a:lstStyle/>
+          <a:p>
+            <a:pPr algn="ctr"/>
+            <a:endParaRPr lang="de-DE"/>
+          </a:p>
+        </p:txBody>
+      </p:sp>
+      <p:sp>
+        <p:nvSpPr>
+          <p:cNvPr id="51" name="Oval 50">
+            <a:extLst>
+              <a:ext uri="{FF2B5EF4-FFF2-40B4-BE49-F238E27FC236}">
+                <a16:creationId xmlns:a16="http://schemas.microsoft.com/office/drawing/2014/main" id="{4A519C81-4020-E544-9591-F0E7C7387DE0}"/>
+              </a:ext>
+            </a:extLst>
+          </p:cNvPr>
+          <p:cNvSpPr/>
+          <p:nvPr/>
+        </p:nvSpPr>
+        <p:spPr>
+          <a:xfrm>
+            <a:off x="6482975" y="2851729"/>
+            <a:ext cx="111873" cy="101703"/>
+          </a:xfrm>
+          <a:prstGeom prst="ellipse">
+            <a:avLst/>
+          </a:prstGeom>
+          <a:ln w="3175">
+            <a:solidFill>
+              <a:schemeClr val="accent1"/>
+            </a:solidFill>
+          </a:ln>
+        </p:spPr>
+        <p:style>
+          <a:lnRef idx="2">
+            <a:schemeClr val="accent1">
+              <a:shade val="50000"/>
+            </a:schemeClr>
+          </a:lnRef>
+          <a:fillRef idx="1">
+            <a:schemeClr val="accent1"/>
+          </a:fillRef>
+          <a:effectRef idx="0">
+            <a:schemeClr val="accent1"/>
+          </a:effectRef>
+          <a:fontRef idx="minor">
+            <a:schemeClr val="lt1"/>
+          </a:fontRef>
+        </p:style>
+        <p:txBody>
+          <a:bodyPr rtlCol="0" anchor="ctr"/>
+          <a:lstStyle/>
+          <a:p>
+            <a:pPr algn="ctr"/>
+            <a:endParaRPr lang="de-DE"/>
+          </a:p>
+        </p:txBody>
+      </p:sp>
+      <p:sp>
+        <p:nvSpPr>
+          <p:cNvPr id="53" name="Oval 52">
+            <a:extLst>
+              <a:ext uri="{FF2B5EF4-FFF2-40B4-BE49-F238E27FC236}">
+                <a16:creationId xmlns:a16="http://schemas.microsoft.com/office/drawing/2014/main" id="{5751660E-140E-0145-851A-CAF8945C4609}"/>
+              </a:ext>
+            </a:extLst>
+          </p:cNvPr>
+          <p:cNvSpPr/>
+          <p:nvPr/>
+        </p:nvSpPr>
+        <p:spPr>
+          <a:xfrm>
+            <a:off x="1325321" y="2717506"/>
+            <a:ext cx="111873" cy="101703"/>
+          </a:xfrm>
+          <a:prstGeom prst="ellipse">
+            <a:avLst/>
+          </a:prstGeom>
+        </p:spPr>
+        <p:style>
+          <a:lnRef idx="2">
+            <a:schemeClr val="accent1">
+              <a:shade val="50000"/>
+            </a:schemeClr>
+          </a:lnRef>
+          <a:fillRef idx="1">
+            <a:schemeClr val="accent1"/>
+          </a:fillRef>
+          <a:effectRef idx="0">
+            <a:schemeClr val="accent1"/>
+          </a:effectRef>
+          <a:fontRef idx="minor">
+            <a:schemeClr val="lt1"/>
+          </a:fontRef>
+        </p:style>
+        <p:txBody>
+          <a:bodyPr rtlCol="0" anchor="ctr"/>
+          <a:lstStyle/>
+          <a:p>
+            <a:pPr algn="ctr"/>
+            <a:endParaRPr lang="de-DE"/>
+          </a:p>
+        </p:txBody>
+      </p:sp>
+      <p:sp>
+        <p:nvSpPr>
+          <p:cNvPr id="54" name="TextBox 53">
+            <a:extLst>
+              <a:ext uri="{FF2B5EF4-FFF2-40B4-BE49-F238E27FC236}">
+                <a16:creationId xmlns:a16="http://schemas.microsoft.com/office/drawing/2014/main" id="{FD20AB59-7596-1E4D-84E1-770249E3B1CE}"/>
+              </a:ext>
+            </a:extLst>
+          </p:cNvPr>
+          <p:cNvSpPr txBox="1"/>
+          <p:nvPr/>
+        </p:nvSpPr>
+        <p:spPr>
+          <a:xfrm>
+            <a:off x="939561" y="2361984"/>
+            <a:ext cx="617477" cy="369332"/>
+          </a:xfrm>
+          <a:prstGeom prst="rect">
+            <a:avLst/>
+          </a:prstGeom>
+          <a:noFill/>
+        </p:spPr>
+        <p:txBody>
+          <a:bodyPr wrap="none" rtlCol="0">
+            <a:spAutoFit/>
+          </a:bodyPr>
+          <a:lstStyle/>
+          <a:p>
+            <a:r>
+              <a:rPr lang="en-US" dirty="0"/>
+              <a:t>(0,0)</a:t>
+            </a:r>
+          </a:p>
+        </p:txBody>
+      </p:sp>
+      <p:sp>
+        <p:nvSpPr>
+          <p:cNvPr id="55" name="Rectangle 54">
+            <a:extLst>
+              <a:ext uri="{FF2B5EF4-FFF2-40B4-BE49-F238E27FC236}">
+                <a16:creationId xmlns:a16="http://schemas.microsoft.com/office/drawing/2014/main" id="{3ECDB614-08E4-B84B-B059-A3A25D9BABF9}"/>
+              </a:ext>
+            </a:extLst>
+          </p:cNvPr>
+          <p:cNvSpPr/>
+          <p:nvPr/>
+        </p:nvSpPr>
+        <p:spPr>
+          <a:xfrm>
+            <a:off x="5867441" y="3925438"/>
+            <a:ext cx="620889" cy="620889"/>
+          </a:xfrm>
+          <a:prstGeom prst="rect">
+            <a:avLst/>
+          </a:prstGeom>
+          <a:noFill/>
+          <a:ln w="3175">
+            <a:solidFill>
+              <a:schemeClr val="accent1"/>
+            </a:solidFill>
+          </a:ln>
+        </p:spPr>
+        <p:style>
+          <a:lnRef idx="2">
+            <a:schemeClr val="accent1">
+              <a:shade val="50000"/>
+            </a:schemeClr>
+          </a:lnRef>
+          <a:fillRef idx="1">
+            <a:schemeClr val="accent1"/>
+          </a:fillRef>
+          <a:effectRef idx="0">
+            <a:schemeClr val="accent1"/>
+          </a:effectRef>
+          <a:fontRef idx="minor">
+            <a:schemeClr val="lt1"/>
+          </a:fontRef>
+        </p:style>
+        <p:txBody>
+          <a:bodyPr rtlCol="0" anchor="ctr"/>
+          <a:lstStyle/>
+          <a:p>
+            <a:pPr algn="ctr"/>
+            <a:endParaRPr lang="en-US"/>
+          </a:p>
+        </p:txBody>
+      </p:sp>
+      <p:sp>
+        <p:nvSpPr>
+          <p:cNvPr id="56" name="Rectangle 55">
+            <a:extLst>
+              <a:ext uri="{FF2B5EF4-FFF2-40B4-BE49-F238E27FC236}">
+                <a16:creationId xmlns:a16="http://schemas.microsoft.com/office/drawing/2014/main" id="{4D25AA18-E956-3249-A1EB-255C7A94047E}"/>
+              </a:ext>
+            </a:extLst>
+          </p:cNvPr>
+          <p:cNvSpPr/>
+          <p:nvPr/>
+        </p:nvSpPr>
+        <p:spPr>
+          <a:xfrm>
+            <a:off x="6488916" y="3925438"/>
+            <a:ext cx="620889" cy="622866"/>
+          </a:xfrm>
+          <a:prstGeom prst="rect">
+            <a:avLst/>
+          </a:prstGeom>
+          <a:noFill/>
+          <a:ln w="3175">
+            <a:solidFill>
+              <a:schemeClr val="accent1"/>
+            </a:solidFill>
+          </a:ln>
+        </p:spPr>
+        <p:style>
+          <a:lnRef idx="2">
+            <a:schemeClr val="accent1">
+              <a:shade val="50000"/>
+            </a:schemeClr>
+          </a:lnRef>
+          <a:fillRef idx="1">
+            <a:schemeClr val="accent1"/>
+          </a:fillRef>
+          <a:effectRef idx="0">
+            <a:schemeClr val="accent1"/>
+          </a:effectRef>
+          <a:fontRef idx="minor">
+            <a:schemeClr val="lt1"/>
+          </a:fontRef>
+        </p:style>
+        <p:txBody>
+          <a:bodyPr rtlCol="0" anchor="ctr"/>
+          <a:lstStyle/>
+          <a:p>
+            <a:pPr algn="ctr"/>
+            <a:endParaRPr lang="en-US"/>
+          </a:p>
+        </p:txBody>
+      </p:sp>
+      <p:sp>
+        <p:nvSpPr>
+          <p:cNvPr id="57" name="Oval 56">
+            <a:extLst>
+              <a:ext uri="{FF2B5EF4-FFF2-40B4-BE49-F238E27FC236}">
+                <a16:creationId xmlns:a16="http://schemas.microsoft.com/office/drawing/2014/main" id="{344849D5-8831-8A42-B522-DBC05A1B7719}"/>
+              </a:ext>
+            </a:extLst>
+          </p:cNvPr>
+          <p:cNvSpPr/>
+          <p:nvPr/>
+        </p:nvSpPr>
+        <p:spPr>
+          <a:xfrm>
+            <a:off x="6758319" y="4209197"/>
+            <a:ext cx="111873" cy="101703"/>
+          </a:xfrm>
+          <a:prstGeom prst="ellipse">
+            <a:avLst/>
+          </a:prstGeom>
+          <a:ln w="3175">
+            <a:solidFill>
+              <a:schemeClr val="accent1"/>
+            </a:solidFill>
+          </a:ln>
+        </p:spPr>
+        <p:style>
+          <a:lnRef idx="2">
+            <a:schemeClr val="accent1">
+              <a:shade val="50000"/>
+            </a:schemeClr>
+          </a:lnRef>
+          <a:fillRef idx="1">
+            <a:schemeClr val="accent1"/>
+          </a:fillRef>
+          <a:effectRef idx="0">
+            <a:schemeClr val="accent1"/>
+          </a:effectRef>
+          <a:fontRef idx="minor">
+            <a:schemeClr val="lt1"/>
+          </a:fontRef>
+        </p:style>
+        <p:txBody>
+          <a:bodyPr rtlCol="0" anchor="ctr"/>
+          <a:lstStyle/>
+          <a:p>
+            <a:pPr algn="ctr"/>
+            <a:endParaRPr lang="de-DE"/>
+          </a:p>
+        </p:txBody>
+      </p:sp>
+      <p:sp>
+        <p:nvSpPr>
+          <p:cNvPr id="58" name="Oval 57">
+            <a:extLst>
+              <a:ext uri="{FF2B5EF4-FFF2-40B4-BE49-F238E27FC236}">
+                <a16:creationId xmlns:a16="http://schemas.microsoft.com/office/drawing/2014/main" id="{129ADD01-0F5D-BC47-80E5-90FC9622DCE1}"/>
+              </a:ext>
+            </a:extLst>
+          </p:cNvPr>
+          <p:cNvSpPr/>
+          <p:nvPr/>
+        </p:nvSpPr>
+        <p:spPr>
+          <a:xfrm>
+            <a:off x="6139362" y="4197311"/>
+            <a:ext cx="111873" cy="101703"/>
+          </a:xfrm>
+          <a:prstGeom prst="ellipse">
+            <a:avLst/>
+          </a:prstGeom>
+          <a:ln w="3175">
+            <a:solidFill>
+              <a:schemeClr val="accent1"/>
+            </a:solidFill>
+          </a:ln>
+        </p:spPr>
+        <p:style>
+          <a:lnRef idx="2">
+            <a:schemeClr val="accent1">
+              <a:shade val="50000"/>
+            </a:schemeClr>
+          </a:lnRef>
+          <a:fillRef idx="1">
+            <a:schemeClr val="accent1"/>
+          </a:fillRef>
+          <a:effectRef idx="0">
+            <a:schemeClr val="accent1"/>
+          </a:effectRef>
+          <a:fontRef idx="minor">
+            <a:schemeClr val="lt1"/>
+          </a:fontRef>
+        </p:style>
+        <p:txBody>
+          <a:bodyPr rtlCol="0" anchor="ctr"/>
+          <a:lstStyle/>
+          <a:p>
+            <a:pPr algn="ctr"/>
+            <a:endParaRPr lang="de-DE"/>
+          </a:p>
+        </p:txBody>
+      </p:sp>
+      <p:sp>
+        <p:nvSpPr>
+          <p:cNvPr id="63" name="Rectangle 62">
+            <a:extLst>
+              <a:ext uri="{FF2B5EF4-FFF2-40B4-BE49-F238E27FC236}">
+                <a16:creationId xmlns:a16="http://schemas.microsoft.com/office/drawing/2014/main" id="{0606488C-8987-DA49-8D5F-008726E7F71D}"/>
+              </a:ext>
+            </a:extLst>
+          </p:cNvPr>
+          <p:cNvSpPr/>
+          <p:nvPr/>
+        </p:nvSpPr>
+        <p:spPr>
+          <a:xfrm>
+            <a:off x="7110390" y="3925438"/>
+            <a:ext cx="620889" cy="622866"/>
+          </a:xfrm>
+          <a:prstGeom prst="rect">
+            <a:avLst/>
+          </a:prstGeom>
+          <a:noFill/>
+          <a:ln w="3175">
+            <a:solidFill>
+              <a:schemeClr val="accent1"/>
+            </a:solidFill>
+          </a:ln>
+        </p:spPr>
+        <p:style>
+          <a:lnRef idx="2">
+            <a:schemeClr val="accent1">
+              <a:shade val="50000"/>
+            </a:schemeClr>
+          </a:lnRef>
+          <a:fillRef idx="1">
+            <a:schemeClr val="accent1"/>
+          </a:fillRef>
+          <a:effectRef idx="0">
+            <a:schemeClr val="accent1"/>
+          </a:effectRef>
+          <a:fontRef idx="minor">
+            <a:schemeClr val="lt1"/>
+          </a:fontRef>
+        </p:style>
+        <p:txBody>
+          <a:bodyPr rtlCol="0" anchor="ctr"/>
+          <a:lstStyle/>
+          <a:p>
+            <a:pPr algn="ctr"/>
+            <a:endParaRPr lang="en-US"/>
+          </a:p>
+        </p:txBody>
+      </p:sp>
+      <p:sp>
+        <p:nvSpPr>
+          <p:cNvPr id="64" name="Oval 63">
+            <a:extLst>
+              <a:ext uri="{FF2B5EF4-FFF2-40B4-BE49-F238E27FC236}">
+                <a16:creationId xmlns:a16="http://schemas.microsoft.com/office/drawing/2014/main" id="{8E0C95EB-3D0A-C44A-A7B3-FC2063229746}"/>
+              </a:ext>
+            </a:extLst>
+          </p:cNvPr>
+          <p:cNvSpPr/>
+          <p:nvPr/>
+        </p:nvSpPr>
+        <p:spPr>
+          <a:xfrm>
+            <a:off x="7397609" y="4207220"/>
+            <a:ext cx="111873" cy="101703"/>
+          </a:xfrm>
+          <a:prstGeom prst="ellipse">
+            <a:avLst/>
+          </a:prstGeom>
+          <a:ln w="3175">
+            <a:solidFill>
+              <a:schemeClr val="accent1"/>
+            </a:solidFill>
+          </a:ln>
+        </p:spPr>
+        <p:style>
+          <a:lnRef idx="2">
+            <a:schemeClr val="accent1">
+              <a:shade val="50000"/>
+            </a:schemeClr>
+          </a:lnRef>
+          <a:fillRef idx="1">
+            <a:schemeClr val="accent1"/>
+          </a:fillRef>
+          <a:effectRef idx="0">
+            <a:schemeClr val="accent1"/>
+          </a:effectRef>
+          <a:fontRef idx="minor">
+            <a:schemeClr val="lt1"/>
+          </a:fontRef>
+        </p:style>
+        <p:txBody>
+          <a:bodyPr rtlCol="0" anchor="ctr"/>
+          <a:lstStyle/>
+          <a:p>
+            <a:pPr algn="ctr"/>
+            <a:endParaRPr lang="de-DE"/>
+          </a:p>
+        </p:txBody>
+      </p:sp>
+      <p:sp>
+        <p:nvSpPr>
+          <p:cNvPr id="67" name="Rectangle 66">
+            <a:extLst>
+              <a:ext uri="{FF2B5EF4-FFF2-40B4-BE49-F238E27FC236}">
+                <a16:creationId xmlns:a16="http://schemas.microsoft.com/office/drawing/2014/main" id="{EA38448F-0BB0-2B44-81BF-205887D988D5}"/>
+              </a:ext>
+            </a:extLst>
+          </p:cNvPr>
+          <p:cNvSpPr/>
+          <p:nvPr/>
+        </p:nvSpPr>
+        <p:spPr>
+          <a:xfrm>
+            <a:off x="5865466" y="4564728"/>
+            <a:ext cx="620889" cy="620889"/>
+          </a:xfrm>
+          <a:prstGeom prst="rect">
+            <a:avLst/>
+          </a:prstGeom>
+          <a:noFill/>
+          <a:ln w="3175">
+            <a:solidFill>
+              <a:schemeClr val="accent1"/>
+            </a:solidFill>
+          </a:ln>
+        </p:spPr>
+        <p:style>
+          <a:lnRef idx="2">
+            <a:schemeClr val="accent1">
+              <a:shade val="50000"/>
+            </a:schemeClr>
+          </a:lnRef>
+          <a:fillRef idx="1">
+            <a:schemeClr val="accent1"/>
+          </a:fillRef>
+          <a:effectRef idx="0">
+            <a:schemeClr val="accent1"/>
+          </a:effectRef>
+          <a:fontRef idx="minor">
+            <a:schemeClr val="lt1"/>
+          </a:fontRef>
+        </p:style>
+        <p:txBody>
+          <a:bodyPr rtlCol="0" anchor="ctr"/>
+          <a:lstStyle/>
+          <a:p>
+            <a:pPr algn="ctr"/>
+            <a:endParaRPr lang="en-US"/>
+          </a:p>
+        </p:txBody>
+      </p:sp>
+      <p:sp>
+        <p:nvSpPr>
+          <p:cNvPr id="68" name="Rectangle 67">
+            <a:extLst>
+              <a:ext uri="{FF2B5EF4-FFF2-40B4-BE49-F238E27FC236}">
+                <a16:creationId xmlns:a16="http://schemas.microsoft.com/office/drawing/2014/main" id="{1954E40F-5F0E-A641-A378-925AAB1C9E51}"/>
+              </a:ext>
+            </a:extLst>
+          </p:cNvPr>
+          <p:cNvSpPr/>
+          <p:nvPr/>
+        </p:nvSpPr>
+        <p:spPr>
+          <a:xfrm>
+            <a:off x="6486941" y="4564728"/>
+            <a:ext cx="620889" cy="622866"/>
+          </a:xfrm>
+          <a:prstGeom prst="rect">
+            <a:avLst/>
+          </a:prstGeom>
+          <a:noFill/>
+          <a:ln w="3175">
+            <a:solidFill>
+              <a:schemeClr val="accent1"/>
+            </a:solidFill>
+          </a:ln>
+        </p:spPr>
+        <p:style>
+          <a:lnRef idx="2">
+            <a:schemeClr val="accent1">
+              <a:shade val="50000"/>
+            </a:schemeClr>
+          </a:lnRef>
+          <a:fillRef idx="1">
+            <a:schemeClr val="accent1"/>
+          </a:fillRef>
+          <a:effectRef idx="0">
+            <a:schemeClr val="accent1"/>
+          </a:effectRef>
+          <a:fontRef idx="minor">
+            <a:schemeClr val="lt1"/>
+          </a:fontRef>
+        </p:style>
+        <p:txBody>
+          <a:bodyPr rtlCol="0" anchor="ctr"/>
+          <a:lstStyle/>
+          <a:p>
+            <a:pPr algn="ctr"/>
+            <a:endParaRPr lang="en-US"/>
+          </a:p>
+        </p:txBody>
+      </p:sp>
+      <p:sp>
+        <p:nvSpPr>
+          <p:cNvPr id="69" name="Oval 68">
+            <a:extLst>
+              <a:ext uri="{FF2B5EF4-FFF2-40B4-BE49-F238E27FC236}">
+                <a16:creationId xmlns:a16="http://schemas.microsoft.com/office/drawing/2014/main" id="{244255EB-2C4B-1542-B222-2DFF04D842CE}"/>
+              </a:ext>
+            </a:extLst>
+          </p:cNvPr>
+          <p:cNvSpPr/>
+          <p:nvPr/>
+        </p:nvSpPr>
+        <p:spPr>
+          <a:xfrm>
+            <a:off x="6756344" y="4848487"/>
+            <a:ext cx="111873" cy="101703"/>
+          </a:xfrm>
+          <a:prstGeom prst="ellipse">
+            <a:avLst/>
+          </a:prstGeom>
+          <a:ln w="3175">
+            <a:solidFill>
+              <a:schemeClr val="accent1"/>
+            </a:solidFill>
+          </a:ln>
+        </p:spPr>
+        <p:style>
+          <a:lnRef idx="2">
+            <a:schemeClr val="accent1">
+              <a:shade val="50000"/>
+            </a:schemeClr>
+          </a:lnRef>
+          <a:fillRef idx="1">
+            <a:schemeClr val="accent1"/>
+          </a:fillRef>
+          <a:effectRef idx="0">
+            <a:schemeClr val="accent1"/>
+          </a:effectRef>
+          <a:fontRef idx="minor">
+            <a:schemeClr val="lt1"/>
+          </a:fontRef>
+        </p:style>
+        <p:txBody>
+          <a:bodyPr rtlCol="0" anchor="ctr"/>
+          <a:lstStyle/>
+          <a:p>
+            <a:pPr algn="ctr"/>
+            <a:endParaRPr lang="de-DE"/>
+          </a:p>
+        </p:txBody>
+      </p:sp>
+      <p:sp>
+        <p:nvSpPr>
+          <p:cNvPr id="70" name="Oval 69">
+            <a:extLst>
+              <a:ext uri="{FF2B5EF4-FFF2-40B4-BE49-F238E27FC236}">
+                <a16:creationId xmlns:a16="http://schemas.microsoft.com/office/drawing/2014/main" id="{AB561325-B46C-8E47-A8C9-668BFE6A6976}"/>
+              </a:ext>
+            </a:extLst>
+          </p:cNvPr>
+          <p:cNvSpPr/>
+          <p:nvPr/>
+        </p:nvSpPr>
+        <p:spPr>
+          <a:xfrm>
+            <a:off x="6137387" y="4836601"/>
+            <a:ext cx="111873" cy="101703"/>
+          </a:xfrm>
+          <a:prstGeom prst="ellipse">
+            <a:avLst/>
+          </a:prstGeom>
+          <a:ln w="3175">
+            <a:solidFill>
+              <a:schemeClr val="accent1"/>
+            </a:solidFill>
+          </a:ln>
+        </p:spPr>
+        <p:style>
+          <a:lnRef idx="2">
+            <a:schemeClr val="accent1">
+              <a:shade val="50000"/>
+            </a:schemeClr>
+          </a:lnRef>
+          <a:fillRef idx="1">
+            <a:schemeClr val="accent1"/>
+          </a:fillRef>
+          <a:effectRef idx="0">
+            <a:schemeClr val="accent1"/>
+          </a:effectRef>
+          <a:fontRef idx="minor">
+            <a:schemeClr val="lt1"/>
+          </a:fontRef>
+        </p:style>
+        <p:txBody>
+          <a:bodyPr rtlCol="0" anchor="ctr"/>
+          <a:lstStyle/>
+          <a:p>
+            <a:pPr algn="ctr"/>
+            <a:endParaRPr lang="de-DE"/>
+          </a:p>
+        </p:txBody>
+      </p:sp>
+      <p:sp>
+        <p:nvSpPr>
+          <p:cNvPr id="71" name="Rectangle 70">
+            <a:extLst>
+              <a:ext uri="{FF2B5EF4-FFF2-40B4-BE49-F238E27FC236}">
+                <a16:creationId xmlns:a16="http://schemas.microsoft.com/office/drawing/2014/main" id="{29A5EAAB-8EE9-AE4B-AADF-6E3893BDBD00}"/>
+              </a:ext>
+            </a:extLst>
+          </p:cNvPr>
+          <p:cNvSpPr/>
+          <p:nvPr/>
+        </p:nvSpPr>
+        <p:spPr>
+          <a:xfrm>
+            <a:off x="7108415" y="4564728"/>
+            <a:ext cx="620889" cy="622866"/>
+          </a:xfrm>
+          <a:prstGeom prst="rect">
+            <a:avLst/>
+          </a:prstGeom>
+          <a:noFill/>
+          <a:ln w="3175">
+            <a:solidFill>
+              <a:schemeClr val="accent1"/>
+            </a:solidFill>
+          </a:ln>
+        </p:spPr>
+        <p:style>
+          <a:lnRef idx="2">
+            <a:schemeClr val="accent1">
+              <a:shade val="50000"/>
+            </a:schemeClr>
+          </a:lnRef>
+          <a:fillRef idx="1">
+            <a:schemeClr val="accent1"/>
+          </a:fillRef>
+          <a:effectRef idx="0">
+            <a:schemeClr val="accent1"/>
+          </a:effectRef>
+          <a:fontRef idx="minor">
+            <a:schemeClr val="lt1"/>
+          </a:fontRef>
+        </p:style>
+        <p:txBody>
+          <a:bodyPr rtlCol="0" anchor="ctr"/>
+          <a:lstStyle/>
+          <a:p>
+            <a:pPr algn="ctr"/>
+            <a:endParaRPr lang="en-US"/>
+          </a:p>
+        </p:txBody>
+      </p:sp>
+      <p:sp>
+        <p:nvSpPr>
+          <p:cNvPr id="72" name="Oval 71">
+            <a:extLst>
+              <a:ext uri="{FF2B5EF4-FFF2-40B4-BE49-F238E27FC236}">
+                <a16:creationId xmlns:a16="http://schemas.microsoft.com/office/drawing/2014/main" id="{E30368C8-6B5A-6C49-99E4-80CA4C716B2D}"/>
+              </a:ext>
+            </a:extLst>
+          </p:cNvPr>
+          <p:cNvSpPr/>
+          <p:nvPr/>
+        </p:nvSpPr>
+        <p:spPr>
+          <a:xfrm>
+            <a:off x="7395634" y="4846510"/>
+            <a:ext cx="111873" cy="101703"/>
+          </a:xfrm>
+          <a:prstGeom prst="ellipse">
+            <a:avLst/>
+          </a:prstGeom>
+          <a:ln w="3175">
+            <a:solidFill>
+              <a:schemeClr val="accent1"/>
+            </a:solidFill>
+          </a:ln>
+        </p:spPr>
+        <p:style>
+          <a:lnRef idx="2">
+            <a:schemeClr val="accent1">
+              <a:shade val="50000"/>
+            </a:schemeClr>
+          </a:lnRef>
+          <a:fillRef idx="1">
+            <a:schemeClr val="accent1"/>
+          </a:fillRef>
+          <a:effectRef idx="0">
+            <a:schemeClr val="accent1"/>
+          </a:effectRef>
+          <a:fontRef idx="minor">
+            <a:schemeClr val="lt1"/>
+          </a:fontRef>
+        </p:style>
+        <p:txBody>
+          <a:bodyPr rtlCol="0" anchor="ctr"/>
+          <a:lstStyle/>
+          <a:p>
+            <a:pPr algn="ctr"/>
+            <a:endParaRPr lang="de-DE"/>
+          </a:p>
+        </p:txBody>
+      </p:sp>
+      <p:sp>
+        <p:nvSpPr>
+          <p:cNvPr id="4" name="Rectangle 3">
+            <a:extLst>
+              <a:ext uri="{FF2B5EF4-FFF2-40B4-BE49-F238E27FC236}">
+                <a16:creationId xmlns:a16="http://schemas.microsoft.com/office/drawing/2014/main" id="{BC891B27-A604-284A-B6C8-ABBE46C05EA8}"/>
+              </a:ext>
+            </a:extLst>
+          </p:cNvPr>
+          <p:cNvSpPr/>
+          <p:nvPr/>
+        </p:nvSpPr>
+        <p:spPr>
+          <a:xfrm>
+            <a:off x="5865465" y="3935565"/>
+            <a:ext cx="1871519" cy="1250269"/>
+          </a:xfrm>
+          <a:prstGeom prst="rect">
+            <a:avLst/>
+          </a:prstGeom>
+          <a:solidFill>
+            <a:schemeClr val="accent1">
+              <a:alpha val="46000"/>
+            </a:schemeClr>
+          </a:solidFill>
+        </p:spPr>
+        <p:style>
+          <a:lnRef idx="2">
+            <a:schemeClr val="accent1">
+              <a:shade val="50000"/>
+            </a:schemeClr>
+          </a:lnRef>
+          <a:fillRef idx="1">
+            <a:schemeClr val="accent1"/>
+          </a:fillRef>
+          <a:effectRef idx="0">
+            <a:schemeClr val="accent1"/>
+          </a:effectRef>
+          <a:fontRef idx="minor">
+            <a:schemeClr val="lt1"/>
+          </a:fontRef>
+        </p:style>
+        <p:txBody>
+          <a:bodyPr rtlCol="0" anchor="ctr"/>
+          <a:lstStyle/>
+          <a:p>
+            <a:pPr algn="ctr"/>
+            <a:endParaRPr lang="de-DE" dirty="0"/>
+          </a:p>
+        </p:txBody>
+      </p:sp>
+      <p:sp>
+        <p:nvSpPr>
+          <p:cNvPr id="14" name="Oval 13">
+            <a:extLst>
+              <a:ext uri="{FF2B5EF4-FFF2-40B4-BE49-F238E27FC236}">
+                <a16:creationId xmlns:a16="http://schemas.microsoft.com/office/drawing/2014/main" id="{1EFBBFBF-1AB9-90C2-ADA6-827A74E37748}"/>
+              </a:ext>
+            </a:extLst>
+          </p:cNvPr>
+          <p:cNvSpPr/>
+          <p:nvPr/>
+        </p:nvSpPr>
+        <p:spPr>
+          <a:xfrm>
+            <a:off x="3137555" y="3674974"/>
+            <a:ext cx="111873" cy="101703"/>
+          </a:xfrm>
+          <a:prstGeom prst="ellipse">
+            <a:avLst/>
+          </a:prstGeom>
+          <a:solidFill>
+            <a:srgbClr val="FFFF00"/>
+          </a:solidFill>
+        </p:spPr>
+        <p:style>
+          <a:lnRef idx="2">
+            <a:schemeClr val="accent1">
+              <a:shade val="50000"/>
+            </a:schemeClr>
+          </a:lnRef>
+          <a:fillRef idx="1">
+            <a:schemeClr val="accent1"/>
+          </a:fillRef>
+          <a:effectRef idx="0">
+            <a:schemeClr val="accent1"/>
+          </a:effectRef>
+          <a:fontRef idx="minor">
+            <a:schemeClr val="lt1"/>
+          </a:fontRef>
+        </p:style>
+        <p:txBody>
+          <a:bodyPr rtlCol="0" anchor="ctr"/>
+          <a:lstStyle/>
+          <a:p>
+            <a:pPr algn="ctr"/>
+            <a:endParaRPr lang="de-DE"/>
+          </a:p>
+        </p:txBody>
+      </p:sp>
+    </p:spTree>
+    <p:extLst>
+      <p:ext uri="{BB962C8B-B14F-4D97-AF65-F5344CB8AC3E}">
+        <p14:creationId xmlns:p14="http://schemas.microsoft.com/office/powerpoint/2010/main" val="3647780881"/>
+      </p:ext>
+    </p:extLst>
+  </p:cSld>
+  <p:clrMapOvr>
+    <a:masterClrMapping/>
+  </p:clrMapOvr>
+</p:sld>
+</file>
+
+<file path=ppt/slides/slide2.xml><?xml version="1.0" encoding="utf-8"?>
+<p:sld xmlns:a="http://schemas.openxmlformats.org/drawingml/2006/main" xmlns:r="http://schemas.openxmlformats.org/officeDocument/2006/relationships" xmlns:p="http://schemas.openxmlformats.org/presentationml/2006/main">
+  <p:cSld>
+    <p:spTree>
+      <p:nvGrpSpPr>
+        <p:cNvPr id="1" name=""/>
+        <p:cNvGrpSpPr/>
+        <p:nvPr/>
+      </p:nvGrpSpPr>
+      <p:grpSpPr>
+        <a:xfrm>
+          <a:off x="0" y="0"/>
+          <a:ext cx="0" cy="0"/>
+          <a:chOff x="0" y="0"/>
+          <a:chExt cx="0" cy="0"/>
+        </a:xfrm>
+      </p:grpSpPr>
       <p:sp>
         <p:nvSpPr>
           <p:cNvPr id="8" name="Rectangle 7"/>
@@ -4111,2096 +6181,6 @@
         </p:blipFill>
         <p:spPr>
           <a:xfrm>
-            <a:off x="3162603" y="2805885"/>
-            <a:ext cx="1505044" cy="1403230"/>
-          </a:xfrm>
-          <a:prstGeom prst="rect">
-            <a:avLst/>
-          </a:prstGeom>
-        </p:spPr>
-      </p:pic>
-      <p:cxnSp>
-        <p:nvCxnSpPr>
-          <p:cNvPr id="17" name="Straight Arrow Connector 16">
-            <a:extLst>
-              <a:ext uri="{FF2B5EF4-FFF2-40B4-BE49-F238E27FC236}">
-                <a16:creationId xmlns:a16="http://schemas.microsoft.com/office/drawing/2014/main" id="{41669CEC-161B-CC4F-BF1C-7A07D489D1E7}"/>
-              </a:ext>
-            </a:extLst>
-          </p:cNvPr>
-          <p:cNvCxnSpPr>
-            <a:cxnSpLocks/>
-            <a:stCxn id="34" idx="2"/>
-          </p:cNvCxnSpPr>
-          <p:nvPr/>
-        </p:nvCxnSpPr>
-        <p:spPr>
-          <a:xfrm>
-            <a:off x="3086356" y="2457944"/>
-            <a:ext cx="704913" cy="981381"/>
-          </a:xfrm>
-          <a:prstGeom prst="straightConnector1">
-            <a:avLst/>
-          </a:prstGeom>
-          <a:ln w="25400">
-            <a:solidFill>
-              <a:schemeClr val="accent1"/>
-            </a:solidFill>
-            <a:tailEnd type="triangle"/>
-          </a:ln>
-        </p:spPr>
-        <p:style>
-          <a:lnRef idx="1">
-            <a:schemeClr val="accent1"/>
-          </a:lnRef>
-          <a:fillRef idx="0">
-            <a:schemeClr val="accent1"/>
-          </a:fillRef>
-          <a:effectRef idx="0">
-            <a:schemeClr val="accent1"/>
-          </a:effectRef>
-          <a:fontRef idx="minor">
-            <a:schemeClr val="tx1"/>
-          </a:fontRef>
-        </p:style>
-      </p:cxnSp>
-      <mc:AlternateContent xmlns:mc="http://schemas.openxmlformats.org/markup-compatibility/2006">
-        <mc:Choice xmlns:a14="http://schemas.microsoft.com/office/drawing/2010/main" Requires="a14">
-          <p:sp>
-            <p:nvSpPr>
-              <p:cNvPr id="34" name="TextBox 33">
-                <a:extLst>
-                  <a:ext uri="{FF2B5EF4-FFF2-40B4-BE49-F238E27FC236}">
-                    <a16:creationId xmlns:a16="http://schemas.microsoft.com/office/drawing/2014/main" id="{88460B12-1FCE-8843-9F16-F58CFB2F4128}"/>
-                  </a:ext>
-                </a:extLst>
-              </p:cNvPr>
-              <p:cNvSpPr txBox="1"/>
-              <p:nvPr/>
-            </p:nvSpPr>
-            <p:spPr>
-              <a:xfrm>
-                <a:off x="1351490" y="1811613"/>
-                <a:ext cx="3469731" cy="646331"/>
-              </a:xfrm>
-              <a:prstGeom prst="rect">
-                <a:avLst/>
-              </a:prstGeom>
-              <a:noFill/>
-            </p:spPr>
-            <p:txBody>
-              <a:bodyPr wrap="none" rtlCol="0">
-                <a:spAutoFit/>
-              </a:bodyPr>
-              <a:lstStyle/>
-              <a:p>
-                <a:pPr/>
-                <a14:m>
-                  <m:oMathPara xmlns:m="http://schemas.openxmlformats.org/officeDocument/2006/math">
-                    <m:oMathParaPr>
-                      <m:jc m:val="centerGroup"/>
-                    </m:oMathParaPr>
-                    <m:oMath xmlns:m="http://schemas.openxmlformats.org/officeDocument/2006/math">
-                      <m:r>
-                        <a:rPr lang="en-US" b="0" i="1" smtClean="0">
-                          <a:latin typeface="Cambria Math" panose="02040503050406030204" pitchFamily="18" charset="0"/>
-                        </a:rPr>
-                        <m:t>𝑥</m:t>
-                      </m:r>
-                      <m:r>
-                        <a:rPr lang="en-US" i="1" smtClean="0">
-                          <a:latin typeface="Cambria Math" panose="02040503050406030204" pitchFamily="18" charset="0"/>
-                        </a:rPr>
-                        <m:t>=</m:t>
-                      </m:r>
-                      <m:r>
-                        <a:rPr lang="en-US" b="0" i="1" smtClean="0">
-                          <a:solidFill>
-                            <a:schemeClr val="accent1"/>
-                          </a:solidFill>
-                          <a:latin typeface="Cambria Math" panose="02040503050406030204" pitchFamily="18" charset="0"/>
-                        </a:rPr>
-                        <m:t>139</m:t>
-                      </m:r>
-                      <m:r>
-                        <a:rPr lang="en-US" b="0" i="1" smtClean="0">
-                          <a:latin typeface="Cambria Math" panose="02040503050406030204" pitchFamily="18" charset="0"/>
-                        </a:rPr>
-                        <m:t> ∗ </m:t>
-                      </m:r>
-                      <m:r>
-                        <a:rPr lang="en-US" b="0" i="1" smtClean="0">
-                          <a:solidFill>
-                            <a:schemeClr val="accent6"/>
-                          </a:solidFill>
-                          <a:latin typeface="Cambria Math" panose="02040503050406030204" pitchFamily="18" charset="0"/>
-                        </a:rPr>
-                        <m:t>0.13 µ</m:t>
-                      </m:r>
-                      <m:r>
-                        <a:rPr lang="en-US" b="0" i="1" smtClean="0">
-                          <a:solidFill>
-                            <a:schemeClr val="accent6"/>
-                          </a:solidFill>
-                          <a:latin typeface="Cambria Math" panose="02040503050406030204" pitchFamily="18" charset="0"/>
-                        </a:rPr>
-                        <m:t>𝑚</m:t>
-                      </m:r>
-                      <m:r>
-                        <a:rPr lang="en-US" b="0" i="1" smtClean="0">
-                          <a:latin typeface="Cambria Math" panose="02040503050406030204" pitchFamily="18" charset="0"/>
-                        </a:rPr>
-                        <m:t>=18.07 µ</m:t>
-                      </m:r>
-                      <m:r>
-                        <a:rPr lang="en-US" b="0" i="1" smtClean="0">
-                          <a:latin typeface="Cambria Math" panose="02040503050406030204" pitchFamily="18" charset="0"/>
-                        </a:rPr>
-                        <m:t>𝑚</m:t>
-                      </m:r>
-                      <m:r>
-                        <a:rPr lang="en-US" b="0" i="1" smtClean="0">
-                          <a:latin typeface="Cambria Math" panose="02040503050406030204" pitchFamily="18" charset="0"/>
-                        </a:rPr>
-                        <m:t> </m:t>
-                      </m:r>
-                    </m:oMath>
-                  </m:oMathPara>
-                </a14:m>
-                <a:endParaRPr lang="en-US" b="0" dirty="0"/>
-              </a:p>
-              <a:p>
-                <a:pPr/>
-                <a14:m>
-                  <m:oMathPara xmlns:m="http://schemas.openxmlformats.org/officeDocument/2006/math">
-                    <m:oMathParaPr>
-                      <m:jc m:val="centerGroup"/>
-                    </m:oMathParaPr>
-                    <m:oMath xmlns:m="http://schemas.openxmlformats.org/officeDocument/2006/math">
-                      <m:r>
-                        <a:rPr lang="en-US" b="0" i="1" smtClean="0">
-                          <a:latin typeface="Cambria Math" panose="02040503050406030204" pitchFamily="18" charset="0"/>
-                        </a:rPr>
-                        <m:t>𝑦</m:t>
-                      </m:r>
-                      <m:r>
-                        <a:rPr lang="en-US" i="1">
-                          <a:latin typeface="Cambria Math" panose="02040503050406030204" pitchFamily="18" charset="0"/>
-                        </a:rPr>
-                        <m:t>=</m:t>
-                      </m:r>
-                      <m:r>
-                        <a:rPr lang="en-US" b="0" i="1" smtClean="0">
-                          <a:solidFill>
-                            <a:schemeClr val="accent1"/>
-                          </a:solidFill>
-                          <a:latin typeface="Cambria Math" panose="02040503050406030204" pitchFamily="18" charset="0"/>
-                        </a:rPr>
-                        <m:t>50</m:t>
-                      </m:r>
-                      <m:r>
-                        <a:rPr lang="en-US" i="1">
-                          <a:latin typeface="Cambria Math" panose="02040503050406030204" pitchFamily="18" charset="0"/>
-                        </a:rPr>
-                        <m:t> ∗ </m:t>
-                      </m:r>
-                      <m:r>
-                        <a:rPr lang="en-US" i="1" smtClean="0">
-                          <a:solidFill>
-                            <a:schemeClr val="accent6"/>
-                          </a:solidFill>
-                          <a:latin typeface="Cambria Math" panose="02040503050406030204" pitchFamily="18" charset="0"/>
-                        </a:rPr>
-                        <m:t>0.13 µ</m:t>
-                      </m:r>
-                      <m:r>
-                        <a:rPr lang="en-US" i="1" smtClean="0">
-                          <a:solidFill>
-                            <a:schemeClr val="accent6"/>
-                          </a:solidFill>
-                          <a:latin typeface="Cambria Math" panose="02040503050406030204" pitchFamily="18" charset="0"/>
-                        </a:rPr>
-                        <m:t>𝑚</m:t>
-                      </m:r>
-                      <m:r>
-                        <a:rPr lang="en-US" i="1">
-                          <a:latin typeface="Cambria Math" panose="02040503050406030204" pitchFamily="18" charset="0"/>
-                        </a:rPr>
-                        <m:t>=6.5 µ</m:t>
-                      </m:r>
-                      <m:r>
-                        <a:rPr lang="en-US" i="1">
-                          <a:latin typeface="Cambria Math" panose="02040503050406030204" pitchFamily="18" charset="0"/>
-                        </a:rPr>
-                        <m:t>𝑚</m:t>
-                      </m:r>
-                      <m:r>
-                        <a:rPr lang="en-US" i="1">
-                          <a:latin typeface="Cambria Math" panose="02040503050406030204" pitchFamily="18" charset="0"/>
-                        </a:rPr>
-                        <m:t> </m:t>
-                      </m:r>
-                    </m:oMath>
-                  </m:oMathPara>
-                </a14:m>
-                <a:endParaRPr lang="en-US" dirty="0"/>
-              </a:p>
-            </p:txBody>
-          </p:sp>
-        </mc:Choice>
-        <mc:Fallback>
-          <p:sp>
-            <p:nvSpPr>
-              <p:cNvPr id="34" name="TextBox 33">
-                <a:extLst>
-                  <a:ext uri="{FF2B5EF4-FFF2-40B4-BE49-F238E27FC236}">
-                    <a16:creationId xmlns:a16="http://schemas.microsoft.com/office/drawing/2014/main" id="{88460B12-1FCE-8843-9F16-F58CFB2F4128}"/>
-                  </a:ext>
-                </a:extLst>
-              </p:cNvPr>
-              <p:cNvSpPr txBox="1">
-                <a:spLocks noRot="1" noChangeAspect="1" noMove="1" noResize="1" noEditPoints="1" noAdjustHandles="1" noChangeArrowheads="1" noChangeShapeType="1" noTextEdit="1"/>
-              </p:cNvSpPr>
-              <p:nvPr/>
-            </p:nvSpPr>
-            <p:spPr>
-              <a:xfrm>
-                <a:off x="1351490" y="1811613"/>
-                <a:ext cx="3469731" cy="646331"/>
-              </a:xfrm>
-              <a:prstGeom prst="rect">
-                <a:avLst/>
-              </a:prstGeom>
-              <a:blipFill>
-                <a:blip r:embed="rId6"/>
-                <a:stretch>
-                  <a:fillRect b="-9615"/>
-                </a:stretch>
-              </a:blipFill>
-            </p:spPr>
-            <p:txBody>
-              <a:bodyPr/>
-              <a:lstStyle/>
-              <a:p>
-                <a:r>
-                  <a:rPr lang="en-DE">
-                    <a:noFill/>
-                  </a:rPr>
-                  <a:t> </a:t>
-                </a:r>
-              </a:p>
-            </p:txBody>
-          </p:sp>
-        </mc:Fallback>
-      </mc:AlternateContent>
-      <p:sp>
-        <p:nvSpPr>
-          <p:cNvPr id="21" name="Rectangle 20">
-            <a:extLst>
-              <a:ext uri="{FF2B5EF4-FFF2-40B4-BE49-F238E27FC236}">
-                <a16:creationId xmlns:a16="http://schemas.microsoft.com/office/drawing/2014/main" id="{AFDC82EB-CA73-C543-82FD-EED622F9E2F9}"/>
-              </a:ext>
-            </a:extLst>
-          </p:cNvPr>
-          <p:cNvSpPr/>
-          <p:nvPr/>
-        </p:nvSpPr>
-        <p:spPr>
-          <a:xfrm>
-            <a:off x="2663923" y="3364375"/>
-            <a:ext cx="290955" cy="290330"/>
-          </a:xfrm>
-          <a:prstGeom prst="rect">
-            <a:avLst/>
-          </a:prstGeom>
-          <a:noFill/>
-          <a:ln w="25400">
-            <a:solidFill>
-              <a:schemeClr val="accent1"/>
-            </a:solidFill>
-            <a:prstDash val="sysDash"/>
-          </a:ln>
-        </p:spPr>
-        <p:style>
-          <a:lnRef idx="2">
-            <a:schemeClr val="accent1">
-              <a:shade val="50000"/>
-            </a:schemeClr>
-          </a:lnRef>
-          <a:fillRef idx="1">
-            <a:schemeClr val="accent1"/>
-          </a:fillRef>
-          <a:effectRef idx="0">
-            <a:schemeClr val="accent1"/>
-          </a:effectRef>
-          <a:fontRef idx="minor">
-            <a:schemeClr val="lt1"/>
-          </a:fontRef>
-        </p:style>
-        <p:txBody>
-          <a:bodyPr rtlCol="0" anchor="ctr"/>
-          <a:lstStyle/>
-          <a:p>
-            <a:pPr algn="ctr"/>
-            <a:endParaRPr lang="de-DE" dirty="0"/>
-          </a:p>
-        </p:txBody>
-      </p:sp>
-      <p:sp>
-        <p:nvSpPr>
-          <p:cNvPr id="37" name="TextBox 36">
-            <a:extLst>
-              <a:ext uri="{FF2B5EF4-FFF2-40B4-BE49-F238E27FC236}">
-                <a16:creationId xmlns:a16="http://schemas.microsoft.com/office/drawing/2014/main" id="{57BC08D2-26A8-3E40-BB59-5C2B6734CB97}"/>
-              </a:ext>
-            </a:extLst>
-          </p:cNvPr>
-          <p:cNvSpPr txBox="1"/>
-          <p:nvPr/>
-        </p:nvSpPr>
-        <p:spPr>
-          <a:xfrm>
-            <a:off x="858339" y="1404350"/>
-            <a:ext cx="3881127" cy="369332"/>
-          </a:xfrm>
-          <a:prstGeom prst="rect">
-            <a:avLst/>
-          </a:prstGeom>
-          <a:noFill/>
-        </p:spPr>
-        <p:txBody>
-          <a:bodyPr wrap="none" rtlCol="0">
-            <a:spAutoFit/>
-          </a:bodyPr>
-          <a:lstStyle/>
-          <a:p>
-            <a:r>
-              <a:rPr lang="en-US" dirty="0">
-                <a:solidFill>
-                  <a:schemeClr val="accent1"/>
-                </a:solidFill>
-              </a:rPr>
-              <a:t>Index</a:t>
-            </a:r>
-            <a:r>
-              <a:rPr lang="en-US" dirty="0"/>
-              <a:t> * </a:t>
-            </a:r>
-            <a:r>
-              <a:rPr lang="en-US" dirty="0">
-                <a:solidFill>
-                  <a:schemeClr val="accent6"/>
-                </a:solidFill>
-              </a:rPr>
-              <a:t>Spacing</a:t>
-            </a:r>
-            <a:r>
-              <a:rPr lang="en-US" dirty="0"/>
-              <a:t> = Calibrated coordinate</a:t>
-            </a:r>
-          </a:p>
-        </p:txBody>
-      </p:sp>
-      <p:sp>
-        <p:nvSpPr>
-          <p:cNvPr id="31" name="Oval 30">
-            <a:extLst>
-              <a:ext uri="{FF2B5EF4-FFF2-40B4-BE49-F238E27FC236}">
-                <a16:creationId xmlns:a16="http://schemas.microsoft.com/office/drawing/2014/main" id="{E3A2E411-C08A-4640-A448-A379E17AFA64}"/>
-              </a:ext>
-            </a:extLst>
-          </p:cNvPr>
-          <p:cNvSpPr/>
-          <p:nvPr/>
-        </p:nvSpPr>
-        <p:spPr>
-          <a:xfrm>
-            <a:off x="-2517887" y="2638463"/>
-            <a:ext cx="111873" cy="101703"/>
-          </a:xfrm>
-          <a:prstGeom prst="ellipse">
-            <a:avLst/>
-          </a:prstGeom>
-        </p:spPr>
-        <p:style>
-          <a:lnRef idx="2">
-            <a:schemeClr val="accent1">
-              <a:shade val="50000"/>
-            </a:schemeClr>
-          </a:lnRef>
-          <a:fillRef idx="1">
-            <a:schemeClr val="accent1"/>
-          </a:fillRef>
-          <a:effectRef idx="0">
-            <a:schemeClr val="accent1"/>
-          </a:effectRef>
-          <a:fontRef idx="minor">
-            <a:schemeClr val="lt1"/>
-          </a:fontRef>
-        </p:style>
-        <p:txBody>
-          <a:bodyPr rtlCol="0" anchor="ctr"/>
-          <a:lstStyle/>
-          <a:p>
-            <a:pPr algn="ctr"/>
-            <a:endParaRPr lang="de-DE"/>
-          </a:p>
-        </p:txBody>
-      </p:sp>
-      <p:sp>
-        <p:nvSpPr>
-          <p:cNvPr id="39" name="TextBox 38">
-            <a:extLst>
-              <a:ext uri="{FF2B5EF4-FFF2-40B4-BE49-F238E27FC236}">
-                <a16:creationId xmlns:a16="http://schemas.microsoft.com/office/drawing/2014/main" id="{D9D7C7E3-9AFF-044D-943D-8BBF70434797}"/>
-              </a:ext>
-            </a:extLst>
-          </p:cNvPr>
-          <p:cNvSpPr txBox="1"/>
-          <p:nvPr/>
-        </p:nvSpPr>
-        <p:spPr>
-          <a:xfrm>
-            <a:off x="-2949467" y="2280114"/>
-            <a:ext cx="1239442" cy="369332"/>
-          </a:xfrm>
-          <a:prstGeom prst="rect">
-            <a:avLst/>
-          </a:prstGeom>
-          <a:noFill/>
-        </p:spPr>
-        <p:txBody>
-          <a:bodyPr wrap="none" rtlCol="0">
-            <a:spAutoFit/>
-          </a:bodyPr>
-          <a:lstStyle/>
-          <a:p>
-            <a:r>
-              <a:rPr lang="en-US" dirty="0"/>
-              <a:t>Origin (0,0)</a:t>
-            </a:r>
-          </a:p>
-        </p:txBody>
-      </p:sp>
-      <p:sp>
-        <p:nvSpPr>
-          <p:cNvPr id="42" name="Rectangle 41">
-            <a:extLst>
-              <a:ext uri="{FF2B5EF4-FFF2-40B4-BE49-F238E27FC236}">
-                <a16:creationId xmlns:a16="http://schemas.microsoft.com/office/drawing/2014/main" id="{48CAE13C-FD22-8641-BB7E-A6BF7D608096}"/>
-              </a:ext>
-            </a:extLst>
-          </p:cNvPr>
-          <p:cNvSpPr/>
-          <p:nvPr/>
-        </p:nvSpPr>
-        <p:spPr>
-          <a:xfrm>
-            <a:off x="6826589" y="1960909"/>
-            <a:ext cx="620889" cy="622866"/>
-          </a:xfrm>
-          <a:prstGeom prst="rect">
-            <a:avLst/>
-          </a:prstGeom>
-          <a:noFill/>
-          <a:ln w="3175">
-            <a:solidFill>
-              <a:schemeClr val="accent1"/>
-            </a:solidFill>
-          </a:ln>
-        </p:spPr>
-        <p:style>
-          <a:lnRef idx="2">
-            <a:schemeClr val="accent1">
-              <a:shade val="50000"/>
-            </a:schemeClr>
-          </a:lnRef>
-          <a:fillRef idx="1">
-            <a:schemeClr val="accent1"/>
-          </a:fillRef>
-          <a:effectRef idx="0">
-            <a:schemeClr val="accent1"/>
-          </a:effectRef>
-          <a:fontRef idx="minor">
-            <a:schemeClr val="lt1"/>
-          </a:fontRef>
-        </p:style>
-        <p:txBody>
-          <a:bodyPr rtlCol="0" anchor="ctr"/>
-          <a:lstStyle/>
-          <a:p>
-            <a:pPr algn="ctr"/>
-            <a:endParaRPr lang="en-US"/>
-          </a:p>
-        </p:txBody>
-      </p:sp>
-      <p:sp>
-        <p:nvSpPr>
-          <p:cNvPr id="43" name="Oval 42">
-            <a:extLst>
-              <a:ext uri="{FF2B5EF4-FFF2-40B4-BE49-F238E27FC236}">
-                <a16:creationId xmlns:a16="http://schemas.microsoft.com/office/drawing/2014/main" id="{763DAF5C-7ECF-B34A-97E7-9E836119DF9B}"/>
-              </a:ext>
-            </a:extLst>
-          </p:cNvPr>
-          <p:cNvSpPr/>
-          <p:nvPr/>
-        </p:nvSpPr>
-        <p:spPr>
-          <a:xfrm>
-            <a:off x="7101933" y="2234770"/>
-            <a:ext cx="111873" cy="101703"/>
-          </a:xfrm>
-          <a:prstGeom prst="ellipse">
-            <a:avLst/>
-          </a:prstGeom>
-          <a:ln w="3175">
-            <a:solidFill>
-              <a:schemeClr val="accent1"/>
-            </a:solidFill>
-          </a:ln>
-        </p:spPr>
-        <p:style>
-          <a:lnRef idx="2">
-            <a:schemeClr val="accent1">
-              <a:shade val="50000"/>
-            </a:schemeClr>
-          </a:lnRef>
-          <a:fillRef idx="1">
-            <a:schemeClr val="accent1"/>
-          </a:fillRef>
-          <a:effectRef idx="0">
-            <a:schemeClr val="accent1"/>
-          </a:effectRef>
-          <a:fontRef idx="minor">
-            <a:schemeClr val="lt1"/>
-          </a:fontRef>
-        </p:style>
-        <p:txBody>
-          <a:bodyPr rtlCol="0" anchor="ctr"/>
-          <a:lstStyle/>
-          <a:p>
-            <a:pPr algn="ctr"/>
-            <a:endParaRPr lang="de-DE"/>
-          </a:p>
-        </p:txBody>
-      </p:sp>
-      <p:sp>
-        <p:nvSpPr>
-          <p:cNvPr id="45" name="Oval 44">
-            <a:extLst>
-              <a:ext uri="{FF2B5EF4-FFF2-40B4-BE49-F238E27FC236}">
-                <a16:creationId xmlns:a16="http://schemas.microsoft.com/office/drawing/2014/main" id="{DB55D443-BA25-3B41-8ECF-9D3D2191A651}"/>
-              </a:ext>
-            </a:extLst>
-          </p:cNvPr>
-          <p:cNvSpPr/>
-          <p:nvPr/>
-        </p:nvSpPr>
-        <p:spPr>
-          <a:xfrm>
-            <a:off x="6482976" y="2234759"/>
-            <a:ext cx="111873" cy="101703"/>
-          </a:xfrm>
-          <a:prstGeom prst="ellipse">
-            <a:avLst/>
-          </a:prstGeom>
-          <a:ln w="3175">
-            <a:solidFill>
-              <a:schemeClr val="accent1"/>
-            </a:solidFill>
-          </a:ln>
-        </p:spPr>
-        <p:style>
-          <a:lnRef idx="2">
-            <a:schemeClr val="accent1">
-              <a:shade val="50000"/>
-            </a:schemeClr>
-          </a:lnRef>
-          <a:fillRef idx="1">
-            <a:schemeClr val="accent1"/>
-          </a:fillRef>
-          <a:effectRef idx="0">
-            <a:schemeClr val="accent1"/>
-          </a:effectRef>
-          <a:fontRef idx="minor">
-            <a:schemeClr val="lt1"/>
-          </a:fontRef>
-        </p:style>
-        <p:txBody>
-          <a:bodyPr rtlCol="0" anchor="ctr"/>
-          <a:lstStyle/>
-          <a:p>
-            <a:pPr algn="ctr"/>
-            <a:endParaRPr lang="de-DE"/>
-          </a:p>
-        </p:txBody>
-      </p:sp>
-      <p:sp>
-        <p:nvSpPr>
-          <p:cNvPr id="46" name="Rectangle 45">
-            <a:extLst>
-              <a:ext uri="{FF2B5EF4-FFF2-40B4-BE49-F238E27FC236}">
-                <a16:creationId xmlns:a16="http://schemas.microsoft.com/office/drawing/2014/main" id="{09A6809A-D551-5345-9BBC-119DE5EAD72E}"/>
-              </a:ext>
-            </a:extLst>
-          </p:cNvPr>
-          <p:cNvSpPr/>
-          <p:nvPr/>
-        </p:nvSpPr>
-        <p:spPr>
-          <a:xfrm>
-            <a:off x="6208378" y="2588470"/>
-            <a:ext cx="620889" cy="620889"/>
-          </a:xfrm>
-          <a:prstGeom prst="rect">
-            <a:avLst/>
-          </a:prstGeom>
-          <a:noFill/>
-          <a:ln w="3175">
-            <a:solidFill>
-              <a:schemeClr val="accent1"/>
-            </a:solidFill>
-          </a:ln>
-        </p:spPr>
-        <p:style>
-          <a:lnRef idx="2">
-            <a:schemeClr val="accent1">
-              <a:shade val="50000"/>
-            </a:schemeClr>
-          </a:lnRef>
-          <a:fillRef idx="1">
-            <a:schemeClr val="accent1"/>
-          </a:fillRef>
-          <a:effectRef idx="0">
-            <a:schemeClr val="accent1"/>
-          </a:effectRef>
-          <a:fontRef idx="minor">
-            <a:schemeClr val="lt1"/>
-          </a:fontRef>
-        </p:style>
-        <p:txBody>
-          <a:bodyPr rtlCol="0" anchor="ctr"/>
-          <a:lstStyle/>
-          <a:p>
-            <a:pPr algn="ctr"/>
-            <a:endParaRPr lang="en-US"/>
-          </a:p>
-        </p:txBody>
-      </p:sp>
-      <p:sp>
-        <p:nvSpPr>
-          <p:cNvPr id="47" name="Rectangle 46">
-            <a:extLst>
-              <a:ext uri="{FF2B5EF4-FFF2-40B4-BE49-F238E27FC236}">
-                <a16:creationId xmlns:a16="http://schemas.microsoft.com/office/drawing/2014/main" id="{8251601A-B4CA-6042-9B18-2DFAF6CAC19C}"/>
-              </a:ext>
-            </a:extLst>
-          </p:cNvPr>
-          <p:cNvSpPr/>
-          <p:nvPr/>
-        </p:nvSpPr>
-        <p:spPr>
-          <a:xfrm>
-            <a:off x="6823181" y="2585752"/>
-            <a:ext cx="620889" cy="620889"/>
-          </a:xfrm>
-          <a:prstGeom prst="rect">
-            <a:avLst/>
-          </a:prstGeom>
-          <a:noFill/>
-          <a:ln w="3175">
-            <a:solidFill>
-              <a:schemeClr val="accent1"/>
-            </a:solidFill>
-          </a:ln>
-        </p:spPr>
-        <p:style>
-          <a:lnRef idx="2">
-            <a:schemeClr val="accent1">
-              <a:shade val="50000"/>
-            </a:schemeClr>
-          </a:lnRef>
-          <a:fillRef idx="1">
-            <a:schemeClr val="accent1"/>
-          </a:fillRef>
-          <a:effectRef idx="0">
-            <a:schemeClr val="accent1"/>
-          </a:effectRef>
-          <a:fontRef idx="minor">
-            <a:schemeClr val="lt1"/>
-          </a:fontRef>
-        </p:style>
-        <p:txBody>
-          <a:bodyPr rtlCol="0" anchor="ctr"/>
-          <a:lstStyle/>
-          <a:p>
-            <a:pPr algn="ctr"/>
-            <a:endParaRPr lang="en-US"/>
-          </a:p>
-        </p:txBody>
-      </p:sp>
-      <p:sp>
-        <p:nvSpPr>
-          <p:cNvPr id="50" name="Oval 49">
-            <a:extLst>
-              <a:ext uri="{FF2B5EF4-FFF2-40B4-BE49-F238E27FC236}">
-                <a16:creationId xmlns:a16="http://schemas.microsoft.com/office/drawing/2014/main" id="{9D45AA71-7147-1B43-B41A-C848DA37A75F}"/>
-              </a:ext>
-            </a:extLst>
-          </p:cNvPr>
-          <p:cNvSpPr/>
-          <p:nvPr/>
-        </p:nvSpPr>
-        <p:spPr>
-          <a:xfrm>
-            <a:off x="7100849" y="2839199"/>
-            <a:ext cx="111873" cy="101703"/>
-          </a:xfrm>
-          <a:prstGeom prst="ellipse">
-            <a:avLst/>
-          </a:prstGeom>
-          <a:ln w="3175">
-            <a:solidFill>
-              <a:schemeClr val="accent1"/>
-            </a:solidFill>
-          </a:ln>
-        </p:spPr>
-        <p:style>
-          <a:lnRef idx="2">
-            <a:schemeClr val="accent1">
-              <a:shade val="50000"/>
-            </a:schemeClr>
-          </a:lnRef>
-          <a:fillRef idx="1">
-            <a:schemeClr val="accent1"/>
-          </a:fillRef>
-          <a:effectRef idx="0">
-            <a:schemeClr val="accent1"/>
-          </a:effectRef>
-          <a:fontRef idx="minor">
-            <a:schemeClr val="lt1"/>
-          </a:fontRef>
-        </p:style>
-        <p:txBody>
-          <a:bodyPr rtlCol="0" anchor="ctr"/>
-          <a:lstStyle/>
-          <a:p>
-            <a:pPr algn="ctr"/>
-            <a:endParaRPr lang="de-DE"/>
-          </a:p>
-        </p:txBody>
-      </p:sp>
-      <p:sp>
-        <p:nvSpPr>
-          <p:cNvPr id="51" name="Oval 50">
-            <a:extLst>
-              <a:ext uri="{FF2B5EF4-FFF2-40B4-BE49-F238E27FC236}">
-                <a16:creationId xmlns:a16="http://schemas.microsoft.com/office/drawing/2014/main" id="{4A519C81-4020-E544-9591-F0E7C7387DE0}"/>
-              </a:ext>
-            </a:extLst>
-          </p:cNvPr>
-          <p:cNvSpPr/>
-          <p:nvPr/>
-        </p:nvSpPr>
-        <p:spPr>
-          <a:xfrm>
-            <a:off x="6482975" y="2851729"/>
-            <a:ext cx="111873" cy="101703"/>
-          </a:xfrm>
-          <a:prstGeom prst="ellipse">
-            <a:avLst/>
-          </a:prstGeom>
-          <a:ln w="3175">
-            <a:solidFill>
-              <a:schemeClr val="accent1"/>
-            </a:solidFill>
-          </a:ln>
-        </p:spPr>
-        <p:style>
-          <a:lnRef idx="2">
-            <a:schemeClr val="accent1">
-              <a:shade val="50000"/>
-            </a:schemeClr>
-          </a:lnRef>
-          <a:fillRef idx="1">
-            <a:schemeClr val="accent1"/>
-          </a:fillRef>
-          <a:effectRef idx="0">
-            <a:schemeClr val="accent1"/>
-          </a:effectRef>
-          <a:fontRef idx="minor">
-            <a:schemeClr val="lt1"/>
-          </a:fontRef>
-        </p:style>
-        <p:txBody>
-          <a:bodyPr rtlCol="0" anchor="ctr"/>
-          <a:lstStyle/>
-          <a:p>
-            <a:pPr algn="ctr"/>
-            <a:endParaRPr lang="de-DE"/>
-          </a:p>
-        </p:txBody>
-      </p:sp>
-      <p:sp>
-        <p:nvSpPr>
-          <p:cNvPr id="53" name="Oval 52">
-            <a:extLst>
-              <a:ext uri="{FF2B5EF4-FFF2-40B4-BE49-F238E27FC236}">
-                <a16:creationId xmlns:a16="http://schemas.microsoft.com/office/drawing/2014/main" id="{5751660E-140E-0145-851A-CAF8945C4609}"/>
-              </a:ext>
-            </a:extLst>
-          </p:cNvPr>
-          <p:cNvSpPr/>
-          <p:nvPr/>
-        </p:nvSpPr>
-        <p:spPr>
-          <a:xfrm>
-            <a:off x="1206053" y="2886469"/>
-            <a:ext cx="111873" cy="101703"/>
-          </a:xfrm>
-          <a:prstGeom prst="ellipse">
-            <a:avLst/>
-          </a:prstGeom>
-        </p:spPr>
-        <p:style>
-          <a:lnRef idx="2">
-            <a:schemeClr val="accent1">
-              <a:shade val="50000"/>
-            </a:schemeClr>
-          </a:lnRef>
-          <a:fillRef idx="1">
-            <a:schemeClr val="accent1"/>
-          </a:fillRef>
-          <a:effectRef idx="0">
-            <a:schemeClr val="accent1"/>
-          </a:effectRef>
-          <a:fontRef idx="minor">
-            <a:schemeClr val="lt1"/>
-          </a:fontRef>
-        </p:style>
-        <p:txBody>
-          <a:bodyPr rtlCol="0" anchor="ctr"/>
-          <a:lstStyle/>
-          <a:p>
-            <a:pPr algn="ctr"/>
-            <a:endParaRPr lang="de-DE"/>
-          </a:p>
-        </p:txBody>
-      </p:sp>
-      <p:sp>
-        <p:nvSpPr>
-          <p:cNvPr id="54" name="TextBox 53">
-            <a:extLst>
-              <a:ext uri="{FF2B5EF4-FFF2-40B4-BE49-F238E27FC236}">
-                <a16:creationId xmlns:a16="http://schemas.microsoft.com/office/drawing/2014/main" id="{FD20AB59-7596-1E4D-84E1-770249E3B1CE}"/>
-              </a:ext>
-            </a:extLst>
-          </p:cNvPr>
-          <p:cNvSpPr txBox="1"/>
-          <p:nvPr/>
-        </p:nvSpPr>
-        <p:spPr>
-          <a:xfrm>
-            <a:off x="830232" y="2550825"/>
-            <a:ext cx="617477" cy="369332"/>
-          </a:xfrm>
-          <a:prstGeom prst="rect">
-            <a:avLst/>
-          </a:prstGeom>
-          <a:noFill/>
-        </p:spPr>
-        <p:txBody>
-          <a:bodyPr wrap="none" rtlCol="0">
-            <a:spAutoFit/>
-          </a:bodyPr>
-          <a:lstStyle/>
-          <a:p>
-            <a:r>
-              <a:rPr lang="en-US" dirty="0"/>
-              <a:t>(0,0)</a:t>
-            </a:r>
-          </a:p>
-        </p:txBody>
-      </p:sp>
-      <p:sp>
-        <p:nvSpPr>
-          <p:cNvPr id="55" name="Rectangle 54">
-            <a:extLst>
-              <a:ext uri="{FF2B5EF4-FFF2-40B4-BE49-F238E27FC236}">
-                <a16:creationId xmlns:a16="http://schemas.microsoft.com/office/drawing/2014/main" id="{3ECDB614-08E4-B84B-B059-A3A25D9BABF9}"/>
-              </a:ext>
-            </a:extLst>
-          </p:cNvPr>
-          <p:cNvSpPr/>
-          <p:nvPr/>
-        </p:nvSpPr>
-        <p:spPr>
-          <a:xfrm>
-            <a:off x="5867441" y="3925438"/>
-            <a:ext cx="620889" cy="620889"/>
-          </a:xfrm>
-          <a:prstGeom prst="rect">
-            <a:avLst/>
-          </a:prstGeom>
-          <a:noFill/>
-          <a:ln w="3175">
-            <a:solidFill>
-              <a:schemeClr val="accent1"/>
-            </a:solidFill>
-          </a:ln>
-        </p:spPr>
-        <p:style>
-          <a:lnRef idx="2">
-            <a:schemeClr val="accent1">
-              <a:shade val="50000"/>
-            </a:schemeClr>
-          </a:lnRef>
-          <a:fillRef idx="1">
-            <a:schemeClr val="accent1"/>
-          </a:fillRef>
-          <a:effectRef idx="0">
-            <a:schemeClr val="accent1"/>
-          </a:effectRef>
-          <a:fontRef idx="minor">
-            <a:schemeClr val="lt1"/>
-          </a:fontRef>
-        </p:style>
-        <p:txBody>
-          <a:bodyPr rtlCol="0" anchor="ctr"/>
-          <a:lstStyle/>
-          <a:p>
-            <a:pPr algn="ctr"/>
-            <a:endParaRPr lang="en-US"/>
-          </a:p>
-        </p:txBody>
-      </p:sp>
-      <p:sp>
-        <p:nvSpPr>
-          <p:cNvPr id="56" name="Rectangle 55">
-            <a:extLst>
-              <a:ext uri="{FF2B5EF4-FFF2-40B4-BE49-F238E27FC236}">
-                <a16:creationId xmlns:a16="http://schemas.microsoft.com/office/drawing/2014/main" id="{4D25AA18-E956-3249-A1EB-255C7A94047E}"/>
-              </a:ext>
-            </a:extLst>
-          </p:cNvPr>
-          <p:cNvSpPr/>
-          <p:nvPr/>
-        </p:nvSpPr>
-        <p:spPr>
-          <a:xfrm>
-            <a:off x="6488916" y="3925438"/>
-            <a:ext cx="620889" cy="622866"/>
-          </a:xfrm>
-          <a:prstGeom prst="rect">
-            <a:avLst/>
-          </a:prstGeom>
-          <a:noFill/>
-          <a:ln w="3175">
-            <a:solidFill>
-              <a:schemeClr val="accent1"/>
-            </a:solidFill>
-          </a:ln>
-        </p:spPr>
-        <p:style>
-          <a:lnRef idx="2">
-            <a:schemeClr val="accent1">
-              <a:shade val="50000"/>
-            </a:schemeClr>
-          </a:lnRef>
-          <a:fillRef idx="1">
-            <a:schemeClr val="accent1"/>
-          </a:fillRef>
-          <a:effectRef idx="0">
-            <a:schemeClr val="accent1"/>
-          </a:effectRef>
-          <a:fontRef idx="minor">
-            <a:schemeClr val="lt1"/>
-          </a:fontRef>
-        </p:style>
-        <p:txBody>
-          <a:bodyPr rtlCol="0" anchor="ctr"/>
-          <a:lstStyle/>
-          <a:p>
-            <a:pPr algn="ctr"/>
-            <a:endParaRPr lang="en-US"/>
-          </a:p>
-        </p:txBody>
-      </p:sp>
-      <p:sp>
-        <p:nvSpPr>
-          <p:cNvPr id="57" name="Oval 56">
-            <a:extLst>
-              <a:ext uri="{FF2B5EF4-FFF2-40B4-BE49-F238E27FC236}">
-                <a16:creationId xmlns:a16="http://schemas.microsoft.com/office/drawing/2014/main" id="{344849D5-8831-8A42-B522-DBC05A1B7719}"/>
-              </a:ext>
-            </a:extLst>
-          </p:cNvPr>
-          <p:cNvSpPr/>
-          <p:nvPr/>
-        </p:nvSpPr>
-        <p:spPr>
-          <a:xfrm>
-            <a:off x="6758319" y="4209197"/>
-            <a:ext cx="111873" cy="101703"/>
-          </a:xfrm>
-          <a:prstGeom prst="ellipse">
-            <a:avLst/>
-          </a:prstGeom>
-          <a:ln w="3175">
-            <a:solidFill>
-              <a:schemeClr val="accent1"/>
-            </a:solidFill>
-          </a:ln>
-        </p:spPr>
-        <p:style>
-          <a:lnRef idx="2">
-            <a:schemeClr val="accent1">
-              <a:shade val="50000"/>
-            </a:schemeClr>
-          </a:lnRef>
-          <a:fillRef idx="1">
-            <a:schemeClr val="accent1"/>
-          </a:fillRef>
-          <a:effectRef idx="0">
-            <a:schemeClr val="accent1"/>
-          </a:effectRef>
-          <a:fontRef idx="minor">
-            <a:schemeClr val="lt1"/>
-          </a:fontRef>
-        </p:style>
-        <p:txBody>
-          <a:bodyPr rtlCol="0" anchor="ctr"/>
-          <a:lstStyle/>
-          <a:p>
-            <a:pPr algn="ctr"/>
-            <a:endParaRPr lang="de-DE"/>
-          </a:p>
-        </p:txBody>
-      </p:sp>
-      <p:sp>
-        <p:nvSpPr>
-          <p:cNvPr id="58" name="Oval 57">
-            <a:extLst>
-              <a:ext uri="{FF2B5EF4-FFF2-40B4-BE49-F238E27FC236}">
-                <a16:creationId xmlns:a16="http://schemas.microsoft.com/office/drawing/2014/main" id="{129ADD01-0F5D-BC47-80E5-90FC9622DCE1}"/>
-              </a:ext>
-            </a:extLst>
-          </p:cNvPr>
-          <p:cNvSpPr/>
-          <p:nvPr/>
-        </p:nvSpPr>
-        <p:spPr>
-          <a:xfrm>
-            <a:off x="6139362" y="4197311"/>
-            <a:ext cx="111873" cy="101703"/>
-          </a:xfrm>
-          <a:prstGeom prst="ellipse">
-            <a:avLst/>
-          </a:prstGeom>
-          <a:ln w="3175">
-            <a:solidFill>
-              <a:schemeClr val="accent1"/>
-            </a:solidFill>
-          </a:ln>
-        </p:spPr>
-        <p:style>
-          <a:lnRef idx="2">
-            <a:schemeClr val="accent1">
-              <a:shade val="50000"/>
-            </a:schemeClr>
-          </a:lnRef>
-          <a:fillRef idx="1">
-            <a:schemeClr val="accent1"/>
-          </a:fillRef>
-          <a:effectRef idx="0">
-            <a:schemeClr val="accent1"/>
-          </a:effectRef>
-          <a:fontRef idx="minor">
-            <a:schemeClr val="lt1"/>
-          </a:fontRef>
-        </p:style>
-        <p:txBody>
-          <a:bodyPr rtlCol="0" anchor="ctr"/>
-          <a:lstStyle/>
-          <a:p>
-            <a:pPr algn="ctr"/>
-            <a:endParaRPr lang="de-DE"/>
-          </a:p>
-        </p:txBody>
-      </p:sp>
-      <p:sp>
-        <p:nvSpPr>
-          <p:cNvPr id="63" name="Rectangle 62">
-            <a:extLst>
-              <a:ext uri="{FF2B5EF4-FFF2-40B4-BE49-F238E27FC236}">
-                <a16:creationId xmlns:a16="http://schemas.microsoft.com/office/drawing/2014/main" id="{0606488C-8987-DA49-8D5F-008726E7F71D}"/>
-              </a:ext>
-            </a:extLst>
-          </p:cNvPr>
-          <p:cNvSpPr/>
-          <p:nvPr/>
-        </p:nvSpPr>
-        <p:spPr>
-          <a:xfrm>
-            <a:off x="7110390" y="3925438"/>
-            <a:ext cx="620889" cy="622866"/>
-          </a:xfrm>
-          <a:prstGeom prst="rect">
-            <a:avLst/>
-          </a:prstGeom>
-          <a:noFill/>
-          <a:ln w="3175">
-            <a:solidFill>
-              <a:schemeClr val="accent1"/>
-            </a:solidFill>
-          </a:ln>
-        </p:spPr>
-        <p:style>
-          <a:lnRef idx="2">
-            <a:schemeClr val="accent1">
-              <a:shade val="50000"/>
-            </a:schemeClr>
-          </a:lnRef>
-          <a:fillRef idx="1">
-            <a:schemeClr val="accent1"/>
-          </a:fillRef>
-          <a:effectRef idx="0">
-            <a:schemeClr val="accent1"/>
-          </a:effectRef>
-          <a:fontRef idx="minor">
-            <a:schemeClr val="lt1"/>
-          </a:fontRef>
-        </p:style>
-        <p:txBody>
-          <a:bodyPr rtlCol="0" anchor="ctr"/>
-          <a:lstStyle/>
-          <a:p>
-            <a:pPr algn="ctr"/>
-            <a:endParaRPr lang="en-US"/>
-          </a:p>
-        </p:txBody>
-      </p:sp>
-      <p:sp>
-        <p:nvSpPr>
-          <p:cNvPr id="64" name="Oval 63">
-            <a:extLst>
-              <a:ext uri="{FF2B5EF4-FFF2-40B4-BE49-F238E27FC236}">
-                <a16:creationId xmlns:a16="http://schemas.microsoft.com/office/drawing/2014/main" id="{8E0C95EB-3D0A-C44A-A7B3-FC2063229746}"/>
-              </a:ext>
-            </a:extLst>
-          </p:cNvPr>
-          <p:cNvSpPr/>
-          <p:nvPr/>
-        </p:nvSpPr>
-        <p:spPr>
-          <a:xfrm>
-            <a:off x="7397609" y="4207220"/>
-            <a:ext cx="111873" cy="101703"/>
-          </a:xfrm>
-          <a:prstGeom prst="ellipse">
-            <a:avLst/>
-          </a:prstGeom>
-          <a:ln w="3175">
-            <a:solidFill>
-              <a:schemeClr val="accent1"/>
-            </a:solidFill>
-          </a:ln>
-        </p:spPr>
-        <p:style>
-          <a:lnRef idx="2">
-            <a:schemeClr val="accent1">
-              <a:shade val="50000"/>
-            </a:schemeClr>
-          </a:lnRef>
-          <a:fillRef idx="1">
-            <a:schemeClr val="accent1"/>
-          </a:fillRef>
-          <a:effectRef idx="0">
-            <a:schemeClr val="accent1"/>
-          </a:effectRef>
-          <a:fontRef idx="minor">
-            <a:schemeClr val="lt1"/>
-          </a:fontRef>
-        </p:style>
-        <p:txBody>
-          <a:bodyPr rtlCol="0" anchor="ctr"/>
-          <a:lstStyle/>
-          <a:p>
-            <a:pPr algn="ctr"/>
-            <a:endParaRPr lang="de-DE"/>
-          </a:p>
-        </p:txBody>
-      </p:sp>
-      <p:sp>
-        <p:nvSpPr>
-          <p:cNvPr id="67" name="Rectangle 66">
-            <a:extLst>
-              <a:ext uri="{FF2B5EF4-FFF2-40B4-BE49-F238E27FC236}">
-                <a16:creationId xmlns:a16="http://schemas.microsoft.com/office/drawing/2014/main" id="{EA38448F-0BB0-2B44-81BF-205887D988D5}"/>
-              </a:ext>
-            </a:extLst>
-          </p:cNvPr>
-          <p:cNvSpPr/>
-          <p:nvPr/>
-        </p:nvSpPr>
-        <p:spPr>
-          <a:xfrm>
-            <a:off x="5865466" y="4564728"/>
-            <a:ext cx="620889" cy="620889"/>
-          </a:xfrm>
-          <a:prstGeom prst="rect">
-            <a:avLst/>
-          </a:prstGeom>
-          <a:noFill/>
-          <a:ln w="3175">
-            <a:solidFill>
-              <a:schemeClr val="accent1"/>
-            </a:solidFill>
-          </a:ln>
-        </p:spPr>
-        <p:style>
-          <a:lnRef idx="2">
-            <a:schemeClr val="accent1">
-              <a:shade val="50000"/>
-            </a:schemeClr>
-          </a:lnRef>
-          <a:fillRef idx="1">
-            <a:schemeClr val="accent1"/>
-          </a:fillRef>
-          <a:effectRef idx="0">
-            <a:schemeClr val="accent1"/>
-          </a:effectRef>
-          <a:fontRef idx="minor">
-            <a:schemeClr val="lt1"/>
-          </a:fontRef>
-        </p:style>
-        <p:txBody>
-          <a:bodyPr rtlCol="0" anchor="ctr"/>
-          <a:lstStyle/>
-          <a:p>
-            <a:pPr algn="ctr"/>
-            <a:endParaRPr lang="en-US"/>
-          </a:p>
-        </p:txBody>
-      </p:sp>
-      <p:sp>
-        <p:nvSpPr>
-          <p:cNvPr id="68" name="Rectangle 67">
-            <a:extLst>
-              <a:ext uri="{FF2B5EF4-FFF2-40B4-BE49-F238E27FC236}">
-                <a16:creationId xmlns:a16="http://schemas.microsoft.com/office/drawing/2014/main" id="{1954E40F-5F0E-A641-A378-925AAB1C9E51}"/>
-              </a:ext>
-            </a:extLst>
-          </p:cNvPr>
-          <p:cNvSpPr/>
-          <p:nvPr/>
-        </p:nvSpPr>
-        <p:spPr>
-          <a:xfrm>
-            <a:off x="6486941" y="4564728"/>
-            <a:ext cx="620889" cy="622866"/>
-          </a:xfrm>
-          <a:prstGeom prst="rect">
-            <a:avLst/>
-          </a:prstGeom>
-          <a:noFill/>
-          <a:ln w="3175">
-            <a:solidFill>
-              <a:schemeClr val="accent1"/>
-            </a:solidFill>
-          </a:ln>
-        </p:spPr>
-        <p:style>
-          <a:lnRef idx="2">
-            <a:schemeClr val="accent1">
-              <a:shade val="50000"/>
-            </a:schemeClr>
-          </a:lnRef>
-          <a:fillRef idx="1">
-            <a:schemeClr val="accent1"/>
-          </a:fillRef>
-          <a:effectRef idx="0">
-            <a:schemeClr val="accent1"/>
-          </a:effectRef>
-          <a:fontRef idx="minor">
-            <a:schemeClr val="lt1"/>
-          </a:fontRef>
-        </p:style>
-        <p:txBody>
-          <a:bodyPr rtlCol="0" anchor="ctr"/>
-          <a:lstStyle/>
-          <a:p>
-            <a:pPr algn="ctr"/>
-            <a:endParaRPr lang="en-US"/>
-          </a:p>
-        </p:txBody>
-      </p:sp>
-      <p:sp>
-        <p:nvSpPr>
-          <p:cNvPr id="69" name="Oval 68">
-            <a:extLst>
-              <a:ext uri="{FF2B5EF4-FFF2-40B4-BE49-F238E27FC236}">
-                <a16:creationId xmlns:a16="http://schemas.microsoft.com/office/drawing/2014/main" id="{244255EB-2C4B-1542-B222-2DFF04D842CE}"/>
-              </a:ext>
-            </a:extLst>
-          </p:cNvPr>
-          <p:cNvSpPr/>
-          <p:nvPr/>
-        </p:nvSpPr>
-        <p:spPr>
-          <a:xfrm>
-            <a:off x="6756344" y="4848487"/>
-            <a:ext cx="111873" cy="101703"/>
-          </a:xfrm>
-          <a:prstGeom prst="ellipse">
-            <a:avLst/>
-          </a:prstGeom>
-          <a:ln w="3175">
-            <a:solidFill>
-              <a:schemeClr val="accent1"/>
-            </a:solidFill>
-          </a:ln>
-        </p:spPr>
-        <p:style>
-          <a:lnRef idx="2">
-            <a:schemeClr val="accent1">
-              <a:shade val="50000"/>
-            </a:schemeClr>
-          </a:lnRef>
-          <a:fillRef idx="1">
-            <a:schemeClr val="accent1"/>
-          </a:fillRef>
-          <a:effectRef idx="0">
-            <a:schemeClr val="accent1"/>
-          </a:effectRef>
-          <a:fontRef idx="minor">
-            <a:schemeClr val="lt1"/>
-          </a:fontRef>
-        </p:style>
-        <p:txBody>
-          <a:bodyPr rtlCol="0" anchor="ctr"/>
-          <a:lstStyle/>
-          <a:p>
-            <a:pPr algn="ctr"/>
-            <a:endParaRPr lang="de-DE"/>
-          </a:p>
-        </p:txBody>
-      </p:sp>
-      <p:sp>
-        <p:nvSpPr>
-          <p:cNvPr id="70" name="Oval 69">
-            <a:extLst>
-              <a:ext uri="{FF2B5EF4-FFF2-40B4-BE49-F238E27FC236}">
-                <a16:creationId xmlns:a16="http://schemas.microsoft.com/office/drawing/2014/main" id="{AB561325-B46C-8E47-A8C9-668BFE6A6976}"/>
-              </a:ext>
-            </a:extLst>
-          </p:cNvPr>
-          <p:cNvSpPr/>
-          <p:nvPr/>
-        </p:nvSpPr>
-        <p:spPr>
-          <a:xfrm>
-            <a:off x="6137387" y="4836601"/>
-            <a:ext cx="111873" cy="101703"/>
-          </a:xfrm>
-          <a:prstGeom prst="ellipse">
-            <a:avLst/>
-          </a:prstGeom>
-          <a:ln w="3175">
-            <a:solidFill>
-              <a:schemeClr val="accent1"/>
-            </a:solidFill>
-          </a:ln>
-        </p:spPr>
-        <p:style>
-          <a:lnRef idx="2">
-            <a:schemeClr val="accent1">
-              <a:shade val="50000"/>
-            </a:schemeClr>
-          </a:lnRef>
-          <a:fillRef idx="1">
-            <a:schemeClr val="accent1"/>
-          </a:fillRef>
-          <a:effectRef idx="0">
-            <a:schemeClr val="accent1"/>
-          </a:effectRef>
-          <a:fontRef idx="minor">
-            <a:schemeClr val="lt1"/>
-          </a:fontRef>
-        </p:style>
-        <p:txBody>
-          <a:bodyPr rtlCol="0" anchor="ctr"/>
-          <a:lstStyle/>
-          <a:p>
-            <a:pPr algn="ctr"/>
-            <a:endParaRPr lang="de-DE"/>
-          </a:p>
-        </p:txBody>
-      </p:sp>
-      <p:sp>
-        <p:nvSpPr>
-          <p:cNvPr id="71" name="Rectangle 70">
-            <a:extLst>
-              <a:ext uri="{FF2B5EF4-FFF2-40B4-BE49-F238E27FC236}">
-                <a16:creationId xmlns:a16="http://schemas.microsoft.com/office/drawing/2014/main" id="{29A5EAAB-8EE9-AE4B-AADF-6E3893BDBD00}"/>
-              </a:ext>
-            </a:extLst>
-          </p:cNvPr>
-          <p:cNvSpPr/>
-          <p:nvPr/>
-        </p:nvSpPr>
-        <p:spPr>
-          <a:xfrm>
-            <a:off x="7108415" y="4564728"/>
-            <a:ext cx="620889" cy="622866"/>
-          </a:xfrm>
-          <a:prstGeom prst="rect">
-            <a:avLst/>
-          </a:prstGeom>
-          <a:noFill/>
-          <a:ln w="3175">
-            <a:solidFill>
-              <a:schemeClr val="accent1"/>
-            </a:solidFill>
-          </a:ln>
-        </p:spPr>
-        <p:style>
-          <a:lnRef idx="2">
-            <a:schemeClr val="accent1">
-              <a:shade val="50000"/>
-            </a:schemeClr>
-          </a:lnRef>
-          <a:fillRef idx="1">
-            <a:schemeClr val="accent1"/>
-          </a:fillRef>
-          <a:effectRef idx="0">
-            <a:schemeClr val="accent1"/>
-          </a:effectRef>
-          <a:fontRef idx="minor">
-            <a:schemeClr val="lt1"/>
-          </a:fontRef>
-        </p:style>
-        <p:txBody>
-          <a:bodyPr rtlCol="0" anchor="ctr"/>
-          <a:lstStyle/>
-          <a:p>
-            <a:pPr algn="ctr"/>
-            <a:endParaRPr lang="en-US"/>
-          </a:p>
-        </p:txBody>
-      </p:sp>
-      <p:sp>
-        <p:nvSpPr>
-          <p:cNvPr id="72" name="Oval 71">
-            <a:extLst>
-              <a:ext uri="{FF2B5EF4-FFF2-40B4-BE49-F238E27FC236}">
-                <a16:creationId xmlns:a16="http://schemas.microsoft.com/office/drawing/2014/main" id="{E30368C8-6B5A-6C49-99E4-80CA4C716B2D}"/>
-              </a:ext>
-            </a:extLst>
-          </p:cNvPr>
-          <p:cNvSpPr/>
-          <p:nvPr/>
-        </p:nvSpPr>
-        <p:spPr>
-          <a:xfrm>
-            <a:off x="7395634" y="4846510"/>
-            <a:ext cx="111873" cy="101703"/>
-          </a:xfrm>
-          <a:prstGeom prst="ellipse">
-            <a:avLst/>
-          </a:prstGeom>
-          <a:ln w="3175">
-            <a:solidFill>
-              <a:schemeClr val="accent1"/>
-            </a:solidFill>
-          </a:ln>
-        </p:spPr>
-        <p:style>
-          <a:lnRef idx="2">
-            <a:schemeClr val="accent1">
-              <a:shade val="50000"/>
-            </a:schemeClr>
-          </a:lnRef>
-          <a:fillRef idx="1">
-            <a:schemeClr val="accent1"/>
-          </a:fillRef>
-          <a:effectRef idx="0">
-            <a:schemeClr val="accent1"/>
-          </a:effectRef>
-          <a:fontRef idx="minor">
-            <a:schemeClr val="lt1"/>
-          </a:fontRef>
-        </p:style>
-        <p:txBody>
-          <a:bodyPr rtlCol="0" anchor="ctr"/>
-          <a:lstStyle/>
-          <a:p>
-            <a:pPr algn="ctr"/>
-            <a:endParaRPr lang="de-DE"/>
-          </a:p>
-        </p:txBody>
-      </p:sp>
-      <p:sp>
-        <p:nvSpPr>
-          <p:cNvPr id="4" name="Rectangle 3">
-            <a:extLst>
-              <a:ext uri="{FF2B5EF4-FFF2-40B4-BE49-F238E27FC236}">
-                <a16:creationId xmlns:a16="http://schemas.microsoft.com/office/drawing/2014/main" id="{BC891B27-A604-284A-B6C8-ABBE46C05EA8}"/>
-              </a:ext>
-            </a:extLst>
-          </p:cNvPr>
-          <p:cNvSpPr/>
-          <p:nvPr/>
-        </p:nvSpPr>
-        <p:spPr>
-          <a:xfrm>
-            <a:off x="5865465" y="3935565"/>
-            <a:ext cx="1871519" cy="1250269"/>
-          </a:xfrm>
-          <a:prstGeom prst="rect">
-            <a:avLst/>
-          </a:prstGeom>
-          <a:solidFill>
-            <a:schemeClr val="accent1">
-              <a:alpha val="46000"/>
-            </a:schemeClr>
-          </a:solidFill>
-        </p:spPr>
-        <p:style>
-          <a:lnRef idx="2">
-            <a:schemeClr val="accent1">
-              <a:shade val="50000"/>
-            </a:schemeClr>
-          </a:lnRef>
-          <a:fillRef idx="1">
-            <a:schemeClr val="accent1"/>
-          </a:fillRef>
-          <a:effectRef idx="0">
-            <a:schemeClr val="accent1"/>
-          </a:effectRef>
-          <a:fontRef idx="minor">
-            <a:schemeClr val="lt1"/>
-          </a:fontRef>
-        </p:style>
-        <p:txBody>
-          <a:bodyPr rtlCol="0" anchor="ctr"/>
-          <a:lstStyle/>
-          <a:p>
-            <a:pPr algn="ctr"/>
-            <a:endParaRPr lang="de-DE" dirty="0"/>
-          </a:p>
-        </p:txBody>
-      </p:sp>
-    </p:spTree>
-    <p:extLst>
-      <p:ext uri="{BB962C8B-B14F-4D97-AF65-F5344CB8AC3E}">
-        <p14:creationId xmlns:p14="http://schemas.microsoft.com/office/powerpoint/2010/main" val="3647780881"/>
-      </p:ext>
-    </p:extLst>
-  </p:cSld>
-  <p:clrMapOvr>
-    <a:masterClrMapping/>
-  </p:clrMapOvr>
-</p:sld>
-</file>
-
-<file path=ppt/slides/slide2.xml><?xml version="1.0" encoding="utf-8"?>
-<p:sld xmlns:a="http://schemas.openxmlformats.org/drawingml/2006/main" xmlns:r="http://schemas.openxmlformats.org/officeDocument/2006/relationships" xmlns:p="http://schemas.openxmlformats.org/presentationml/2006/main">
-  <p:cSld>
-    <p:spTree>
-      <p:nvGrpSpPr>
-        <p:cNvPr id="1" name=""/>
-        <p:cNvGrpSpPr/>
-        <p:nvPr/>
-      </p:nvGrpSpPr>
-      <p:grpSpPr>
-        <a:xfrm>
-          <a:off x="0" y="0"/>
-          <a:ext cx="0" cy="0"/>
-          <a:chOff x="0" y="0"/>
-          <a:chExt cx="0" cy="0"/>
-        </a:xfrm>
-      </p:grpSpPr>
-      <p:sp>
-        <p:nvSpPr>
-          <p:cNvPr id="8" name="Rectangle 7"/>
-          <p:cNvSpPr/>
-          <p:nvPr/>
-        </p:nvSpPr>
-        <p:spPr>
-          <a:xfrm>
-            <a:off x="6211055" y="1962886"/>
-            <a:ext cx="620889" cy="620889"/>
-          </a:xfrm>
-          <a:prstGeom prst="rect">
-            <a:avLst/>
-          </a:prstGeom>
-          <a:noFill/>
-          <a:ln w="3175">
-            <a:solidFill>
-              <a:schemeClr val="accent1"/>
-            </a:solidFill>
-          </a:ln>
-        </p:spPr>
-        <p:style>
-          <a:lnRef idx="2">
-            <a:schemeClr val="accent1">
-              <a:shade val="50000"/>
-            </a:schemeClr>
-          </a:lnRef>
-          <a:fillRef idx="1">
-            <a:schemeClr val="accent1"/>
-          </a:fillRef>
-          <a:effectRef idx="0">
-            <a:schemeClr val="accent1"/>
-          </a:effectRef>
-          <a:fontRef idx="minor">
-            <a:schemeClr val="lt1"/>
-          </a:fontRef>
-        </p:style>
-        <p:txBody>
-          <a:bodyPr rtlCol="0" anchor="ctr"/>
-          <a:lstStyle/>
-          <a:p>
-            <a:pPr algn="ctr"/>
-            <a:endParaRPr lang="en-US"/>
-          </a:p>
-        </p:txBody>
-      </p:sp>
-      <p:cxnSp>
-        <p:nvCxnSpPr>
-          <p:cNvPr id="10" name="Straight Connector 9"/>
-          <p:cNvCxnSpPr/>
-          <p:nvPr/>
-        </p:nvCxnSpPr>
-        <p:spPr>
-          <a:xfrm flipH="1" flipV="1">
-            <a:off x="6070907" y="2243054"/>
-            <a:ext cx="11289" cy="694267"/>
-          </a:xfrm>
-          <a:prstGeom prst="line">
-            <a:avLst/>
-          </a:prstGeom>
-          <a:ln w="28575">
-            <a:headEnd type="arrow" w="med" len="med"/>
-            <a:tailEnd type="arrow" w="med" len="med"/>
-          </a:ln>
-        </p:spPr>
-        <p:style>
-          <a:lnRef idx="1">
-            <a:schemeClr val="accent1"/>
-          </a:lnRef>
-          <a:fillRef idx="0">
-            <a:schemeClr val="accent1"/>
-          </a:fillRef>
-          <a:effectRef idx="0">
-            <a:schemeClr val="accent1"/>
-          </a:effectRef>
-          <a:fontRef idx="minor">
-            <a:schemeClr val="tx1"/>
-          </a:fontRef>
-        </p:style>
-      </p:cxnSp>
-      <p:sp>
-        <p:nvSpPr>
-          <p:cNvPr id="12" name="TextBox 11"/>
-          <p:cNvSpPr txBox="1"/>
-          <p:nvPr/>
-        </p:nvSpPr>
-        <p:spPr>
-          <a:xfrm rot="16200000">
-            <a:off x="5158612" y="2384378"/>
-            <a:ext cx="1183337" cy="369332"/>
-          </a:xfrm>
-          <a:prstGeom prst="rect">
-            <a:avLst/>
-          </a:prstGeom>
-          <a:noFill/>
-        </p:spPr>
-        <p:txBody>
-          <a:bodyPr wrap="none" rtlCol="0">
-            <a:spAutoFit/>
-          </a:bodyPr>
-          <a:lstStyle/>
-          <a:p>
-            <a:r>
-              <a:rPr lang="en-US" dirty="0"/>
-              <a:t>Spacing </a:t>
-            </a:r>
-            <a:r>
-              <a:rPr lang="en-US" dirty="0" err="1"/>
-              <a:t>dy</a:t>
-            </a:r>
-            <a:endParaRPr lang="en-US" dirty="0"/>
-          </a:p>
-        </p:txBody>
-      </p:sp>
-      <p:sp>
-        <p:nvSpPr>
-          <p:cNvPr id="13" name="TextBox 12"/>
-          <p:cNvSpPr txBox="1"/>
-          <p:nvPr/>
-        </p:nvSpPr>
-        <p:spPr>
-          <a:xfrm>
-            <a:off x="6290693" y="1317648"/>
-            <a:ext cx="1178528" cy="369332"/>
-          </a:xfrm>
-          <a:prstGeom prst="rect">
-            <a:avLst/>
-          </a:prstGeom>
-          <a:noFill/>
-        </p:spPr>
-        <p:txBody>
-          <a:bodyPr wrap="none" rtlCol="0">
-            <a:spAutoFit/>
-          </a:bodyPr>
-          <a:lstStyle/>
-          <a:p>
-            <a:r>
-              <a:rPr lang="en-US" dirty="0"/>
-              <a:t>Spacing dx</a:t>
-            </a:r>
-          </a:p>
-        </p:txBody>
-      </p:sp>
-      <p:cxnSp>
-        <p:nvCxnSpPr>
-          <p:cNvPr id="18" name="Straight Connector 17"/>
-          <p:cNvCxnSpPr/>
-          <p:nvPr/>
-        </p:nvCxnSpPr>
-        <p:spPr>
-          <a:xfrm>
-            <a:off x="5851794" y="3757435"/>
-            <a:ext cx="1885191" cy="0"/>
-          </a:xfrm>
-          <a:prstGeom prst="line">
-            <a:avLst/>
-          </a:prstGeom>
-          <a:ln w="28575">
-            <a:headEnd type="arrow" w="med" len="med"/>
-            <a:tailEnd type="arrow" w="med" len="med"/>
-          </a:ln>
-        </p:spPr>
-        <p:style>
-          <a:lnRef idx="1">
-            <a:schemeClr val="accent1"/>
-          </a:lnRef>
-          <a:fillRef idx="0">
-            <a:schemeClr val="accent1"/>
-          </a:fillRef>
-          <a:effectRef idx="0">
-            <a:schemeClr val="accent1"/>
-          </a:effectRef>
-          <a:fontRef idx="minor">
-            <a:schemeClr val="tx1"/>
-          </a:fontRef>
-        </p:style>
-      </p:cxnSp>
-      <p:sp>
-        <p:nvSpPr>
-          <p:cNvPr id="19" name="TextBox 18"/>
-          <p:cNvSpPr txBox="1"/>
-          <p:nvPr/>
-        </p:nvSpPr>
-        <p:spPr>
-          <a:xfrm>
-            <a:off x="6446463" y="3412258"/>
-            <a:ext cx="575799" cy="369332"/>
-          </a:xfrm>
-          <a:prstGeom prst="rect">
-            <a:avLst/>
-          </a:prstGeom>
-          <a:noFill/>
-        </p:spPr>
-        <p:txBody>
-          <a:bodyPr wrap="none" rtlCol="0">
-            <a:spAutoFit/>
-          </a:bodyPr>
-          <a:lstStyle/>
-          <a:p>
-            <a:r>
-              <a:rPr lang="en-US" dirty="0"/>
-              <a:t>3 dx</a:t>
-            </a:r>
-          </a:p>
-        </p:txBody>
-      </p:sp>
-      <p:cxnSp>
-        <p:nvCxnSpPr>
-          <p:cNvPr id="15" name="Straight Connector 14"/>
-          <p:cNvCxnSpPr/>
-          <p:nvPr/>
-        </p:nvCxnSpPr>
-        <p:spPr>
-          <a:xfrm flipV="1">
-            <a:off x="6521499" y="1776435"/>
-            <a:ext cx="632177" cy="7924"/>
-          </a:xfrm>
-          <a:prstGeom prst="line">
-            <a:avLst/>
-          </a:prstGeom>
-          <a:ln w="28575">
-            <a:headEnd type="arrow" w="med" len="med"/>
-            <a:tailEnd type="arrow" w="med" len="med"/>
-          </a:ln>
-        </p:spPr>
-        <p:style>
-          <a:lnRef idx="1">
-            <a:schemeClr val="accent1"/>
-          </a:lnRef>
-          <a:fillRef idx="0">
-            <a:schemeClr val="accent1"/>
-          </a:fillRef>
-          <a:effectRef idx="0">
-            <a:schemeClr val="accent1"/>
-          </a:effectRef>
-          <a:fontRef idx="minor">
-            <a:schemeClr val="tx1"/>
-          </a:fontRef>
-        </p:style>
-      </p:cxnSp>
-      <mc:AlternateContent xmlns:mc="http://schemas.openxmlformats.org/markup-compatibility/2006" xmlns:a14="http://schemas.microsoft.com/office/drawing/2010/main">
-        <mc:Choice Requires="a14">
-          <p:sp>
-            <p:nvSpPr>
-              <p:cNvPr id="32" name="TextBox 31"/>
-              <p:cNvSpPr txBox="1"/>
-              <p:nvPr/>
-            </p:nvSpPr>
-            <p:spPr>
-              <a:xfrm>
-                <a:off x="5647731" y="5397351"/>
-                <a:ext cx="2350900" cy="369332"/>
-              </a:xfrm>
-              <a:prstGeom prst="rect">
-                <a:avLst/>
-              </a:prstGeom>
-              <a:noFill/>
-            </p:spPr>
-            <p:txBody>
-              <a:bodyPr wrap="none" rtlCol="0">
-                <a:spAutoFit/>
-              </a:bodyPr>
-              <a:lstStyle/>
-              <a:p>
-                <a:pPr/>
-                <a14:m>
-                  <m:oMathPara xmlns:m="http://schemas.openxmlformats.org/officeDocument/2006/math">
-                    <m:oMathParaPr>
-                      <m:jc m:val="centerGroup"/>
-                    </m:oMathParaPr>
-                    <m:oMath xmlns:m="http://schemas.openxmlformats.org/officeDocument/2006/math">
-                      <m:r>
-                        <a:rPr lang="en-US" i="1" dirty="0" smtClean="0">
-                          <a:latin typeface="Cambria Math" panose="02040503050406030204" pitchFamily="18" charset="0"/>
-                        </a:rPr>
-                        <m:t>𝐴</m:t>
-                      </m:r>
-                      <m:r>
-                        <a:rPr lang="en-US" b="0" i="1" dirty="0" smtClean="0">
-                          <a:latin typeface="Cambria Math" panose="02040503050406030204" pitchFamily="18" charset="0"/>
-                        </a:rPr>
-                        <m:t>𝑟𝑒𝑎</m:t>
-                      </m:r>
-                      <m:r>
-                        <a:rPr lang="en-US" i="1" dirty="0" smtClean="0">
-                          <a:latin typeface="Cambria Math" panose="02040503050406030204" pitchFamily="18" charset="0"/>
-                        </a:rPr>
-                        <m:t> = 3 </m:t>
-                      </m:r>
-                      <m:r>
-                        <a:rPr lang="en-US" i="1" dirty="0" smtClean="0">
-                          <a:latin typeface="Cambria Math" panose="02040503050406030204" pitchFamily="18" charset="0"/>
-                        </a:rPr>
-                        <m:t>𝑑𝑥</m:t>
-                      </m:r>
-                      <m:r>
-                        <a:rPr lang="en-US" i="1" dirty="0">
-                          <a:latin typeface="Cambria Math" panose="02040503050406030204" pitchFamily="18" charset="0"/>
-                        </a:rPr>
-                        <m:t> </m:t>
-                      </m:r>
-                      <m:r>
-                        <a:rPr lang="en-US" i="1" dirty="0" smtClean="0">
-                          <a:latin typeface="Cambria Math" panose="02040503050406030204" pitchFamily="18" charset="0"/>
-                        </a:rPr>
-                        <m:t>∗ 2 </m:t>
-                      </m:r>
-                      <m:r>
-                        <a:rPr lang="en-US" i="1" dirty="0" err="1" smtClean="0">
-                          <a:latin typeface="Cambria Math" panose="02040503050406030204" pitchFamily="18" charset="0"/>
-                        </a:rPr>
-                        <m:t>𝑑𝑦</m:t>
-                      </m:r>
-                    </m:oMath>
-                  </m:oMathPara>
-                </a14:m>
-                <a:endParaRPr lang="en-US" dirty="0"/>
-              </a:p>
-            </p:txBody>
-          </p:sp>
-        </mc:Choice>
-        <mc:Fallback xmlns="">
-          <p:sp>
-            <p:nvSpPr>
-              <p:cNvPr id="32" name="TextBox 31"/>
-              <p:cNvSpPr txBox="1">
-                <a:spLocks noRot="1" noChangeAspect="1" noMove="1" noResize="1" noEditPoints="1" noAdjustHandles="1" noChangeArrowheads="1" noChangeShapeType="1" noTextEdit="1"/>
-              </p:cNvSpPr>
-              <p:nvPr/>
-            </p:nvSpPr>
-            <p:spPr>
-              <a:xfrm>
-                <a:off x="5647731" y="5397351"/>
-                <a:ext cx="2350900" cy="369332"/>
-              </a:xfrm>
-              <a:prstGeom prst="rect">
-                <a:avLst/>
-              </a:prstGeom>
-              <a:blipFill>
-                <a:blip r:embed="rId3"/>
-                <a:stretch>
-                  <a:fillRect b="-13333"/>
-                </a:stretch>
-              </a:blipFill>
-            </p:spPr>
-            <p:txBody>
-              <a:bodyPr/>
-              <a:lstStyle/>
-              <a:p>
-                <a:r>
-                  <a:rPr lang="de-DE">
-                    <a:noFill/>
-                  </a:rPr>
-                  <a:t> </a:t>
-                </a:r>
-              </a:p>
-            </p:txBody>
-          </p:sp>
-        </mc:Fallback>
-      </mc:AlternateContent>
-      <p:cxnSp>
-        <p:nvCxnSpPr>
-          <p:cNvPr id="33" name="Straight Connector 32"/>
-          <p:cNvCxnSpPr/>
-          <p:nvPr/>
-        </p:nvCxnSpPr>
-        <p:spPr>
-          <a:xfrm flipH="1">
-            <a:off x="5685051" y="3909835"/>
-            <a:ext cx="3532" cy="1319514"/>
-          </a:xfrm>
-          <a:prstGeom prst="line">
-            <a:avLst/>
-          </a:prstGeom>
-          <a:ln w="28575">
-            <a:headEnd type="arrow" w="med" len="med"/>
-            <a:tailEnd type="arrow" w="med" len="med"/>
-          </a:ln>
-        </p:spPr>
-        <p:style>
-          <a:lnRef idx="1">
-            <a:schemeClr val="accent1"/>
-          </a:lnRef>
-          <a:fillRef idx="0">
-            <a:schemeClr val="accent1"/>
-          </a:fillRef>
-          <a:effectRef idx="0">
-            <a:schemeClr val="accent1"/>
-          </a:effectRef>
-          <a:fontRef idx="minor">
-            <a:schemeClr val="tx1"/>
-          </a:fontRef>
-        </p:style>
-      </p:cxnSp>
-      <p:sp>
-        <p:nvSpPr>
-          <p:cNvPr id="35" name="TextBox 34"/>
-          <p:cNvSpPr txBox="1"/>
-          <p:nvPr/>
-        </p:nvSpPr>
-        <p:spPr>
-          <a:xfrm>
-            <a:off x="4988364" y="4288454"/>
-            <a:ext cx="580608" cy="369332"/>
-          </a:xfrm>
-          <a:prstGeom prst="rect">
-            <a:avLst/>
-          </a:prstGeom>
-          <a:noFill/>
-        </p:spPr>
-        <p:txBody>
-          <a:bodyPr wrap="none" rtlCol="0">
-            <a:spAutoFit/>
-          </a:bodyPr>
-          <a:lstStyle/>
-          <a:p>
-            <a:r>
-              <a:rPr lang="en-US" dirty="0"/>
-              <a:t>2 </a:t>
-            </a:r>
-            <a:r>
-              <a:rPr lang="en-US" dirty="0" err="1"/>
-              <a:t>dy</a:t>
-            </a:r>
-            <a:endParaRPr lang="en-US" dirty="0"/>
-          </a:p>
-        </p:txBody>
-      </p:sp>
-      <p:pic>
-        <p:nvPicPr>
-          <p:cNvPr id="2" name="Picture 1">
-            <a:extLst>
-              <a:ext uri="{FF2B5EF4-FFF2-40B4-BE49-F238E27FC236}">
-                <a16:creationId xmlns:a16="http://schemas.microsoft.com/office/drawing/2014/main" id="{735AA54B-4CF3-3245-83F5-0A757CB942B4}"/>
-              </a:ext>
-            </a:extLst>
-          </p:cNvPr>
-          <p:cNvPicPr>
-            <a:picLocks noChangeAspect="1"/>
-          </p:cNvPicPr>
-          <p:nvPr/>
-        </p:nvPicPr>
-        <p:blipFill>
-          <a:blip r:embed="rId4"/>
-          <a:stretch>
-            <a:fillRect/>
-          </a:stretch>
-        </p:blipFill>
-        <p:spPr>
-          <a:xfrm>
-            <a:off x="1271769" y="2941748"/>
-            <a:ext cx="2466807" cy="2466807"/>
-          </a:xfrm>
-          <a:prstGeom prst="rect">
-            <a:avLst/>
-          </a:prstGeom>
-        </p:spPr>
-      </p:pic>
-      <p:pic>
-        <p:nvPicPr>
-          <p:cNvPr id="9" name="Picture 8">
-            <a:extLst>
-              <a:ext uri="{FF2B5EF4-FFF2-40B4-BE49-F238E27FC236}">
-                <a16:creationId xmlns:a16="http://schemas.microsoft.com/office/drawing/2014/main" id="{0FA03725-3C6B-E547-96B5-219B4EF4940E}"/>
-              </a:ext>
-            </a:extLst>
-          </p:cNvPr>
-          <p:cNvPicPr>
-            <a:picLocks noChangeAspect="1"/>
-          </p:cNvPicPr>
-          <p:nvPr/>
-        </p:nvPicPr>
-        <p:blipFill rotWithShape="1">
-          <a:blip r:embed="rId5"/>
-          <a:srcRect l="8811" t="11586" r="11204" b="12787"/>
-          <a:stretch/>
-        </p:blipFill>
-        <p:spPr>
-          <a:xfrm>
             <a:off x="-1655082" y="4363453"/>
             <a:ext cx="1505044" cy="1403230"/>
           </a:xfrm>
@@ -6253,8 +6233,8 @@
           </a:fontRef>
         </p:style>
       </p:cxnSp>
-      <mc:AlternateContent xmlns:mc="http://schemas.openxmlformats.org/markup-compatibility/2006">
-        <mc:Choice xmlns:a14="http://schemas.microsoft.com/office/drawing/2010/main" Requires="a14">
+      <mc:AlternateContent xmlns:mc="http://schemas.openxmlformats.org/markup-compatibility/2006" xmlns:a14="http://schemas.microsoft.com/office/drawing/2010/main">
+        <mc:Choice Requires="a14">
           <p:sp>
             <p:nvSpPr>
               <p:cNvPr id="34" name="TextBox 33">
@@ -6283,7 +6263,6 @@
               </a:bodyPr>
               <a:lstStyle/>
               <a:p>
-                <a:pPr/>
                 <a:r>
                   <a:rPr lang="en-US" dirty="0">
                     <a:solidFill>
@@ -6330,22 +6309,7 @@
                         <a:rPr lang="en-US" b="0" i="1" smtClean="0">
                           <a:latin typeface="Cambria Math" panose="02040503050406030204" pitchFamily="18" charset="0"/>
                         </a:rPr>
-                        <m:t>: 139 </m:t>
-                      </m:r>
-                      <m:r>
-                        <a:rPr lang="en-US" b="0" i="1" smtClean="0">
-                          <a:latin typeface="Cambria Math" panose="02040503050406030204" pitchFamily="18" charset="0"/>
-                        </a:rPr>
-                        <m:t>∗ 0.</m:t>
-                      </m:r>
-                      <m:r>
-                        <a:rPr lang="en-US" b="0" i="1" smtClean="0">
-                          <a:solidFill>
-                            <a:schemeClr val="accent6"/>
-                          </a:solidFill>
-                          <a:latin typeface="Cambria Math" panose="02040503050406030204" pitchFamily="18" charset="0"/>
-                        </a:rPr>
-                        <m:t>13 µ</m:t>
+                        <m:t>: 139 ∗ 0.13 µ</m:t>
                       </m:r>
                       <m:r>
                         <a:rPr lang="en-US" b="0" i="1" smtClean="0">
@@ -6399,22 +6363,13 @@
                         <a:rPr lang="en-US" b="0" i="1" smtClean="0">
                           <a:latin typeface="Cambria Math" panose="02040503050406030204" pitchFamily="18" charset="0"/>
                         </a:rPr>
-                        <m:t>: 50 ∗</m:t>
+                        <m:t>: 50 ∗ 0.1</m:t>
                       </m:r>
                       <m:r>
                         <a:rPr lang="en-US" i="1">
                           <a:latin typeface="Cambria Math" panose="02040503050406030204" pitchFamily="18" charset="0"/>
                         </a:rPr>
-                        <m:t> 0.13</m:t>
-                      </m:r>
-                      <m:r>
-                        <a:rPr lang="en-US" i="1" smtClean="0">
-                          <a:solidFill>
-                            <a:schemeClr val="accent6"/>
-                          </a:solidFill>
-                          <a:latin typeface="Cambria Math" panose="02040503050406030204" pitchFamily="18" charset="0"/>
-                        </a:rPr>
-                        <m:t> µ</m:t>
+                        <m:t>3 µ</m:t>
                       </m:r>
                       <m:r>
                         <a:rPr lang="en-US" i="1" smtClean="0">
@@ -6451,7 +6406,7 @@
             </p:txBody>
           </p:sp>
         </mc:Choice>
-        <mc:Fallback>
+        <mc:Fallback xmlns="">
           <p:sp>
             <p:nvSpPr>
               <p:cNvPr id="34" name="TextBox 33">
